--- a/Doc/DotCoreApiWithAkka.pptx
+++ b/Doc/DotCoreApiWithAkka.pptx
@@ -6,21 +6,26 @@
   </p:sldMasterIdLst>
   <p:sldIdLst>
     <p:sldId id="256" r:id="rId2"/>
-    <p:sldId id="260" r:id="rId3"/>
-    <p:sldId id="277" r:id="rId4"/>
-    <p:sldId id="265" r:id="rId5"/>
-    <p:sldId id="264" r:id="rId6"/>
-    <p:sldId id="271" r:id="rId7"/>
-    <p:sldId id="278" r:id="rId8"/>
-    <p:sldId id="266" r:id="rId9"/>
-    <p:sldId id="267" r:id="rId10"/>
-    <p:sldId id="268" r:id="rId11"/>
-    <p:sldId id="269" r:id="rId12"/>
-    <p:sldId id="270" r:id="rId13"/>
-    <p:sldId id="272" r:id="rId14"/>
-    <p:sldId id="273" r:id="rId15"/>
-    <p:sldId id="274" r:id="rId16"/>
-    <p:sldId id="276" r:id="rId17"/>
+    <p:sldId id="279" r:id="rId3"/>
+    <p:sldId id="282" r:id="rId4"/>
+    <p:sldId id="283" r:id="rId5"/>
+    <p:sldId id="260" r:id="rId6"/>
+    <p:sldId id="277" r:id="rId7"/>
+    <p:sldId id="265" r:id="rId8"/>
+    <p:sldId id="264" r:id="rId9"/>
+    <p:sldId id="271" r:id="rId10"/>
+    <p:sldId id="278" r:id="rId11"/>
+    <p:sldId id="266" r:id="rId12"/>
+    <p:sldId id="267" r:id="rId13"/>
+    <p:sldId id="268" r:id="rId14"/>
+    <p:sldId id="269" r:id="rId15"/>
+    <p:sldId id="270" r:id="rId16"/>
+    <p:sldId id="272" r:id="rId17"/>
+    <p:sldId id="273" r:id="rId18"/>
+    <p:sldId id="274" r:id="rId19"/>
+    <p:sldId id="281" r:id="rId20"/>
+    <p:sldId id="276" r:id="rId21"/>
+    <p:sldId id="280" r:id="rId22"/>
   </p:sldIdLst>
   <p:sldSz cx="12192000" cy="6858000"/>
   <p:notesSz cx="6858000" cy="9144000"/>
@@ -3480,6 +3485,841 @@
 <file path=ppt/slides/slide10.xml><?xml version="1.0" encoding="utf-8"?>
 <p:sld xmlns:a="http://schemas.openxmlformats.org/drawingml/2006/main" xmlns:r="http://schemas.openxmlformats.org/officeDocument/2006/relationships" xmlns:p="http://schemas.openxmlformats.org/presentationml/2006/main">
   <p:cSld>
+    <p:spTree>
+      <p:nvGrpSpPr>
+        <p:cNvPr id="1" name=""/>
+        <p:cNvGrpSpPr/>
+        <p:nvPr/>
+      </p:nvGrpSpPr>
+      <p:grpSpPr>
+        <a:xfrm>
+          <a:off x="0" y="0"/>
+          <a:ext cx="0" cy="0"/>
+          <a:chOff x="0" y="0"/>
+          <a:chExt cx="0" cy="0"/>
+        </a:xfrm>
+      </p:grpSpPr>
+      <p:sp>
+        <p:nvSpPr>
+          <p:cNvPr id="2" name="제목 1">
+            <a:extLst>
+              <a:ext uri="{FF2B5EF4-FFF2-40B4-BE49-F238E27FC236}">
+                <a16:creationId xmlns:a16="http://schemas.microsoft.com/office/drawing/2014/main" id="{27165071-36C3-48DB-8442-66DB993AA301}"/>
+              </a:ext>
+            </a:extLst>
+          </p:cNvPr>
+          <p:cNvSpPr>
+            <a:spLocks noGrp="1"/>
+          </p:cNvSpPr>
+          <p:nvPr>
+            <p:ph type="title"/>
+          </p:nvPr>
+        </p:nvSpPr>
+        <p:spPr/>
+        <p:txBody>
+          <a:bodyPr/>
+          <a:lstStyle/>
+          <a:p>
+            <a:r>
+              <a:rPr lang="en-US" altLang="ko-KR"/>
+              <a:t>AKKA.NET </a:t>
+            </a:r>
+            <a:r>
+              <a:rPr lang="ko-KR" altLang="en-US"/>
+              <a:t>구성요소</a:t>
+            </a:r>
+          </a:p>
+        </p:txBody>
+      </p:sp>
+      <p:sp>
+        <p:nvSpPr>
+          <p:cNvPr id="3" name="내용 개체 틀 2">
+            <a:extLst>
+              <a:ext uri="{FF2B5EF4-FFF2-40B4-BE49-F238E27FC236}">
+                <a16:creationId xmlns:a16="http://schemas.microsoft.com/office/drawing/2014/main" id="{F60A5B85-8FBF-41CF-A3CD-29530A662A76}"/>
+              </a:ext>
+            </a:extLst>
+          </p:cNvPr>
+          <p:cNvSpPr>
+            <a:spLocks noGrp="1"/>
+          </p:cNvSpPr>
+          <p:nvPr>
+            <p:ph idx="1"/>
+          </p:nvPr>
+        </p:nvSpPr>
+        <p:spPr/>
+        <p:txBody>
+          <a:bodyPr>
+            <a:normAutofit/>
+          </a:bodyPr>
+          <a:lstStyle/>
+          <a:p>
+            <a:r>
+              <a:rPr lang="en-US" altLang="ko-KR"/>
+              <a:t>"Akka" Version="1.4.12"</a:t>
+            </a:r>
+          </a:p>
+          <a:p>
+            <a:r>
+              <a:rPr lang="en-US" altLang="ko-KR"/>
+              <a:t>"Akka.Remote" Version="1.4.12"</a:t>
+            </a:r>
+          </a:p>
+          <a:p>
+            <a:r>
+              <a:rPr lang="en-US" altLang="ko-KR"/>
+              <a:t>"Akka.Cluster" Version="1.4.12"</a:t>
+            </a:r>
+          </a:p>
+          <a:p>
+            <a:r>
+              <a:rPr lang="en-US" altLang="ko-KR"/>
+              <a:t>"Akka.Persistence" Version="1.4.12“</a:t>
+            </a:r>
+          </a:p>
+          <a:p>
+            <a:r>
+              <a:rPr lang="en-US" altLang="ko-KR"/>
+              <a:t>"Akka.Logger.NLog" Version="1.3.5"</a:t>
+            </a:r>
+          </a:p>
+          <a:p>
+            <a:r>
+              <a:rPr lang="en-US" altLang="ko-KR"/>
+              <a:t>"Akka.Streams" Version="1.4.12"</a:t>
+            </a:r>
+          </a:p>
+          <a:p>
+            <a:r>
+              <a:rPr lang="en-US" altLang="ko-KR"/>
+              <a:t>"Akka.Streams.Kafka" Version="1.1.0"</a:t>
+            </a:r>
+          </a:p>
+          <a:p>
+            <a:endParaRPr lang="ko-KR" altLang="en-US"/>
+          </a:p>
+        </p:txBody>
+      </p:sp>
+    </p:spTree>
+    <p:extLst>
+      <p:ext uri="{BB962C8B-B14F-4D97-AF65-F5344CB8AC3E}">
+        <p14:creationId xmlns:p14="http://schemas.microsoft.com/office/powerpoint/2010/main" val="2644794125"/>
+      </p:ext>
+    </p:extLst>
+  </p:cSld>
+  <p:clrMapOvr>
+    <a:masterClrMapping/>
+  </p:clrMapOvr>
+</p:sld>
+</file>
+
+<file path=ppt/slides/slide11.xml><?xml version="1.0" encoding="utf-8"?>
+<p:sld xmlns:a="http://schemas.openxmlformats.org/drawingml/2006/main" xmlns:r="http://schemas.openxmlformats.org/officeDocument/2006/relationships" xmlns:p="http://schemas.openxmlformats.org/presentationml/2006/main">
+  <p:cSld>
+    <p:bg>
+      <p:bgPr>
+        <a:solidFill>
+          <a:schemeClr val="bg1"/>
+        </a:solidFill>
+        <a:effectLst/>
+      </p:bgPr>
+    </p:bg>
+    <p:spTree>
+      <p:nvGrpSpPr>
+        <p:cNvPr id="1" name=""/>
+        <p:cNvGrpSpPr/>
+        <p:nvPr/>
+      </p:nvGrpSpPr>
+      <p:grpSpPr>
+        <a:xfrm>
+          <a:off x="0" y="0"/>
+          <a:ext cx="0" cy="0"/>
+          <a:chOff x="0" y="0"/>
+          <a:chExt cx="0" cy="0"/>
+        </a:xfrm>
+      </p:grpSpPr>
+      <p:sp useBgFill="1">
+        <p:nvSpPr>
+          <p:cNvPr id="28" name="Rectangle 22">
+            <a:extLst>
+              <a:ext uri="{FF2B5EF4-FFF2-40B4-BE49-F238E27FC236}">
+                <a16:creationId xmlns:a16="http://schemas.microsoft.com/office/drawing/2014/main" id="{0D1D8088-559A-46A5-A801-CDF0B9476BED}"/>
+              </a:ext>
+              <a:ext uri="{C183D7F6-B498-43B3-948B-1728B52AA6E4}">
+                <adec:decorative xmlns:adec="http://schemas.microsoft.com/office/drawing/2017/decorative" val="1"/>
+              </a:ext>
+            </a:extLst>
+          </p:cNvPr>
+          <p:cNvSpPr>
+            <a:spLocks noGrp="1" noRot="1" noChangeAspect="1" noMove="1" noResize="1" noEditPoints="1" noAdjustHandles="1" noChangeArrowheads="1" noChangeShapeType="1" noTextEdit="1"/>
+          </p:cNvSpPr>
+          <p:nvPr>
+            <p:extLst>
+              <p:ext uri="{386F3935-93C4-4BCD-93E2-E3B085C9AB24}">
+                <p16:designElem xmlns:p16="http://schemas.microsoft.com/office/powerpoint/2015/main" val="1"/>
+              </p:ext>
+            </p:extLst>
+          </p:nvPr>
+        </p:nvSpPr>
+        <p:spPr>
+          <a:xfrm>
+            <a:off x="0" y="0"/>
+            <a:ext cx="12191999" cy="6857365"/>
+          </a:xfrm>
+          <a:prstGeom prst="rect">
+            <a:avLst/>
+          </a:prstGeom>
+          <a:ln>
+            <a:noFill/>
+          </a:ln>
+        </p:spPr>
+        <p:style>
+          <a:lnRef idx="2">
+            <a:schemeClr val="accent1">
+              <a:shade val="50000"/>
+            </a:schemeClr>
+          </a:lnRef>
+          <a:fillRef idx="1">
+            <a:schemeClr val="accent1"/>
+          </a:fillRef>
+          <a:effectRef idx="0">
+            <a:schemeClr val="accent1"/>
+          </a:effectRef>
+          <a:fontRef idx="minor">
+            <a:schemeClr val="lt1"/>
+          </a:fontRef>
+        </p:style>
+        <p:txBody>
+          <a:bodyPr rtlCol="0" anchor="ctr"/>
+          <a:lstStyle/>
+          <a:p>
+            <a:pPr algn="ctr"/>
+            <a:endParaRPr lang="en-US"/>
+          </a:p>
+        </p:txBody>
+      </p:sp>
+      <p:grpSp>
+        <p:nvGrpSpPr>
+          <p:cNvPr id="30" name="Group 24">
+            <a:extLst>
+              <a:ext uri="{FF2B5EF4-FFF2-40B4-BE49-F238E27FC236}">
+                <a16:creationId xmlns:a16="http://schemas.microsoft.com/office/drawing/2014/main" id="{83E2E96F-17F7-4C8C-BDF1-6BB90A0C1D7F}"/>
+              </a:ext>
+              <a:ext uri="{C183D7F6-B498-43B3-948B-1728B52AA6E4}">
+                <adec:decorative xmlns:adec="http://schemas.microsoft.com/office/drawing/2017/decorative" val="1"/>
+              </a:ext>
+            </a:extLst>
+          </p:cNvPr>
+          <p:cNvGrpSpPr>
+            <a:grpSpLocks noGrp="1" noUngrp="1" noRot="1" noChangeAspect="1" noMove="1" noResize="1"/>
+          </p:cNvGrpSpPr>
+          <p:nvPr>
+            <p:extLst>
+              <p:ext uri="{386F3935-93C4-4BCD-93E2-E3B085C9AB24}">
+                <p16:designElem xmlns:p16="http://schemas.microsoft.com/office/powerpoint/2015/main" val="1"/>
+              </p:ext>
+            </p:extLst>
+          </p:nvPr>
+        </p:nvGrpSpPr>
+        <p:grpSpPr>
+          <a:xfrm>
+            <a:off x="209667" y="2380868"/>
+            <a:ext cx="11982332" cy="2087795"/>
+            <a:chOff x="143163" y="5763486"/>
+            <a:chExt cx="11982332" cy="739555"/>
+          </a:xfrm>
+        </p:grpSpPr>
+        <p:sp>
+          <p:nvSpPr>
+            <p:cNvPr id="26" name="Rectangle 25">
+              <a:extLst>
+                <a:ext uri="{FF2B5EF4-FFF2-40B4-BE49-F238E27FC236}">
+                  <a16:creationId xmlns:a16="http://schemas.microsoft.com/office/drawing/2014/main" id="{846BD00C-9313-4A22-94F7-3875A46C6D6F}"/>
+                </a:ext>
+                <a:ext uri="{C183D7F6-B498-43B3-948B-1728B52AA6E4}">
+                  <adec:decorative xmlns:adec="http://schemas.microsoft.com/office/drawing/2017/decorative" val="1"/>
+                </a:ext>
+              </a:extLst>
+            </p:cNvPr>
+            <p:cNvSpPr/>
+            <p:nvPr>
+              <p:extLst>
+                <p:ext uri="{386F3935-93C4-4BCD-93E2-E3B085C9AB24}">
+                  <p16:designElem xmlns:p16="http://schemas.microsoft.com/office/powerpoint/2015/main" val="1"/>
+                </p:ext>
+              </p:extLst>
+            </p:nvPr>
+          </p:nvSpPr>
+          <p:spPr>
+            <a:xfrm flipH="1" flipV="1">
+              <a:off x="357444" y="5763486"/>
+              <a:ext cx="11768051" cy="739555"/>
+            </a:xfrm>
+            <a:prstGeom prst="rect">
+              <a:avLst/>
+            </a:prstGeom>
+            <a:solidFill>
+              <a:schemeClr val="accent4"/>
+            </a:solidFill>
+            <a:ln>
+              <a:noFill/>
+            </a:ln>
+          </p:spPr>
+          <p:style>
+            <a:lnRef idx="2">
+              <a:schemeClr val="accent1">
+                <a:shade val="50000"/>
+              </a:schemeClr>
+            </a:lnRef>
+            <a:fillRef idx="1">
+              <a:schemeClr val="accent1"/>
+            </a:fillRef>
+            <a:effectRef idx="0">
+              <a:schemeClr val="accent1"/>
+            </a:effectRef>
+            <a:fontRef idx="minor">
+              <a:schemeClr val="lt1"/>
+            </a:fontRef>
+          </p:style>
+          <p:txBody>
+            <a:bodyPr rtlCol="0" anchor="ctr"/>
+            <a:lstStyle/>
+            <a:p>
+              <a:pPr algn="ctr"/>
+              <a:endParaRPr lang="en-US"/>
+            </a:p>
+          </p:txBody>
+        </p:sp>
+        <p:cxnSp>
+          <p:nvCxnSpPr>
+            <p:cNvPr id="27" name="Straight Connector 26">
+              <a:extLst>
+                <a:ext uri="{FF2B5EF4-FFF2-40B4-BE49-F238E27FC236}">
+                  <a16:creationId xmlns:a16="http://schemas.microsoft.com/office/drawing/2014/main" id="{1EAF30D0-AA67-427C-9938-A2C8A9B5D5D9}"/>
+                </a:ext>
+                <a:ext uri="{C183D7F6-B498-43B3-948B-1728B52AA6E4}">
+                  <adec:decorative xmlns:adec="http://schemas.microsoft.com/office/drawing/2017/decorative" val="1"/>
+                </a:ext>
+              </a:extLst>
+            </p:cNvPr>
+            <p:cNvCxnSpPr>
+              <a:cxnSpLocks/>
+            </p:cNvCxnSpPr>
+            <p:nvPr>
+              <p:extLst>
+                <p:ext uri="{386F3935-93C4-4BCD-93E2-E3B085C9AB24}">
+                  <p16:designElem xmlns:p16="http://schemas.microsoft.com/office/powerpoint/2015/main" val="1"/>
+                </p:ext>
+              </p:extLst>
+            </p:nvPr>
+          </p:nvCxnSpPr>
+          <p:spPr>
+            <a:xfrm flipH="1">
+              <a:off x="143163" y="5763486"/>
+              <a:ext cx="1" cy="739555"/>
+            </a:xfrm>
+            <a:prstGeom prst="line">
+              <a:avLst/>
+            </a:prstGeom>
+            <a:ln w="177800">
+              <a:solidFill>
+                <a:schemeClr val="accent4"/>
+              </a:solidFill>
+            </a:ln>
+          </p:spPr>
+          <p:style>
+            <a:lnRef idx="1">
+              <a:schemeClr val="accent1"/>
+            </a:lnRef>
+            <a:fillRef idx="0">
+              <a:schemeClr val="accent1"/>
+            </a:fillRef>
+            <a:effectRef idx="0">
+              <a:schemeClr val="accent1"/>
+            </a:effectRef>
+            <a:fontRef idx="minor">
+              <a:schemeClr val="tx1"/>
+            </a:fontRef>
+          </p:style>
+        </p:cxnSp>
+      </p:grpSp>
+      <p:sp>
+        <p:nvSpPr>
+          <p:cNvPr id="29" name="Rectangle 28">
+            <a:extLst>
+              <a:ext uri="{FF2B5EF4-FFF2-40B4-BE49-F238E27FC236}">
+                <a16:creationId xmlns:a16="http://schemas.microsoft.com/office/drawing/2014/main" id="{3776B14B-F2F4-4825-8DA8-8C7A0F2B3960}"/>
+              </a:ext>
+              <a:ext uri="{C183D7F6-B498-43B3-948B-1728B52AA6E4}">
+                <adec:decorative xmlns:adec="http://schemas.microsoft.com/office/drawing/2017/decorative" val="1"/>
+              </a:ext>
+            </a:extLst>
+          </p:cNvPr>
+          <p:cNvSpPr>
+            <a:spLocks noGrp="1" noRot="1" noChangeAspect="1" noMove="1" noResize="1" noEditPoints="1" noAdjustHandles="1" noChangeArrowheads="1" noChangeShapeType="1" noTextEdit="1"/>
+          </p:cNvSpPr>
+          <p:nvPr>
+            <p:extLst>
+              <p:ext uri="{386F3935-93C4-4BCD-93E2-E3B085C9AB24}">
+                <p16:designElem xmlns:p16="http://schemas.microsoft.com/office/powerpoint/2015/main" val="1"/>
+              </p:ext>
+            </p:extLst>
+          </p:nvPr>
+        </p:nvSpPr>
+        <p:spPr>
+          <a:xfrm>
+            <a:off x="579528" y="466344"/>
+            <a:ext cx="11111729" cy="5917827"/>
+          </a:xfrm>
+          <a:prstGeom prst="rect">
+            <a:avLst/>
+          </a:prstGeom>
+          <a:solidFill>
+            <a:schemeClr val="bg1"/>
+          </a:solidFill>
+          <a:ln>
+            <a:noFill/>
+          </a:ln>
+          <a:effectLst>
+            <a:outerShdw blurRad="139700" dist="127000" dir="5400000" algn="t" rotWithShape="0">
+              <a:prstClr val="black">
+                <a:alpha val="15000"/>
+              </a:prstClr>
+            </a:outerShdw>
+          </a:effectLst>
+        </p:spPr>
+        <p:style>
+          <a:lnRef idx="2">
+            <a:schemeClr val="accent1">
+              <a:shade val="50000"/>
+            </a:schemeClr>
+          </a:lnRef>
+          <a:fillRef idx="1">
+            <a:schemeClr val="accent1"/>
+          </a:fillRef>
+          <a:effectRef idx="0">
+            <a:schemeClr val="accent1"/>
+          </a:effectRef>
+          <a:fontRef idx="minor">
+            <a:schemeClr val="lt1"/>
+          </a:fontRef>
+        </p:style>
+        <p:txBody>
+          <a:bodyPr rtlCol="0" anchor="ctr"/>
+          <a:lstStyle/>
+          <a:p>
+            <a:pPr algn="ctr"/>
+            <a:endParaRPr lang="en-US"/>
+          </a:p>
+        </p:txBody>
+      </p:sp>
+      <p:pic>
+        <p:nvPicPr>
+          <p:cNvPr id="4" name="그림 3">
+            <a:extLst>
+              <a:ext uri="{FF2B5EF4-FFF2-40B4-BE49-F238E27FC236}">
+                <a16:creationId xmlns:a16="http://schemas.microsoft.com/office/drawing/2014/main" id="{58A68BD1-7CA7-4DE4-A596-3683C5930EB6}"/>
+              </a:ext>
+            </a:extLst>
+          </p:cNvPr>
+          <p:cNvPicPr>
+            <a:picLocks noChangeAspect="1"/>
+          </p:cNvPicPr>
+          <p:nvPr/>
+        </p:nvPicPr>
+        <p:blipFill rotWithShape="1">
+          <a:blip r:embed="rId2"/>
+          <a:srcRect l="4196" r="7885" b="-1"/>
+          <a:stretch/>
+        </p:blipFill>
+        <p:spPr>
+          <a:xfrm>
+            <a:off x="838200" y="704766"/>
+            <a:ext cx="10628376" cy="4990862"/>
+          </a:xfrm>
+          <a:prstGeom prst="rect">
+            <a:avLst/>
+          </a:prstGeom>
+          <a:scene3d>
+            <a:camera prst="orthographicFront">
+              <a:rot lat="0" lon="0" rev="0"/>
+            </a:camera>
+            <a:lightRig rig="soft" dir="t">
+              <a:rot lat="0" lon="0" rev="0"/>
+            </a:lightRig>
+          </a:scene3d>
+          <a:sp3d contourW="44450" prstMaterial="matte">
+            <a:bevelT w="63500" h="63500" prst="artDeco"/>
+            <a:contourClr>
+              <a:srgbClr val="FFFFFF"/>
+            </a:contourClr>
+          </a:sp3d>
+        </p:spPr>
+        <p:style>
+          <a:lnRef idx="1">
+            <a:schemeClr val="dk1"/>
+          </a:lnRef>
+          <a:fillRef idx="2">
+            <a:schemeClr val="dk1"/>
+          </a:fillRef>
+          <a:effectRef idx="1">
+            <a:schemeClr val="dk1"/>
+          </a:effectRef>
+          <a:fontRef idx="minor">
+            <a:schemeClr val="dk1"/>
+          </a:fontRef>
+        </p:style>
+      </p:pic>
+      <p:sp>
+        <p:nvSpPr>
+          <p:cNvPr id="2" name="직사각형 1">
+            <a:extLst>
+              <a:ext uri="{FF2B5EF4-FFF2-40B4-BE49-F238E27FC236}">
+                <a16:creationId xmlns:a16="http://schemas.microsoft.com/office/drawing/2014/main" id="{6C7CD4A1-CBD5-4D4B-B1D6-90CDFD40DBEA}"/>
+              </a:ext>
+            </a:extLst>
+          </p:cNvPr>
+          <p:cNvSpPr/>
+          <p:nvPr/>
+        </p:nvSpPr>
+        <p:spPr>
+          <a:xfrm>
+            <a:off x="209667" y="104497"/>
+            <a:ext cx="3892412" cy="369332"/>
+          </a:xfrm>
+          <a:prstGeom prst="rect">
+            <a:avLst/>
+          </a:prstGeom>
+        </p:spPr>
+        <p:txBody>
+          <a:bodyPr wrap="none">
+            <a:spAutoFit/>
+          </a:bodyPr>
+          <a:lstStyle/>
+          <a:p>
+            <a:r>
+              <a:rPr lang="ko-KR" altLang="en-US"/>
+              <a:t>액터 라우팅을 활용한 동시분산처리</a:t>
+            </a:r>
+            <a:endParaRPr lang="en-US" altLang="ko-KR"/>
+          </a:p>
+        </p:txBody>
+      </p:sp>
+      <p:sp>
+        <p:nvSpPr>
+          <p:cNvPr id="3" name="직사각형 2">
+            <a:extLst>
+              <a:ext uri="{FF2B5EF4-FFF2-40B4-BE49-F238E27FC236}">
+                <a16:creationId xmlns:a16="http://schemas.microsoft.com/office/drawing/2014/main" id="{43BB240C-5B4A-4045-9E83-22A90F47CE5F}"/>
+              </a:ext>
+            </a:extLst>
+          </p:cNvPr>
+          <p:cNvSpPr/>
+          <p:nvPr/>
+        </p:nvSpPr>
+        <p:spPr>
+          <a:xfrm>
+            <a:off x="6338826" y="5872809"/>
+            <a:ext cx="5127750" cy="369332"/>
+          </a:xfrm>
+          <a:prstGeom prst="rect">
+            <a:avLst/>
+          </a:prstGeom>
+        </p:spPr>
+        <p:txBody>
+          <a:bodyPr wrap="none">
+            <a:spAutoFit/>
+          </a:bodyPr>
+          <a:lstStyle/>
+          <a:p>
+            <a:r>
+              <a:rPr lang="ko-KR" altLang="en-US"/>
+              <a:t>http://wiki.webnori.com/display/webfr/LoadTest</a:t>
+            </a:r>
+          </a:p>
+        </p:txBody>
+      </p:sp>
+    </p:spTree>
+    <p:extLst>
+      <p:ext uri="{BB962C8B-B14F-4D97-AF65-F5344CB8AC3E}">
+        <p14:creationId xmlns:p14="http://schemas.microsoft.com/office/powerpoint/2010/main" val="1547690897"/>
+      </p:ext>
+    </p:extLst>
+  </p:cSld>
+  <p:clrMapOvr>
+    <a:masterClrMapping/>
+  </p:clrMapOvr>
+</p:sld>
+</file>
+
+<file path=ppt/slides/slide12.xml><?xml version="1.0" encoding="utf-8"?>
+<p:sld xmlns:a="http://schemas.openxmlformats.org/drawingml/2006/main" xmlns:r="http://schemas.openxmlformats.org/officeDocument/2006/relationships" xmlns:p="http://schemas.openxmlformats.org/presentationml/2006/main">
+  <p:cSld>
+    <p:bg>
+      <p:bgPr>
+        <a:solidFill>
+          <a:schemeClr val="bg1"/>
+        </a:solidFill>
+        <a:effectLst/>
+      </p:bgPr>
+    </p:bg>
+    <p:spTree>
+      <p:nvGrpSpPr>
+        <p:cNvPr id="1" name=""/>
+        <p:cNvGrpSpPr/>
+        <p:nvPr/>
+      </p:nvGrpSpPr>
+      <p:grpSpPr>
+        <a:xfrm>
+          <a:off x="0" y="0"/>
+          <a:ext cx="0" cy="0"/>
+          <a:chOff x="0" y="0"/>
+          <a:chExt cx="0" cy="0"/>
+        </a:xfrm>
+      </p:grpSpPr>
+      <p:sp>
+        <p:nvSpPr>
+          <p:cNvPr id="20" name="Rectangle 19">
+            <a:extLst>
+              <a:ext uri="{FF2B5EF4-FFF2-40B4-BE49-F238E27FC236}">
+                <a16:creationId xmlns:a16="http://schemas.microsoft.com/office/drawing/2014/main" id="{B775CD93-9DF2-48CB-9F57-1BCA9A46C7FA}"/>
+              </a:ext>
+              <a:ext uri="{C183D7F6-B498-43B3-948B-1728B52AA6E4}">
+                <adec:decorative xmlns:adec="http://schemas.microsoft.com/office/drawing/2017/decorative" val="1"/>
+              </a:ext>
+            </a:extLst>
+          </p:cNvPr>
+          <p:cNvSpPr>
+            <a:spLocks noGrp="1" noRot="1" noChangeAspect="1" noMove="1" noResize="1" noEditPoints="1" noAdjustHandles="1" noChangeArrowheads="1" noChangeShapeType="1" noTextEdit="1"/>
+          </p:cNvSpPr>
+          <p:nvPr>
+            <p:extLst>
+              <p:ext uri="{386F3935-93C4-4BCD-93E2-E3B085C9AB24}">
+                <p16:designElem xmlns:p16="http://schemas.microsoft.com/office/powerpoint/2015/main" val="1"/>
+              </p:ext>
+            </p:extLst>
+          </p:nvPr>
+        </p:nvSpPr>
+        <p:spPr>
+          <a:xfrm>
+            <a:off x="466343" y="448056"/>
+            <a:ext cx="1920339" cy="2894124"/>
+          </a:xfrm>
+          <a:prstGeom prst="rect">
+            <a:avLst/>
+          </a:prstGeom>
+          <a:solidFill>
+            <a:srgbClr val="A5A5A5"/>
+          </a:solidFill>
+          <a:ln w="25400">
+            <a:noFill/>
+          </a:ln>
+        </p:spPr>
+        <p:style>
+          <a:lnRef idx="2">
+            <a:schemeClr val="accent1">
+              <a:shade val="50000"/>
+            </a:schemeClr>
+          </a:lnRef>
+          <a:fillRef idx="1">
+            <a:schemeClr val="accent1"/>
+          </a:fillRef>
+          <a:effectRef idx="0">
+            <a:schemeClr val="accent1"/>
+          </a:effectRef>
+          <a:fontRef idx="minor">
+            <a:schemeClr val="lt1"/>
+          </a:fontRef>
+        </p:style>
+        <p:txBody>
+          <a:bodyPr rtlCol="0" anchor="ctr"/>
+          <a:lstStyle/>
+          <a:p>
+            <a:pPr algn="ctr"/>
+            <a:endParaRPr lang="en-US">
+              <a:solidFill>
+                <a:srgbClr val="FFFFFF"/>
+              </a:solidFill>
+            </a:endParaRPr>
+          </a:p>
+        </p:txBody>
+      </p:sp>
+      <p:sp>
+        <p:nvSpPr>
+          <p:cNvPr id="25" name="Rectangle 21">
+            <a:extLst>
+              <a:ext uri="{FF2B5EF4-FFF2-40B4-BE49-F238E27FC236}">
+                <a16:creationId xmlns:a16="http://schemas.microsoft.com/office/drawing/2014/main" id="{6166C6D1-23AC-49C4-BA07-238E4E9F8CEB}"/>
+              </a:ext>
+              <a:ext uri="{C183D7F6-B498-43B3-948B-1728B52AA6E4}">
+                <adec:decorative xmlns:adec="http://schemas.microsoft.com/office/drawing/2017/decorative" val="1"/>
+              </a:ext>
+            </a:extLst>
+          </p:cNvPr>
+          <p:cNvSpPr>
+            <a:spLocks noGrp="1" noRot="1" noChangeAspect="1" noMove="1" noResize="1" noEditPoints="1" noAdjustHandles="1" noChangeArrowheads="1" noChangeShapeType="1" noTextEdit="1"/>
+          </p:cNvSpPr>
+          <p:nvPr>
+            <p:extLst>
+              <p:ext uri="{386F3935-93C4-4BCD-93E2-E3B085C9AB24}">
+                <p16:designElem xmlns:p16="http://schemas.microsoft.com/office/powerpoint/2015/main" val="1"/>
+              </p:ext>
+            </p:extLst>
+          </p:nvPr>
+        </p:nvSpPr>
+        <p:spPr>
+          <a:xfrm>
+            <a:off x="466343" y="3515821"/>
+            <a:ext cx="1920338" cy="2883258"/>
+          </a:xfrm>
+          <a:prstGeom prst="rect">
+            <a:avLst/>
+          </a:prstGeom>
+          <a:solidFill>
+            <a:schemeClr val="accent5">
+              <a:alpha val="95000"/>
+            </a:schemeClr>
+          </a:solidFill>
+          <a:ln w="25400">
+            <a:noFill/>
+          </a:ln>
+        </p:spPr>
+        <p:style>
+          <a:lnRef idx="2">
+            <a:schemeClr val="accent1">
+              <a:shade val="50000"/>
+            </a:schemeClr>
+          </a:lnRef>
+          <a:fillRef idx="1">
+            <a:schemeClr val="accent1"/>
+          </a:fillRef>
+          <a:effectRef idx="0">
+            <a:schemeClr val="accent1"/>
+          </a:effectRef>
+          <a:fontRef idx="minor">
+            <a:schemeClr val="lt1"/>
+          </a:fontRef>
+        </p:style>
+        <p:txBody>
+          <a:bodyPr rtlCol="0" anchor="ctr"/>
+          <a:lstStyle/>
+          <a:p>
+            <a:pPr algn="ctr"/>
+            <a:endParaRPr lang="en-US" dirty="0">
+              <a:solidFill>
+                <a:srgbClr val="FFFFFF"/>
+              </a:solidFill>
+            </a:endParaRPr>
+          </a:p>
+        </p:txBody>
+      </p:sp>
+      <p:pic>
+        <p:nvPicPr>
+          <p:cNvPr id="4" name="그림 3">
+            <a:extLst>
+              <a:ext uri="{FF2B5EF4-FFF2-40B4-BE49-F238E27FC236}">
+                <a16:creationId xmlns:a16="http://schemas.microsoft.com/office/drawing/2014/main" id="{29AC9A78-08B5-4B8E-888E-FE2B500EAF4A}"/>
+              </a:ext>
+            </a:extLst>
+          </p:cNvPr>
+          <p:cNvPicPr>
+            <a:picLocks noChangeAspect="1"/>
+          </p:cNvPicPr>
+          <p:nvPr/>
+        </p:nvPicPr>
+        <p:blipFill rotWithShape="1">
+          <a:blip r:embed="rId2"/>
+          <a:srcRect t="10724" r="1" b="1"/>
+          <a:stretch/>
+        </p:blipFill>
+        <p:spPr>
+          <a:xfrm>
+            <a:off x="2551176" y="448056"/>
+            <a:ext cx="9180576" cy="5952744"/>
+          </a:xfrm>
+          <a:prstGeom prst="rect">
+            <a:avLst/>
+          </a:prstGeom>
+          <a:scene3d>
+            <a:camera prst="orthographicFront">
+              <a:rot lat="0" lon="0" rev="0"/>
+            </a:camera>
+            <a:lightRig rig="soft" dir="t">
+              <a:rot lat="0" lon="0" rev="0"/>
+            </a:lightRig>
+          </a:scene3d>
+          <a:sp3d contourW="44450" prstMaterial="matte">
+            <a:bevelT w="63500" h="63500" prst="artDeco"/>
+            <a:contourClr>
+              <a:srgbClr val="FFFFFF"/>
+            </a:contourClr>
+          </a:sp3d>
+        </p:spPr>
+      </p:pic>
+      <p:sp>
+        <p:nvSpPr>
+          <p:cNvPr id="5" name="직사각형 4">
+            <a:extLst>
+              <a:ext uri="{FF2B5EF4-FFF2-40B4-BE49-F238E27FC236}">
+                <a16:creationId xmlns:a16="http://schemas.microsoft.com/office/drawing/2014/main" id="{C2A603AC-BD8C-469B-971B-0B52F0A8767B}"/>
+              </a:ext>
+            </a:extLst>
+          </p:cNvPr>
+          <p:cNvSpPr/>
+          <p:nvPr/>
+        </p:nvSpPr>
+        <p:spPr>
+          <a:xfrm>
+            <a:off x="519596" y="3589362"/>
+            <a:ext cx="1813832" cy="923330"/>
+          </a:xfrm>
+          <a:prstGeom prst="rect">
+            <a:avLst/>
+          </a:prstGeom>
+        </p:spPr>
+        <p:txBody>
+          <a:bodyPr wrap="square">
+            <a:spAutoFit/>
+          </a:bodyPr>
+          <a:lstStyle/>
+          <a:p>
+            <a:r>
+              <a:rPr lang="ko-KR" altLang="en-US"/>
+              <a:t>유한상태머신</a:t>
+            </a:r>
+            <a:br>
+              <a:rPr lang="en-US" altLang="ko-KR"/>
+            </a:br>
+            <a:r>
+              <a:rPr lang="ko-KR" altLang="en-US"/>
+              <a:t>액터</a:t>
+            </a:r>
+            <a:br>
+              <a:rPr lang="en-US" altLang="ko-KR"/>
+            </a:br>
+            <a:r>
+              <a:rPr lang="en-US" altLang="ko-KR"/>
+              <a:t>FSMActor</a:t>
+            </a:r>
+          </a:p>
+        </p:txBody>
+      </p:sp>
+    </p:spTree>
+    <p:extLst>
+      <p:ext uri="{BB962C8B-B14F-4D97-AF65-F5344CB8AC3E}">
+        <p14:creationId xmlns:p14="http://schemas.microsoft.com/office/powerpoint/2010/main" val="3726472807"/>
+      </p:ext>
+    </p:extLst>
+  </p:cSld>
+  <p:clrMapOvr>
+    <a:masterClrMapping/>
+  </p:clrMapOvr>
+</p:sld>
+</file>
+
+<file path=ppt/slides/slide13.xml><?xml version="1.0" encoding="utf-8"?>
+<p:sld xmlns:a="http://schemas.openxmlformats.org/drawingml/2006/main" xmlns:r="http://schemas.openxmlformats.org/officeDocument/2006/relationships" xmlns:p="http://schemas.openxmlformats.org/presentationml/2006/main">
+  <p:cSld>
     <p:bg>
       <p:bgPr>
         <a:solidFill>
@@ -3697,6 +4537,40 @@
           </a:extLst>
         </p:spPr>
       </p:pic>
+      <p:sp>
+        <p:nvSpPr>
+          <p:cNvPr id="5" name="직사각형 4">
+            <a:extLst>
+              <a:ext uri="{FF2B5EF4-FFF2-40B4-BE49-F238E27FC236}">
+                <a16:creationId xmlns:a16="http://schemas.microsoft.com/office/drawing/2014/main" id="{FA48EFFF-3A49-465E-9AAC-DE85E561FF11}"/>
+              </a:ext>
+            </a:extLst>
+          </p:cNvPr>
+          <p:cNvSpPr/>
+          <p:nvPr/>
+        </p:nvSpPr>
+        <p:spPr>
+          <a:xfrm>
+            <a:off x="460248" y="3667516"/>
+            <a:ext cx="1813832" cy="369332"/>
+          </a:xfrm>
+          <a:prstGeom prst="rect">
+            <a:avLst/>
+          </a:prstGeom>
+        </p:spPr>
+        <p:txBody>
+          <a:bodyPr wrap="square">
+            <a:spAutoFit/>
+          </a:bodyPr>
+          <a:lstStyle/>
+          <a:p>
+            <a:r>
+              <a:rPr lang="en-US" altLang="ko-KR"/>
+              <a:t>Persitence</a:t>
+            </a:r>
+          </a:p>
+        </p:txBody>
+      </p:sp>
     </p:spTree>
     <p:extLst>
       <p:ext uri="{BB962C8B-B14F-4D97-AF65-F5344CB8AC3E}">
@@ -3710,7 +4584,7 @@
 </p:sld>
 </file>
 
-<file path=ppt/slides/slide11.xml><?xml version="1.0" encoding="utf-8"?>
+<file path=ppt/slides/slide14.xml><?xml version="1.0" encoding="utf-8"?>
 <p:sld xmlns:a="http://schemas.openxmlformats.org/drawingml/2006/main" xmlns:r="http://schemas.openxmlformats.org/officeDocument/2006/relationships" xmlns:p="http://schemas.openxmlformats.org/presentationml/2006/main">
   <p:cSld>
     <p:bg>
@@ -4066,7 +4940,7 @@
 </p:sld>
 </file>
 
-<file path=ppt/slides/slide12.xml><?xml version="1.0" encoding="utf-8"?>
+<file path=ppt/slides/slide15.xml><?xml version="1.0" encoding="utf-8"?>
 <p:sld xmlns:a="http://schemas.openxmlformats.org/drawingml/2006/main" xmlns:r="http://schemas.openxmlformats.org/officeDocument/2006/relationships" xmlns:p="http://schemas.openxmlformats.org/presentationml/2006/main">
   <p:cSld>
     <p:bg>
@@ -4093,10 +4967,10 @@
       </p:grpSpPr>
       <p:sp>
         <p:nvSpPr>
-          <p:cNvPr id="16" name="Rectangle 15">
-            <a:extLst>
-              <a:ext uri="{FF2B5EF4-FFF2-40B4-BE49-F238E27FC236}">
-                <a16:creationId xmlns:a16="http://schemas.microsoft.com/office/drawing/2014/main" id="{57845966-6EFC-468A-9CC7-BAB4B95854E7}"/>
+          <p:cNvPr id="25" name="Rectangle 24">
+            <a:extLst>
+              <a:ext uri="{FF2B5EF4-FFF2-40B4-BE49-F238E27FC236}">
+                <a16:creationId xmlns:a16="http://schemas.microsoft.com/office/drawing/2014/main" id="{B775CD93-9DF2-48CB-9F57-1BCA9A46C7FA}"/>
               </a:ext>
               <a:ext uri="{C183D7F6-B498-43B3-948B-1728B52AA6E4}">
                 <adec:decorative xmlns:adec="http://schemas.microsoft.com/office/drawing/2017/decorative" val="1"/>
@@ -4116,8 +4990,8 @@
         </p:nvSpPr>
         <p:spPr>
           <a:xfrm>
-            <a:off x="1354372" y="0"/>
-            <a:ext cx="9483256" cy="6858000"/>
+            <a:off x="466343" y="448056"/>
+            <a:ext cx="1920339" cy="2894124"/>
           </a:xfrm>
           <a:prstGeom prst="rect">
             <a:avLst/>
@@ -4125,7 +4999,7 @@
           <a:solidFill>
             <a:srgbClr val="564B3C"/>
           </a:solidFill>
-          <a:ln>
+          <a:ln w="25400">
             <a:noFill/>
           </a:ln>
         </p:spPr>
@@ -4150,25 +5024,29 @@
           <a:lstStyle/>
           <a:p>
             <a:pPr algn="ctr"/>
-            <a:endParaRPr lang="en-US"/>
-          </a:p>
-        </p:txBody>
-      </p:sp>
-      <p:pic>
-        <p:nvPicPr>
-          <p:cNvPr id="18" name="Picture 17">
-            <a:extLst>
-              <a:ext uri="{FF2B5EF4-FFF2-40B4-BE49-F238E27FC236}">
-                <a16:creationId xmlns:a16="http://schemas.microsoft.com/office/drawing/2014/main" id="{75554383-98AF-4A47-BB65-705FAAA4BE6A}"/>
+            <a:endParaRPr lang="en-US">
+              <a:solidFill>
+                <a:srgbClr val="FFFFFF"/>
+              </a:solidFill>
+            </a:endParaRPr>
+          </a:p>
+        </p:txBody>
+      </p:sp>
+      <p:sp>
+        <p:nvSpPr>
+          <p:cNvPr id="27" name="Rectangle 26">
+            <a:extLst>
+              <a:ext uri="{FF2B5EF4-FFF2-40B4-BE49-F238E27FC236}">
+                <a16:creationId xmlns:a16="http://schemas.microsoft.com/office/drawing/2014/main" id="{6166C6D1-23AC-49C4-BA07-238E4E9F8CEB}"/>
               </a:ext>
               <a:ext uri="{C183D7F6-B498-43B3-948B-1728B52AA6E4}">
                 <adec:decorative xmlns:adec="http://schemas.microsoft.com/office/drawing/2017/decorative" val="1"/>
               </a:ext>
             </a:extLst>
           </p:cNvPr>
-          <p:cNvPicPr>
-            <a:picLocks noGrp="1" noRot="1" noChangeAspect="1" noMove="1" noResize="1" noEditPoints="1" noAdjustHandles="1" noChangeArrowheads="1" noChangeShapeType="1" noCrop="1"/>
-          </p:cNvPicPr>
+          <p:cNvSpPr>
+            <a:spLocks noGrp="1" noRot="1" noChangeAspect="1" noMove="1" noResize="1" noEditPoints="1" noAdjustHandles="1" noChangeArrowheads="1" noChangeShapeType="1" noTextEdit="1"/>
+          </p:cNvSpPr>
           <p:nvPr>
             <p:extLst>
               <p:ext uri="{386F3935-93C4-4BCD-93E2-E3B085C9AB24}">
@@ -4176,190 +5054,22 @@
               </p:ext>
             </p:extLst>
           </p:nvPr>
-        </p:nvPicPr>
-        <p:blipFill>
-          <a:blip r:embed="rId2">
-            <a:extLst>
-              <a:ext uri="{28A0092B-C50C-407E-A947-70E740481C1C}">
-                <a14:useLocalDpi xmlns:a14="http://schemas.microsoft.com/office/drawing/2010/main" val="0"/>
-              </a:ext>
-            </a:extLst>
-          </a:blip>
-          <a:stretch>
-            <a:fillRect/>
-          </a:stretch>
-        </p:blipFill>
+        </p:nvSpPr>
         <p:spPr>
           <a:xfrm>
-            <a:off x="0" y="0"/>
-            <a:ext cx="12192000" cy="6858000"/>
+            <a:off x="466343" y="3515821"/>
+            <a:ext cx="1920338" cy="2883258"/>
           </a:xfrm>
           <a:prstGeom prst="rect">
             <a:avLst/>
           </a:prstGeom>
-        </p:spPr>
-      </p:pic>
-      <p:sp>
-        <p:nvSpPr>
-          <p:cNvPr id="20" name="Freeform: Shape 19">
-            <a:extLst>
-              <a:ext uri="{FF2B5EF4-FFF2-40B4-BE49-F238E27FC236}">
-                <a16:creationId xmlns:a16="http://schemas.microsoft.com/office/drawing/2014/main" id="{ADAD1991-FFD1-4E94-ABAB-7560D33008E4}"/>
-              </a:ext>
-              <a:ext uri="{C183D7F6-B498-43B3-948B-1728B52AA6E4}">
-                <adec:decorative xmlns:adec="http://schemas.microsoft.com/office/drawing/2017/decorative" val="1"/>
-              </a:ext>
-            </a:extLst>
-          </p:cNvPr>
-          <p:cNvSpPr>
-            <a:spLocks noGrp="1" noRot="1" noChangeAspect="1" noMove="1" noResize="1" noEditPoints="1" noAdjustHandles="1" noChangeArrowheads="1" noChangeShapeType="1" noTextEdit="1"/>
-          </p:cNvSpPr>
-          <p:nvPr>
-            <p:extLst>
-              <p:ext uri="{386F3935-93C4-4BCD-93E2-E3B085C9AB24}">
-                <p16:designElem xmlns:p16="http://schemas.microsoft.com/office/powerpoint/2015/main" val="1"/>
-              </p:ext>
-            </p:extLst>
-          </p:nvPr>
-        </p:nvSpPr>
-        <p:spPr>
-          <a:xfrm>
-            <a:off x="2144484" y="0"/>
-            <a:ext cx="7837716" cy="6858000"/>
-          </a:xfrm>
-          <a:custGeom>
-            <a:avLst/>
-            <a:gdLst>
-              <a:gd name="connsiteX0" fmla="*/ 2232159 w 7837716"/>
-              <a:gd name="connsiteY0" fmla="*/ 0 h 6858000"/>
-              <a:gd name="connsiteX1" fmla="*/ 5605557 w 7837716"/>
-              <a:gd name="connsiteY1" fmla="*/ 0 h 6858000"/>
-              <a:gd name="connsiteX2" fmla="*/ 5617845 w 7837716"/>
-              <a:gd name="connsiteY2" fmla="*/ 5384 h 6858000"/>
-              <a:gd name="connsiteX3" fmla="*/ 7837716 w 7837716"/>
-              <a:gd name="connsiteY3" fmla="*/ 3429000 h 6858000"/>
-              <a:gd name="connsiteX4" fmla="*/ 5617845 w 7837716"/>
-              <a:gd name="connsiteY4" fmla="*/ 6852616 h 6858000"/>
-              <a:gd name="connsiteX5" fmla="*/ 5605557 w 7837716"/>
-              <a:gd name="connsiteY5" fmla="*/ 6858000 h 6858000"/>
-              <a:gd name="connsiteX6" fmla="*/ 2232159 w 7837716"/>
-              <a:gd name="connsiteY6" fmla="*/ 6858000 h 6858000"/>
-              <a:gd name="connsiteX7" fmla="*/ 2219871 w 7837716"/>
-              <a:gd name="connsiteY7" fmla="*/ 6852616 h 6858000"/>
-              <a:gd name="connsiteX8" fmla="*/ 0 w 7837716"/>
-              <a:gd name="connsiteY8" fmla="*/ 3429000 h 6858000"/>
-              <a:gd name="connsiteX9" fmla="*/ 2219871 w 7837716"/>
-              <a:gd name="connsiteY9" fmla="*/ 5384 h 6858000"/>
-            </a:gdLst>
-            <a:ahLst/>
-            <a:cxnLst>
-              <a:cxn ang="0">
-                <a:pos x="connsiteX0" y="connsiteY0"/>
-              </a:cxn>
-              <a:cxn ang="0">
-                <a:pos x="connsiteX1" y="connsiteY1"/>
-              </a:cxn>
-              <a:cxn ang="0">
-                <a:pos x="connsiteX2" y="connsiteY2"/>
-              </a:cxn>
-              <a:cxn ang="0">
-                <a:pos x="connsiteX3" y="connsiteY3"/>
-              </a:cxn>
-              <a:cxn ang="0">
-                <a:pos x="connsiteX4" y="connsiteY4"/>
-              </a:cxn>
-              <a:cxn ang="0">
-                <a:pos x="connsiteX5" y="connsiteY5"/>
-              </a:cxn>
-              <a:cxn ang="0">
-                <a:pos x="connsiteX6" y="connsiteY6"/>
-              </a:cxn>
-              <a:cxn ang="0">
-                <a:pos x="connsiteX7" y="connsiteY7"/>
-              </a:cxn>
-              <a:cxn ang="0">
-                <a:pos x="connsiteX8" y="connsiteY8"/>
-              </a:cxn>
-              <a:cxn ang="0">
-                <a:pos x="connsiteX9" y="connsiteY9"/>
-              </a:cxn>
-            </a:cxnLst>
-            <a:rect l="l" t="t" r="r" b="b"/>
-            <a:pathLst>
-              <a:path w="7837716" h="6858000">
-                <a:moveTo>
-                  <a:pt x="2232159" y="0"/>
-                </a:moveTo>
-                <a:lnTo>
-                  <a:pt x="5605557" y="0"/>
-                </a:lnTo>
-                <a:lnTo>
-                  <a:pt x="5617845" y="5384"/>
-                </a:lnTo>
-                <a:cubicBezTo>
-                  <a:pt x="6931322" y="618789"/>
-                  <a:pt x="7837716" y="1921305"/>
-                  <a:pt x="7837716" y="3429000"/>
-                </a:cubicBezTo>
-                <a:cubicBezTo>
-                  <a:pt x="7837716" y="4936696"/>
-                  <a:pt x="6931322" y="6239212"/>
-                  <a:pt x="5617845" y="6852616"/>
-                </a:cubicBezTo>
-                <a:lnTo>
-                  <a:pt x="5605557" y="6858000"/>
-                </a:lnTo>
-                <a:lnTo>
-                  <a:pt x="2232159" y="6858000"/>
-                </a:lnTo>
-                <a:lnTo>
-                  <a:pt x="2219871" y="6852616"/>
-                </a:lnTo>
-                <a:cubicBezTo>
-                  <a:pt x="906394" y="6239212"/>
-                  <a:pt x="0" y="4936696"/>
-                  <a:pt x="0" y="3429000"/>
-                </a:cubicBezTo>
-                <a:cubicBezTo>
-                  <a:pt x="0" y="1921305"/>
-                  <a:pt x="906394" y="618789"/>
-                  <a:pt x="2219871" y="5384"/>
-                </a:cubicBezTo>
-                <a:close/>
-              </a:path>
-            </a:pathLst>
-          </a:custGeom>
           <a:solidFill>
-            <a:schemeClr val="bg1"/>
+            <a:schemeClr val="accent5">
+              <a:alpha val="95000"/>
+            </a:schemeClr>
           </a:solidFill>
-          <a:ln>
-            <a:gradFill>
-              <a:gsLst>
-                <a:gs pos="0">
-                  <a:schemeClr val="accent1">
-                    <a:lumMod val="40000"/>
-                    <a:lumOff val="60000"/>
-                  </a:schemeClr>
-                </a:gs>
-                <a:gs pos="23000">
-                  <a:schemeClr val="accent1">
-                    <a:lumMod val="45000"/>
-                    <a:lumOff val="55000"/>
-                  </a:schemeClr>
-                </a:gs>
-                <a:gs pos="83000">
-                  <a:schemeClr val="bg2">
-                    <a:lumMod val="82000"/>
-                  </a:schemeClr>
-                </a:gs>
-                <a:gs pos="100000">
-                  <a:schemeClr val="bg2">
-                    <a:lumMod val="87000"/>
-                  </a:schemeClr>
-                </a:gs>
-              </a:gsLst>
-              <a:lin ang="5400000" scaled="1"/>
-            </a:gradFill>
+          <a:ln w="25400">
+            <a:noFill/>
           </a:ln>
         </p:spPr>
         <p:style>
@@ -4379,13 +5089,15 @@
           </a:fontRef>
         </p:style>
         <p:txBody>
-          <a:bodyPr wrap="square" rtlCol="0" anchor="ctr">
-            <a:noAutofit/>
-          </a:bodyPr>
+          <a:bodyPr rtlCol="0" anchor="ctr"/>
           <a:lstStyle/>
           <a:p>
             <a:pPr algn="ctr"/>
-            <a:endParaRPr lang="en-US"/>
+            <a:endParaRPr lang="en-US" dirty="0">
+              <a:solidFill>
+                <a:srgbClr val="FFFFFF"/>
+              </a:solidFill>
+            </a:endParaRPr>
           </a:p>
         </p:txBody>
       </p:sp>
@@ -4404,20 +5116,20 @@
           <p:nvPr/>
         </p:nvPicPr>
         <p:blipFill rotWithShape="1">
-          <a:blip r:embed="rId3">
+          <a:blip r:embed="rId2">
             <a:extLst>
               <a:ext uri="{28A0092B-C50C-407E-A947-70E740481C1C}">
                 <a14:useLocalDpi xmlns:a14="http://schemas.microsoft.com/office/drawing/2010/main" val="0"/>
               </a:ext>
             </a:extLst>
           </a:blip>
-          <a:srcRect l="5384" r="1" b="1"/>
+          <a:srcRect l="5383" r="1" b="1"/>
           <a:stretch/>
         </p:blipFill>
         <p:spPr bwMode="auto">
           <a:xfrm>
-            <a:off x="3236181" y="1679888"/>
-            <a:ext cx="5462546" cy="3541955"/>
+            <a:off x="2551176" y="448056"/>
+            <a:ext cx="9180576" cy="5952744"/>
           </a:xfrm>
           <a:prstGeom prst="rect">
             <a:avLst/>
@@ -4448,6 +5160,40 @@
           </a:extLst>
         </p:spPr>
       </p:pic>
+      <p:sp>
+        <p:nvSpPr>
+          <p:cNvPr id="10" name="직사각형 9">
+            <a:extLst>
+              <a:ext uri="{FF2B5EF4-FFF2-40B4-BE49-F238E27FC236}">
+                <a16:creationId xmlns:a16="http://schemas.microsoft.com/office/drawing/2014/main" id="{C2BCB34B-B135-463A-BE09-9F3BFEC03400}"/>
+              </a:ext>
+            </a:extLst>
+          </p:cNvPr>
+          <p:cNvSpPr/>
+          <p:nvPr/>
+        </p:nvSpPr>
+        <p:spPr>
+          <a:xfrm>
+            <a:off x="572849" y="3677041"/>
+            <a:ext cx="1813832" cy="369332"/>
+          </a:xfrm>
+          <a:prstGeom prst="rect">
+            <a:avLst/>
+          </a:prstGeom>
+        </p:spPr>
+        <p:txBody>
+          <a:bodyPr wrap="square">
+            <a:spAutoFit/>
+          </a:bodyPr>
+          <a:lstStyle/>
+          <a:p>
+            <a:r>
+              <a:rPr lang="en-US" altLang="ko-KR"/>
+              <a:t>MailBox</a:t>
+            </a:r>
+          </a:p>
+        </p:txBody>
+      </p:sp>
     </p:spTree>
     <p:extLst>
       <p:ext uri="{BB962C8B-B14F-4D97-AF65-F5344CB8AC3E}">
@@ -4461,7 +5207,7 @@
 </p:sld>
 </file>
 
-<file path=ppt/slides/slide13.xml><?xml version="1.0" encoding="utf-8"?>
+<file path=ppt/slides/slide16.xml><?xml version="1.0" encoding="utf-8"?>
 <p:sld xmlns:a="http://schemas.openxmlformats.org/drawingml/2006/main" xmlns:r="http://schemas.openxmlformats.org/officeDocument/2006/relationships" xmlns:p="http://schemas.openxmlformats.org/presentationml/2006/main">
   <p:cSld>
     <p:bg>
@@ -4782,7 +5528,7 @@
         </p:blipFill>
         <p:spPr>
           <a:xfrm>
-            <a:off x="838200" y="704765"/>
+            <a:off x="781811" y="876215"/>
             <a:ext cx="10628376" cy="5440003"/>
           </a:xfrm>
           <a:prstGeom prst="rect">
@@ -4790,6 +5536,40 @@
           </a:prstGeom>
         </p:spPr>
       </p:pic>
+      <p:sp>
+        <p:nvSpPr>
+          <p:cNvPr id="8" name="직사각형 7">
+            <a:extLst>
+              <a:ext uri="{FF2B5EF4-FFF2-40B4-BE49-F238E27FC236}">
+                <a16:creationId xmlns:a16="http://schemas.microsoft.com/office/drawing/2014/main" id="{ABCD7451-02DB-4647-ADD2-1BC1D45EDD4D}"/>
+              </a:ext>
+            </a:extLst>
+          </p:cNvPr>
+          <p:cNvSpPr/>
+          <p:nvPr/>
+        </p:nvSpPr>
+        <p:spPr>
+          <a:xfrm>
+            <a:off x="781810" y="117282"/>
+            <a:ext cx="3218689" cy="369332"/>
+          </a:xfrm>
+          <a:prstGeom prst="rect">
+            <a:avLst/>
+          </a:prstGeom>
+        </p:spPr>
+        <p:txBody>
+          <a:bodyPr wrap="square">
+            <a:spAutoFit/>
+          </a:bodyPr>
+          <a:lstStyle/>
+          <a:p>
+            <a:r>
+              <a:rPr lang="en-US" altLang="ko-KR"/>
+              <a:t>AkkaStream - GraphDSL</a:t>
+            </a:r>
+          </a:p>
+        </p:txBody>
+      </p:sp>
     </p:spTree>
     <p:extLst>
       <p:ext uri="{BB962C8B-B14F-4D97-AF65-F5344CB8AC3E}">
@@ -4803,7 +5583,7 @@
 </p:sld>
 </file>
 
-<file path=ppt/slides/slide14.xml><?xml version="1.0" encoding="utf-8"?>
+<file path=ppt/slides/slide17.xml><?xml version="1.0" encoding="utf-8"?>
 <p:sld xmlns:a="http://schemas.openxmlformats.org/drawingml/2006/main" xmlns:r="http://schemas.openxmlformats.org/officeDocument/2006/relationships" xmlns:p="http://schemas.openxmlformats.org/presentationml/2006/main">
   <p:cSld>
     <p:bg>
@@ -5007,6 +5787,47 @@
           </a:sp3d>
         </p:spPr>
       </p:pic>
+      <p:sp>
+        <p:nvSpPr>
+          <p:cNvPr id="5" name="직사각형 4">
+            <a:extLst>
+              <a:ext uri="{FF2B5EF4-FFF2-40B4-BE49-F238E27FC236}">
+                <a16:creationId xmlns:a16="http://schemas.microsoft.com/office/drawing/2014/main" id="{D826C043-994C-4334-ACD9-74D1413CE6BA}"/>
+              </a:ext>
+            </a:extLst>
+          </p:cNvPr>
+          <p:cNvSpPr/>
+          <p:nvPr/>
+        </p:nvSpPr>
+        <p:spPr>
+          <a:xfrm>
+            <a:off x="572849" y="3677041"/>
+            <a:ext cx="1813832" cy="646331"/>
+          </a:xfrm>
+          <a:prstGeom prst="rect">
+            <a:avLst/>
+          </a:prstGeom>
+        </p:spPr>
+        <p:txBody>
+          <a:bodyPr wrap="square">
+            <a:spAutoFit/>
+          </a:bodyPr>
+          <a:lstStyle/>
+          <a:p>
+            <a:r>
+              <a:rPr lang="en-US" altLang="ko-KR"/>
+              <a:t>UnitTest</a:t>
+            </a:r>
+            <a:br>
+              <a:rPr lang="en-US" altLang="ko-KR"/>
+            </a:br>
+            <a:r>
+              <a:rPr lang="en-US" altLang="ko-KR"/>
+              <a:t>AkkaTestTool</a:t>
+            </a:r>
+          </a:p>
+        </p:txBody>
+      </p:sp>
     </p:spTree>
     <p:extLst>
       <p:ext uri="{BB962C8B-B14F-4D97-AF65-F5344CB8AC3E}">
@@ -5020,16 +5841,13 @@
 </p:sld>
 </file>
 
-<file path=ppt/slides/slide15.xml><?xml version="1.0" encoding="utf-8"?>
+<file path=ppt/slides/slide18.xml><?xml version="1.0" encoding="utf-8"?>
 <p:sld xmlns:a="http://schemas.openxmlformats.org/drawingml/2006/main" xmlns:r="http://schemas.openxmlformats.org/officeDocument/2006/relationships" xmlns:p="http://schemas.openxmlformats.org/presentationml/2006/main">
   <p:cSld>
     <p:bg>
       <p:bgPr>
         <a:solidFill>
-          <a:schemeClr val="bg1">
-            <a:tint val="95000"/>
-            <a:satMod val="170000"/>
-          </a:schemeClr>
+          <a:schemeClr val="bg1"/>
         </a:solidFill>
         <a:effectLst/>
       </p:bgPr>
@@ -5048,49 +5866,142 @@
           <a:chExt cx="0" cy="0"/>
         </a:xfrm>
       </p:grpSpPr>
-      <p:pic>
-        <p:nvPicPr>
-          <p:cNvPr id="4" name="그림 3">
-            <a:extLst>
-              <a:ext uri="{FF2B5EF4-FFF2-40B4-BE49-F238E27FC236}">
-                <a16:creationId xmlns:a16="http://schemas.microsoft.com/office/drawing/2014/main" id="{A44520EB-4C62-4044-8A4E-12274E7132EE}"/>
-              </a:ext>
-            </a:extLst>
-          </p:cNvPr>
-          <p:cNvPicPr>
-            <a:picLocks noChangeAspect="1"/>
-          </p:cNvPicPr>
-          <p:nvPr/>
-        </p:nvPicPr>
-        <p:blipFill rotWithShape="1">
-          <a:blip r:embed="rId2"/>
-          <a:srcRect l="1974" r="1" b="1"/>
-          <a:stretch/>
-        </p:blipFill>
+      <p:sp>
+        <p:nvSpPr>
+          <p:cNvPr id="11" name="Rectangle 10">
+            <a:extLst>
+              <a:ext uri="{FF2B5EF4-FFF2-40B4-BE49-F238E27FC236}">
+                <a16:creationId xmlns:a16="http://schemas.microsoft.com/office/drawing/2014/main" id="{B775CD93-9DF2-48CB-9F57-1BCA9A46C7FA}"/>
+              </a:ext>
+              <a:ext uri="{C183D7F6-B498-43B3-948B-1728B52AA6E4}">
+                <adec:decorative xmlns:adec="http://schemas.microsoft.com/office/drawing/2017/decorative" val="1"/>
+              </a:ext>
+            </a:extLst>
+          </p:cNvPr>
+          <p:cNvSpPr>
+            <a:spLocks noGrp="1" noRot="1" noChangeAspect="1" noMove="1" noResize="1" noEditPoints="1" noAdjustHandles="1" noChangeArrowheads="1" noChangeShapeType="1" noTextEdit="1"/>
+          </p:cNvSpPr>
+          <p:nvPr>
+            <p:extLst>
+              <p:ext uri="{386F3935-93C4-4BCD-93E2-E3B085C9AB24}">
+                <p16:designElem xmlns:p16="http://schemas.microsoft.com/office/powerpoint/2015/main" val="1"/>
+              </p:ext>
+            </p:extLst>
+          </p:nvPr>
+        </p:nvSpPr>
         <p:spPr>
           <a:xfrm>
-            <a:off x="321733" y="321733"/>
-            <a:ext cx="11548534" cy="6214534"/>
+            <a:off x="466343" y="448056"/>
+            <a:ext cx="1920339" cy="2894124"/>
           </a:xfrm>
           <a:prstGeom prst="rect">
             <a:avLst/>
           </a:prstGeom>
-          <a:scene3d>
-            <a:camera prst="orthographicFront">
-              <a:rot lat="0" lon="0" rev="0"/>
-            </a:camera>
-            <a:lightRig rig="soft" dir="t">
-              <a:rot lat="0" lon="0" rev="0"/>
-            </a:lightRig>
-          </a:scene3d>
-          <a:sp3d contourW="44450" prstMaterial="matte">
-            <a:bevelT w="63500" h="63500" prst="artDeco"/>
-            <a:contourClr>
-              <a:srgbClr val="FFFFFF"/>
-            </a:contourClr>
-          </a:sp3d>
+          <a:solidFill>
+            <a:srgbClr val="7590AD"/>
+          </a:solidFill>
+          <a:ln w="25400">
+            <a:noFill/>
+          </a:ln>
         </p:spPr>
-      </p:pic>
+        <p:style>
+          <a:lnRef idx="2">
+            <a:schemeClr val="accent1">
+              <a:shade val="50000"/>
+            </a:schemeClr>
+          </a:lnRef>
+          <a:fillRef idx="1">
+            <a:schemeClr val="accent1"/>
+          </a:fillRef>
+          <a:effectRef idx="0">
+            <a:schemeClr val="accent1"/>
+          </a:effectRef>
+          <a:fontRef idx="minor">
+            <a:schemeClr val="lt1"/>
+          </a:fontRef>
+        </p:style>
+        <p:txBody>
+          <a:bodyPr rtlCol="0" anchor="ctr"/>
+          <a:lstStyle/>
+          <a:p>
+            <a:pPr algn="ctr"/>
+            <a:endParaRPr lang="en-US">
+              <a:solidFill>
+                <a:srgbClr val="FFFFFF"/>
+              </a:solidFill>
+            </a:endParaRPr>
+          </a:p>
+        </p:txBody>
+      </p:sp>
+      <p:sp>
+        <p:nvSpPr>
+          <p:cNvPr id="13" name="Rectangle 12">
+            <a:extLst>
+              <a:ext uri="{FF2B5EF4-FFF2-40B4-BE49-F238E27FC236}">
+                <a16:creationId xmlns:a16="http://schemas.microsoft.com/office/drawing/2014/main" id="{6166C6D1-23AC-49C4-BA07-238E4E9F8CEB}"/>
+              </a:ext>
+              <a:ext uri="{C183D7F6-B498-43B3-948B-1728B52AA6E4}">
+                <adec:decorative xmlns:adec="http://schemas.microsoft.com/office/drawing/2017/decorative" val="1"/>
+              </a:ext>
+            </a:extLst>
+          </p:cNvPr>
+          <p:cNvSpPr>
+            <a:spLocks noGrp="1" noRot="1" noChangeAspect="1" noMove="1" noResize="1" noEditPoints="1" noAdjustHandles="1" noChangeArrowheads="1" noChangeShapeType="1" noTextEdit="1"/>
+          </p:cNvSpPr>
+          <p:nvPr>
+            <p:extLst>
+              <p:ext uri="{386F3935-93C4-4BCD-93E2-E3B085C9AB24}">
+                <p16:designElem xmlns:p16="http://schemas.microsoft.com/office/powerpoint/2015/main" val="1"/>
+              </p:ext>
+            </p:extLst>
+          </p:nvPr>
+        </p:nvSpPr>
+        <p:spPr>
+          <a:xfrm>
+            <a:off x="466343" y="3515821"/>
+            <a:ext cx="1920338" cy="2883258"/>
+          </a:xfrm>
+          <a:prstGeom prst="rect">
+            <a:avLst/>
+          </a:prstGeom>
+          <a:solidFill>
+            <a:schemeClr val="accent5">
+              <a:alpha val="95000"/>
+            </a:schemeClr>
+          </a:solidFill>
+          <a:ln w="25400">
+            <a:noFill/>
+          </a:ln>
+        </p:spPr>
+        <p:style>
+          <a:lnRef idx="2">
+            <a:schemeClr val="accent1">
+              <a:shade val="50000"/>
+            </a:schemeClr>
+          </a:lnRef>
+          <a:fillRef idx="1">
+            <a:schemeClr val="accent1"/>
+          </a:fillRef>
+          <a:effectRef idx="0">
+            <a:schemeClr val="accent1"/>
+          </a:effectRef>
+          <a:fontRef idx="minor">
+            <a:schemeClr val="lt1"/>
+          </a:fontRef>
+        </p:style>
+        <p:txBody>
+          <a:bodyPr rtlCol="0" anchor="ctr"/>
+          <a:lstStyle/>
+          <a:p>
+            <a:pPr algn="ctr"/>
+            <a:endParaRPr lang="en-US" dirty="0">
+              <a:solidFill>
+                <a:srgbClr val="FFFFFF"/>
+              </a:solidFill>
+            </a:endParaRPr>
+          </a:p>
+        </p:txBody>
+      </p:sp>
       <p:sp>
         <p:nvSpPr>
           <p:cNvPr id="5" name="직사각형 4">
@@ -5105,8 +6016,8 @@
         </p:nvSpPr>
         <p:spPr>
           <a:xfrm>
-            <a:off x="7910536" y="6034029"/>
-            <a:ext cx="3900427" cy="369332"/>
+            <a:off x="8931171" y="6399079"/>
+            <a:ext cx="3260829" cy="369332"/>
           </a:xfrm>
           <a:prstGeom prst="rect">
             <a:avLst/>
@@ -5118,6 +6029,11 @@
           </a:bodyPr>
           <a:lstStyle/>
           <a:p>
+            <a:pPr>
+              <a:spcAft>
+                <a:spcPts val="600"/>
+              </a:spcAft>
+            </a:pPr>
             <a:r>
               <a:rPr lang="ko-KR" altLang="en-US" b="1">
                 <a:solidFill>
@@ -5151,27 +6067,152 @@
               </a:rPr>
               <a:t>한국데이터독 </a:t>
             </a:r>
-            <a:r>
-              <a:rPr lang="en-US" altLang="ko-KR" b="1">
-                <a:solidFill>
-                  <a:schemeClr val="accent1">
-                    <a:lumMod val="75000"/>
-                  </a:schemeClr>
-                </a:solidFill>
-                <a:latin typeface="+mj-lt"/>
-              </a:rPr>
-              <a:t>- </a:t>
-            </a:r>
-            <a:r>
-              <a:rPr lang="ko-KR" altLang="en-US" b="1">
-                <a:solidFill>
-                  <a:schemeClr val="accent1">
-                    <a:lumMod val="75000"/>
-                  </a:schemeClr>
-                </a:solidFill>
-                <a:latin typeface="+mj-lt"/>
-              </a:rPr>
-              <a:t>송솔</a:t>
+          </a:p>
+        </p:txBody>
+      </p:sp>
+      <p:sp>
+        <p:nvSpPr>
+          <p:cNvPr id="6" name="직사각형 5">
+            <a:extLst>
+              <a:ext uri="{FF2B5EF4-FFF2-40B4-BE49-F238E27FC236}">
+                <a16:creationId xmlns:a16="http://schemas.microsoft.com/office/drawing/2014/main" id="{E0B99874-9F01-49E4-83F1-D9DB41F4FAAA}"/>
+              </a:ext>
+            </a:extLst>
+          </p:cNvPr>
+          <p:cNvSpPr/>
+          <p:nvPr/>
+        </p:nvSpPr>
+        <p:spPr>
+          <a:xfrm>
+            <a:off x="519596" y="526024"/>
+            <a:ext cx="1813832" cy="2539157"/>
+          </a:xfrm>
+          <a:prstGeom prst="rect">
+            <a:avLst/>
+          </a:prstGeom>
+        </p:spPr>
+        <p:txBody>
+          <a:bodyPr wrap="square">
+            <a:spAutoFit/>
+          </a:bodyPr>
+          <a:lstStyle/>
+          <a:p>
+            <a:pPr>
+              <a:spcAft>
+                <a:spcPts val="600"/>
+              </a:spcAft>
+            </a:pPr>
+            <a:r>
+              <a:rPr lang="ko-KR" altLang="en-US"/>
+              <a:t>메시지 성능카운팅</a:t>
+            </a:r>
+            <a:br>
+              <a:rPr lang="en-US" altLang="ko-KR"/>
+            </a:br>
+            <a:endParaRPr lang="en-US" altLang="ko-KR"/>
+          </a:p>
+          <a:p>
+            <a:pPr>
+              <a:spcAft>
+                <a:spcPts val="600"/>
+              </a:spcAft>
+            </a:pPr>
+            <a:r>
+              <a:rPr lang="en-US" altLang="ko-KR"/>
+              <a:t>Window</a:t>
+            </a:r>
+            <a:br>
+              <a:rPr lang="en-US" altLang="ko-KR"/>
+            </a:br>
+            <a:r>
+              <a:rPr lang="en-US" altLang="ko-KR"/>
+              <a:t>Azure(AppInsight</a:t>
+            </a:r>
+          </a:p>
+          <a:p>
+            <a:pPr>
+              <a:spcAft>
+                <a:spcPts val="600"/>
+              </a:spcAft>
+            </a:pPr>
+            <a:r>
+              <a:rPr lang="en-US" altLang="ko-KR"/>
+              <a:t>Prometheus</a:t>
+            </a:r>
+          </a:p>
+          <a:p>
+            <a:pPr>
+              <a:spcAft>
+                <a:spcPts val="600"/>
+              </a:spcAft>
+            </a:pPr>
+            <a:r>
+              <a:rPr lang="en-US" altLang="ko-KR"/>
+              <a:t>Datadog</a:t>
+            </a:r>
+          </a:p>
+        </p:txBody>
+      </p:sp>
+      <p:pic>
+        <p:nvPicPr>
+          <p:cNvPr id="2" name="그림 1">
+            <a:extLst>
+              <a:ext uri="{FF2B5EF4-FFF2-40B4-BE49-F238E27FC236}">
+                <a16:creationId xmlns:a16="http://schemas.microsoft.com/office/drawing/2014/main" id="{7766DCF9-D986-4E10-90B1-AD8C9CED16CF}"/>
+              </a:ext>
+            </a:extLst>
+          </p:cNvPr>
+          <p:cNvPicPr>
+            <a:picLocks noChangeAspect="1"/>
+          </p:cNvPicPr>
+          <p:nvPr/>
+        </p:nvPicPr>
+        <p:blipFill>
+          <a:blip r:embed="rId2"/>
+          <a:stretch>
+            <a:fillRect/>
+          </a:stretch>
+        </p:blipFill>
+        <p:spPr>
+          <a:xfrm>
+            <a:off x="2493187" y="454639"/>
+            <a:ext cx="9104820" cy="5460386"/>
+          </a:xfrm>
+          <a:prstGeom prst="rect">
+            <a:avLst/>
+          </a:prstGeom>
+        </p:spPr>
+      </p:pic>
+      <p:sp>
+        <p:nvSpPr>
+          <p:cNvPr id="3" name="직사각형 2">
+            <a:extLst>
+              <a:ext uri="{FF2B5EF4-FFF2-40B4-BE49-F238E27FC236}">
+                <a16:creationId xmlns:a16="http://schemas.microsoft.com/office/drawing/2014/main" id="{00E2294F-7044-4983-B404-5F493FFD39DC}"/>
+              </a:ext>
+            </a:extLst>
+          </p:cNvPr>
+          <p:cNvSpPr/>
+          <p:nvPr/>
+        </p:nvSpPr>
+        <p:spPr>
+          <a:xfrm>
+            <a:off x="4207789" y="5972386"/>
+            <a:ext cx="7900587" cy="369332"/>
+          </a:xfrm>
+          <a:prstGeom prst="rect">
+            <a:avLst/>
+          </a:prstGeom>
+        </p:spPr>
+        <p:txBody>
+          <a:bodyPr wrap="square">
+            <a:spAutoFit/>
+          </a:bodyPr>
+          <a:lstStyle/>
+          <a:p>
+            <a:r>
+              <a:rPr lang="ko-KR" altLang="en-US"/>
+              <a:t>http://wiki.webnori.com/display/webfr/Real+time+performance+counters</a:t>
             </a:r>
           </a:p>
         </p:txBody>
@@ -5184,12 +6225,12 @@
     </p:extLst>
   </p:cSld>
   <p:clrMapOvr>
-    <a:overrideClrMapping bg1="dk1" tx1="lt1" bg2="dk2" tx2="lt2" accent1="accent1" accent2="accent2" accent3="accent3" accent4="accent4" accent5="accent5" accent6="accent6" hlink="hlink" folHlink="folHlink"/>
+    <a:masterClrMapping/>
   </p:clrMapOvr>
 </p:sld>
 </file>
 
-<file path=ppt/slides/slide16.xml><?xml version="1.0" encoding="utf-8"?>
+<file path=ppt/slides/slide19.xml><?xml version="1.0" encoding="utf-8"?>
 <p:sld xmlns:a="http://schemas.openxmlformats.org/drawingml/2006/main" xmlns:r="http://schemas.openxmlformats.org/officeDocument/2006/relationships" xmlns:p="http://schemas.openxmlformats.org/presentationml/2006/main">
   <p:cSld>
     <p:spTree>
@@ -5208,120 +6249,146 @@
       </p:grpSpPr>
       <p:sp>
         <p:nvSpPr>
-          <p:cNvPr id="2" name="제목 1">
-            <a:extLst>
-              <a:ext uri="{FF2B5EF4-FFF2-40B4-BE49-F238E27FC236}">
-                <a16:creationId xmlns:a16="http://schemas.microsoft.com/office/drawing/2014/main" id="{7F7D9D40-7B34-4440-9BFD-5F7837A712AB}"/>
-              </a:ext>
-            </a:extLst>
-          </p:cNvPr>
-          <p:cNvSpPr>
-            <a:spLocks noGrp="1"/>
-          </p:cNvSpPr>
-          <p:nvPr>
-            <p:ph type="title"/>
-          </p:nvPr>
-        </p:nvSpPr>
-        <p:spPr/>
-        <p:txBody>
-          <a:bodyPr/>
-          <a:lstStyle/>
-          <a:p>
-            <a:r>
-              <a:rPr lang="ko-KR" altLang="en-US"/>
-              <a:t>실습</a:t>
-            </a:r>
-          </a:p>
-        </p:txBody>
-      </p:sp>
-      <p:sp>
-        <p:nvSpPr>
-          <p:cNvPr id="3" name="내용 개체 틀 2">
-            <a:extLst>
-              <a:ext uri="{FF2B5EF4-FFF2-40B4-BE49-F238E27FC236}">
-                <a16:creationId xmlns:a16="http://schemas.microsoft.com/office/drawing/2014/main" id="{B79FDA00-8970-4F4D-A422-F17AE4A381E5}"/>
-              </a:ext>
-            </a:extLst>
-          </p:cNvPr>
-          <p:cNvSpPr>
-            <a:spLocks noGrp="1"/>
-          </p:cNvSpPr>
-          <p:nvPr>
-            <p:ph idx="1"/>
-          </p:nvPr>
-        </p:nvSpPr>
-        <p:spPr/>
-        <p:txBody>
-          <a:bodyPr/>
-          <a:lstStyle/>
-          <a:p>
-            <a:r>
-              <a:rPr lang="ko-KR" altLang="en-US"/>
-              <a:t>닷넷 코어 </a:t>
-            </a:r>
-            <a:r>
-              <a:rPr lang="en-US" altLang="ko-KR"/>
-              <a:t>API</a:t>
-            </a:r>
-            <a:r>
-              <a:rPr lang="ko-KR" altLang="en-US"/>
-              <a:t>에 </a:t>
-            </a:r>
-            <a:r>
-              <a:rPr lang="en-US" altLang="ko-KR"/>
-              <a:t>Akka </a:t>
-            </a:r>
-            <a:r>
-              <a:rPr lang="ko-KR" altLang="en-US"/>
-              <a:t>시스템 탑재</a:t>
-            </a:r>
-            <a:endParaRPr lang="en-US" altLang="ko-KR"/>
-          </a:p>
-          <a:p>
-            <a:r>
-              <a:rPr lang="en-US" altLang="ko-KR"/>
-              <a:t>Actor – Tell and Ask</a:t>
-            </a:r>
-          </a:p>
-          <a:p>
-            <a:r>
-              <a:rPr lang="en-US" altLang="ko-KR"/>
-              <a:t>Kafka</a:t>
-            </a:r>
-            <a:r>
-              <a:rPr lang="ko-KR" altLang="en-US"/>
-              <a:t> 메시지 생산 조절 </a:t>
-            </a:r>
-            <a:r>
-              <a:rPr lang="en-US" altLang="ko-KR"/>
-              <a:t>–TPS</a:t>
-            </a:r>
-          </a:p>
-          <a:p>
-            <a:r>
-              <a:rPr lang="en-US" altLang="ko-KR"/>
-              <a:t>Azure Event Hub </a:t>
-            </a:r>
-            <a:r>
-              <a:rPr lang="ko-KR" altLang="en-US"/>
-              <a:t>메시지 생산</a:t>
-            </a:r>
-            <a:endParaRPr lang="en-US" altLang="ko-KR"/>
-          </a:p>
-          <a:p>
-            <a:endParaRPr lang="en-US" altLang="ko-KR"/>
-          </a:p>
-          <a:p>
-            <a:endParaRPr lang="ko-KR" altLang="en-US"/>
-          </a:p>
-        </p:txBody>
-      </p:sp>
-      <p:sp>
-        <p:nvSpPr>
-          <p:cNvPr id="4" name="직사각형 3">
-            <a:extLst>
-              <a:ext uri="{FF2B5EF4-FFF2-40B4-BE49-F238E27FC236}">
-                <a16:creationId xmlns:a16="http://schemas.microsoft.com/office/drawing/2014/main" id="{454AA9E1-265B-4B35-B455-FF82517F8E71}"/>
+          <p:cNvPr id="9" name="Rectangle 10">
+            <a:extLst>
+              <a:ext uri="{FF2B5EF4-FFF2-40B4-BE49-F238E27FC236}">
+                <a16:creationId xmlns:a16="http://schemas.microsoft.com/office/drawing/2014/main" id="{7D586F89-2877-4CC3-9814-54317B66941A}"/>
+              </a:ext>
+              <a:ext uri="{C183D7F6-B498-43B3-948B-1728B52AA6E4}">
+                <adec:decorative xmlns:adec="http://schemas.microsoft.com/office/drawing/2017/decorative" val="1"/>
+              </a:ext>
+            </a:extLst>
+          </p:cNvPr>
+          <p:cNvSpPr>
+            <a:spLocks noGrp="1" noRot="1" noChangeAspect="1" noMove="1" noResize="1" noEditPoints="1" noAdjustHandles="1" noChangeArrowheads="1" noChangeShapeType="1" noTextEdit="1"/>
+          </p:cNvSpPr>
+          <p:nvPr>
+            <p:extLst>
+              <p:ext uri="{386F3935-93C4-4BCD-93E2-E3B085C9AB24}">
+                <p16:designElem xmlns:p16="http://schemas.microsoft.com/office/powerpoint/2015/main" val="1"/>
+              </p:ext>
+            </p:extLst>
+          </p:nvPr>
+        </p:nvSpPr>
+        <p:spPr>
+          <a:xfrm>
+            <a:off x="466343" y="448056"/>
+            <a:ext cx="1920339" cy="2894124"/>
+          </a:xfrm>
+          <a:prstGeom prst="rect">
+            <a:avLst/>
+          </a:prstGeom>
+          <a:solidFill>
+            <a:srgbClr val="7590AD"/>
+          </a:solidFill>
+          <a:ln w="25400">
+            <a:noFill/>
+          </a:ln>
+        </p:spPr>
+        <p:style>
+          <a:lnRef idx="2">
+            <a:schemeClr val="accent1">
+              <a:shade val="50000"/>
+            </a:schemeClr>
+          </a:lnRef>
+          <a:fillRef idx="1">
+            <a:schemeClr val="accent1"/>
+          </a:fillRef>
+          <a:effectRef idx="0">
+            <a:schemeClr val="accent1"/>
+          </a:effectRef>
+          <a:fontRef idx="minor">
+            <a:schemeClr val="lt1"/>
+          </a:fontRef>
+        </p:style>
+        <p:txBody>
+          <a:bodyPr rtlCol="0" anchor="ctr"/>
+          <a:lstStyle/>
+          <a:p>
+            <a:pPr algn="ctr"/>
+            <a:endParaRPr lang="en-US">
+              <a:solidFill>
+                <a:srgbClr val="FFFFFF"/>
+              </a:solidFill>
+            </a:endParaRPr>
+          </a:p>
+        </p:txBody>
+      </p:sp>
+      <p:sp>
+        <p:nvSpPr>
+          <p:cNvPr id="10" name="Rectangle 12">
+            <a:extLst>
+              <a:ext uri="{FF2B5EF4-FFF2-40B4-BE49-F238E27FC236}">
+                <a16:creationId xmlns:a16="http://schemas.microsoft.com/office/drawing/2014/main" id="{2D46915B-F59C-4DCF-9B92-C98237CB03D5}"/>
+              </a:ext>
+              <a:ext uri="{C183D7F6-B498-43B3-948B-1728B52AA6E4}">
+                <adec:decorative xmlns:adec="http://schemas.microsoft.com/office/drawing/2017/decorative" val="1"/>
+              </a:ext>
+            </a:extLst>
+          </p:cNvPr>
+          <p:cNvSpPr>
+            <a:spLocks noGrp="1" noRot="1" noChangeAspect="1" noMove="1" noResize="1" noEditPoints="1" noAdjustHandles="1" noChangeArrowheads="1" noChangeShapeType="1" noTextEdit="1"/>
+          </p:cNvSpPr>
+          <p:nvPr>
+            <p:extLst>
+              <p:ext uri="{386F3935-93C4-4BCD-93E2-E3B085C9AB24}">
+                <p16:designElem xmlns:p16="http://schemas.microsoft.com/office/powerpoint/2015/main" val="1"/>
+              </p:ext>
+            </p:extLst>
+          </p:nvPr>
+        </p:nvSpPr>
+        <p:spPr>
+          <a:xfrm>
+            <a:off x="466343" y="3515821"/>
+            <a:ext cx="1920338" cy="2883258"/>
+          </a:xfrm>
+          <a:prstGeom prst="rect">
+            <a:avLst/>
+          </a:prstGeom>
+          <a:solidFill>
+            <a:schemeClr val="accent5">
+              <a:alpha val="95000"/>
+            </a:schemeClr>
+          </a:solidFill>
+          <a:ln w="25400">
+            <a:noFill/>
+          </a:ln>
+        </p:spPr>
+        <p:style>
+          <a:lnRef idx="2">
+            <a:schemeClr val="accent1">
+              <a:shade val="50000"/>
+            </a:schemeClr>
+          </a:lnRef>
+          <a:fillRef idx="1">
+            <a:schemeClr val="accent1"/>
+          </a:fillRef>
+          <a:effectRef idx="0">
+            <a:schemeClr val="accent1"/>
+          </a:effectRef>
+          <a:fontRef idx="minor">
+            <a:schemeClr val="lt1"/>
+          </a:fontRef>
+        </p:style>
+        <p:txBody>
+          <a:bodyPr rtlCol="0" anchor="ctr"/>
+          <a:lstStyle/>
+          <a:p>
+            <a:pPr algn="ctr"/>
+            <a:endParaRPr lang="en-US" dirty="0">
+              <a:solidFill>
+                <a:srgbClr val="FFFFFF"/>
+              </a:solidFill>
+            </a:endParaRPr>
+          </a:p>
+        </p:txBody>
+      </p:sp>
+      <p:sp>
+        <p:nvSpPr>
+          <p:cNvPr id="11" name="직사각형 10">
+            <a:extLst>
+              <a:ext uri="{FF2B5EF4-FFF2-40B4-BE49-F238E27FC236}">
+                <a16:creationId xmlns:a16="http://schemas.microsoft.com/office/drawing/2014/main" id="{1C2389C3-3DA3-4EDA-BE6F-D0ECB5B67504}"/>
               </a:ext>
             </a:extLst>
           </p:cNvPr>
@@ -5330,8 +6397,8 @@
         </p:nvSpPr>
         <p:spPr>
           <a:xfrm>
-            <a:off x="80222" y="6488668"/>
-            <a:ext cx="4716356" cy="369332"/>
+            <a:off x="9725840" y="6399079"/>
+            <a:ext cx="2426113" cy="369332"/>
           </a:xfrm>
           <a:prstGeom prst="rect">
             <a:avLst/>
@@ -5343,9 +6410,179 @@
           </a:bodyPr>
           <a:lstStyle/>
           <a:p>
+            <a:pPr>
+              <a:spcAft>
+                <a:spcPts val="600"/>
+              </a:spcAft>
+            </a:pPr>
+            <a:r>
+              <a:rPr lang="en-US" altLang="ko-KR" b="1">
+                <a:solidFill>
+                  <a:schemeClr val="accent1">
+                    <a:lumMod val="75000"/>
+                  </a:schemeClr>
+                </a:solidFill>
+                <a:latin typeface="+mj-lt"/>
+              </a:rPr>
+              <a:t>Azure</a:t>
+            </a:r>
+            <a:r>
+              <a:rPr lang="ko-KR" altLang="en-US" b="1">
+                <a:solidFill>
+                  <a:schemeClr val="accent1">
+                    <a:lumMod val="75000"/>
+                  </a:schemeClr>
+                </a:solidFill>
+                <a:latin typeface="+mj-lt"/>
+              </a:rPr>
+              <a:t>지원 </a:t>
+            </a:r>
+            <a:r>
+              <a:rPr lang="en-US" altLang="ko-KR" b="1">
+                <a:solidFill>
+                  <a:schemeClr val="accent1">
+                    <a:lumMod val="75000"/>
+                  </a:schemeClr>
+                </a:solidFill>
+                <a:latin typeface="+mj-lt"/>
+              </a:rPr>
+              <a:t>: </a:t>
+            </a:r>
+            <a:r>
+              <a:rPr lang="ko-KR" altLang="en-US" b="1">
+                <a:solidFill>
+                  <a:schemeClr val="accent1">
+                    <a:lumMod val="75000"/>
+                  </a:schemeClr>
+                </a:solidFill>
+                <a:latin typeface="+mj-lt"/>
+              </a:rPr>
+              <a:t>클루커스</a:t>
+            </a:r>
+          </a:p>
+        </p:txBody>
+      </p:sp>
+      <p:sp>
+        <p:nvSpPr>
+          <p:cNvPr id="12" name="직사각형 11">
+            <a:extLst>
+              <a:ext uri="{FF2B5EF4-FFF2-40B4-BE49-F238E27FC236}">
+                <a16:creationId xmlns:a16="http://schemas.microsoft.com/office/drawing/2014/main" id="{7CAC4855-367C-43C5-9ADE-C8DBCF0FB59C}"/>
+              </a:ext>
+            </a:extLst>
+          </p:cNvPr>
+          <p:cNvSpPr/>
+          <p:nvPr/>
+        </p:nvSpPr>
+        <p:spPr>
+          <a:xfrm>
+            <a:off x="572849" y="3677041"/>
+            <a:ext cx="1813832" cy="1477328"/>
+          </a:xfrm>
+          <a:prstGeom prst="rect">
+            <a:avLst/>
+          </a:prstGeom>
+        </p:spPr>
+        <p:txBody>
+          <a:bodyPr wrap="square">
+            <a:spAutoFit/>
+          </a:bodyPr>
+          <a:lstStyle/>
+          <a:p>
+            <a:pPr>
+              <a:spcAft>
+                <a:spcPts val="600"/>
+              </a:spcAft>
+            </a:pPr>
+            <a:r>
+              <a:rPr lang="en-US" altLang="ko-KR"/>
+              <a:t>AkkaStream</a:t>
+            </a:r>
+            <a:br>
+              <a:rPr lang="en-US" altLang="ko-KR"/>
+            </a:br>
+            <a:r>
+              <a:rPr lang="en-US" altLang="ko-KR"/>
+              <a:t>KAFKA</a:t>
+            </a:r>
+            <a:br>
+              <a:rPr lang="en-US" altLang="ko-KR"/>
+            </a:br>
+            <a:br>
+              <a:rPr lang="en-US" altLang="ko-KR"/>
+            </a:br>
+            <a:r>
+              <a:rPr lang="en-US" altLang="ko-KR"/>
+              <a:t>AzureEventHub</a:t>
+            </a:r>
             <a:r>
               <a:rPr lang="ko-KR" altLang="en-US"/>
-              <a:t>https://github.com/psmon/AkkaDotModule</a:t>
+              <a:t>연동</a:t>
+            </a:r>
+            <a:endParaRPr lang="en-US" altLang="ko-KR"/>
+          </a:p>
+        </p:txBody>
+      </p:sp>
+      <p:pic>
+        <p:nvPicPr>
+          <p:cNvPr id="15" name="그림 14">
+            <a:extLst>
+              <a:ext uri="{FF2B5EF4-FFF2-40B4-BE49-F238E27FC236}">
+                <a16:creationId xmlns:a16="http://schemas.microsoft.com/office/drawing/2014/main" id="{B58F9FFB-86EB-4AA9-A6AE-F2F1011307FB}"/>
+              </a:ext>
+            </a:extLst>
+          </p:cNvPr>
+          <p:cNvPicPr>
+            <a:picLocks noChangeAspect="1"/>
+          </p:cNvPicPr>
+          <p:nvPr/>
+        </p:nvPicPr>
+        <p:blipFill>
+          <a:blip r:embed="rId2"/>
+          <a:stretch>
+            <a:fillRect/>
+          </a:stretch>
+        </p:blipFill>
+        <p:spPr>
+          <a:xfrm>
+            <a:off x="2600325" y="540346"/>
+            <a:ext cx="9125332" cy="4622204"/>
+          </a:xfrm>
+          <a:prstGeom prst="rect">
+            <a:avLst/>
+          </a:prstGeom>
+        </p:spPr>
+      </p:pic>
+      <p:sp>
+        <p:nvSpPr>
+          <p:cNvPr id="16" name="직사각형 15">
+            <a:extLst>
+              <a:ext uri="{FF2B5EF4-FFF2-40B4-BE49-F238E27FC236}">
+                <a16:creationId xmlns:a16="http://schemas.microsoft.com/office/drawing/2014/main" id="{F439CB9F-251B-4C0F-8837-065208E33323}"/>
+              </a:ext>
+            </a:extLst>
+          </p:cNvPr>
+          <p:cNvSpPr/>
+          <p:nvPr/>
+        </p:nvSpPr>
+        <p:spPr>
+          <a:xfrm>
+            <a:off x="2854857" y="5948322"/>
+            <a:ext cx="9125332" cy="369332"/>
+          </a:xfrm>
+          <a:prstGeom prst="rect">
+            <a:avLst/>
+          </a:prstGeom>
+        </p:spPr>
+        <p:txBody>
+          <a:bodyPr wrap="square">
+            <a:spAutoFit/>
+          </a:bodyPr>
+          <a:lstStyle/>
+          <a:p>
+            <a:r>
+              <a:rPr lang="ko-KR" altLang="en-US"/>
+              <a:t>http://wiki.webnori.com/display/webfr/Auzere+EventHub%28KAFKA%29+With+Actor</a:t>
             </a:r>
           </a:p>
         </p:txBody>
@@ -5353,7 +6590,7 @@
     </p:spTree>
     <p:extLst>
       <p:ext uri="{BB962C8B-B14F-4D97-AF65-F5344CB8AC3E}">
-        <p14:creationId xmlns:p14="http://schemas.microsoft.com/office/powerpoint/2010/main" val="1073829836"/>
+        <p14:creationId xmlns:p14="http://schemas.microsoft.com/office/powerpoint/2010/main" val="2683688047"/>
       </p:ext>
     </p:extLst>
   </p:cSld>
@@ -5364,6 +6601,509 @@
 </file>
 
 <file path=ppt/slides/slide2.xml><?xml version="1.0" encoding="utf-8"?>
+<p:sld xmlns:a="http://schemas.openxmlformats.org/drawingml/2006/main" xmlns:r="http://schemas.openxmlformats.org/officeDocument/2006/relationships" xmlns:p="http://schemas.openxmlformats.org/presentationml/2006/main">
+  <p:cSld>
+    <p:bg>
+      <p:bgPr>
+        <a:solidFill>
+          <a:schemeClr val="bg1"/>
+        </a:solidFill>
+        <a:effectLst/>
+      </p:bgPr>
+    </p:bg>
+    <p:spTree>
+      <p:nvGrpSpPr>
+        <p:cNvPr id="1" name=""/>
+        <p:cNvGrpSpPr/>
+        <p:nvPr/>
+      </p:nvGrpSpPr>
+      <p:grpSpPr>
+        <a:xfrm>
+          <a:off x="0" y="0"/>
+          <a:ext cx="0" cy="0"/>
+          <a:chOff x="0" y="0"/>
+          <a:chExt cx="0" cy="0"/>
+        </a:xfrm>
+      </p:grpSpPr>
+      <p:sp useBgFill="1">
+        <p:nvSpPr>
+          <p:cNvPr id="18" name="Rectangle 17">
+            <a:extLst>
+              <a:ext uri="{FF2B5EF4-FFF2-40B4-BE49-F238E27FC236}">
+                <a16:creationId xmlns:a16="http://schemas.microsoft.com/office/drawing/2014/main" id="{1ECAB1E8-8195-4748-BE71-FF806D86892E}"/>
+              </a:ext>
+              <a:ext uri="{C183D7F6-B498-43B3-948B-1728B52AA6E4}">
+                <adec:decorative xmlns:adec="http://schemas.microsoft.com/office/drawing/2017/decorative" val="1"/>
+              </a:ext>
+            </a:extLst>
+          </p:cNvPr>
+          <p:cNvSpPr>
+            <a:spLocks noGrp="1" noRot="1" noChangeAspect="1" noMove="1" noResize="1" noEditPoints="1" noAdjustHandles="1" noChangeArrowheads="1" noChangeShapeType="1" noTextEdit="1"/>
+          </p:cNvSpPr>
+          <p:nvPr>
+            <p:extLst>
+              <p:ext uri="{386F3935-93C4-4BCD-93E2-E3B085C9AB24}">
+                <p16:designElem xmlns:p16="http://schemas.microsoft.com/office/powerpoint/2015/main" val="1"/>
+              </p:ext>
+            </p:extLst>
+          </p:nvPr>
+        </p:nvSpPr>
+        <p:spPr>
+          <a:xfrm>
+            <a:off x="0" y="0"/>
+            <a:ext cx="12192000" cy="6858000"/>
+          </a:xfrm>
+          <a:prstGeom prst="rect">
+            <a:avLst/>
+          </a:prstGeom>
+          <a:ln>
+            <a:noFill/>
+          </a:ln>
+        </p:spPr>
+        <p:style>
+          <a:lnRef idx="2">
+            <a:schemeClr val="accent1">
+              <a:shade val="50000"/>
+            </a:schemeClr>
+          </a:lnRef>
+          <a:fillRef idx="1">
+            <a:schemeClr val="accent1"/>
+          </a:fillRef>
+          <a:effectRef idx="0">
+            <a:schemeClr val="accent1"/>
+          </a:effectRef>
+          <a:fontRef idx="minor">
+            <a:schemeClr val="lt1"/>
+          </a:fontRef>
+        </p:style>
+        <p:txBody>
+          <a:bodyPr rtlCol="0" anchor="ctr"/>
+          <a:lstStyle/>
+          <a:p>
+            <a:pPr algn="ctr"/>
+            <a:endParaRPr lang="en-US"/>
+          </a:p>
+        </p:txBody>
+      </p:sp>
+      <p:sp useBgFill="1">
+        <p:nvSpPr>
+          <p:cNvPr id="20" name="Rectangle 19">
+            <a:extLst>
+              <a:ext uri="{FF2B5EF4-FFF2-40B4-BE49-F238E27FC236}">
+                <a16:creationId xmlns:a16="http://schemas.microsoft.com/office/drawing/2014/main" id="{57F6BDD4-E066-4008-8011-6CC31AEB4556}"/>
+              </a:ext>
+              <a:ext uri="{C183D7F6-B498-43B3-948B-1728B52AA6E4}">
+                <adec:decorative xmlns:adec="http://schemas.microsoft.com/office/drawing/2017/decorative" val="1"/>
+              </a:ext>
+            </a:extLst>
+          </p:cNvPr>
+          <p:cNvSpPr>
+            <a:spLocks noGrp="1" noRot="1" noChangeAspect="1" noMove="1" noResize="1" noEditPoints="1" noAdjustHandles="1" noChangeArrowheads="1" noChangeShapeType="1" noTextEdit="1"/>
+          </p:cNvSpPr>
+          <p:nvPr>
+            <p:extLst>
+              <p:ext uri="{386F3935-93C4-4BCD-93E2-E3B085C9AB24}">
+                <p16:designElem xmlns:p16="http://schemas.microsoft.com/office/powerpoint/2015/main" val="1"/>
+              </p:ext>
+            </p:extLst>
+          </p:nvPr>
+        </p:nvSpPr>
+        <p:spPr>
+          <a:xfrm>
+            <a:off x="409575" y="633619"/>
+            <a:ext cx="4279383" cy="5495925"/>
+          </a:xfrm>
+          <a:prstGeom prst="rect">
+            <a:avLst/>
+          </a:prstGeom>
+          <a:ln w="9525">
+            <a:solidFill>
+              <a:srgbClr val="E1E1E1"/>
+            </a:solidFill>
+          </a:ln>
+          <a:effectLst>
+            <a:outerShdw blurRad="50800" dist="38100" dir="2700000" algn="tl" rotWithShape="0">
+              <a:schemeClr val="bg1">
+                <a:lumMod val="85000"/>
+                <a:alpha val="50000"/>
+              </a:schemeClr>
+            </a:outerShdw>
+          </a:effectLst>
+        </p:spPr>
+        <p:style>
+          <a:lnRef idx="2">
+            <a:schemeClr val="accent1">
+              <a:shade val="50000"/>
+            </a:schemeClr>
+          </a:lnRef>
+          <a:fillRef idx="1">
+            <a:schemeClr val="accent1"/>
+          </a:fillRef>
+          <a:effectRef idx="0">
+            <a:schemeClr val="accent1"/>
+          </a:effectRef>
+          <a:fontRef idx="minor">
+            <a:schemeClr val="lt1"/>
+          </a:fontRef>
+        </p:style>
+        <p:txBody>
+          <a:bodyPr rtlCol="0" anchor="ctr"/>
+          <a:lstStyle/>
+          <a:p>
+            <a:pPr marL="0" marR="0" lvl="0" indent="0" algn="ctr" defTabSz="914400" rtl="0" eaLnBrk="1" fontAlgn="auto" latinLnBrk="0" hangingPunct="1">
+              <a:lnSpc>
+                <a:spcPct val="100000"/>
+              </a:lnSpc>
+              <a:spcBef>
+                <a:spcPts val="0"/>
+              </a:spcBef>
+              <a:spcAft>
+                <a:spcPts val="0"/>
+              </a:spcAft>
+              <a:buClrTx/>
+              <a:buSzTx/>
+              <a:buFontTx/>
+              <a:buNone/>
+              <a:tabLst/>
+              <a:defRPr/>
+            </a:pPr>
+            <a:endParaRPr kumimoji="0" lang="en-US" sz="1800" b="0" i="0" u="none" strike="noStrike" kern="1200" cap="none" spc="0" normalizeH="0" baseline="0" noProof="0">
+              <a:ln>
+                <a:noFill/>
+              </a:ln>
+              <a:solidFill>
+                <a:prstClr val="white"/>
+              </a:solidFill>
+              <a:effectLst/>
+              <a:uLnTx/>
+              <a:uFillTx/>
+              <a:latin typeface="Calibri" panose="020F0502020204030204"/>
+              <a:ea typeface="+mn-ea"/>
+              <a:cs typeface="+mn-cs"/>
+            </a:endParaRPr>
+          </a:p>
+        </p:txBody>
+      </p:sp>
+      <p:sp>
+        <p:nvSpPr>
+          <p:cNvPr id="2" name="제목 1">
+            <a:extLst>
+              <a:ext uri="{FF2B5EF4-FFF2-40B4-BE49-F238E27FC236}">
+                <a16:creationId xmlns:a16="http://schemas.microsoft.com/office/drawing/2014/main" id="{DA43B5B3-C4BD-484E-9BA8-F098A73041D7}"/>
+              </a:ext>
+            </a:extLst>
+          </p:cNvPr>
+          <p:cNvSpPr>
+            <a:spLocks noGrp="1"/>
+          </p:cNvSpPr>
+          <p:nvPr>
+            <p:ph type="title"/>
+          </p:nvPr>
+        </p:nvSpPr>
+        <p:spPr>
+          <a:xfrm>
+            <a:off x="841247" y="978619"/>
+            <a:ext cx="3410712" cy="1106424"/>
+          </a:xfrm>
+        </p:spPr>
+        <p:txBody>
+          <a:bodyPr vert="horz" lIns="91440" tIns="45720" rIns="91440" bIns="45720" rtlCol="0">
+            <a:normAutofit/>
+          </a:bodyPr>
+          <a:lstStyle/>
+          <a:p>
+            <a:pPr latinLnBrk="0"/>
+            <a:r>
+              <a:rPr lang="en-US" altLang="ko-KR" sz="2800"/>
+              <a:t>AKKA</a:t>
+            </a:r>
+            <a:r>
+              <a:rPr lang="ko-KR" altLang="en-US" sz="2800"/>
+              <a:t>를 도입배경</a:t>
+            </a:r>
+            <a:r>
+              <a:rPr lang="en-US" altLang="ko-KR" sz="2800"/>
+              <a:t>?</a:t>
+            </a:r>
+            <a:br>
+              <a:rPr lang="en-US" altLang="ko-KR" sz="2800"/>
+            </a:br>
+            <a:endParaRPr lang="en-US" altLang="ko-KR" sz="2800"/>
+          </a:p>
+        </p:txBody>
+      </p:sp>
+      <p:sp>
+        <p:nvSpPr>
+          <p:cNvPr id="22" name="Rectangle 21">
+            <a:extLst>
+              <a:ext uri="{FF2B5EF4-FFF2-40B4-BE49-F238E27FC236}">
+                <a16:creationId xmlns:a16="http://schemas.microsoft.com/office/drawing/2014/main" id="{2711A8FB-68FC-45FC-B01E-38F809E2D439}"/>
+              </a:ext>
+              <a:ext uri="{C183D7F6-B498-43B3-948B-1728B52AA6E4}">
+                <adec:decorative xmlns:adec="http://schemas.microsoft.com/office/drawing/2017/decorative" val="1"/>
+              </a:ext>
+            </a:extLst>
+          </p:cNvPr>
+          <p:cNvSpPr>
+            <a:spLocks noGrp="1" noRot="1" noChangeAspect="1" noMove="1" noResize="1" noEditPoints="1" noAdjustHandles="1" noChangeArrowheads="1" noChangeShapeType="1" noTextEdit="1"/>
+          </p:cNvSpPr>
+          <p:nvPr>
+            <p:extLst>
+              <p:ext uri="{386F3935-93C4-4BCD-93E2-E3B085C9AB24}">
+                <p16:designElem xmlns:p16="http://schemas.microsoft.com/office/powerpoint/2015/main" val="1"/>
+              </p:ext>
+            </p:extLst>
+          </p:nvPr>
+        </p:nvSpPr>
+        <p:spPr>
+          <a:xfrm>
+            <a:off x="345567" y="1170432"/>
+            <a:ext cx="128016" cy="704088"/>
+          </a:xfrm>
+          <a:prstGeom prst="rect">
+            <a:avLst/>
+          </a:prstGeom>
+          <a:solidFill>
+            <a:schemeClr val="accent2"/>
+          </a:solidFill>
+          <a:ln>
+            <a:noFill/>
+          </a:ln>
+        </p:spPr>
+        <p:style>
+          <a:lnRef idx="2">
+            <a:schemeClr val="accent1">
+              <a:shade val="50000"/>
+            </a:schemeClr>
+          </a:lnRef>
+          <a:fillRef idx="1">
+            <a:schemeClr val="accent1"/>
+          </a:fillRef>
+          <a:effectRef idx="0">
+            <a:schemeClr val="accent1"/>
+          </a:effectRef>
+          <a:fontRef idx="minor">
+            <a:schemeClr val="lt1"/>
+          </a:fontRef>
+        </p:style>
+        <p:txBody>
+          <a:bodyPr rtlCol="0" anchor="ctr"/>
+          <a:lstStyle/>
+          <a:p>
+            <a:pPr algn="ctr"/>
+            <a:endParaRPr lang="en-US">
+              <a:solidFill>
+                <a:prstClr val="white"/>
+              </a:solidFill>
+              <a:latin typeface="Calibri" panose="020F0502020204030204"/>
+            </a:endParaRPr>
+          </a:p>
+        </p:txBody>
+      </p:sp>
+      <p:sp>
+        <p:nvSpPr>
+          <p:cNvPr id="24" name="Rectangle 23">
+            <a:extLst>
+              <a:ext uri="{FF2B5EF4-FFF2-40B4-BE49-F238E27FC236}">
+                <a16:creationId xmlns:a16="http://schemas.microsoft.com/office/drawing/2014/main" id="{2A865FE3-5FC9-4049-87CF-30019C46C0F5}"/>
+              </a:ext>
+              <a:ext uri="{C183D7F6-B498-43B3-948B-1728B52AA6E4}">
+                <adec:decorative xmlns:adec="http://schemas.microsoft.com/office/drawing/2017/decorative" val="1"/>
+              </a:ext>
+            </a:extLst>
+          </p:cNvPr>
+          <p:cNvSpPr>
+            <a:spLocks noGrp="1" noRot="1" noChangeAspect="1" noMove="1" noResize="1" noEditPoints="1" noAdjustHandles="1" noChangeArrowheads="1" noChangeShapeType="1" noTextEdit="1"/>
+          </p:cNvSpPr>
+          <p:nvPr>
+            <p:extLst>
+              <p:ext uri="{386F3935-93C4-4BCD-93E2-E3B085C9AB24}">
+                <p16:designElem xmlns:p16="http://schemas.microsoft.com/office/powerpoint/2015/main" val="1"/>
+              </p:ext>
+            </p:extLst>
+          </p:nvPr>
+        </p:nvSpPr>
+        <p:spPr>
+          <a:xfrm>
+            <a:off x="877459" y="2121408"/>
+            <a:ext cx="3328416" cy="9144"/>
+          </a:xfrm>
+          <a:prstGeom prst="rect">
+            <a:avLst/>
+          </a:prstGeom>
+          <a:solidFill>
+            <a:srgbClr val="D5D5D5"/>
+          </a:solidFill>
+          <a:ln w="3175">
+            <a:noFill/>
+          </a:ln>
+          <a:effectLst/>
+        </p:spPr>
+        <p:style>
+          <a:lnRef idx="2">
+            <a:schemeClr val="accent1">
+              <a:shade val="50000"/>
+            </a:schemeClr>
+          </a:lnRef>
+          <a:fillRef idx="1">
+            <a:schemeClr val="accent1"/>
+          </a:fillRef>
+          <a:effectRef idx="0">
+            <a:schemeClr val="accent1"/>
+          </a:effectRef>
+          <a:fontRef idx="minor">
+            <a:schemeClr val="lt1"/>
+          </a:fontRef>
+        </p:style>
+        <p:txBody>
+          <a:bodyPr rtlCol="0" anchor="ctr"/>
+          <a:lstStyle/>
+          <a:p>
+            <a:pPr marL="0" marR="0" lvl="0" indent="0" algn="ctr" defTabSz="914400" rtl="0" eaLnBrk="1" fontAlgn="auto" latinLnBrk="0" hangingPunct="1">
+              <a:lnSpc>
+                <a:spcPct val="100000"/>
+              </a:lnSpc>
+              <a:spcBef>
+                <a:spcPts val="0"/>
+              </a:spcBef>
+              <a:spcAft>
+                <a:spcPts val="0"/>
+              </a:spcAft>
+              <a:buClrTx/>
+              <a:buSzTx/>
+              <a:buFontTx/>
+              <a:buNone/>
+              <a:tabLst/>
+              <a:defRPr/>
+            </a:pPr>
+            <a:endParaRPr kumimoji="0" lang="en-US" sz="1800" b="0" i="0" u="none" strike="noStrike" kern="1200" cap="none" spc="0" normalizeH="0" baseline="0" noProof="0">
+              <a:ln>
+                <a:noFill/>
+              </a:ln>
+              <a:solidFill>
+                <a:prstClr val="white"/>
+              </a:solidFill>
+              <a:effectLst/>
+              <a:uLnTx/>
+              <a:uFillTx/>
+              <a:latin typeface="Calibri" panose="020F0502020204030204"/>
+              <a:ea typeface="+mn-ea"/>
+              <a:cs typeface="+mn-cs"/>
+            </a:endParaRPr>
+          </a:p>
+        </p:txBody>
+      </p:sp>
+      <p:sp>
+        <p:nvSpPr>
+          <p:cNvPr id="10" name="내용 개체 틀 2">
+            <a:extLst>
+              <a:ext uri="{FF2B5EF4-FFF2-40B4-BE49-F238E27FC236}">
+                <a16:creationId xmlns:a16="http://schemas.microsoft.com/office/drawing/2014/main" id="{ED8D139A-CAAA-455B-8D58-478DF5F38AB4}"/>
+              </a:ext>
+            </a:extLst>
+          </p:cNvPr>
+          <p:cNvSpPr>
+            <a:spLocks noGrp="1"/>
+          </p:cNvSpPr>
+          <p:nvPr>
+            <p:ph idx="1"/>
+          </p:nvPr>
+        </p:nvSpPr>
+        <p:spPr>
+          <a:xfrm>
+            <a:off x="841247" y="2359152"/>
+            <a:ext cx="3410712" cy="3425043"/>
+          </a:xfrm>
+        </p:spPr>
+        <p:txBody>
+          <a:bodyPr>
+            <a:normAutofit/>
+          </a:bodyPr>
+          <a:lstStyle/>
+          <a:p>
+            <a:r>
+              <a:rPr lang="ko-KR" altLang="en-US" sz="1700"/>
+              <a:t>루나스프트 백엔드 개발팀</a:t>
+            </a:r>
+            <a:r>
+              <a:rPr lang="en-US" altLang="ko-KR" sz="1700"/>
+              <a:t>(JAVA/.NET)</a:t>
+            </a:r>
+          </a:p>
+          <a:p>
+            <a:r>
+              <a:rPr lang="en-US" altLang="ko-KR" sz="1700"/>
+              <a:t>KAFKA</a:t>
+            </a:r>
+            <a:r>
+              <a:rPr lang="ko-KR" altLang="en-US" sz="1700"/>
+              <a:t>를 이기종간 통신큐로 기본채택</a:t>
+            </a:r>
+            <a:endParaRPr lang="en-US" altLang="ko-KR" sz="1700"/>
+          </a:p>
+          <a:p>
+            <a:r>
+              <a:rPr lang="en-US" altLang="ko-KR" sz="1700"/>
+              <a:t>AKKA</a:t>
+            </a:r>
+            <a:r>
+              <a:rPr lang="ko-KR" altLang="en-US" sz="1700"/>
+              <a:t>는 각진영에서 부분활용</a:t>
+            </a:r>
+            <a:r>
+              <a:rPr lang="en-US" altLang="ko-KR" sz="1700"/>
+              <a:t>,</a:t>
+            </a:r>
+            <a:r>
+              <a:rPr lang="ko-KR" altLang="en-US" sz="1700"/>
+              <a:t>동일한 문제를 동일한 패턴으로 풀수있음</a:t>
+            </a:r>
+          </a:p>
+        </p:txBody>
+      </p:sp>
+      <p:pic>
+        <p:nvPicPr>
+          <p:cNvPr id="4" name="그림 3">
+            <a:extLst>
+              <a:ext uri="{FF2B5EF4-FFF2-40B4-BE49-F238E27FC236}">
+                <a16:creationId xmlns:a16="http://schemas.microsoft.com/office/drawing/2014/main" id="{8FF36C35-C7BE-42BC-BEDD-1D2D4C87F925}"/>
+              </a:ext>
+            </a:extLst>
+          </p:cNvPr>
+          <p:cNvPicPr>
+            <a:picLocks noChangeAspect="1"/>
+          </p:cNvPicPr>
+          <p:nvPr/>
+        </p:nvPicPr>
+        <p:blipFill rotWithShape="1">
+          <a:blip r:embed="rId2"/>
+          <a:srcRect r="54"/>
+          <a:stretch/>
+        </p:blipFill>
+        <p:spPr>
+          <a:xfrm>
+            <a:off x="5124450" y="634382"/>
+            <a:ext cx="6657213" cy="5495162"/>
+          </a:xfrm>
+          <a:prstGeom prst="rect">
+            <a:avLst/>
+          </a:prstGeom>
+        </p:spPr>
+      </p:pic>
+    </p:spTree>
+    <p:extLst>
+      <p:ext uri="{BB962C8B-B14F-4D97-AF65-F5344CB8AC3E}">
+        <p14:creationId xmlns:p14="http://schemas.microsoft.com/office/powerpoint/2010/main" val="1875187724"/>
+      </p:ext>
+    </p:extLst>
+  </p:cSld>
+  <p:clrMapOvr>
+    <a:masterClrMapping/>
+  </p:clrMapOvr>
+</p:sld>
+</file>
+
+<file path=ppt/slides/slide20.xml><?xml version="1.0" encoding="utf-8"?>
 <p:sld xmlns:a="http://schemas.openxmlformats.org/drawingml/2006/main" xmlns:r="http://schemas.openxmlformats.org/officeDocument/2006/relationships" xmlns:p="http://schemas.openxmlformats.org/presentationml/2006/main">
   <p:cSld>
     <p:spTree>
@@ -5385,7 +7125,7 @@
           <p:cNvPr id="2" name="제목 1">
             <a:extLst>
               <a:ext uri="{FF2B5EF4-FFF2-40B4-BE49-F238E27FC236}">
-                <a16:creationId xmlns:a16="http://schemas.microsoft.com/office/drawing/2014/main" id="{7FC357D5-91AD-4566-9D4B-BA2758D4C361}"/>
+                <a16:creationId xmlns:a16="http://schemas.microsoft.com/office/drawing/2014/main" id="{7F7D9D40-7B34-4440-9BFD-5F7837A712AB}"/>
               </a:ext>
             </a:extLst>
           </p:cNvPr>
@@ -5402,142 +7142,902 @@
           <a:lstStyle/>
           <a:p>
             <a:r>
+              <a:rPr lang="ko-KR" altLang="en-US"/>
+              <a:t>실습</a:t>
+            </a:r>
+          </a:p>
+        </p:txBody>
+      </p:sp>
+      <p:sp>
+        <p:nvSpPr>
+          <p:cNvPr id="3" name="내용 개체 틀 2">
+            <a:extLst>
+              <a:ext uri="{FF2B5EF4-FFF2-40B4-BE49-F238E27FC236}">
+                <a16:creationId xmlns:a16="http://schemas.microsoft.com/office/drawing/2014/main" id="{B79FDA00-8970-4F4D-A422-F17AE4A381E5}"/>
+              </a:ext>
+            </a:extLst>
+          </p:cNvPr>
+          <p:cNvSpPr>
+            <a:spLocks noGrp="1"/>
+          </p:cNvSpPr>
+          <p:nvPr>
+            <p:ph idx="1"/>
+          </p:nvPr>
+        </p:nvSpPr>
+        <p:spPr/>
+        <p:txBody>
+          <a:bodyPr/>
+          <a:lstStyle/>
+          <a:p>
+            <a:r>
+              <a:rPr lang="ko-KR" altLang="en-US"/>
+              <a:t>닷넷 코어 </a:t>
+            </a:r>
+            <a:r>
               <a:rPr lang="en-US" altLang="ko-KR"/>
-              <a:t>AKKA.NET</a:t>
+              <a:t>API</a:t>
             </a:r>
             <a:r>
               <a:rPr lang="ko-KR" altLang="en-US"/>
-              <a:t>이 포팅이되기까지</a:t>
+              <a:t>에 </a:t>
             </a:r>
             <a:r>
               <a:rPr lang="en-US" altLang="ko-KR"/>
-              <a:t>~ </a:t>
-            </a:r>
+              <a:t>Akka </a:t>
+            </a:r>
+            <a:r>
+              <a:rPr lang="ko-KR" altLang="en-US"/>
+              <a:t>시스템 탑재</a:t>
+            </a:r>
+            <a:endParaRPr lang="en-US" altLang="ko-KR"/>
+          </a:p>
+          <a:p>
+            <a:r>
+              <a:rPr lang="en-US" altLang="ko-KR"/>
+              <a:t>Actor – Tell and Ask</a:t>
+            </a:r>
+          </a:p>
+          <a:p>
+            <a:r>
+              <a:rPr lang="en-US" altLang="ko-KR"/>
+              <a:t>Kafka</a:t>
+            </a:r>
+            <a:r>
+              <a:rPr lang="ko-KR" altLang="en-US"/>
+              <a:t> 메시지 생산 조절 </a:t>
+            </a:r>
+            <a:r>
+              <a:rPr lang="en-US" altLang="ko-KR"/>
+              <a:t>–TPS</a:t>
+            </a:r>
+          </a:p>
+          <a:p>
+            <a:r>
+              <a:rPr lang="en-US" altLang="ko-KR"/>
+              <a:t>Azure Event Hub </a:t>
+            </a:r>
+            <a:r>
+              <a:rPr lang="ko-KR" altLang="en-US"/>
+              <a:t>메시지 생산</a:t>
+            </a:r>
+            <a:endParaRPr lang="en-US" altLang="ko-KR"/>
+          </a:p>
+          <a:p>
+            <a:endParaRPr lang="en-US" altLang="ko-KR"/>
+          </a:p>
+          <a:p>
             <a:endParaRPr lang="ko-KR" altLang="en-US"/>
           </a:p>
         </p:txBody>
       </p:sp>
       <p:sp>
         <p:nvSpPr>
-          <p:cNvPr id="3" name="내용 개체 틀 2">
-            <a:extLst>
-              <a:ext uri="{FF2B5EF4-FFF2-40B4-BE49-F238E27FC236}">
-                <a16:creationId xmlns:a16="http://schemas.microsoft.com/office/drawing/2014/main" id="{38A3AB1E-B967-435A-BF59-EAA4086E8B49}"/>
-              </a:ext>
-            </a:extLst>
-          </p:cNvPr>
-          <p:cNvSpPr>
-            <a:spLocks noGrp="1"/>
-          </p:cNvSpPr>
-          <p:nvPr>
-            <p:ph idx="1"/>
-          </p:nvPr>
-        </p:nvSpPr>
-        <p:spPr/>
-        <p:txBody>
-          <a:bodyPr/>
-          <a:lstStyle/>
-          <a:p>
-            <a:r>
-              <a:rPr lang="en-US" altLang="ko-KR"/>
-              <a:t>1973 - ACTOR MODEL – (</a:t>
-            </a:r>
+          <p:cNvPr id="4" name="직사각형 3">
+            <a:extLst>
+              <a:ext uri="{FF2B5EF4-FFF2-40B4-BE49-F238E27FC236}">
+                <a16:creationId xmlns:a16="http://schemas.microsoft.com/office/drawing/2014/main" id="{454AA9E1-265B-4B35-B455-FF82517F8E71}"/>
+              </a:ext>
+            </a:extLst>
+          </p:cNvPr>
+          <p:cNvSpPr/>
+          <p:nvPr/>
+        </p:nvSpPr>
+        <p:spPr>
+          <a:xfrm>
+            <a:off x="80222" y="6488668"/>
+            <a:ext cx="4716356" cy="369332"/>
+          </a:xfrm>
+          <a:prstGeom prst="rect">
+            <a:avLst/>
+          </a:prstGeom>
+        </p:spPr>
+        <p:txBody>
+          <a:bodyPr wrap="none">
+            <a:spAutoFit/>
+          </a:bodyPr>
+          <a:lstStyle/>
+          <a:p>
             <a:r>
               <a:rPr lang="ko-KR" altLang="en-US"/>
-              <a:t>칼휴이트</a:t>
-            </a:r>
-            <a:r>
-              <a:rPr lang="en-US" altLang="ko-KR"/>
-              <a:t>)</a:t>
-            </a:r>
-          </a:p>
-          <a:p>
-            <a:r>
-              <a:rPr lang="en-US" altLang="ko-KR"/>
-              <a:t>1986 - Erlang – </a:t>
-            </a:r>
-            <a:r>
-              <a:rPr lang="ko-KR" altLang="en-US"/>
-              <a:t>스웨덴 에릭슨 통신백본</a:t>
-            </a:r>
-            <a:endParaRPr lang="en-US" altLang="ko-KR"/>
-          </a:p>
-          <a:p>
-            <a:r>
-              <a:rPr lang="en-US" altLang="ko-KR"/>
-              <a:t>2006 – </a:t>
-            </a:r>
-            <a:r>
-              <a:rPr lang="ko-KR" altLang="en-US"/>
-              <a:t>스칼라 </a:t>
-            </a:r>
-            <a:r>
-              <a:rPr lang="en-US" altLang="ko-KR"/>
-              <a:t>– </a:t>
-            </a:r>
-            <a:r>
-              <a:rPr lang="ko-KR" altLang="en-US"/>
-              <a:t>필립할러</a:t>
-            </a:r>
-            <a:endParaRPr lang="en-US" altLang="ko-KR"/>
-          </a:p>
-          <a:p>
-            <a:r>
-              <a:rPr lang="en-US" altLang="ko-KR"/>
-              <a:t>2009 – </a:t>
-            </a:r>
-            <a:r>
-              <a:rPr lang="ko-KR" altLang="en-US"/>
-              <a:t>아카 </a:t>
-            </a:r>
-            <a:r>
-              <a:rPr lang="en-US" altLang="ko-KR"/>
-              <a:t>– </a:t>
-            </a:r>
-            <a:r>
-              <a:rPr lang="ko-KR" altLang="en-US"/>
-              <a:t>요나스보네어</a:t>
-            </a:r>
-            <a:r>
-              <a:rPr lang="en-US" altLang="ko-KR"/>
-              <a:t>( JVM / JAVA / SCALA)</a:t>
-            </a:r>
-          </a:p>
-          <a:p>
-            <a:r>
-              <a:rPr lang="en-US" altLang="ko-KR"/>
-              <a:t>2013 – Reactive Stream ( Netflix,Pivotal,Typesafe)</a:t>
-            </a:r>
-          </a:p>
-          <a:p>
-            <a:r>
-              <a:rPr lang="en-US" altLang="ko-KR"/>
-              <a:t>Reactive – </a:t>
-            </a:r>
-            <a:r>
-              <a:rPr lang="ko-KR" altLang="en-US"/>
-              <a:t>참여자 </a:t>
-            </a:r>
-            <a:r>
-              <a:rPr lang="en-US" altLang="ko-KR"/>
-              <a:t>: RedHat,Oracle,Twitter,spray.io</a:t>
-            </a:r>
-          </a:p>
-          <a:p>
-            <a:r>
-              <a:rPr lang="en-US" altLang="ko-KR"/>
-              <a:t>2015 – Akka.net 1.4 – PETABRIDGE ( ASP.net NETCORE )</a:t>
-            </a:r>
-          </a:p>
-          <a:p>
-            <a:endParaRPr lang="ko-KR" altLang="en-US"/>
+              <a:t>https://github.com/psmon/AkkaDotModule</a:t>
+            </a:r>
           </a:p>
         </p:txBody>
       </p:sp>
     </p:spTree>
     <p:extLst>
       <p:ext uri="{BB962C8B-B14F-4D97-AF65-F5344CB8AC3E}">
-        <p14:creationId xmlns:p14="http://schemas.microsoft.com/office/powerpoint/2010/main" val="1718003452"/>
+        <p14:creationId xmlns:p14="http://schemas.microsoft.com/office/powerpoint/2010/main" val="1073829836"/>
+      </p:ext>
+    </p:extLst>
+  </p:cSld>
+  <p:clrMapOvr>
+    <a:masterClrMapping/>
+  </p:clrMapOvr>
+</p:sld>
+</file>
+
+<file path=ppt/slides/slide21.xml><?xml version="1.0" encoding="utf-8"?>
+<p:sld xmlns:a="http://schemas.openxmlformats.org/drawingml/2006/main" xmlns:r="http://schemas.openxmlformats.org/officeDocument/2006/relationships" xmlns:p="http://schemas.openxmlformats.org/presentationml/2006/main">
+  <p:cSld>
+    <p:bg>
+      <p:bgPr>
+        <a:solidFill>
+          <a:schemeClr val="bg1"/>
+        </a:solidFill>
+        <a:effectLst/>
+      </p:bgPr>
+    </p:bg>
+    <p:spTree>
+      <p:nvGrpSpPr>
+        <p:cNvPr id="1" name=""/>
+        <p:cNvGrpSpPr/>
+        <p:nvPr/>
+      </p:nvGrpSpPr>
+      <p:grpSpPr>
+        <a:xfrm>
+          <a:off x="0" y="0"/>
+          <a:ext cx="0" cy="0"/>
+          <a:chOff x="0" y="0"/>
+          <a:chExt cx="0" cy="0"/>
+        </a:xfrm>
+      </p:grpSpPr>
+      <p:sp useBgFill="1">
+        <p:nvSpPr>
+          <p:cNvPr id="21" name="Rectangle 8">
+            <a:extLst>
+              <a:ext uri="{FF2B5EF4-FFF2-40B4-BE49-F238E27FC236}">
+                <a16:creationId xmlns:a16="http://schemas.microsoft.com/office/drawing/2014/main" id="{2C61293E-6EBE-43EF-A52C-9BEBFD7679D4}"/>
+              </a:ext>
+              <a:ext uri="{C183D7F6-B498-43B3-948B-1728B52AA6E4}">
+                <adec:decorative xmlns:adec="http://schemas.microsoft.com/office/drawing/2017/decorative" val="1"/>
+              </a:ext>
+            </a:extLst>
+          </p:cNvPr>
+          <p:cNvSpPr>
+            <a:spLocks noGrp="1" noRot="1" noChangeAspect="1" noMove="1" noResize="1" noEditPoints="1" noAdjustHandles="1" noChangeArrowheads="1" noChangeShapeType="1" noTextEdit="1"/>
+          </p:cNvSpPr>
+          <p:nvPr>
+            <p:extLst>
+              <p:ext uri="{386F3935-93C4-4BCD-93E2-E3B085C9AB24}">
+                <p16:designElem xmlns:p16="http://schemas.microsoft.com/office/powerpoint/2015/main" val="1"/>
+              </p:ext>
+            </p:extLst>
+          </p:nvPr>
+        </p:nvSpPr>
+        <p:spPr>
+          <a:xfrm>
+            <a:off x="0" y="0"/>
+            <a:ext cx="12188952" cy="6858000"/>
+          </a:xfrm>
+          <a:prstGeom prst="rect">
+            <a:avLst/>
+          </a:prstGeom>
+          <a:ln>
+            <a:noFill/>
+          </a:ln>
+        </p:spPr>
+        <p:style>
+          <a:lnRef idx="2">
+            <a:schemeClr val="accent1">
+              <a:shade val="50000"/>
+            </a:schemeClr>
+          </a:lnRef>
+          <a:fillRef idx="1">
+            <a:schemeClr val="accent1"/>
+          </a:fillRef>
+          <a:effectRef idx="0">
+            <a:schemeClr val="accent1"/>
+          </a:effectRef>
+          <a:fontRef idx="minor">
+            <a:schemeClr val="lt1"/>
+          </a:fontRef>
+        </p:style>
+        <p:txBody>
+          <a:bodyPr rtlCol="0" anchor="ctr"/>
+          <a:lstStyle/>
+          <a:p>
+            <a:pPr algn="ctr"/>
+            <a:endParaRPr lang="en-US"/>
+          </a:p>
+        </p:txBody>
+      </p:sp>
+      <p:sp>
+        <p:nvSpPr>
+          <p:cNvPr id="2" name="제목 1">
+            <a:extLst>
+              <a:ext uri="{FF2B5EF4-FFF2-40B4-BE49-F238E27FC236}">
+                <a16:creationId xmlns:a16="http://schemas.microsoft.com/office/drawing/2014/main" id="{78E1F9EE-06D4-4A84-A453-2C878CAD622F}"/>
+              </a:ext>
+            </a:extLst>
+          </p:cNvPr>
+          <p:cNvSpPr>
+            <a:spLocks noGrp="1"/>
+          </p:cNvSpPr>
+          <p:nvPr>
+            <p:ph type="title"/>
+          </p:nvPr>
+        </p:nvSpPr>
+        <p:spPr>
+          <a:xfrm>
+            <a:off x="5297762" y="329184"/>
+            <a:ext cx="6251110" cy="1783080"/>
+          </a:xfrm>
+        </p:spPr>
+        <p:txBody>
+          <a:bodyPr anchor="b">
+            <a:normAutofit/>
+          </a:bodyPr>
+          <a:lstStyle/>
+          <a:p>
+            <a:r>
+              <a:rPr lang="ko-KR" altLang="en-US" sz="5400"/>
+              <a:t>마치며</a:t>
+            </a:r>
+          </a:p>
+        </p:txBody>
+      </p:sp>
+      <p:pic>
+        <p:nvPicPr>
+          <p:cNvPr id="4" name="그림 3">
+            <a:extLst>
+              <a:ext uri="{FF2B5EF4-FFF2-40B4-BE49-F238E27FC236}">
+                <a16:creationId xmlns:a16="http://schemas.microsoft.com/office/drawing/2014/main" id="{0DA2D95E-A9B2-484B-A463-02F012267F02}"/>
+              </a:ext>
+            </a:extLst>
+          </p:cNvPr>
+          <p:cNvPicPr>
+            <a:picLocks noChangeAspect="1"/>
+          </p:cNvPicPr>
+          <p:nvPr/>
+        </p:nvPicPr>
+        <p:blipFill rotWithShape="1">
+          <a:blip r:embed="rId2"/>
+          <a:srcRect t="16616" r="1" b="3869"/>
+          <a:stretch/>
+        </p:blipFill>
+        <p:spPr>
+          <a:xfrm>
+            <a:off x="1" y="10"/>
+            <a:ext cx="4657344" cy="6857990"/>
+          </a:xfrm>
+          <a:custGeom>
+            <a:avLst/>
+            <a:gdLst/>
+            <a:ahLst/>
+            <a:cxnLst/>
+            <a:rect l="l" t="t" r="r" b="b"/>
+            <a:pathLst>
+              <a:path w="4657344" h="6858000">
+                <a:moveTo>
+                  <a:pt x="0" y="0"/>
+                </a:moveTo>
+                <a:lnTo>
+                  <a:pt x="3429755" y="0"/>
+                </a:lnTo>
+                <a:lnTo>
+                  <a:pt x="3526016" y="148742"/>
+                </a:lnTo>
+                <a:cubicBezTo>
+                  <a:pt x="3657740" y="365513"/>
+                  <a:pt x="3777402" y="589569"/>
+                  <a:pt x="3886489" y="819975"/>
+                </a:cubicBezTo>
+                <a:cubicBezTo>
+                  <a:pt x="3891856" y="833492"/>
+                  <a:pt x="3900663" y="845393"/>
+                  <a:pt x="3912049" y="854514"/>
+                </a:cubicBezTo>
+                <a:cubicBezTo>
+                  <a:pt x="3897352" y="819849"/>
+                  <a:pt x="3883037" y="784928"/>
+                  <a:pt x="3868083" y="750263"/>
+                </a:cubicBezTo>
+                <a:cubicBezTo>
+                  <a:pt x="3806989" y="608712"/>
+                  <a:pt x="3742478" y="469145"/>
+                  <a:pt x="3674155" y="331786"/>
+                </a:cubicBezTo>
+                <a:lnTo>
+                  <a:pt x="3496656" y="0"/>
+                </a:lnTo>
+                <a:lnTo>
+                  <a:pt x="3554371" y="0"/>
+                </a:lnTo>
+                <a:lnTo>
+                  <a:pt x="3661621" y="196614"/>
+                </a:lnTo>
+                <a:cubicBezTo>
+                  <a:pt x="3856899" y="573253"/>
+                  <a:pt x="4021071" y="966066"/>
+                  <a:pt x="4161279" y="1371196"/>
+                </a:cubicBezTo>
+                <a:cubicBezTo>
+                  <a:pt x="4379525" y="2007265"/>
+                  <a:pt x="4530141" y="2664286"/>
+                  <a:pt x="4610660" y="3331516"/>
+                </a:cubicBezTo>
+                <a:cubicBezTo>
+                  <a:pt x="4652837" y="3672965"/>
+                  <a:pt x="4671625" y="4013908"/>
+                  <a:pt x="4645040" y="4357388"/>
+                </a:cubicBezTo>
+                <a:cubicBezTo>
+                  <a:pt x="4613599" y="4758899"/>
+                  <a:pt x="4566181" y="5157998"/>
+                  <a:pt x="4485789" y="5552906"/>
+                </a:cubicBezTo>
+                <a:cubicBezTo>
+                  <a:pt x="4397121" y="5988893"/>
+                  <a:pt x="4276748" y="6414594"/>
+                  <a:pt x="4117769" y="6828295"/>
+                </a:cubicBezTo>
+                <a:lnTo>
+                  <a:pt x="4105288" y="6858000"/>
+                </a:lnTo>
+                <a:lnTo>
+                  <a:pt x="4052520" y="6858000"/>
+                </a:lnTo>
+                <a:lnTo>
+                  <a:pt x="4059369" y="6841549"/>
+                </a:lnTo>
+                <a:cubicBezTo>
+                  <a:pt x="4147276" y="6614016"/>
+                  <a:pt x="4224193" y="6380817"/>
+                  <a:pt x="4291518" y="6142729"/>
+                </a:cubicBezTo>
+                <a:cubicBezTo>
+                  <a:pt x="4350055" y="5935370"/>
+                  <a:pt x="4393256" y="5723695"/>
+                  <a:pt x="4443357" y="5513923"/>
+                </a:cubicBezTo>
+                <a:cubicBezTo>
+                  <a:pt x="4444541" y="5502788"/>
+                  <a:pt x="4445137" y="5491601"/>
+                  <a:pt x="4445146" y="5480401"/>
+                </a:cubicBezTo>
+                <a:cubicBezTo>
+                  <a:pt x="4408465" y="5607635"/>
+                  <a:pt x="4379196" y="5719759"/>
+                  <a:pt x="4344559" y="5830359"/>
+                </a:cubicBezTo>
+                <a:cubicBezTo>
+                  <a:pt x="4254261" y="6118381"/>
+                  <a:pt x="4150112" y="6398531"/>
+                  <a:pt x="4031702" y="6670527"/>
+                </a:cubicBezTo>
+                <a:lnTo>
+                  <a:pt x="3943824" y="6858000"/>
+                </a:lnTo>
+                <a:lnTo>
+                  <a:pt x="0" y="6858000"/>
+                </a:lnTo>
+                <a:close/>
+              </a:path>
+            </a:pathLst>
+          </a:custGeom>
+        </p:spPr>
+      </p:pic>
+      <p:sp>
+        <p:nvSpPr>
+          <p:cNvPr id="22" name="sketchy line">
+            <a:extLst>
+              <a:ext uri="{FF2B5EF4-FFF2-40B4-BE49-F238E27FC236}">
+                <a16:creationId xmlns:a16="http://schemas.microsoft.com/office/drawing/2014/main" id="{21540236-BFD5-4A9D-8840-4703E7F76825}"/>
+              </a:ext>
+              <a:ext uri="{C183D7F6-B498-43B3-948B-1728B52AA6E4}">
+                <adec:decorative xmlns:adec="http://schemas.microsoft.com/office/drawing/2017/decorative" val="1"/>
+              </a:ext>
+            </a:extLst>
+          </p:cNvPr>
+          <p:cNvSpPr>
+            <a:spLocks noGrp="1" noRot="1" noChangeAspect="1" noMove="1" noResize="1" noEditPoints="1" noAdjustHandles="1" noChangeArrowheads="1" noChangeShapeType="1" noTextEdit="1"/>
+          </p:cNvSpPr>
+          <p:nvPr>
+            <p:extLst>
+              <p:ext uri="{386F3935-93C4-4BCD-93E2-E3B085C9AB24}">
+                <p16:designElem xmlns:p16="http://schemas.microsoft.com/office/powerpoint/2015/main" val="1"/>
+              </p:ext>
+            </p:extLst>
+          </p:nvPr>
+        </p:nvSpPr>
+        <p:spPr>
+          <a:xfrm>
+            <a:off x="5297762" y="2374947"/>
+            <a:ext cx="4243589" cy="18288"/>
+          </a:xfrm>
+          <a:custGeom>
+            <a:avLst/>
+            <a:gdLst>
+              <a:gd name="connsiteX0" fmla="*/ 0 w 4243589"/>
+              <a:gd name="connsiteY0" fmla="*/ 0 h 18288"/>
+              <a:gd name="connsiteX1" fmla="*/ 478919 w 4243589"/>
+              <a:gd name="connsiteY1" fmla="*/ 0 h 18288"/>
+              <a:gd name="connsiteX2" fmla="*/ 957839 w 4243589"/>
+              <a:gd name="connsiteY2" fmla="*/ 0 h 18288"/>
+              <a:gd name="connsiteX3" fmla="*/ 1521630 w 4243589"/>
+              <a:gd name="connsiteY3" fmla="*/ 0 h 18288"/>
+              <a:gd name="connsiteX4" fmla="*/ 2212729 w 4243589"/>
+              <a:gd name="connsiteY4" fmla="*/ 0 h 18288"/>
+              <a:gd name="connsiteX5" fmla="*/ 2734084 w 4243589"/>
+              <a:gd name="connsiteY5" fmla="*/ 0 h 18288"/>
+              <a:gd name="connsiteX6" fmla="*/ 3255439 w 4243589"/>
+              <a:gd name="connsiteY6" fmla="*/ 0 h 18288"/>
+              <a:gd name="connsiteX7" fmla="*/ 4243589 w 4243589"/>
+              <a:gd name="connsiteY7" fmla="*/ 0 h 18288"/>
+              <a:gd name="connsiteX8" fmla="*/ 4243589 w 4243589"/>
+              <a:gd name="connsiteY8" fmla="*/ 18288 h 18288"/>
+              <a:gd name="connsiteX9" fmla="*/ 3594926 w 4243589"/>
+              <a:gd name="connsiteY9" fmla="*/ 18288 h 18288"/>
+              <a:gd name="connsiteX10" fmla="*/ 3073571 w 4243589"/>
+              <a:gd name="connsiteY10" fmla="*/ 18288 h 18288"/>
+              <a:gd name="connsiteX11" fmla="*/ 2552216 w 4243589"/>
+              <a:gd name="connsiteY11" fmla="*/ 18288 h 18288"/>
+              <a:gd name="connsiteX12" fmla="*/ 1903553 w 4243589"/>
+              <a:gd name="connsiteY12" fmla="*/ 18288 h 18288"/>
+              <a:gd name="connsiteX13" fmla="*/ 1212454 w 4243589"/>
+              <a:gd name="connsiteY13" fmla="*/ 18288 h 18288"/>
+              <a:gd name="connsiteX14" fmla="*/ 733535 w 4243589"/>
+              <a:gd name="connsiteY14" fmla="*/ 18288 h 18288"/>
+              <a:gd name="connsiteX15" fmla="*/ 0 w 4243589"/>
+              <a:gd name="connsiteY15" fmla="*/ 18288 h 18288"/>
+              <a:gd name="connsiteX16" fmla="*/ 0 w 4243589"/>
+              <a:gd name="connsiteY16" fmla="*/ 0 h 18288"/>
+            </a:gdLst>
+            <a:ahLst/>
+            <a:cxnLst>
+              <a:cxn ang="0">
+                <a:pos x="connsiteX0" y="connsiteY0"/>
+              </a:cxn>
+              <a:cxn ang="0">
+                <a:pos x="connsiteX1" y="connsiteY1"/>
+              </a:cxn>
+              <a:cxn ang="0">
+                <a:pos x="connsiteX2" y="connsiteY2"/>
+              </a:cxn>
+              <a:cxn ang="0">
+                <a:pos x="connsiteX3" y="connsiteY3"/>
+              </a:cxn>
+              <a:cxn ang="0">
+                <a:pos x="connsiteX4" y="connsiteY4"/>
+              </a:cxn>
+              <a:cxn ang="0">
+                <a:pos x="connsiteX5" y="connsiteY5"/>
+              </a:cxn>
+              <a:cxn ang="0">
+                <a:pos x="connsiteX6" y="connsiteY6"/>
+              </a:cxn>
+              <a:cxn ang="0">
+                <a:pos x="connsiteX7" y="connsiteY7"/>
+              </a:cxn>
+              <a:cxn ang="0">
+                <a:pos x="connsiteX8" y="connsiteY8"/>
+              </a:cxn>
+              <a:cxn ang="0">
+                <a:pos x="connsiteX9" y="connsiteY9"/>
+              </a:cxn>
+              <a:cxn ang="0">
+                <a:pos x="connsiteX10" y="connsiteY10"/>
+              </a:cxn>
+              <a:cxn ang="0">
+                <a:pos x="connsiteX11" y="connsiteY11"/>
+              </a:cxn>
+              <a:cxn ang="0">
+                <a:pos x="connsiteX12" y="connsiteY12"/>
+              </a:cxn>
+              <a:cxn ang="0">
+                <a:pos x="connsiteX13" y="connsiteY13"/>
+              </a:cxn>
+              <a:cxn ang="0">
+                <a:pos x="connsiteX14" y="connsiteY14"/>
+              </a:cxn>
+              <a:cxn ang="0">
+                <a:pos x="connsiteX15" y="connsiteY15"/>
+              </a:cxn>
+              <a:cxn ang="0">
+                <a:pos x="connsiteX16" y="connsiteY16"/>
+              </a:cxn>
+            </a:cxnLst>
+            <a:rect l="l" t="t" r="r" b="b"/>
+            <a:pathLst>
+              <a:path w="4243589" h="18288" fill="none" extrusionOk="0">
+                <a:moveTo>
+                  <a:pt x="0" y="0"/>
+                </a:moveTo>
+                <a:cubicBezTo>
+                  <a:pt x="213395" y="-21006"/>
+                  <a:pt x="307421" y="-18116"/>
+                  <a:pt x="478919" y="0"/>
+                </a:cubicBezTo>
+                <a:cubicBezTo>
+                  <a:pt x="650417" y="18116"/>
+                  <a:pt x="831092" y="-21237"/>
+                  <a:pt x="957839" y="0"/>
+                </a:cubicBezTo>
+                <a:cubicBezTo>
+                  <a:pt x="1084586" y="21237"/>
+                  <a:pt x="1301682" y="25124"/>
+                  <a:pt x="1521630" y="0"/>
+                </a:cubicBezTo>
+                <a:cubicBezTo>
+                  <a:pt x="1741578" y="-25124"/>
+                  <a:pt x="1970269" y="-29139"/>
+                  <a:pt x="2212729" y="0"/>
+                </a:cubicBezTo>
+                <a:cubicBezTo>
+                  <a:pt x="2455189" y="29139"/>
+                  <a:pt x="2558847" y="-4796"/>
+                  <a:pt x="2734084" y="0"/>
+                </a:cubicBezTo>
+                <a:cubicBezTo>
+                  <a:pt x="2909321" y="4796"/>
+                  <a:pt x="3097217" y="-13409"/>
+                  <a:pt x="3255439" y="0"/>
+                </a:cubicBezTo>
+                <a:cubicBezTo>
+                  <a:pt x="3413662" y="13409"/>
+                  <a:pt x="3979999" y="-10121"/>
+                  <a:pt x="4243589" y="0"/>
+                </a:cubicBezTo>
+                <a:cubicBezTo>
+                  <a:pt x="4244484" y="8974"/>
+                  <a:pt x="4243043" y="9359"/>
+                  <a:pt x="4243589" y="18288"/>
+                </a:cubicBezTo>
+                <a:cubicBezTo>
+                  <a:pt x="4058777" y="31246"/>
+                  <a:pt x="3910348" y="3158"/>
+                  <a:pt x="3594926" y="18288"/>
+                </a:cubicBezTo>
+                <a:cubicBezTo>
+                  <a:pt x="3279504" y="33418"/>
+                  <a:pt x="3319955" y="-3977"/>
+                  <a:pt x="3073571" y="18288"/>
+                </a:cubicBezTo>
+                <a:cubicBezTo>
+                  <a:pt x="2827187" y="40553"/>
+                  <a:pt x="2767387" y="1863"/>
+                  <a:pt x="2552216" y="18288"/>
+                </a:cubicBezTo>
+                <a:cubicBezTo>
+                  <a:pt x="2337046" y="34713"/>
+                  <a:pt x="2181871" y="19527"/>
+                  <a:pt x="1903553" y="18288"/>
+                </a:cubicBezTo>
+                <a:cubicBezTo>
+                  <a:pt x="1625235" y="17049"/>
+                  <a:pt x="1557672" y="24174"/>
+                  <a:pt x="1212454" y="18288"/>
+                </a:cubicBezTo>
+                <a:cubicBezTo>
+                  <a:pt x="867236" y="12402"/>
+                  <a:pt x="874382" y="15627"/>
+                  <a:pt x="733535" y="18288"/>
+                </a:cubicBezTo>
+                <a:cubicBezTo>
+                  <a:pt x="592688" y="20949"/>
+                  <a:pt x="183477" y="14753"/>
+                  <a:pt x="0" y="18288"/>
+                </a:cubicBezTo>
+                <a:cubicBezTo>
+                  <a:pt x="-229" y="14222"/>
+                  <a:pt x="509" y="5816"/>
+                  <a:pt x="0" y="0"/>
+                </a:cubicBezTo>
+                <a:close/>
+              </a:path>
+              <a:path w="4243589" h="18288" stroke="0" extrusionOk="0">
+                <a:moveTo>
+                  <a:pt x="0" y="0"/>
+                </a:moveTo>
+                <a:cubicBezTo>
+                  <a:pt x="143690" y="16630"/>
+                  <a:pt x="266667" y="14847"/>
+                  <a:pt x="521355" y="0"/>
+                </a:cubicBezTo>
+                <a:cubicBezTo>
+                  <a:pt x="776043" y="-14847"/>
+                  <a:pt x="814491" y="-17363"/>
+                  <a:pt x="1000275" y="0"/>
+                </a:cubicBezTo>
+                <a:cubicBezTo>
+                  <a:pt x="1186059" y="17363"/>
+                  <a:pt x="1352504" y="-23507"/>
+                  <a:pt x="1521630" y="0"/>
+                </a:cubicBezTo>
+                <a:cubicBezTo>
+                  <a:pt x="1690756" y="23507"/>
+                  <a:pt x="1889525" y="5871"/>
+                  <a:pt x="2127857" y="0"/>
+                </a:cubicBezTo>
+                <a:cubicBezTo>
+                  <a:pt x="2366189" y="-5871"/>
+                  <a:pt x="2620628" y="-27997"/>
+                  <a:pt x="2776520" y="0"/>
+                </a:cubicBezTo>
+                <a:cubicBezTo>
+                  <a:pt x="2932412" y="27997"/>
+                  <a:pt x="3131683" y="-25073"/>
+                  <a:pt x="3467618" y="0"/>
+                </a:cubicBezTo>
+                <a:cubicBezTo>
+                  <a:pt x="3803553" y="25073"/>
+                  <a:pt x="4017371" y="3071"/>
+                  <a:pt x="4243589" y="0"/>
+                </a:cubicBezTo>
+                <a:cubicBezTo>
+                  <a:pt x="4243134" y="6162"/>
+                  <a:pt x="4243492" y="11775"/>
+                  <a:pt x="4243589" y="18288"/>
+                </a:cubicBezTo>
+                <a:cubicBezTo>
+                  <a:pt x="4017834" y="-5779"/>
+                  <a:pt x="3834586" y="13376"/>
+                  <a:pt x="3594926" y="18288"/>
+                </a:cubicBezTo>
+                <a:cubicBezTo>
+                  <a:pt x="3355266" y="23200"/>
+                  <a:pt x="3204179" y="2869"/>
+                  <a:pt x="2903827" y="18288"/>
+                </a:cubicBezTo>
+                <a:cubicBezTo>
+                  <a:pt x="2603475" y="33707"/>
+                  <a:pt x="2526187" y="46187"/>
+                  <a:pt x="2212729" y="18288"/>
+                </a:cubicBezTo>
+                <a:cubicBezTo>
+                  <a:pt x="1899271" y="-9611"/>
+                  <a:pt x="1966289" y="29692"/>
+                  <a:pt x="1733809" y="18288"/>
+                </a:cubicBezTo>
+                <a:cubicBezTo>
+                  <a:pt x="1501329" y="6884"/>
+                  <a:pt x="1343612" y="12492"/>
+                  <a:pt x="1085146" y="18288"/>
+                </a:cubicBezTo>
+                <a:cubicBezTo>
+                  <a:pt x="826680" y="24084"/>
+                  <a:pt x="778184" y="35607"/>
+                  <a:pt x="521355" y="18288"/>
+                </a:cubicBezTo>
+                <a:cubicBezTo>
+                  <a:pt x="264526" y="969"/>
+                  <a:pt x="120277" y="4268"/>
+                  <a:pt x="0" y="18288"/>
+                </a:cubicBezTo>
+                <a:cubicBezTo>
+                  <a:pt x="766" y="10800"/>
+                  <a:pt x="-457" y="8180"/>
+                  <a:pt x="0" y="0"/>
+                </a:cubicBezTo>
+                <a:close/>
+              </a:path>
+            </a:pathLst>
+          </a:custGeom>
+          <a:solidFill>
+            <a:schemeClr val="accent2"/>
+          </a:solidFill>
+          <a:ln w="44450" cap="rnd">
+            <a:solidFill>
+              <a:schemeClr val="accent2"/>
+            </a:solidFill>
+            <a:round/>
+            <a:extLst>
+              <a:ext uri="{C807C97D-BFC1-408E-A445-0C87EB9F89A2}">
+                <ask:lineSketchStyleProps xmlns:ask="http://schemas.microsoft.com/office/drawing/2018/sketchyshapes" sd="2727557108">
+                  <a:prstGeom prst="rect">
+                    <a:avLst/>
+                  </a:prstGeom>
+                  <ask:type>
+                    <ask:lineSketchFreehand/>
+                  </ask:type>
+                </ask:lineSketchStyleProps>
+              </a:ext>
+            </a:extLst>
+          </a:ln>
+        </p:spPr>
+        <p:style>
+          <a:lnRef idx="2">
+            <a:schemeClr val="accent1">
+              <a:shade val="50000"/>
+            </a:schemeClr>
+          </a:lnRef>
+          <a:fillRef idx="1">
+            <a:schemeClr val="accent1"/>
+          </a:fillRef>
+          <a:effectRef idx="0">
+            <a:schemeClr val="accent1"/>
+          </a:effectRef>
+          <a:fontRef idx="minor">
+            <a:schemeClr val="lt1"/>
+          </a:fontRef>
+        </p:style>
+        <p:txBody>
+          <a:bodyPr rtlCol="0" anchor="ctr"/>
+          <a:lstStyle/>
+          <a:p>
+            <a:pPr algn="ctr"/>
+            <a:endParaRPr lang="en-US"/>
+          </a:p>
+        </p:txBody>
+      </p:sp>
+      <p:sp>
+        <p:nvSpPr>
+          <p:cNvPr id="3" name="내용 개체 틀 2">
+            <a:extLst>
+              <a:ext uri="{FF2B5EF4-FFF2-40B4-BE49-F238E27FC236}">
+                <a16:creationId xmlns:a16="http://schemas.microsoft.com/office/drawing/2014/main" id="{BB14E0A6-EF3A-4FF2-A6DC-D9A2CAF142DC}"/>
+              </a:ext>
+            </a:extLst>
+          </p:cNvPr>
+          <p:cNvSpPr>
+            <a:spLocks noGrp="1"/>
+          </p:cNvSpPr>
+          <p:nvPr>
+            <p:ph idx="1"/>
+          </p:nvPr>
+        </p:nvSpPr>
+        <p:spPr>
+          <a:xfrm>
+            <a:off x="5297762" y="2706624"/>
+            <a:ext cx="6251110" cy="3483864"/>
+          </a:xfrm>
+        </p:spPr>
+        <p:txBody>
+          <a:bodyPr>
+            <a:normAutofit/>
+          </a:bodyPr>
+          <a:lstStyle/>
+          <a:p>
+            <a:r>
+              <a:rPr lang="en-US" altLang="ko-KR" sz="1900"/>
+              <a:t>AKKA</a:t>
+            </a:r>
+            <a:r>
+              <a:rPr lang="ko-KR" altLang="en-US" sz="1900"/>
+              <a:t>는 다양한 메시지패턴을 활용할수 있는 툴킷이다</a:t>
+            </a:r>
+            <a:r>
+              <a:rPr lang="en-US" altLang="ko-KR" sz="1900"/>
+              <a:t>. AKKA</a:t>
+            </a:r>
+            <a:r>
+              <a:rPr lang="ko-KR" altLang="en-US" sz="1900"/>
+              <a:t>가 아니여도 되지만 새로운 메시지패턴을 이용할수 있는 툴을 하나더 알고 있는것은 환영할만한 일이다</a:t>
+            </a:r>
+            <a:r>
+              <a:rPr lang="en-US" altLang="ko-KR" sz="1900"/>
+              <a:t>. </a:t>
+            </a:r>
+          </a:p>
+          <a:p>
+            <a:r>
+              <a:rPr lang="ko-KR" altLang="en-US" sz="1900"/>
+              <a:t>닷넷 </a:t>
+            </a:r>
+            <a:r>
+              <a:rPr lang="en-US" altLang="ko-KR" sz="1900"/>
+              <a:t>API</a:t>
+            </a:r>
+            <a:r>
+              <a:rPr lang="ko-KR" altLang="en-US" sz="1900"/>
+              <a:t> 웹서비스개발에서</a:t>
+            </a:r>
+            <a:r>
+              <a:rPr lang="en-US" altLang="ko-KR" sz="1900"/>
+              <a:t>, AKKA.NET</a:t>
+            </a:r>
+            <a:r>
+              <a:rPr lang="ko-KR" altLang="en-US" sz="1900"/>
+              <a:t>은</a:t>
+            </a:r>
+            <a:r>
+              <a:rPr lang="en-US" altLang="ko-KR" sz="1900"/>
+              <a:t> </a:t>
+            </a:r>
+            <a:r>
+              <a:rPr lang="ko-KR" altLang="en-US" sz="1900"/>
+              <a:t>전통적인 </a:t>
+            </a:r>
+            <a:r>
+              <a:rPr lang="en-US" altLang="ko-KR" sz="1900"/>
+              <a:t>CRUD</a:t>
+            </a:r>
+            <a:r>
+              <a:rPr lang="ko-KR" altLang="en-US" sz="1900"/>
+              <a:t>방식에서 </a:t>
+            </a:r>
+            <a:r>
+              <a:rPr lang="en-US" altLang="ko-KR" sz="1900"/>
+              <a:t>CQRS</a:t>
+            </a:r>
+            <a:r>
+              <a:rPr lang="ko-KR" altLang="en-US" sz="1900"/>
+              <a:t>로 도약을 할 수 있는 도움을 줄것으로 기대하며 </a:t>
+            </a:r>
+            <a:r>
+              <a:rPr lang="en-US" altLang="ko-KR" sz="1900"/>
+              <a:t>CQRS</a:t>
+            </a:r>
+            <a:r>
+              <a:rPr lang="ko-KR" altLang="en-US" sz="1900"/>
+              <a:t>는 닷넷진영 </a:t>
+            </a:r>
+            <a:r>
+              <a:rPr lang="en-US" altLang="ko-KR" sz="1900"/>
+              <a:t>DDD</a:t>
+            </a:r>
+            <a:r>
+              <a:rPr lang="ko-KR" altLang="en-US" sz="1900"/>
+              <a:t>에서 자바진영보다 구현체가 먼저 작성되었으며</a:t>
+            </a:r>
+            <a:r>
+              <a:rPr lang="en-US" altLang="ko-KR" sz="1900"/>
+              <a:t>,</a:t>
+            </a:r>
+            <a:r>
+              <a:rPr lang="ko-KR" altLang="en-US" sz="1900"/>
+              <a:t> </a:t>
+            </a:r>
+            <a:r>
+              <a:rPr lang="en-US" altLang="ko-KR" sz="1900"/>
+              <a:t>DDD</a:t>
+            </a:r>
+            <a:r>
+              <a:rPr lang="ko-KR" altLang="en-US" sz="1900"/>
+              <a:t>는 웹진영에서 아직도 발전중에 있는 개발방법론이다</a:t>
+            </a:r>
+            <a:r>
+              <a:rPr lang="en-US" altLang="ko-KR" sz="1900"/>
+              <a:t>.</a:t>
+            </a:r>
+          </a:p>
+          <a:p>
+            <a:pPr marL="0" indent="0">
+              <a:buNone/>
+            </a:pPr>
+            <a:endParaRPr lang="en-US" altLang="ko-KR" sz="1900"/>
+          </a:p>
+          <a:p>
+            <a:pPr marL="0" indent="0">
+              <a:buNone/>
+            </a:pPr>
+            <a:r>
+              <a:rPr lang="ko-KR" altLang="en-US" sz="1900"/>
+              <a:t>감사합니다</a:t>
+            </a:r>
+            <a:r>
+              <a:rPr lang="en-US" altLang="ko-KR" sz="1900"/>
+              <a:t>.</a:t>
+            </a:r>
+            <a:endParaRPr lang="ko-KR" altLang="en-US" sz="1900"/>
+          </a:p>
+        </p:txBody>
+      </p:sp>
+    </p:spTree>
+    <p:extLst>
+      <p:ext uri="{BB962C8B-B14F-4D97-AF65-F5344CB8AC3E}">
+        <p14:creationId xmlns:p14="http://schemas.microsoft.com/office/powerpoint/2010/main" val="1727623885"/>
       </p:ext>
     </p:extLst>
   </p:cSld>
@@ -5572,6 +8072,1093 @@
           <a:chExt cx="0" cy="0"/>
         </a:xfrm>
       </p:grpSpPr>
+      <p:sp useBgFill="1">
+        <p:nvSpPr>
+          <p:cNvPr id="25" name="Rectangle 24">
+            <a:extLst>
+              <a:ext uri="{FF2B5EF4-FFF2-40B4-BE49-F238E27FC236}">
+                <a16:creationId xmlns:a16="http://schemas.microsoft.com/office/drawing/2014/main" id="{201CC55D-ED54-4C5C-95E6-10947BD1103B}"/>
+              </a:ext>
+              <a:ext uri="{C183D7F6-B498-43B3-948B-1728B52AA6E4}">
+                <adec:decorative xmlns:adec="http://schemas.microsoft.com/office/drawing/2017/decorative" val="1"/>
+              </a:ext>
+            </a:extLst>
+          </p:cNvPr>
+          <p:cNvSpPr>
+            <a:spLocks noGrp="1" noRot="1" noChangeAspect="1" noMove="1" noResize="1" noEditPoints="1" noAdjustHandles="1" noChangeArrowheads="1" noChangeShapeType="1" noTextEdit="1"/>
+          </p:cNvSpPr>
+          <p:nvPr>
+            <p:extLst>
+              <p:ext uri="{386F3935-93C4-4BCD-93E2-E3B085C9AB24}">
+                <p16:designElem xmlns:p16="http://schemas.microsoft.com/office/powerpoint/2015/main" val="1"/>
+              </p:ext>
+            </p:extLst>
+          </p:nvPr>
+        </p:nvSpPr>
+        <p:spPr>
+          <a:xfrm>
+            <a:off x="0" y="0"/>
+            <a:ext cx="12191999" cy="6857365"/>
+          </a:xfrm>
+          <a:prstGeom prst="rect">
+            <a:avLst/>
+          </a:prstGeom>
+          <a:ln>
+            <a:noFill/>
+          </a:ln>
+        </p:spPr>
+        <p:style>
+          <a:lnRef idx="2">
+            <a:schemeClr val="accent1">
+              <a:shade val="50000"/>
+            </a:schemeClr>
+          </a:lnRef>
+          <a:fillRef idx="1">
+            <a:schemeClr val="accent1"/>
+          </a:fillRef>
+          <a:effectRef idx="0">
+            <a:schemeClr val="accent1"/>
+          </a:effectRef>
+          <a:fontRef idx="minor">
+            <a:schemeClr val="lt1"/>
+          </a:fontRef>
+        </p:style>
+        <p:txBody>
+          <a:bodyPr rtlCol="0" anchor="ctr"/>
+          <a:lstStyle/>
+          <a:p>
+            <a:pPr algn="ctr"/>
+            <a:endParaRPr lang="en-US"/>
+          </a:p>
+        </p:txBody>
+      </p:sp>
+      <p:grpSp>
+        <p:nvGrpSpPr>
+          <p:cNvPr id="27" name="Group 26">
+            <a:extLst>
+              <a:ext uri="{FF2B5EF4-FFF2-40B4-BE49-F238E27FC236}">
+                <a16:creationId xmlns:a16="http://schemas.microsoft.com/office/drawing/2014/main" id="{1DE889C7-FAD6-4397-98E2-05D503484459}"/>
+              </a:ext>
+              <a:ext uri="{C183D7F6-B498-43B3-948B-1728B52AA6E4}">
+                <adec:decorative xmlns:adec="http://schemas.microsoft.com/office/drawing/2017/decorative" val="1"/>
+              </a:ext>
+            </a:extLst>
+          </p:cNvPr>
+          <p:cNvGrpSpPr>
+            <a:grpSpLocks noGrp="1" noUngrp="1" noRot="1" noChangeAspect="1" noMove="1" noResize="1"/>
+          </p:cNvGrpSpPr>
+          <p:nvPr>
+            <p:extLst>
+              <p:ext uri="{386F3935-93C4-4BCD-93E2-E3B085C9AB24}">
+                <p16:designElem xmlns:p16="http://schemas.microsoft.com/office/powerpoint/2015/main" val="1"/>
+              </p:ext>
+            </p:extLst>
+          </p:nvPr>
+        </p:nvGrpSpPr>
+        <p:grpSpPr>
+          <a:xfrm>
+            <a:off x="0" y="1083484"/>
+            <a:ext cx="355196" cy="673460"/>
+            <a:chOff x="0" y="823811"/>
+            <a:chExt cx="355196" cy="673460"/>
+          </a:xfrm>
+        </p:grpSpPr>
+        <p:sp>
+          <p:nvSpPr>
+            <p:cNvPr id="28" name="Rectangle 27">
+              <a:extLst>
+                <a:ext uri="{FF2B5EF4-FFF2-40B4-BE49-F238E27FC236}">
+                  <a16:creationId xmlns:a16="http://schemas.microsoft.com/office/drawing/2014/main" id="{F399A70F-F8CD-4992-9EF5-6CF15472E73F}"/>
+                </a:ext>
+                <a:ext uri="{C183D7F6-B498-43B3-948B-1728B52AA6E4}">
+                  <adec:decorative xmlns:adec="http://schemas.microsoft.com/office/drawing/2017/decorative" val="1"/>
+                </a:ext>
+              </a:extLst>
+            </p:cNvPr>
+            <p:cNvSpPr/>
+            <p:nvPr>
+              <p:extLst>
+                <p:ext uri="{386F3935-93C4-4BCD-93E2-E3B085C9AB24}">
+                  <p16:designElem xmlns:p16="http://schemas.microsoft.com/office/powerpoint/2015/main" val="1"/>
+                </p:ext>
+              </p:extLst>
+            </p:nvPr>
+          </p:nvSpPr>
+          <p:spPr>
+            <a:xfrm>
+              <a:off x="0" y="823811"/>
+              <a:ext cx="87363" cy="673460"/>
+            </a:xfrm>
+            <a:prstGeom prst="rect">
+              <a:avLst/>
+            </a:prstGeom>
+            <a:solidFill>
+              <a:schemeClr val="accent4"/>
+            </a:solidFill>
+            <a:ln>
+              <a:noFill/>
+            </a:ln>
+          </p:spPr>
+          <p:style>
+            <a:lnRef idx="2">
+              <a:schemeClr val="accent1">
+                <a:shade val="50000"/>
+              </a:schemeClr>
+            </a:lnRef>
+            <a:fillRef idx="1">
+              <a:schemeClr val="accent1"/>
+            </a:fillRef>
+            <a:effectRef idx="0">
+              <a:schemeClr val="accent1"/>
+            </a:effectRef>
+            <a:fontRef idx="minor">
+              <a:schemeClr val="lt1"/>
+            </a:fontRef>
+          </p:style>
+          <p:txBody>
+            <a:bodyPr rtlCol="0" anchor="ctr"/>
+            <a:lstStyle/>
+            <a:p>
+              <a:pPr algn="ctr"/>
+              <a:endParaRPr lang="en-US"/>
+            </a:p>
+          </p:txBody>
+        </p:sp>
+        <p:sp>
+          <p:nvSpPr>
+            <p:cNvPr id="29" name="Rectangle 28">
+              <a:extLst>
+                <a:ext uri="{FF2B5EF4-FFF2-40B4-BE49-F238E27FC236}">
+                  <a16:creationId xmlns:a16="http://schemas.microsoft.com/office/drawing/2014/main" id="{48F4FEDC-6D80-458C-A665-075D9B9500FD}"/>
+                </a:ext>
+                <a:ext uri="{C183D7F6-B498-43B3-948B-1728B52AA6E4}">
+                  <adec:decorative xmlns:adec="http://schemas.microsoft.com/office/drawing/2017/decorative" val="1"/>
+                </a:ext>
+              </a:extLst>
+            </p:cNvPr>
+            <p:cNvSpPr/>
+            <p:nvPr>
+              <p:extLst>
+                <p:ext uri="{386F3935-93C4-4BCD-93E2-E3B085C9AB24}">
+                  <p16:designElem xmlns:p16="http://schemas.microsoft.com/office/powerpoint/2015/main" val="1"/>
+                </p:ext>
+              </p:extLst>
+            </p:nvPr>
+          </p:nvSpPr>
+          <p:spPr>
+            <a:xfrm>
+              <a:off x="159341" y="823811"/>
+              <a:ext cx="195855" cy="673460"/>
+            </a:xfrm>
+            <a:prstGeom prst="rect">
+              <a:avLst/>
+            </a:prstGeom>
+            <a:solidFill>
+              <a:schemeClr val="accent4"/>
+            </a:solidFill>
+            <a:ln>
+              <a:noFill/>
+            </a:ln>
+          </p:spPr>
+          <p:style>
+            <a:lnRef idx="2">
+              <a:schemeClr val="accent1">
+                <a:shade val="50000"/>
+              </a:schemeClr>
+            </a:lnRef>
+            <a:fillRef idx="1">
+              <a:schemeClr val="accent1"/>
+            </a:fillRef>
+            <a:effectRef idx="0">
+              <a:schemeClr val="accent1"/>
+            </a:effectRef>
+            <a:fontRef idx="minor">
+              <a:schemeClr val="lt1"/>
+            </a:fontRef>
+          </p:style>
+          <p:txBody>
+            <a:bodyPr rtlCol="0" anchor="ctr"/>
+            <a:lstStyle/>
+            <a:p>
+              <a:pPr algn="ctr"/>
+              <a:endParaRPr lang="en-US"/>
+            </a:p>
+          </p:txBody>
+        </p:sp>
+      </p:grpSp>
+      <p:sp>
+        <p:nvSpPr>
+          <p:cNvPr id="31" name="Rectangle 30">
+            <a:extLst>
+              <a:ext uri="{FF2B5EF4-FFF2-40B4-BE49-F238E27FC236}">
+                <a16:creationId xmlns:a16="http://schemas.microsoft.com/office/drawing/2014/main" id="{3873B707-463F-40B0-8227-E8CC6C67EB25}"/>
+              </a:ext>
+              <a:ext uri="{C183D7F6-B498-43B3-948B-1728B52AA6E4}">
+                <adec:decorative xmlns:adec="http://schemas.microsoft.com/office/drawing/2017/decorative" val="1"/>
+              </a:ext>
+            </a:extLst>
+          </p:cNvPr>
+          <p:cNvSpPr>
+            <a:spLocks noGrp="1" noRot="1" noChangeAspect="1" noMove="1" noResize="1" noEditPoints="1" noAdjustHandles="1" noChangeArrowheads="1" noChangeShapeType="1" noTextEdit="1"/>
+          </p:cNvSpPr>
+          <p:nvPr>
+            <p:extLst>
+              <p:ext uri="{386F3935-93C4-4BCD-93E2-E3B085C9AB24}">
+                <p16:designElem xmlns:p16="http://schemas.microsoft.com/office/powerpoint/2015/main" val="1"/>
+              </p:ext>
+            </p:extLst>
+          </p:nvPr>
+        </p:nvSpPr>
+        <p:spPr>
+          <a:xfrm flipH="1">
+            <a:off x="665085" y="2090569"/>
+            <a:ext cx="4297680" cy="27432"/>
+          </a:xfrm>
+          <a:prstGeom prst="rect">
+            <a:avLst/>
+          </a:prstGeom>
+          <a:solidFill>
+            <a:schemeClr val="accent4"/>
+          </a:solidFill>
+          <a:ln>
+            <a:noFill/>
+          </a:ln>
+        </p:spPr>
+        <p:style>
+          <a:lnRef idx="2">
+            <a:schemeClr val="accent1">
+              <a:shade val="50000"/>
+            </a:schemeClr>
+          </a:lnRef>
+          <a:fillRef idx="1">
+            <a:schemeClr val="accent1"/>
+          </a:fillRef>
+          <a:effectRef idx="0">
+            <a:schemeClr val="accent1"/>
+          </a:effectRef>
+          <a:fontRef idx="minor">
+            <a:schemeClr val="lt1"/>
+          </a:fontRef>
+        </p:style>
+        <p:txBody>
+          <a:bodyPr rtlCol="0" anchor="ctr"/>
+          <a:lstStyle/>
+          <a:p>
+            <a:pPr algn="ctr"/>
+            <a:endParaRPr lang="en-US"/>
+          </a:p>
+        </p:txBody>
+      </p:sp>
+      <p:sp>
+        <p:nvSpPr>
+          <p:cNvPr id="20" name="내용 개체 틀 2">
+            <a:extLst>
+              <a:ext uri="{FF2B5EF4-FFF2-40B4-BE49-F238E27FC236}">
+                <a16:creationId xmlns:a16="http://schemas.microsoft.com/office/drawing/2014/main" id="{A9B6131F-F272-4B33-AEAE-C61537852A07}"/>
+              </a:ext>
+            </a:extLst>
+          </p:cNvPr>
+          <p:cNvSpPr txBox="1">
+            <a:spLocks/>
+          </p:cNvSpPr>
+          <p:nvPr/>
+        </p:nvSpPr>
+        <p:spPr>
+          <a:xfrm>
+            <a:off x="590719" y="2330505"/>
+            <a:ext cx="4559425" cy="3979585"/>
+          </a:xfrm>
+          <a:prstGeom prst="rect">
+            <a:avLst/>
+          </a:prstGeom>
+        </p:spPr>
+        <p:txBody>
+          <a:bodyPr vert="horz" lIns="91440" tIns="45720" rIns="91440" bIns="45720" rtlCol="0" anchor="ctr">
+            <a:normAutofit/>
+          </a:bodyPr>
+          <a:lstStyle>
+            <a:lvl1pPr marL="228600" indent="-228600" algn="l" defTabSz="914400" rtl="0" eaLnBrk="1" latinLnBrk="1" hangingPunct="1">
+              <a:lnSpc>
+                <a:spcPct val="90000"/>
+              </a:lnSpc>
+              <a:spcBef>
+                <a:spcPts val="1000"/>
+              </a:spcBef>
+              <a:buFont typeface="Arial" panose="020B0604020202020204" pitchFamily="34" charset="0"/>
+              <a:buChar char="•"/>
+              <a:defRPr sz="2800" kern="1200">
+                <a:solidFill>
+                  <a:schemeClr val="tx1"/>
+                </a:solidFill>
+                <a:latin typeface="+mn-lt"/>
+                <a:ea typeface="+mn-ea"/>
+                <a:cs typeface="+mn-cs"/>
+              </a:defRPr>
+            </a:lvl1pPr>
+            <a:lvl2pPr marL="685800" indent="-228600" algn="l" defTabSz="914400" rtl="0" eaLnBrk="1" latinLnBrk="1" hangingPunct="1">
+              <a:lnSpc>
+                <a:spcPct val="90000"/>
+              </a:lnSpc>
+              <a:spcBef>
+                <a:spcPts val="500"/>
+              </a:spcBef>
+              <a:buFont typeface="Arial" panose="020B0604020202020204" pitchFamily="34" charset="0"/>
+              <a:buChar char="•"/>
+              <a:defRPr sz="2400" kern="1200">
+                <a:solidFill>
+                  <a:schemeClr val="tx1"/>
+                </a:solidFill>
+                <a:latin typeface="+mn-lt"/>
+                <a:ea typeface="+mn-ea"/>
+                <a:cs typeface="+mn-cs"/>
+              </a:defRPr>
+            </a:lvl2pPr>
+            <a:lvl3pPr marL="1143000" indent="-228600" algn="l" defTabSz="914400" rtl="0" eaLnBrk="1" latinLnBrk="1" hangingPunct="1">
+              <a:lnSpc>
+                <a:spcPct val="90000"/>
+              </a:lnSpc>
+              <a:spcBef>
+                <a:spcPts val="500"/>
+              </a:spcBef>
+              <a:buFont typeface="Arial" panose="020B0604020202020204" pitchFamily="34" charset="0"/>
+              <a:buChar char="•"/>
+              <a:defRPr sz="2000" kern="1200">
+                <a:solidFill>
+                  <a:schemeClr val="tx1"/>
+                </a:solidFill>
+                <a:latin typeface="+mn-lt"/>
+                <a:ea typeface="+mn-ea"/>
+                <a:cs typeface="+mn-cs"/>
+              </a:defRPr>
+            </a:lvl3pPr>
+            <a:lvl4pPr marL="1600200" indent="-228600" algn="l" defTabSz="914400" rtl="0" eaLnBrk="1" latinLnBrk="1" hangingPunct="1">
+              <a:lnSpc>
+                <a:spcPct val="90000"/>
+              </a:lnSpc>
+              <a:spcBef>
+                <a:spcPts val="500"/>
+              </a:spcBef>
+              <a:buFont typeface="Arial" panose="020B0604020202020204" pitchFamily="34" charset="0"/>
+              <a:buChar char="•"/>
+              <a:defRPr sz="1800" kern="1200">
+                <a:solidFill>
+                  <a:schemeClr val="tx1"/>
+                </a:solidFill>
+                <a:latin typeface="+mn-lt"/>
+                <a:ea typeface="+mn-ea"/>
+                <a:cs typeface="+mn-cs"/>
+              </a:defRPr>
+            </a:lvl4pPr>
+            <a:lvl5pPr marL="2057400" indent="-228600" algn="l" defTabSz="914400" rtl="0" eaLnBrk="1" latinLnBrk="1" hangingPunct="1">
+              <a:lnSpc>
+                <a:spcPct val="90000"/>
+              </a:lnSpc>
+              <a:spcBef>
+                <a:spcPts val="500"/>
+              </a:spcBef>
+              <a:buFont typeface="Arial" panose="020B0604020202020204" pitchFamily="34" charset="0"/>
+              <a:buChar char="•"/>
+              <a:defRPr sz="1800" kern="1200">
+                <a:solidFill>
+                  <a:schemeClr val="tx1"/>
+                </a:solidFill>
+                <a:latin typeface="+mn-lt"/>
+                <a:ea typeface="+mn-ea"/>
+                <a:cs typeface="+mn-cs"/>
+              </a:defRPr>
+            </a:lvl5pPr>
+            <a:lvl6pPr marL="2514600" indent="-228600" algn="l" defTabSz="914400" rtl="0" eaLnBrk="1" latinLnBrk="1" hangingPunct="1">
+              <a:lnSpc>
+                <a:spcPct val="90000"/>
+              </a:lnSpc>
+              <a:spcBef>
+                <a:spcPts val="500"/>
+              </a:spcBef>
+              <a:buFont typeface="Arial" panose="020B0604020202020204" pitchFamily="34" charset="0"/>
+              <a:buChar char="•"/>
+              <a:defRPr sz="1800" kern="1200">
+                <a:solidFill>
+                  <a:schemeClr val="tx1"/>
+                </a:solidFill>
+                <a:latin typeface="+mn-lt"/>
+                <a:ea typeface="+mn-ea"/>
+                <a:cs typeface="+mn-cs"/>
+              </a:defRPr>
+            </a:lvl6pPr>
+            <a:lvl7pPr marL="2971800" indent="-228600" algn="l" defTabSz="914400" rtl="0" eaLnBrk="1" latinLnBrk="1" hangingPunct="1">
+              <a:lnSpc>
+                <a:spcPct val="90000"/>
+              </a:lnSpc>
+              <a:spcBef>
+                <a:spcPts val="500"/>
+              </a:spcBef>
+              <a:buFont typeface="Arial" panose="020B0604020202020204" pitchFamily="34" charset="0"/>
+              <a:buChar char="•"/>
+              <a:defRPr sz="1800" kern="1200">
+                <a:solidFill>
+                  <a:schemeClr val="tx1"/>
+                </a:solidFill>
+                <a:latin typeface="+mn-lt"/>
+                <a:ea typeface="+mn-ea"/>
+                <a:cs typeface="+mn-cs"/>
+              </a:defRPr>
+            </a:lvl7pPr>
+            <a:lvl8pPr marL="3429000" indent="-228600" algn="l" defTabSz="914400" rtl="0" eaLnBrk="1" latinLnBrk="1" hangingPunct="1">
+              <a:lnSpc>
+                <a:spcPct val="90000"/>
+              </a:lnSpc>
+              <a:spcBef>
+                <a:spcPts val="500"/>
+              </a:spcBef>
+              <a:buFont typeface="Arial" panose="020B0604020202020204" pitchFamily="34" charset="0"/>
+              <a:buChar char="•"/>
+              <a:defRPr sz="1800" kern="1200">
+                <a:solidFill>
+                  <a:schemeClr val="tx1"/>
+                </a:solidFill>
+                <a:latin typeface="+mn-lt"/>
+                <a:ea typeface="+mn-ea"/>
+                <a:cs typeface="+mn-cs"/>
+              </a:defRPr>
+            </a:lvl8pPr>
+            <a:lvl9pPr marL="3886200" indent="-228600" algn="l" defTabSz="914400" rtl="0" eaLnBrk="1" latinLnBrk="1" hangingPunct="1">
+              <a:lnSpc>
+                <a:spcPct val="90000"/>
+              </a:lnSpc>
+              <a:spcBef>
+                <a:spcPts val="500"/>
+              </a:spcBef>
+              <a:buFont typeface="Arial" panose="020B0604020202020204" pitchFamily="34" charset="0"/>
+              <a:buChar char="•"/>
+              <a:defRPr sz="1800" kern="1200">
+                <a:solidFill>
+                  <a:schemeClr val="tx1"/>
+                </a:solidFill>
+                <a:latin typeface="+mn-lt"/>
+                <a:ea typeface="+mn-ea"/>
+                <a:cs typeface="+mn-cs"/>
+              </a:defRPr>
+            </a:lvl9pPr>
+          </a:lstStyle>
+          <a:p>
+            <a:pPr latinLnBrk="0"/>
+            <a:r>
+              <a:rPr lang="ko-KR" altLang="en-US" sz="1600"/>
+              <a:t>보독엔터 보드게임</a:t>
+            </a:r>
+            <a:r>
+              <a:rPr lang="en-US" altLang="ko-KR" sz="1600"/>
+              <a:t>(</a:t>
+            </a:r>
+            <a:r>
+              <a:rPr lang="ko-KR" altLang="en-US" sz="1600"/>
+              <a:t>프리미엄리그 후원</a:t>
+            </a:r>
+            <a:r>
+              <a:rPr lang="en-US" altLang="ko-KR" sz="1600"/>
+              <a:t>)</a:t>
+            </a:r>
+          </a:p>
+          <a:p>
+            <a:pPr latinLnBrk="0"/>
+            <a:r>
+              <a:rPr lang="ko-KR" altLang="en-US" sz="1600"/>
+              <a:t>특정카테고리</a:t>
+            </a:r>
+            <a:r>
+              <a:rPr lang="en-US" altLang="ko-KR" sz="1600"/>
+              <a:t>,</a:t>
+            </a:r>
+            <a:r>
+              <a:rPr lang="ko-KR" altLang="en-US" sz="1600"/>
+              <a:t>글로벌 </a:t>
+            </a:r>
+            <a:r>
+              <a:rPr lang="en-US" altLang="ko-KR" sz="1600"/>
+              <a:t>DAU</a:t>
+            </a:r>
+            <a:r>
+              <a:rPr lang="ko-KR" altLang="en-US" sz="1600"/>
+              <a:t> 상위 트래픽</a:t>
+            </a:r>
+            <a:endParaRPr lang="en-US" altLang="ko-KR" sz="1600"/>
+          </a:p>
+          <a:p>
+            <a:pPr latinLnBrk="0"/>
+            <a:r>
+              <a:rPr lang="en-US" altLang="ko-KR" sz="1600"/>
+              <a:t>PlayFrameWork(AKKA) for HTML5 GAME(2016) - </a:t>
+            </a:r>
+            <a:r>
+              <a:rPr lang="ko-KR" altLang="en-US" sz="1600"/>
+              <a:t>서버개발</a:t>
+            </a:r>
+            <a:endParaRPr lang="en-US" altLang="ko-KR" sz="1600"/>
+          </a:p>
+          <a:p>
+            <a:pPr latinLnBrk="0"/>
+            <a:endParaRPr lang="en-US" altLang="ko-KR" sz="1600"/>
+          </a:p>
+          <a:p>
+            <a:pPr latinLnBrk="0"/>
+            <a:endParaRPr lang="en-US" altLang="ko-KR" sz="1600"/>
+          </a:p>
+        </p:txBody>
+      </p:sp>
+      <p:sp>
+        <p:nvSpPr>
+          <p:cNvPr id="33" name="Rectangle 32">
+            <a:extLst>
+              <a:ext uri="{FF2B5EF4-FFF2-40B4-BE49-F238E27FC236}">
+                <a16:creationId xmlns:a16="http://schemas.microsoft.com/office/drawing/2014/main" id="{C13237C8-E62C-4F0D-A318-BD6FB6C2D138}"/>
+              </a:ext>
+              <a:ext uri="{C183D7F6-B498-43B3-948B-1728B52AA6E4}">
+                <adec:decorative xmlns:adec="http://schemas.microsoft.com/office/drawing/2017/decorative" val="1"/>
+              </a:ext>
+            </a:extLst>
+          </p:cNvPr>
+          <p:cNvSpPr>
+            <a:spLocks noGrp="1" noRot="1" noChangeAspect="1" noMove="1" noResize="1" noEditPoints="1" noAdjustHandles="1" noChangeArrowheads="1" noChangeShapeType="1" noTextEdit="1"/>
+          </p:cNvSpPr>
+          <p:nvPr>
+            <p:extLst>
+              <p:ext uri="{386F3935-93C4-4BCD-93E2-E3B085C9AB24}">
+                <p16:designElem xmlns:p16="http://schemas.microsoft.com/office/powerpoint/2015/main" val="1"/>
+              </p:ext>
+            </p:extLst>
+          </p:nvPr>
+        </p:nvSpPr>
+        <p:spPr>
+          <a:xfrm flipH="1">
+            <a:off x="10697670" y="0"/>
+            <a:ext cx="1494330" cy="6858000"/>
+          </a:xfrm>
+          <a:prstGeom prst="rect">
+            <a:avLst/>
+          </a:prstGeom>
+          <a:solidFill>
+            <a:schemeClr val="accent4"/>
+          </a:solidFill>
+          <a:ln>
+            <a:noFill/>
+          </a:ln>
+        </p:spPr>
+        <p:style>
+          <a:lnRef idx="2">
+            <a:schemeClr val="accent1">
+              <a:shade val="50000"/>
+            </a:schemeClr>
+          </a:lnRef>
+          <a:fillRef idx="1">
+            <a:schemeClr val="accent1"/>
+          </a:fillRef>
+          <a:effectRef idx="0">
+            <a:schemeClr val="accent1"/>
+          </a:effectRef>
+          <a:fontRef idx="minor">
+            <a:schemeClr val="lt1"/>
+          </a:fontRef>
+        </p:style>
+        <p:txBody>
+          <a:bodyPr rtlCol="0" anchor="ctr"/>
+          <a:lstStyle/>
+          <a:p>
+            <a:pPr algn="ctr"/>
+            <a:endParaRPr lang="en-US"/>
+          </a:p>
+        </p:txBody>
+      </p:sp>
+      <p:sp>
+        <p:nvSpPr>
+          <p:cNvPr id="35" name="Rectangle 34">
+            <a:extLst>
+              <a:ext uri="{FF2B5EF4-FFF2-40B4-BE49-F238E27FC236}">
+                <a16:creationId xmlns:a16="http://schemas.microsoft.com/office/drawing/2014/main" id="{19C9EAEA-39D0-4B0E-A0EB-51E7B26740B1}"/>
+              </a:ext>
+              <a:ext uri="{C183D7F6-B498-43B3-948B-1728B52AA6E4}">
+                <adec:decorative xmlns:adec="http://schemas.microsoft.com/office/drawing/2017/decorative" val="1"/>
+              </a:ext>
+            </a:extLst>
+          </p:cNvPr>
+          <p:cNvSpPr>
+            <a:spLocks noGrp="1" noRot="1" noChangeAspect="1" noMove="1" noResize="1" noEditPoints="1" noAdjustHandles="1" noChangeArrowheads="1" noChangeShapeType="1" noTextEdit="1"/>
+          </p:cNvSpPr>
+          <p:nvPr>
+            <p:extLst>
+              <p:ext uri="{386F3935-93C4-4BCD-93E2-E3B085C9AB24}">
+                <p16:designElem xmlns:p16="http://schemas.microsoft.com/office/powerpoint/2015/main" val="1"/>
+              </p:ext>
+            </p:extLst>
+          </p:nvPr>
+        </p:nvSpPr>
+        <p:spPr>
+          <a:xfrm>
+            <a:off x="5685810" y="513853"/>
+            <a:ext cx="6009366" cy="5834577"/>
+          </a:xfrm>
+          <a:prstGeom prst="rect">
+            <a:avLst/>
+          </a:prstGeom>
+          <a:solidFill>
+            <a:schemeClr val="bg1"/>
+          </a:solidFill>
+          <a:ln>
+            <a:noFill/>
+          </a:ln>
+          <a:effectLst>
+            <a:outerShdw blurRad="139700" dist="127000" dir="5400000" algn="t" rotWithShape="0">
+              <a:prstClr val="black">
+                <a:alpha val="15000"/>
+              </a:prstClr>
+            </a:outerShdw>
+          </a:effectLst>
+        </p:spPr>
+        <p:style>
+          <a:lnRef idx="2">
+            <a:schemeClr val="accent1">
+              <a:shade val="50000"/>
+            </a:schemeClr>
+          </a:lnRef>
+          <a:fillRef idx="1">
+            <a:schemeClr val="accent1"/>
+          </a:fillRef>
+          <a:effectRef idx="0">
+            <a:schemeClr val="accent1"/>
+          </a:effectRef>
+          <a:fontRef idx="minor">
+            <a:schemeClr val="lt1"/>
+          </a:fontRef>
+        </p:style>
+        <p:txBody>
+          <a:bodyPr rtlCol="0" anchor="ctr"/>
+          <a:lstStyle/>
+          <a:p>
+            <a:pPr algn="ctr"/>
+            <a:endParaRPr lang="en-US"/>
+          </a:p>
+        </p:txBody>
+      </p:sp>
+      <p:pic>
+        <p:nvPicPr>
+          <p:cNvPr id="4" name="내용 개체 틀 3">
+            <a:extLst>
+              <a:ext uri="{FF2B5EF4-FFF2-40B4-BE49-F238E27FC236}">
+                <a16:creationId xmlns:a16="http://schemas.microsoft.com/office/drawing/2014/main" id="{EFD06241-A598-486B-804E-D80C0467568A}"/>
+              </a:ext>
+            </a:extLst>
+          </p:cNvPr>
+          <p:cNvPicPr>
+            <a:picLocks noGrp="1" noChangeAspect="1"/>
+          </p:cNvPicPr>
+          <p:nvPr>
+            <p:ph idx="1"/>
+          </p:nvPr>
+        </p:nvPicPr>
+        <p:blipFill rotWithShape="1">
+          <a:blip r:embed="rId2"/>
+          <a:srcRect l="24339" r="6286" b="-1"/>
+          <a:stretch/>
+        </p:blipFill>
+        <p:spPr>
+          <a:xfrm>
+            <a:off x="5977788" y="799352"/>
+            <a:ext cx="5425410" cy="5259296"/>
+          </a:xfrm>
+          <a:prstGeom prst="rect">
+            <a:avLst/>
+          </a:prstGeom>
+        </p:spPr>
+      </p:pic>
+      <p:sp>
+        <p:nvSpPr>
+          <p:cNvPr id="5" name="TextBox 4">
+            <a:extLst>
+              <a:ext uri="{FF2B5EF4-FFF2-40B4-BE49-F238E27FC236}">
+                <a16:creationId xmlns:a16="http://schemas.microsoft.com/office/drawing/2014/main" id="{66CF66B7-9974-4751-81ED-C5FF3402D232}"/>
+              </a:ext>
+            </a:extLst>
+          </p:cNvPr>
+          <p:cNvSpPr txBox="1"/>
+          <p:nvPr/>
+        </p:nvSpPr>
+        <p:spPr>
+          <a:xfrm>
+            <a:off x="736733" y="1670255"/>
+            <a:ext cx="4089581" cy="369332"/>
+          </a:xfrm>
+          <a:prstGeom prst="rect">
+            <a:avLst/>
+          </a:prstGeom>
+          <a:noFill/>
+        </p:spPr>
+        <p:txBody>
+          <a:bodyPr wrap="none" rtlCol="0">
+            <a:spAutoFit/>
+          </a:bodyPr>
+          <a:lstStyle/>
+          <a:p>
+            <a:r>
+              <a:rPr lang="en-US" altLang="ko-KR"/>
+              <a:t>AKKA</a:t>
+            </a:r>
+            <a:r>
+              <a:rPr lang="ko-KR" altLang="en-US"/>
+              <a:t>를 최초 상용서비스 적용 플랫폼</a:t>
+            </a:r>
+          </a:p>
+        </p:txBody>
+      </p:sp>
+    </p:spTree>
+    <p:extLst>
+      <p:ext uri="{BB962C8B-B14F-4D97-AF65-F5344CB8AC3E}">
+        <p14:creationId xmlns:p14="http://schemas.microsoft.com/office/powerpoint/2010/main" val="694008571"/>
+      </p:ext>
+    </p:extLst>
+  </p:cSld>
+  <p:clrMapOvr>
+    <a:masterClrMapping/>
+  </p:clrMapOvr>
+</p:sld>
+</file>
+
+<file path=ppt/slides/slide4.xml><?xml version="1.0" encoding="utf-8"?>
+<p:sld xmlns:a="http://schemas.openxmlformats.org/drawingml/2006/main" xmlns:r="http://schemas.openxmlformats.org/officeDocument/2006/relationships" xmlns:p="http://schemas.openxmlformats.org/presentationml/2006/main">
+  <p:cSld>
+    <p:spTree>
+      <p:nvGrpSpPr>
+        <p:cNvPr id="1" name=""/>
+        <p:cNvGrpSpPr/>
+        <p:nvPr/>
+      </p:nvGrpSpPr>
+      <p:grpSpPr>
+        <a:xfrm>
+          <a:off x="0" y="0"/>
+          <a:ext cx="0" cy="0"/>
+          <a:chOff x="0" y="0"/>
+          <a:chExt cx="0" cy="0"/>
+        </a:xfrm>
+      </p:grpSpPr>
+      <p:sp>
+        <p:nvSpPr>
+          <p:cNvPr id="2" name="제목 1">
+            <a:extLst>
+              <a:ext uri="{FF2B5EF4-FFF2-40B4-BE49-F238E27FC236}">
+                <a16:creationId xmlns:a16="http://schemas.microsoft.com/office/drawing/2014/main" id="{E5855BC7-DF7E-4B73-8210-714A5A32AB09}"/>
+              </a:ext>
+            </a:extLst>
+          </p:cNvPr>
+          <p:cNvSpPr>
+            <a:spLocks noGrp="1"/>
+          </p:cNvSpPr>
+          <p:nvPr>
+            <p:ph type="title"/>
+          </p:nvPr>
+        </p:nvSpPr>
+        <p:spPr/>
+        <p:txBody>
+          <a:bodyPr/>
+          <a:lstStyle/>
+          <a:p>
+            <a:r>
+              <a:rPr lang="ko-KR" altLang="en-US"/>
+              <a:t>컨텐츠진행순서</a:t>
+            </a:r>
+          </a:p>
+        </p:txBody>
+      </p:sp>
+      <p:sp>
+        <p:nvSpPr>
+          <p:cNvPr id="3" name="내용 개체 틀 2">
+            <a:extLst>
+              <a:ext uri="{FF2B5EF4-FFF2-40B4-BE49-F238E27FC236}">
+                <a16:creationId xmlns:a16="http://schemas.microsoft.com/office/drawing/2014/main" id="{D0447427-F642-4FB8-A3D6-98BC1517499C}"/>
+              </a:ext>
+            </a:extLst>
+          </p:cNvPr>
+          <p:cNvSpPr>
+            <a:spLocks noGrp="1"/>
+          </p:cNvSpPr>
+          <p:nvPr>
+            <p:ph idx="1"/>
+          </p:nvPr>
+        </p:nvSpPr>
+        <p:spPr/>
+        <p:txBody>
+          <a:bodyPr/>
+          <a:lstStyle/>
+          <a:p>
+            <a:r>
+              <a:rPr lang="en-US" altLang="ko-KR"/>
+              <a:t>AKKA</a:t>
+            </a:r>
+            <a:r>
+              <a:rPr lang="ko-KR" altLang="en-US"/>
+              <a:t>의 역사</a:t>
+            </a:r>
+            <a:endParaRPr lang="en-US" altLang="ko-KR"/>
+          </a:p>
+          <a:p>
+            <a:r>
+              <a:rPr lang="en-US" altLang="ko-KR"/>
+              <a:t>AKKA </a:t>
+            </a:r>
+            <a:r>
+              <a:rPr lang="ko-KR" altLang="en-US"/>
+              <a:t>컨셉설명 </a:t>
+            </a:r>
+            <a:r>
+              <a:rPr lang="en-US" altLang="ko-KR"/>
+              <a:t>– PPT</a:t>
+            </a:r>
+          </a:p>
+          <a:p>
+            <a:r>
+              <a:rPr lang="ko-KR" altLang="en-US"/>
+              <a:t>닷넷코어 </a:t>
+            </a:r>
+            <a:r>
+              <a:rPr lang="en-US" altLang="ko-KR"/>
+              <a:t>API</a:t>
+            </a:r>
+            <a:r>
+              <a:rPr lang="ko-KR" altLang="en-US"/>
+              <a:t>에서 </a:t>
+            </a:r>
+            <a:r>
+              <a:rPr lang="en-US" altLang="ko-KR"/>
+              <a:t>AKKA</a:t>
+            </a:r>
+            <a:r>
+              <a:rPr lang="ko-KR" altLang="en-US"/>
+              <a:t>를 탑재하고 실습</a:t>
+            </a:r>
+          </a:p>
+        </p:txBody>
+      </p:sp>
+    </p:spTree>
+    <p:extLst>
+      <p:ext uri="{BB962C8B-B14F-4D97-AF65-F5344CB8AC3E}">
+        <p14:creationId xmlns:p14="http://schemas.microsoft.com/office/powerpoint/2010/main" val="1772880252"/>
+      </p:ext>
+    </p:extLst>
+  </p:cSld>
+  <p:clrMapOvr>
+    <a:masterClrMapping/>
+  </p:clrMapOvr>
+</p:sld>
+</file>
+
+<file path=ppt/slides/slide5.xml><?xml version="1.0" encoding="utf-8"?>
+<p:sld xmlns:a="http://schemas.openxmlformats.org/drawingml/2006/main" xmlns:r="http://schemas.openxmlformats.org/officeDocument/2006/relationships" xmlns:p="http://schemas.openxmlformats.org/presentationml/2006/main">
+  <p:cSld>
+    <p:spTree>
+      <p:nvGrpSpPr>
+        <p:cNvPr id="1" name=""/>
+        <p:cNvGrpSpPr/>
+        <p:nvPr/>
+      </p:nvGrpSpPr>
+      <p:grpSpPr>
+        <a:xfrm>
+          <a:off x="0" y="0"/>
+          <a:ext cx="0" cy="0"/>
+          <a:chOff x="0" y="0"/>
+          <a:chExt cx="0" cy="0"/>
+        </a:xfrm>
+      </p:grpSpPr>
+      <p:sp>
+        <p:nvSpPr>
+          <p:cNvPr id="2" name="제목 1">
+            <a:extLst>
+              <a:ext uri="{FF2B5EF4-FFF2-40B4-BE49-F238E27FC236}">
+                <a16:creationId xmlns:a16="http://schemas.microsoft.com/office/drawing/2014/main" id="{7FC357D5-91AD-4566-9D4B-BA2758D4C361}"/>
+              </a:ext>
+            </a:extLst>
+          </p:cNvPr>
+          <p:cNvSpPr>
+            <a:spLocks noGrp="1"/>
+          </p:cNvSpPr>
+          <p:nvPr>
+            <p:ph type="title"/>
+          </p:nvPr>
+        </p:nvSpPr>
+        <p:spPr/>
+        <p:txBody>
+          <a:bodyPr/>
+          <a:lstStyle/>
+          <a:p>
+            <a:r>
+              <a:rPr lang="en-US" altLang="ko-KR"/>
+              <a:t>AKKA.NET</a:t>
+            </a:r>
+            <a:r>
+              <a:rPr lang="ko-KR" altLang="en-US"/>
+              <a:t>이 포팅이되기까지</a:t>
+            </a:r>
+            <a:r>
+              <a:rPr lang="en-US" altLang="ko-KR"/>
+              <a:t>~ </a:t>
+            </a:r>
+            <a:endParaRPr lang="ko-KR" altLang="en-US"/>
+          </a:p>
+        </p:txBody>
+      </p:sp>
+      <p:sp>
+        <p:nvSpPr>
+          <p:cNvPr id="3" name="내용 개체 틀 2">
+            <a:extLst>
+              <a:ext uri="{FF2B5EF4-FFF2-40B4-BE49-F238E27FC236}">
+                <a16:creationId xmlns:a16="http://schemas.microsoft.com/office/drawing/2014/main" id="{38A3AB1E-B967-435A-BF59-EAA4086E8B49}"/>
+              </a:ext>
+            </a:extLst>
+          </p:cNvPr>
+          <p:cNvSpPr>
+            <a:spLocks noGrp="1"/>
+          </p:cNvSpPr>
+          <p:nvPr>
+            <p:ph idx="1"/>
+          </p:nvPr>
+        </p:nvSpPr>
+        <p:spPr/>
+        <p:txBody>
+          <a:bodyPr/>
+          <a:lstStyle/>
+          <a:p>
+            <a:r>
+              <a:rPr lang="en-US" altLang="ko-KR"/>
+              <a:t>1973 - ACTOR MODEL – (</a:t>
+            </a:r>
+            <a:r>
+              <a:rPr lang="ko-KR" altLang="en-US"/>
+              <a:t>칼휴이트</a:t>
+            </a:r>
+            <a:r>
+              <a:rPr lang="en-US" altLang="ko-KR"/>
+              <a:t>)</a:t>
+            </a:r>
+          </a:p>
+          <a:p>
+            <a:r>
+              <a:rPr lang="en-US" altLang="ko-KR"/>
+              <a:t>1986 - Erlang – </a:t>
+            </a:r>
+            <a:r>
+              <a:rPr lang="ko-KR" altLang="en-US"/>
+              <a:t>스웨덴 에릭슨 통신백본</a:t>
+            </a:r>
+            <a:endParaRPr lang="en-US" altLang="ko-KR"/>
+          </a:p>
+          <a:p>
+            <a:r>
+              <a:rPr lang="en-US" altLang="ko-KR"/>
+              <a:t>2006 – </a:t>
+            </a:r>
+            <a:r>
+              <a:rPr lang="ko-KR" altLang="en-US"/>
+              <a:t>스칼라 </a:t>
+            </a:r>
+            <a:r>
+              <a:rPr lang="en-US" altLang="ko-KR"/>
+              <a:t>– </a:t>
+            </a:r>
+            <a:r>
+              <a:rPr lang="ko-KR" altLang="en-US"/>
+              <a:t>필립할러</a:t>
+            </a:r>
+            <a:endParaRPr lang="en-US" altLang="ko-KR"/>
+          </a:p>
+          <a:p>
+            <a:r>
+              <a:rPr lang="en-US" altLang="ko-KR"/>
+              <a:t>2009 – </a:t>
+            </a:r>
+            <a:r>
+              <a:rPr lang="ko-KR" altLang="en-US"/>
+              <a:t>아카 </a:t>
+            </a:r>
+            <a:r>
+              <a:rPr lang="en-US" altLang="ko-KR"/>
+              <a:t>– </a:t>
+            </a:r>
+            <a:r>
+              <a:rPr lang="ko-KR" altLang="en-US"/>
+              <a:t>요나스보네어</a:t>
+            </a:r>
+            <a:r>
+              <a:rPr lang="en-US" altLang="ko-KR"/>
+              <a:t>( JVM / JAVA / SCALA)</a:t>
+            </a:r>
+          </a:p>
+          <a:p>
+            <a:r>
+              <a:rPr lang="en-US" altLang="ko-KR"/>
+              <a:t>2009 – Reactive EX ( Microsoft )</a:t>
+            </a:r>
+          </a:p>
+          <a:p>
+            <a:r>
+              <a:rPr lang="en-US" altLang="ko-KR"/>
+              <a:t>2013 – Reactive Stream ( Netflix(RxJava),Pivotal,Typesafe)</a:t>
+            </a:r>
+          </a:p>
+          <a:p>
+            <a:r>
+              <a:rPr lang="ko-KR" altLang="en-US"/>
+              <a:t>이후참여자 </a:t>
+            </a:r>
+            <a:r>
+              <a:rPr lang="en-US" altLang="ko-KR"/>
+              <a:t>: RedHat,Oracle,Twitter,spray.io,Apache Kafka</a:t>
+            </a:r>
+          </a:p>
+          <a:p>
+            <a:r>
+              <a:rPr lang="en-US" altLang="ko-KR"/>
+              <a:t>2015 – Akka.net 1.4 – PETABRIDGE ( ASP.net NETCORE )</a:t>
+            </a:r>
+          </a:p>
+          <a:p>
+            <a:endParaRPr lang="ko-KR" altLang="en-US"/>
+          </a:p>
+        </p:txBody>
+      </p:sp>
+    </p:spTree>
+    <p:extLst>
+      <p:ext uri="{BB962C8B-B14F-4D97-AF65-F5344CB8AC3E}">
+        <p14:creationId xmlns:p14="http://schemas.microsoft.com/office/powerpoint/2010/main" val="1718003452"/>
+      </p:ext>
+    </p:extLst>
+  </p:cSld>
+  <p:clrMapOvr>
+    <a:masterClrMapping/>
+  </p:clrMapOvr>
+</p:sld>
+</file>
+
+<file path=ppt/slides/slide6.xml><?xml version="1.0" encoding="utf-8"?>
+<p:sld xmlns:a="http://schemas.openxmlformats.org/drawingml/2006/main" xmlns:r="http://schemas.openxmlformats.org/officeDocument/2006/relationships" xmlns:p="http://schemas.openxmlformats.org/presentationml/2006/main">
+  <p:cSld>
+    <p:bg>
+      <p:bgPr>
+        <a:solidFill>
+          <a:schemeClr val="bg1"/>
+        </a:solidFill>
+        <a:effectLst/>
+      </p:bgPr>
+    </p:bg>
+    <p:spTree>
+      <p:nvGrpSpPr>
+        <p:cNvPr id="1" name=""/>
+        <p:cNvGrpSpPr/>
+        <p:nvPr/>
+      </p:nvGrpSpPr>
+      <p:grpSpPr>
+        <a:xfrm>
+          <a:off x="0" y="0"/>
+          <a:ext cx="0" cy="0"/>
+          <a:chOff x="0" y="0"/>
+          <a:chExt cx="0" cy="0"/>
+        </a:xfrm>
+      </p:grpSpPr>
       <p:sp>
         <p:nvSpPr>
           <p:cNvPr id="12" name="Rectangle 11">
@@ -5973,7 +9560,7 @@
 </p:sld>
 </file>
 
-<file path=ppt/slides/slide4.xml><?xml version="1.0" encoding="utf-8"?>
+<file path=ppt/slides/slide7.xml><?xml version="1.0" encoding="utf-8"?>
 <p:sld xmlns:a="http://schemas.openxmlformats.org/drawingml/2006/main" xmlns:r="http://schemas.openxmlformats.org/officeDocument/2006/relationships" xmlns:p="http://schemas.openxmlformats.org/presentationml/2006/main">
   <p:cSld>
     <p:bg>
@@ -6333,7 +9920,12 @@
               <a:rPr lang="en-US" altLang="ko-KR" sz="1700"/>
               <a:t>Free</a:t>
             </a:r>
-            <a:endParaRPr lang="ko-KR" altLang="en-US" sz="1700"/>
+          </a:p>
+          <a:p>
+            <a:r>
+              <a:rPr lang="ko-KR" altLang="en-US" sz="1700"/>
+              <a:t>공유는 죽음의 칵테일</a:t>
+            </a:r>
           </a:p>
         </p:txBody>
       </p:sp>
@@ -6499,6 +10091,41 @@
           </a:prstGeom>
         </p:spPr>
       </p:pic>
+      <p:sp>
+        <p:nvSpPr>
+          <p:cNvPr id="2" name="직사각형 1">
+            <a:extLst>
+              <a:ext uri="{FF2B5EF4-FFF2-40B4-BE49-F238E27FC236}">
+                <a16:creationId xmlns:a16="http://schemas.microsoft.com/office/drawing/2014/main" id="{A2816896-7F01-45A7-A57B-E22924BFDFBA}"/>
+              </a:ext>
+            </a:extLst>
+          </p:cNvPr>
+          <p:cNvSpPr/>
+          <p:nvPr/>
+        </p:nvSpPr>
+        <p:spPr>
+          <a:xfrm>
+            <a:off x="590719" y="1614985"/>
+            <a:ext cx="1107996" cy="369332"/>
+          </a:xfrm>
+          <a:prstGeom prst="rect">
+            <a:avLst/>
+          </a:prstGeom>
+        </p:spPr>
+        <p:txBody>
+          <a:bodyPr wrap="none">
+            <a:spAutoFit/>
+          </a:bodyPr>
+          <a:lstStyle/>
+          <a:p>
+            <a:r>
+              <a:rPr lang="ko-KR" altLang="en-US"/>
+              <a:t>액터모델</a:t>
+            </a:r>
+            <a:endParaRPr lang="en-US" altLang="ko-KR"/>
+          </a:p>
+        </p:txBody>
+      </p:sp>
     </p:spTree>
     <p:extLst>
       <p:ext uri="{BB962C8B-B14F-4D97-AF65-F5344CB8AC3E}">
@@ -6512,7 +10139,7 @@
 </p:sld>
 </file>
 
-<file path=ppt/slides/slide5.xml><?xml version="1.0" encoding="utf-8"?>
+<file path=ppt/slides/slide8.xml><?xml version="1.0" encoding="utf-8"?>
 <p:sld xmlns:a="http://schemas.openxmlformats.org/drawingml/2006/main" xmlns:r="http://schemas.openxmlformats.org/officeDocument/2006/relationships" xmlns:p="http://schemas.openxmlformats.org/presentationml/2006/main">
   <p:cSld>
     <p:bg>
@@ -6870,13 +10497,18 @@
           </a:p>
           <a:p>
             <a:r>
-              <a:rPr lang="ko-KR" altLang="en-US" sz="1700">
+              <a:rPr lang="en-US" altLang="ko-KR" sz="1700">
                 <a:solidFill>
                   <a:schemeClr val="bg1"/>
                 </a:solidFill>
               </a:rPr>
-              <a:t>경량화</a:t>
-            </a:r>
+              <a:t>ActorPath : akka://ActorSystemA/user/a/b</a:t>
+            </a:r>
+            <a:endParaRPr lang="ko-KR" altLang="en-US" sz="1700">
+              <a:solidFill>
+                <a:schemeClr val="bg1"/>
+              </a:solidFill>
+            </a:endParaRPr>
           </a:p>
         </p:txBody>
       </p:sp>
@@ -6893,7 +10525,7 @@
 </p:sld>
 </file>
 
-<file path=ppt/slides/slide6.xml><?xml version="1.0" encoding="utf-8"?>
+<file path=ppt/slides/slide9.xml><?xml version="1.0" encoding="utf-8"?>
 <p:sld xmlns:a="http://schemas.openxmlformats.org/drawingml/2006/main" xmlns:r="http://schemas.openxmlformats.org/officeDocument/2006/relationships" xmlns:p="http://schemas.openxmlformats.org/presentationml/2006/main">
   <p:cSld>
     <p:bg>
@@ -7408,730 +11040,6 @@
     <p:extLst>
       <p:ext uri="{BB962C8B-B14F-4D97-AF65-F5344CB8AC3E}">
         <p14:creationId xmlns:p14="http://schemas.microsoft.com/office/powerpoint/2010/main" val="859501048"/>
-      </p:ext>
-    </p:extLst>
-  </p:cSld>
-  <p:clrMapOvr>
-    <a:masterClrMapping/>
-  </p:clrMapOvr>
-</p:sld>
-</file>
-
-<file path=ppt/slides/slide7.xml><?xml version="1.0" encoding="utf-8"?>
-<p:sld xmlns:a="http://schemas.openxmlformats.org/drawingml/2006/main" xmlns:r="http://schemas.openxmlformats.org/officeDocument/2006/relationships" xmlns:p="http://schemas.openxmlformats.org/presentationml/2006/main">
-  <p:cSld>
-    <p:spTree>
-      <p:nvGrpSpPr>
-        <p:cNvPr id="1" name=""/>
-        <p:cNvGrpSpPr/>
-        <p:nvPr/>
-      </p:nvGrpSpPr>
-      <p:grpSpPr>
-        <a:xfrm>
-          <a:off x="0" y="0"/>
-          <a:ext cx="0" cy="0"/>
-          <a:chOff x="0" y="0"/>
-          <a:chExt cx="0" cy="0"/>
-        </a:xfrm>
-      </p:grpSpPr>
-      <p:sp>
-        <p:nvSpPr>
-          <p:cNvPr id="2" name="제목 1">
-            <a:extLst>
-              <a:ext uri="{FF2B5EF4-FFF2-40B4-BE49-F238E27FC236}">
-                <a16:creationId xmlns:a16="http://schemas.microsoft.com/office/drawing/2014/main" id="{27165071-36C3-48DB-8442-66DB993AA301}"/>
-              </a:ext>
-            </a:extLst>
-          </p:cNvPr>
-          <p:cNvSpPr>
-            <a:spLocks noGrp="1"/>
-          </p:cNvSpPr>
-          <p:nvPr>
-            <p:ph type="title"/>
-          </p:nvPr>
-        </p:nvSpPr>
-        <p:spPr/>
-        <p:txBody>
-          <a:bodyPr/>
-          <a:lstStyle/>
-          <a:p>
-            <a:r>
-              <a:rPr lang="en-US" altLang="ko-KR"/>
-              <a:t>AKKA.NET </a:t>
-            </a:r>
-            <a:r>
-              <a:rPr lang="ko-KR" altLang="en-US"/>
-              <a:t>구성요소</a:t>
-            </a:r>
-          </a:p>
-        </p:txBody>
-      </p:sp>
-      <p:sp>
-        <p:nvSpPr>
-          <p:cNvPr id="3" name="내용 개체 틀 2">
-            <a:extLst>
-              <a:ext uri="{FF2B5EF4-FFF2-40B4-BE49-F238E27FC236}">
-                <a16:creationId xmlns:a16="http://schemas.microsoft.com/office/drawing/2014/main" id="{F60A5B85-8FBF-41CF-A3CD-29530A662A76}"/>
-              </a:ext>
-            </a:extLst>
-          </p:cNvPr>
-          <p:cNvSpPr>
-            <a:spLocks noGrp="1"/>
-          </p:cNvSpPr>
-          <p:nvPr>
-            <p:ph idx="1"/>
-          </p:nvPr>
-        </p:nvSpPr>
-        <p:spPr/>
-        <p:txBody>
-          <a:bodyPr>
-            <a:normAutofit fontScale="92500" lnSpcReduction="20000"/>
-          </a:bodyPr>
-          <a:lstStyle/>
-          <a:p>
-            <a:r>
-              <a:rPr lang="en-US" altLang="ko-KR"/>
-              <a:t>    &lt;PackageReference Include="Akka" Version="1.4.12" /&gt;</a:t>
-            </a:r>
-          </a:p>
-          <a:p>
-            <a:r>
-              <a:rPr lang="en-US" altLang="ko-KR"/>
-              <a:t>    &lt;PackageReference Include="Akka.Remote" Version="1.4.12" /&gt;</a:t>
-            </a:r>
-          </a:p>
-          <a:p>
-            <a:r>
-              <a:rPr lang="en-US" altLang="ko-KR"/>
-              <a:t>    &lt;PackageReference Include="Akka.Cluster" Version="1.4.12" /&gt;</a:t>
-            </a:r>
-          </a:p>
-          <a:p>
-            <a:r>
-              <a:rPr lang="en-US" altLang="ko-KR"/>
-              <a:t>    &lt;PackageReference Include="Akka.DI.Extensions.DependencyInjection" Version="1.4.11" /&gt;</a:t>
-            </a:r>
-          </a:p>
-          <a:p>
-            <a:r>
-              <a:rPr lang="en-US" altLang="ko-KR"/>
-              <a:t>    &lt;PackageReference Include="Akka.Logger.NLog" Version="1.3.5" /&gt;</a:t>
-            </a:r>
-          </a:p>
-          <a:p>
-            <a:r>
-              <a:rPr lang="en-US" altLang="ko-KR"/>
-              <a:t>    &lt;PackageReference Include="Akka.Persistence" Version="1.4.12" /&gt;</a:t>
-            </a:r>
-          </a:p>
-          <a:p>
-            <a:r>
-              <a:rPr lang="en-US" altLang="ko-KR"/>
-              <a:t>    &lt;PackageReference Include="Akka.Streams" Version="1.4.12" /&gt;</a:t>
-            </a:r>
-          </a:p>
-          <a:p>
-            <a:r>
-              <a:rPr lang="en-US" altLang="ko-KR"/>
-              <a:t>    &lt;PackageReference Include="Akka.Streams.Kafka" Version="1.1.0" /&gt;</a:t>
-            </a:r>
-          </a:p>
-          <a:p>
-            <a:endParaRPr lang="ko-KR" altLang="en-US"/>
-          </a:p>
-        </p:txBody>
-      </p:sp>
-    </p:spTree>
-    <p:extLst>
-      <p:ext uri="{BB962C8B-B14F-4D97-AF65-F5344CB8AC3E}">
-        <p14:creationId xmlns:p14="http://schemas.microsoft.com/office/powerpoint/2010/main" val="2644794125"/>
-      </p:ext>
-    </p:extLst>
-  </p:cSld>
-  <p:clrMapOvr>
-    <a:masterClrMapping/>
-  </p:clrMapOvr>
-</p:sld>
-</file>
-
-<file path=ppt/slides/slide8.xml><?xml version="1.0" encoding="utf-8"?>
-<p:sld xmlns:a="http://schemas.openxmlformats.org/drawingml/2006/main" xmlns:r="http://schemas.openxmlformats.org/officeDocument/2006/relationships" xmlns:p="http://schemas.openxmlformats.org/presentationml/2006/main">
-  <p:cSld>
-    <p:bg>
-      <p:bgPr>
-        <a:solidFill>
-          <a:schemeClr val="bg1"/>
-        </a:solidFill>
-        <a:effectLst/>
-      </p:bgPr>
-    </p:bg>
-    <p:spTree>
-      <p:nvGrpSpPr>
-        <p:cNvPr id="1" name=""/>
-        <p:cNvGrpSpPr/>
-        <p:nvPr/>
-      </p:nvGrpSpPr>
-      <p:grpSpPr>
-        <a:xfrm>
-          <a:off x="0" y="0"/>
-          <a:ext cx="0" cy="0"/>
-          <a:chOff x="0" y="0"/>
-          <a:chExt cx="0" cy="0"/>
-        </a:xfrm>
-      </p:grpSpPr>
-      <p:sp useBgFill="1">
-        <p:nvSpPr>
-          <p:cNvPr id="28" name="Rectangle 22">
-            <a:extLst>
-              <a:ext uri="{FF2B5EF4-FFF2-40B4-BE49-F238E27FC236}">
-                <a16:creationId xmlns:a16="http://schemas.microsoft.com/office/drawing/2014/main" id="{0D1D8088-559A-46A5-A801-CDF0B9476BED}"/>
-              </a:ext>
-              <a:ext uri="{C183D7F6-B498-43B3-948B-1728B52AA6E4}">
-                <adec:decorative xmlns:adec="http://schemas.microsoft.com/office/drawing/2017/decorative" val="1"/>
-              </a:ext>
-            </a:extLst>
-          </p:cNvPr>
-          <p:cNvSpPr>
-            <a:spLocks noGrp="1" noRot="1" noChangeAspect="1" noMove="1" noResize="1" noEditPoints="1" noAdjustHandles="1" noChangeArrowheads="1" noChangeShapeType="1" noTextEdit="1"/>
-          </p:cNvSpPr>
-          <p:nvPr>
-            <p:extLst>
-              <p:ext uri="{386F3935-93C4-4BCD-93E2-E3B085C9AB24}">
-                <p16:designElem xmlns:p16="http://schemas.microsoft.com/office/powerpoint/2015/main" val="1"/>
-              </p:ext>
-            </p:extLst>
-          </p:nvPr>
-        </p:nvSpPr>
-        <p:spPr>
-          <a:xfrm>
-            <a:off x="0" y="0"/>
-            <a:ext cx="12191999" cy="6857365"/>
-          </a:xfrm>
-          <a:prstGeom prst="rect">
-            <a:avLst/>
-          </a:prstGeom>
-          <a:ln>
-            <a:noFill/>
-          </a:ln>
-        </p:spPr>
-        <p:style>
-          <a:lnRef idx="2">
-            <a:schemeClr val="accent1">
-              <a:shade val="50000"/>
-            </a:schemeClr>
-          </a:lnRef>
-          <a:fillRef idx="1">
-            <a:schemeClr val="accent1"/>
-          </a:fillRef>
-          <a:effectRef idx="0">
-            <a:schemeClr val="accent1"/>
-          </a:effectRef>
-          <a:fontRef idx="minor">
-            <a:schemeClr val="lt1"/>
-          </a:fontRef>
-        </p:style>
-        <p:txBody>
-          <a:bodyPr rtlCol="0" anchor="ctr"/>
-          <a:lstStyle/>
-          <a:p>
-            <a:pPr algn="ctr"/>
-            <a:endParaRPr lang="en-US"/>
-          </a:p>
-        </p:txBody>
-      </p:sp>
-      <p:grpSp>
-        <p:nvGrpSpPr>
-          <p:cNvPr id="30" name="Group 24">
-            <a:extLst>
-              <a:ext uri="{FF2B5EF4-FFF2-40B4-BE49-F238E27FC236}">
-                <a16:creationId xmlns:a16="http://schemas.microsoft.com/office/drawing/2014/main" id="{83E2E96F-17F7-4C8C-BDF1-6BB90A0C1D7F}"/>
-              </a:ext>
-              <a:ext uri="{C183D7F6-B498-43B3-948B-1728B52AA6E4}">
-                <adec:decorative xmlns:adec="http://schemas.microsoft.com/office/drawing/2017/decorative" val="1"/>
-              </a:ext>
-            </a:extLst>
-          </p:cNvPr>
-          <p:cNvGrpSpPr>
-            <a:grpSpLocks noGrp="1" noUngrp="1" noRot="1" noChangeAspect="1" noMove="1" noResize="1"/>
-          </p:cNvGrpSpPr>
-          <p:nvPr>
-            <p:extLst>
-              <p:ext uri="{386F3935-93C4-4BCD-93E2-E3B085C9AB24}">
-                <p16:designElem xmlns:p16="http://schemas.microsoft.com/office/powerpoint/2015/main" val="1"/>
-              </p:ext>
-            </p:extLst>
-          </p:nvPr>
-        </p:nvGrpSpPr>
-        <p:grpSpPr>
-          <a:xfrm>
-            <a:off x="209667" y="2380868"/>
-            <a:ext cx="11982332" cy="2087795"/>
-            <a:chOff x="143163" y="5763486"/>
-            <a:chExt cx="11982332" cy="739555"/>
-          </a:xfrm>
-        </p:grpSpPr>
-        <p:sp>
-          <p:nvSpPr>
-            <p:cNvPr id="26" name="Rectangle 25">
-              <a:extLst>
-                <a:ext uri="{FF2B5EF4-FFF2-40B4-BE49-F238E27FC236}">
-                  <a16:creationId xmlns:a16="http://schemas.microsoft.com/office/drawing/2014/main" id="{846BD00C-9313-4A22-94F7-3875A46C6D6F}"/>
-                </a:ext>
-                <a:ext uri="{C183D7F6-B498-43B3-948B-1728B52AA6E4}">
-                  <adec:decorative xmlns:adec="http://schemas.microsoft.com/office/drawing/2017/decorative" val="1"/>
-                </a:ext>
-              </a:extLst>
-            </p:cNvPr>
-            <p:cNvSpPr/>
-            <p:nvPr>
-              <p:extLst>
-                <p:ext uri="{386F3935-93C4-4BCD-93E2-E3B085C9AB24}">
-                  <p16:designElem xmlns:p16="http://schemas.microsoft.com/office/powerpoint/2015/main" val="1"/>
-                </p:ext>
-              </p:extLst>
-            </p:nvPr>
-          </p:nvSpPr>
-          <p:spPr>
-            <a:xfrm flipH="1" flipV="1">
-              <a:off x="357444" y="5763486"/>
-              <a:ext cx="11768051" cy="739555"/>
-            </a:xfrm>
-            <a:prstGeom prst="rect">
-              <a:avLst/>
-            </a:prstGeom>
-            <a:solidFill>
-              <a:schemeClr val="accent4"/>
-            </a:solidFill>
-            <a:ln>
-              <a:noFill/>
-            </a:ln>
-          </p:spPr>
-          <p:style>
-            <a:lnRef idx="2">
-              <a:schemeClr val="accent1">
-                <a:shade val="50000"/>
-              </a:schemeClr>
-            </a:lnRef>
-            <a:fillRef idx="1">
-              <a:schemeClr val="accent1"/>
-            </a:fillRef>
-            <a:effectRef idx="0">
-              <a:schemeClr val="accent1"/>
-            </a:effectRef>
-            <a:fontRef idx="minor">
-              <a:schemeClr val="lt1"/>
-            </a:fontRef>
-          </p:style>
-          <p:txBody>
-            <a:bodyPr rtlCol="0" anchor="ctr"/>
-            <a:lstStyle/>
-            <a:p>
-              <a:pPr algn="ctr"/>
-              <a:endParaRPr lang="en-US"/>
-            </a:p>
-          </p:txBody>
-        </p:sp>
-        <p:cxnSp>
-          <p:nvCxnSpPr>
-            <p:cNvPr id="27" name="Straight Connector 26">
-              <a:extLst>
-                <a:ext uri="{FF2B5EF4-FFF2-40B4-BE49-F238E27FC236}">
-                  <a16:creationId xmlns:a16="http://schemas.microsoft.com/office/drawing/2014/main" id="{1EAF30D0-AA67-427C-9938-A2C8A9B5D5D9}"/>
-                </a:ext>
-                <a:ext uri="{C183D7F6-B498-43B3-948B-1728B52AA6E4}">
-                  <adec:decorative xmlns:adec="http://schemas.microsoft.com/office/drawing/2017/decorative" val="1"/>
-                </a:ext>
-              </a:extLst>
-            </p:cNvPr>
-            <p:cNvCxnSpPr>
-              <a:cxnSpLocks/>
-            </p:cNvCxnSpPr>
-            <p:nvPr>
-              <p:extLst>
-                <p:ext uri="{386F3935-93C4-4BCD-93E2-E3B085C9AB24}">
-                  <p16:designElem xmlns:p16="http://schemas.microsoft.com/office/powerpoint/2015/main" val="1"/>
-                </p:ext>
-              </p:extLst>
-            </p:nvPr>
-          </p:nvCxnSpPr>
-          <p:spPr>
-            <a:xfrm flipH="1">
-              <a:off x="143163" y="5763486"/>
-              <a:ext cx="1" cy="739555"/>
-            </a:xfrm>
-            <a:prstGeom prst="line">
-              <a:avLst/>
-            </a:prstGeom>
-            <a:ln w="177800">
-              <a:solidFill>
-                <a:schemeClr val="accent4"/>
-              </a:solidFill>
-            </a:ln>
-          </p:spPr>
-          <p:style>
-            <a:lnRef idx="1">
-              <a:schemeClr val="accent1"/>
-            </a:lnRef>
-            <a:fillRef idx="0">
-              <a:schemeClr val="accent1"/>
-            </a:fillRef>
-            <a:effectRef idx="0">
-              <a:schemeClr val="accent1"/>
-            </a:effectRef>
-            <a:fontRef idx="minor">
-              <a:schemeClr val="tx1"/>
-            </a:fontRef>
-          </p:style>
-        </p:cxnSp>
-      </p:grpSp>
-      <p:sp>
-        <p:nvSpPr>
-          <p:cNvPr id="29" name="Rectangle 28">
-            <a:extLst>
-              <a:ext uri="{FF2B5EF4-FFF2-40B4-BE49-F238E27FC236}">
-                <a16:creationId xmlns:a16="http://schemas.microsoft.com/office/drawing/2014/main" id="{3776B14B-F2F4-4825-8DA8-8C7A0F2B3960}"/>
-              </a:ext>
-              <a:ext uri="{C183D7F6-B498-43B3-948B-1728B52AA6E4}">
-                <adec:decorative xmlns:adec="http://schemas.microsoft.com/office/drawing/2017/decorative" val="1"/>
-              </a:ext>
-            </a:extLst>
-          </p:cNvPr>
-          <p:cNvSpPr>
-            <a:spLocks noGrp="1" noRot="1" noChangeAspect="1" noMove="1" noResize="1" noEditPoints="1" noAdjustHandles="1" noChangeArrowheads="1" noChangeShapeType="1" noTextEdit="1"/>
-          </p:cNvSpPr>
-          <p:nvPr>
-            <p:extLst>
-              <p:ext uri="{386F3935-93C4-4BCD-93E2-E3B085C9AB24}">
-                <p16:designElem xmlns:p16="http://schemas.microsoft.com/office/powerpoint/2015/main" val="1"/>
-              </p:ext>
-            </p:extLst>
-          </p:nvPr>
-        </p:nvSpPr>
-        <p:spPr>
-          <a:xfrm>
-            <a:off x="579528" y="466344"/>
-            <a:ext cx="11111729" cy="5917827"/>
-          </a:xfrm>
-          <a:prstGeom prst="rect">
-            <a:avLst/>
-          </a:prstGeom>
-          <a:solidFill>
-            <a:schemeClr val="bg1"/>
-          </a:solidFill>
-          <a:ln>
-            <a:noFill/>
-          </a:ln>
-          <a:effectLst>
-            <a:outerShdw blurRad="139700" dist="127000" dir="5400000" algn="t" rotWithShape="0">
-              <a:prstClr val="black">
-                <a:alpha val="15000"/>
-              </a:prstClr>
-            </a:outerShdw>
-          </a:effectLst>
-        </p:spPr>
-        <p:style>
-          <a:lnRef idx="2">
-            <a:schemeClr val="accent1">
-              <a:shade val="50000"/>
-            </a:schemeClr>
-          </a:lnRef>
-          <a:fillRef idx="1">
-            <a:schemeClr val="accent1"/>
-          </a:fillRef>
-          <a:effectRef idx="0">
-            <a:schemeClr val="accent1"/>
-          </a:effectRef>
-          <a:fontRef idx="minor">
-            <a:schemeClr val="lt1"/>
-          </a:fontRef>
-        </p:style>
-        <p:txBody>
-          <a:bodyPr rtlCol="0" anchor="ctr"/>
-          <a:lstStyle/>
-          <a:p>
-            <a:pPr algn="ctr"/>
-            <a:endParaRPr lang="en-US"/>
-          </a:p>
-        </p:txBody>
-      </p:sp>
-      <p:pic>
-        <p:nvPicPr>
-          <p:cNvPr id="4" name="그림 3">
-            <a:extLst>
-              <a:ext uri="{FF2B5EF4-FFF2-40B4-BE49-F238E27FC236}">
-                <a16:creationId xmlns:a16="http://schemas.microsoft.com/office/drawing/2014/main" id="{58A68BD1-7CA7-4DE4-A596-3683C5930EB6}"/>
-              </a:ext>
-            </a:extLst>
-          </p:cNvPr>
-          <p:cNvPicPr>
-            <a:picLocks noChangeAspect="1"/>
-          </p:cNvPicPr>
-          <p:nvPr/>
-        </p:nvPicPr>
-        <p:blipFill rotWithShape="1">
-          <a:blip r:embed="rId2"/>
-          <a:srcRect l="4196" r="7885" b="-1"/>
-          <a:stretch/>
-        </p:blipFill>
-        <p:spPr>
-          <a:xfrm>
-            <a:off x="838200" y="704765"/>
-            <a:ext cx="10628376" cy="5440003"/>
-          </a:xfrm>
-          <a:prstGeom prst="rect">
-            <a:avLst/>
-          </a:prstGeom>
-          <a:scene3d>
-            <a:camera prst="orthographicFront">
-              <a:rot lat="0" lon="0" rev="0"/>
-            </a:camera>
-            <a:lightRig rig="soft" dir="t">
-              <a:rot lat="0" lon="0" rev="0"/>
-            </a:lightRig>
-          </a:scene3d>
-          <a:sp3d contourW="44450" prstMaterial="matte">
-            <a:bevelT w="63500" h="63500" prst="artDeco"/>
-            <a:contourClr>
-              <a:srgbClr val="FFFFFF"/>
-            </a:contourClr>
-          </a:sp3d>
-        </p:spPr>
-        <p:style>
-          <a:lnRef idx="1">
-            <a:schemeClr val="dk1"/>
-          </a:lnRef>
-          <a:fillRef idx="2">
-            <a:schemeClr val="dk1"/>
-          </a:fillRef>
-          <a:effectRef idx="1">
-            <a:schemeClr val="dk1"/>
-          </a:effectRef>
-          <a:fontRef idx="minor">
-            <a:schemeClr val="dk1"/>
-          </a:fontRef>
-        </p:style>
-      </p:pic>
-    </p:spTree>
-    <p:extLst>
-      <p:ext uri="{BB962C8B-B14F-4D97-AF65-F5344CB8AC3E}">
-        <p14:creationId xmlns:p14="http://schemas.microsoft.com/office/powerpoint/2010/main" val="1547690897"/>
-      </p:ext>
-    </p:extLst>
-  </p:cSld>
-  <p:clrMapOvr>
-    <a:masterClrMapping/>
-  </p:clrMapOvr>
-</p:sld>
-</file>
-
-<file path=ppt/slides/slide9.xml><?xml version="1.0" encoding="utf-8"?>
-<p:sld xmlns:a="http://schemas.openxmlformats.org/drawingml/2006/main" xmlns:r="http://schemas.openxmlformats.org/officeDocument/2006/relationships" xmlns:p="http://schemas.openxmlformats.org/presentationml/2006/main">
-  <p:cSld>
-    <p:bg>
-      <p:bgPr>
-        <a:solidFill>
-          <a:schemeClr val="bg1"/>
-        </a:solidFill>
-        <a:effectLst/>
-      </p:bgPr>
-    </p:bg>
-    <p:spTree>
-      <p:nvGrpSpPr>
-        <p:cNvPr id="1" name=""/>
-        <p:cNvGrpSpPr/>
-        <p:nvPr/>
-      </p:nvGrpSpPr>
-      <p:grpSpPr>
-        <a:xfrm>
-          <a:off x="0" y="0"/>
-          <a:ext cx="0" cy="0"/>
-          <a:chOff x="0" y="0"/>
-          <a:chExt cx="0" cy="0"/>
-        </a:xfrm>
-      </p:grpSpPr>
-      <p:sp>
-        <p:nvSpPr>
-          <p:cNvPr id="20" name="Rectangle 19">
-            <a:extLst>
-              <a:ext uri="{FF2B5EF4-FFF2-40B4-BE49-F238E27FC236}">
-                <a16:creationId xmlns:a16="http://schemas.microsoft.com/office/drawing/2014/main" id="{B775CD93-9DF2-48CB-9F57-1BCA9A46C7FA}"/>
-              </a:ext>
-              <a:ext uri="{C183D7F6-B498-43B3-948B-1728B52AA6E4}">
-                <adec:decorative xmlns:adec="http://schemas.microsoft.com/office/drawing/2017/decorative" val="1"/>
-              </a:ext>
-            </a:extLst>
-          </p:cNvPr>
-          <p:cNvSpPr>
-            <a:spLocks noGrp="1" noRot="1" noChangeAspect="1" noMove="1" noResize="1" noEditPoints="1" noAdjustHandles="1" noChangeArrowheads="1" noChangeShapeType="1" noTextEdit="1"/>
-          </p:cNvSpPr>
-          <p:nvPr>
-            <p:extLst>
-              <p:ext uri="{386F3935-93C4-4BCD-93E2-E3B085C9AB24}">
-                <p16:designElem xmlns:p16="http://schemas.microsoft.com/office/powerpoint/2015/main" val="1"/>
-              </p:ext>
-            </p:extLst>
-          </p:nvPr>
-        </p:nvSpPr>
-        <p:spPr>
-          <a:xfrm>
-            <a:off x="466343" y="448056"/>
-            <a:ext cx="1920339" cy="2894124"/>
-          </a:xfrm>
-          <a:prstGeom prst="rect">
-            <a:avLst/>
-          </a:prstGeom>
-          <a:solidFill>
-            <a:srgbClr val="A5A5A5"/>
-          </a:solidFill>
-          <a:ln w="25400">
-            <a:noFill/>
-          </a:ln>
-        </p:spPr>
-        <p:style>
-          <a:lnRef idx="2">
-            <a:schemeClr val="accent1">
-              <a:shade val="50000"/>
-            </a:schemeClr>
-          </a:lnRef>
-          <a:fillRef idx="1">
-            <a:schemeClr val="accent1"/>
-          </a:fillRef>
-          <a:effectRef idx="0">
-            <a:schemeClr val="accent1"/>
-          </a:effectRef>
-          <a:fontRef idx="minor">
-            <a:schemeClr val="lt1"/>
-          </a:fontRef>
-        </p:style>
-        <p:txBody>
-          <a:bodyPr rtlCol="0" anchor="ctr"/>
-          <a:lstStyle/>
-          <a:p>
-            <a:pPr algn="ctr"/>
-            <a:endParaRPr lang="en-US">
-              <a:solidFill>
-                <a:srgbClr val="FFFFFF"/>
-              </a:solidFill>
-            </a:endParaRPr>
-          </a:p>
-        </p:txBody>
-      </p:sp>
-      <p:sp>
-        <p:nvSpPr>
-          <p:cNvPr id="25" name="Rectangle 21">
-            <a:extLst>
-              <a:ext uri="{FF2B5EF4-FFF2-40B4-BE49-F238E27FC236}">
-                <a16:creationId xmlns:a16="http://schemas.microsoft.com/office/drawing/2014/main" id="{6166C6D1-23AC-49C4-BA07-238E4E9F8CEB}"/>
-              </a:ext>
-              <a:ext uri="{C183D7F6-B498-43B3-948B-1728B52AA6E4}">
-                <adec:decorative xmlns:adec="http://schemas.microsoft.com/office/drawing/2017/decorative" val="1"/>
-              </a:ext>
-            </a:extLst>
-          </p:cNvPr>
-          <p:cNvSpPr>
-            <a:spLocks noGrp="1" noRot="1" noChangeAspect="1" noMove="1" noResize="1" noEditPoints="1" noAdjustHandles="1" noChangeArrowheads="1" noChangeShapeType="1" noTextEdit="1"/>
-          </p:cNvSpPr>
-          <p:nvPr>
-            <p:extLst>
-              <p:ext uri="{386F3935-93C4-4BCD-93E2-E3B085C9AB24}">
-                <p16:designElem xmlns:p16="http://schemas.microsoft.com/office/powerpoint/2015/main" val="1"/>
-              </p:ext>
-            </p:extLst>
-          </p:nvPr>
-        </p:nvSpPr>
-        <p:spPr>
-          <a:xfrm>
-            <a:off x="466343" y="3515821"/>
-            <a:ext cx="1920338" cy="2883258"/>
-          </a:xfrm>
-          <a:prstGeom prst="rect">
-            <a:avLst/>
-          </a:prstGeom>
-          <a:solidFill>
-            <a:schemeClr val="accent5">
-              <a:alpha val="95000"/>
-            </a:schemeClr>
-          </a:solidFill>
-          <a:ln w="25400">
-            <a:noFill/>
-          </a:ln>
-        </p:spPr>
-        <p:style>
-          <a:lnRef idx="2">
-            <a:schemeClr val="accent1">
-              <a:shade val="50000"/>
-            </a:schemeClr>
-          </a:lnRef>
-          <a:fillRef idx="1">
-            <a:schemeClr val="accent1"/>
-          </a:fillRef>
-          <a:effectRef idx="0">
-            <a:schemeClr val="accent1"/>
-          </a:effectRef>
-          <a:fontRef idx="minor">
-            <a:schemeClr val="lt1"/>
-          </a:fontRef>
-        </p:style>
-        <p:txBody>
-          <a:bodyPr rtlCol="0" anchor="ctr"/>
-          <a:lstStyle/>
-          <a:p>
-            <a:pPr algn="ctr"/>
-            <a:endParaRPr lang="en-US" dirty="0">
-              <a:solidFill>
-                <a:srgbClr val="FFFFFF"/>
-              </a:solidFill>
-            </a:endParaRPr>
-          </a:p>
-        </p:txBody>
-      </p:sp>
-      <p:pic>
-        <p:nvPicPr>
-          <p:cNvPr id="4" name="그림 3">
-            <a:extLst>
-              <a:ext uri="{FF2B5EF4-FFF2-40B4-BE49-F238E27FC236}">
-                <a16:creationId xmlns:a16="http://schemas.microsoft.com/office/drawing/2014/main" id="{29AC9A78-08B5-4B8E-888E-FE2B500EAF4A}"/>
-              </a:ext>
-            </a:extLst>
-          </p:cNvPr>
-          <p:cNvPicPr>
-            <a:picLocks noChangeAspect="1"/>
-          </p:cNvPicPr>
-          <p:nvPr/>
-        </p:nvPicPr>
-        <p:blipFill rotWithShape="1">
-          <a:blip r:embed="rId2"/>
-          <a:srcRect t="10724" r="1" b="1"/>
-          <a:stretch/>
-        </p:blipFill>
-        <p:spPr>
-          <a:xfrm>
-            <a:off x="2551176" y="448056"/>
-            <a:ext cx="9180576" cy="5952744"/>
-          </a:xfrm>
-          <a:prstGeom prst="rect">
-            <a:avLst/>
-          </a:prstGeom>
-          <a:scene3d>
-            <a:camera prst="orthographicFront">
-              <a:rot lat="0" lon="0" rev="0"/>
-            </a:camera>
-            <a:lightRig rig="soft" dir="t">
-              <a:rot lat="0" lon="0" rev="0"/>
-            </a:lightRig>
-          </a:scene3d>
-          <a:sp3d contourW="44450" prstMaterial="matte">
-            <a:bevelT w="63500" h="63500" prst="artDeco"/>
-            <a:contourClr>
-              <a:srgbClr val="FFFFFF"/>
-            </a:contourClr>
-          </a:sp3d>
-        </p:spPr>
-      </p:pic>
-    </p:spTree>
-    <p:extLst>
-      <p:ext uri="{BB962C8B-B14F-4D97-AF65-F5344CB8AC3E}">
-        <p14:creationId xmlns:p14="http://schemas.microsoft.com/office/powerpoint/2010/main" val="3726472807"/>
       </p:ext>
     </p:extLst>
   </p:cSld>

--- a/Doc/DotCoreApiWithAkka.pptx
+++ b/Doc/DotCoreApiWithAkka.pptx
@@ -8,15 +8,16 @@
     <p:sldId id="256" r:id="rId2"/>
     <p:sldId id="285" r:id="rId3"/>
     <p:sldId id="286" r:id="rId4"/>
-    <p:sldId id="279" r:id="rId5"/>
-    <p:sldId id="282" r:id="rId6"/>
-    <p:sldId id="283" r:id="rId7"/>
-    <p:sldId id="260" r:id="rId8"/>
-    <p:sldId id="277" r:id="rId9"/>
-    <p:sldId id="278" r:id="rId10"/>
-    <p:sldId id="274" r:id="rId11"/>
-    <p:sldId id="281" r:id="rId12"/>
-    <p:sldId id="280" r:id="rId13"/>
+    <p:sldId id="287" r:id="rId5"/>
+    <p:sldId id="279" r:id="rId6"/>
+    <p:sldId id="282" r:id="rId7"/>
+    <p:sldId id="283" r:id="rId8"/>
+    <p:sldId id="260" r:id="rId9"/>
+    <p:sldId id="277" r:id="rId10"/>
+    <p:sldId id="278" r:id="rId11"/>
+    <p:sldId id="274" r:id="rId12"/>
+    <p:sldId id="281" r:id="rId13"/>
+    <p:sldId id="280" r:id="rId14"/>
   </p:sldIdLst>
   <p:sldSz cx="12192000" cy="6858000"/>
   <p:notesSz cx="6858000" cy="9144000"/>
@@ -124,6 +125,753 @@
 </file>
 
 <file path=ppt/diagrams/colors1.xml><?xml version="1.0" encoding="utf-8"?>
+<dgm:colorsDef xmlns:dgm="http://schemas.openxmlformats.org/drawingml/2006/diagram" xmlns:a="http://schemas.openxmlformats.org/drawingml/2006/main" uniqueId="urn:microsoft.com/office/officeart/2005/8/colors/accent1_2">
+  <dgm:title val=""/>
+  <dgm:desc val=""/>
+  <dgm:catLst>
+    <dgm:cat type="accent1" pri="11200"/>
+  </dgm:catLst>
+  <dgm:styleLbl name="node0">
+    <dgm:fillClrLst meth="repeat">
+      <a:schemeClr val="accent1"/>
+    </dgm:fillClrLst>
+    <dgm:linClrLst meth="repeat">
+      <a:schemeClr val="lt1"/>
+    </dgm:linClrLst>
+    <dgm:effectClrLst/>
+    <dgm:txLinClrLst/>
+    <dgm:txFillClrLst/>
+    <dgm:txEffectClrLst/>
+  </dgm:styleLbl>
+  <dgm:styleLbl name="alignNode1">
+    <dgm:fillClrLst meth="repeat">
+      <a:schemeClr val="accent1"/>
+    </dgm:fillClrLst>
+    <dgm:linClrLst meth="repeat">
+      <a:schemeClr val="accent1"/>
+    </dgm:linClrLst>
+    <dgm:effectClrLst/>
+    <dgm:txLinClrLst/>
+    <dgm:txFillClrLst/>
+    <dgm:txEffectClrLst/>
+  </dgm:styleLbl>
+  <dgm:styleLbl name="node1">
+    <dgm:fillClrLst meth="repeat">
+      <a:schemeClr val="accent1"/>
+    </dgm:fillClrLst>
+    <dgm:linClrLst meth="repeat">
+      <a:schemeClr val="lt1"/>
+    </dgm:linClrLst>
+    <dgm:effectClrLst/>
+    <dgm:txLinClrLst/>
+    <dgm:txFillClrLst/>
+    <dgm:txEffectClrLst/>
+  </dgm:styleLbl>
+  <dgm:styleLbl name="lnNode1">
+    <dgm:fillClrLst meth="repeat">
+      <a:schemeClr val="accent1"/>
+    </dgm:fillClrLst>
+    <dgm:linClrLst meth="repeat">
+      <a:schemeClr val="lt1"/>
+    </dgm:linClrLst>
+    <dgm:effectClrLst/>
+    <dgm:txLinClrLst/>
+    <dgm:txFillClrLst/>
+    <dgm:txEffectClrLst/>
+  </dgm:styleLbl>
+  <dgm:styleLbl name="vennNode1">
+    <dgm:fillClrLst meth="repeat">
+      <a:schemeClr val="accent1">
+        <a:alpha val="50000"/>
+      </a:schemeClr>
+    </dgm:fillClrLst>
+    <dgm:linClrLst meth="repeat">
+      <a:schemeClr val="lt1"/>
+    </dgm:linClrLst>
+    <dgm:effectClrLst/>
+    <dgm:txLinClrLst/>
+    <dgm:txFillClrLst/>
+    <dgm:txEffectClrLst/>
+  </dgm:styleLbl>
+  <dgm:styleLbl name="node2">
+    <dgm:fillClrLst meth="repeat">
+      <a:schemeClr val="accent1"/>
+    </dgm:fillClrLst>
+    <dgm:linClrLst meth="repeat">
+      <a:schemeClr val="lt1"/>
+    </dgm:linClrLst>
+    <dgm:effectClrLst/>
+    <dgm:txLinClrLst/>
+    <dgm:txFillClrLst/>
+    <dgm:txEffectClrLst/>
+  </dgm:styleLbl>
+  <dgm:styleLbl name="node3">
+    <dgm:fillClrLst meth="repeat">
+      <a:schemeClr val="accent1"/>
+    </dgm:fillClrLst>
+    <dgm:linClrLst meth="repeat">
+      <a:schemeClr val="lt1"/>
+    </dgm:linClrLst>
+    <dgm:effectClrLst/>
+    <dgm:txLinClrLst/>
+    <dgm:txFillClrLst/>
+    <dgm:txEffectClrLst/>
+  </dgm:styleLbl>
+  <dgm:styleLbl name="node4">
+    <dgm:fillClrLst meth="repeat">
+      <a:schemeClr val="accent1"/>
+    </dgm:fillClrLst>
+    <dgm:linClrLst meth="repeat">
+      <a:schemeClr val="lt1"/>
+    </dgm:linClrLst>
+    <dgm:effectClrLst/>
+    <dgm:txLinClrLst/>
+    <dgm:txFillClrLst/>
+    <dgm:txEffectClrLst/>
+  </dgm:styleLbl>
+  <dgm:styleLbl name="fgImgPlace1">
+    <dgm:fillClrLst meth="repeat">
+      <a:schemeClr val="accent1">
+        <a:tint val="50000"/>
+      </a:schemeClr>
+    </dgm:fillClrLst>
+    <dgm:linClrLst meth="repeat">
+      <a:schemeClr val="lt1"/>
+    </dgm:linClrLst>
+    <dgm:effectClrLst/>
+    <dgm:txLinClrLst/>
+    <dgm:txFillClrLst meth="repeat">
+      <a:schemeClr val="lt1"/>
+    </dgm:txFillClrLst>
+    <dgm:txEffectClrLst/>
+  </dgm:styleLbl>
+  <dgm:styleLbl name="alignImgPlace1">
+    <dgm:fillClrLst meth="repeat">
+      <a:schemeClr val="accent1">
+        <a:tint val="50000"/>
+      </a:schemeClr>
+    </dgm:fillClrLst>
+    <dgm:linClrLst meth="repeat">
+      <a:schemeClr val="lt1"/>
+    </dgm:linClrLst>
+    <dgm:effectClrLst/>
+    <dgm:txLinClrLst/>
+    <dgm:txFillClrLst meth="repeat">
+      <a:schemeClr val="lt1"/>
+    </dgm:txFillClrLst>
+    <dgm:txEffectClrLst/>
+  </dgm:styleLbl>
+  <dgm:styleLbl name="bgImgPlace1">
+    <dgm:fillClrLst meth="repeat">
+      <a:schemeClr val="accent1">
+        <a:tint val="50000"/>
+      </a:schemeClr>
+    </dgm:fillClrLst>
+    <dgm:linClrLst meth="repeat">
+      <a:schemeClr val="lt1"/>
+    </dgm:linClrLst>
+    <dgm:effectClrLst/>
+    <dgm:txLinClrLst/>
+    <dgm:txFillClrLst meth="repeat">
+      <a:schemeClr val="lt1"/>
+    </dgm:txFillClrLst>
+    <dgm:txEffectClrLst/>
+  </dgm:styleLbl>
+  <dgm:styleLbl name="sibTrans2D1">
+    <dgm:fillClrLst meth="repeat">
+      <a:schemeClr val="accent1">
+        <a:tint val="60000"/>
+      </a:schemeClr>
+    </dgm:fillClrLst>
+    <dgm:linClrLst meth="repeat">
+      <a:schemeClr val="accent1">
+        <a:tint val="60000"/>
+      </a:schemeClr>
+    </dgm:linClrLst>
+    <dgm:effectClrLst/>
+    <dgm:txLinClrLst/>
+    <dgm:txFillClrLst/>
+    <dgm:txEffectClrLst/>
+  </dgm:styleLbl>
+  <dgm:styleLbl name="fgSibTrans2D1">
+    <dgm:fillClrLst meth="repeat">
+      <a:schemeClr val="accent1">
+        <a:tint val="60000"/>
+      </a:schemeClr>
+    </dgm:fillClrLst>
+    <dgm:linClrLst meth="repeat">
+      <a:schemeClr val="accent1">
+        <a:tint val="60000"/>
+      </a:schemeClr>
+    </dgm:linClrLst>
+    <dgm:effectClrLst/>
+    <dgm:txLinClrLst/>
+    <dgm:txFillClrLst/>
+    <dgm:txEffectClrLst/>
+  </dgm:styleLbl>
+  <dgm:styleLbl name="bgSibTrans2D1">
+    <dgm:fillClrLst meth="repeat">
+      <a:schemeClr val="accent1">
+        <a:tint val="60000"/>
+      </a:schemeClr>
+    </dgm:fillClrLst>
+    <dgm:linClrLst meth="repeat">
+      <a:schemeClr val="accent1">
+        <a:tint val="60000"/>
+      </a:schemeClr>
+    </dgm:linClrLst>
+    <dgm:effectClrLst/>
+    <dgm:txLinClrLst/>
+    <dgm:txFillClrLst/>
+    <dgm:txEffectClrLst/>
+  </dgm:styleLbl>
+  <dgm:styleLbl name="sibTrans1D1">
+    <dgm:fillClrLst meth="repeat">
+      <a:schemeClr val="accent1"/>
+    </dgm:fillClrLst>
+    <dgm:linClrLst meth="repeat">
+      <a:schemeClr val="accent1"/>
+    </dgm:linClrLst>
+    <dgm:effectClrLst/>
+    <dgm:txLinClrLst/>
+    <dgm:txFillClrLst meth="repeat">
+      <a:schemeClr val="tx1"/>
+    </dgm:txFillClrLst>
+    <dgm:txEffectClrLst/>
+  </dgm:styleLbl>
+  <dgm:styleLbl name="callout">
+    <dgm:fillClrLst meth="repeat">
+      <a:schemeClr val="accent1"/>
+    </dgm:fillClrLst>
+    <dgm:linClrLst meth="repeat">
+      <a:schemeClr val="accent1">
+        <a:tint val="50000"/>
+      </a:schemeClr>
+    </dgm:linClrLst>
+    <dgm:effectClrLst/>
+    <dgm:txLinClrLst/>
+    <dgm:txFillClrLst meth="repeat">
+      <a:schemeClr val="tx1"/>
+    </dgm:txFillClrLst>
+    <dgm:txEffectClrLst/>
+  </dgm:styleLbl>
+  <dgm:styleLbl name="asst0">
+    <dgm:fillClrLst meth="repeat">
+      <a:schemeClr val="accent1"/>
+    </dgm:fillClrLst>
+    <dgm:linClrLst meth="repeat">
+      <a:schemeClr val="lt1"/>
+    </dgm:linClrLst>
+    <dgm:effectClrLst/>
+    <dgm:txLinClrLst/>
+    <dgm:txFillClrLst/>
+    <dgm:txEffectClrLst/>
+  </dgm:styleLbl>
+  <dgm:styleLbl name="asst1">
+    <dgm:fillClrLst meth="repeat">
+      <a:schemeClr val="accent1"/>
+    </dgm:fillClrLst>
+    <dgm:linClrLst meth="repeat">
+      <a:schemeClr val="lt1"/>
+    </dgm:linClrLst>
+    <dgm:effectClrLst/>
+    <dgm:txLinClrLst/>
+    <dgm:txFillClrLst/>
+    <dgm:txEffectClrLst/>
+  </dgm:styleLbl>
+  <dgm:styleLbl name="asst2">
+    <dgm:fillClrLst meth="repeat">
+      <a:schemeClr val="accent1"/>
+    </dgm:fillClrLst>
+    <dgm:linClrLst meth="repeat">
+      <a:schemeClr val="lt1"/>
+    </dgm:linClrLst>
+    <dgm:effectClrLst/>
+    <dgm:txLinClrLst/>
+    <dgm:txFillClrLst/>
+    <dgm:txEffectClrLst/>
+  </dgm:styleLbl>
+  <dgm:styleLbl name="asst3">
+    <dgm:fillClrLst meth="repeat">
+      <a:schemeClr val="accent1"/>
+    </dgm:fillClrLst>
+    <dgm:linClrLst meth="repeat">
+      <a:schemeClr val="lt1"/>
+    </dgm:linClrLst>
+    <dgm:effectClrLst/>
+    <dgm:txLinClrLst/>
+    <dgm:txFillClrLst/>
+    <dgm:txEffectClrLst/>
+  </dgm:styleLbl>
+  <dgm:styleLbl name="asst4">
+    <dgm:fillClrLst meth="repeat">
+      <a:schemeClr val="accent1"/>
+    </dgm:fillClrLst>
+    <dgm:linClrLst meth="repeat">
+      <a:schemeClr val="lt1"/>
+    </dgm:linClrLst>
+    <dgm:effectClrLst/>
+    <dgm:txLinClrLst/>
+    <dgm:txFillClrLst/>
+    <dgm:txEffectClrLst/>
+  </dgm:styleLbl>
+  <dgm:styleLbl name="parChTrans2D1">
+    <dgm:fillClrLst meth="repeat">
+      <a:schemeClr val="accent1">
+        <a:tint val="60000"/>
+      </a:schemeClr>
+    </dgm:fillClrLst>
+    <dgm:linClrLst meth="repeat">
+      <a:schemeClr val="accent1">
+        <a:tint val="60000"/>
+      </a:schemeClr>
+    </dgm:linClrLst>
+    <dgm:effectClrLst/>
+    <dgm:txLinClrLst/>
+    <dgm:txFillClrLst meth="repeat">
+      <a:schemeClr val="lt1"/>
+    </dgm:txFillClrLst>
+    <dgm:txEffectClrLst/>
+  </dgm:styleLbl>
+  <dgm:styleLbl name="parChTrans2D2">
+    <dgm:fillClrLst meth="repeat">
+      <a:schemeClr val="accent1"/>
+    </dgm:fillClrLst>
+    <dgm:linClrLst meth="repeat">
+      <a:schemeClr val="accent1"/>
+    </dgm:linClrLst>
+    <dgm:effectClrLst/>
+    <dgm:txLinClrLst/>
+    <dgm:txFillClrLst meth="repeat">
+      <a:schemeClr val="lt1"/>
+    </dgm:txFillClrLst>
+    <dgm:txEffectClrLst/>
+  </dgm:styleLbl>
+  <dgm:styleLbl name="parChTrans2D3">
+    <dgm:fillClrLst meth="repeat">
+      <a:schemeClr val="accent1"/>
+    </dgm:fillClrLst>
+    <dgm:linClrLst meth="repeat">
+      <a:schemeClr val="accent1"/>
+    </dgm:linClrLst>
+    <dgm:effectClrLst/>
+    <dgm:txLinClrLst/>
+    <dgm:txFillClrLst meth="repeat">
+      <a:schemeClr val="lt1"/>
+    </dgm:txFillClrLst>
+    <dgm:txEffectClrLst/>
+  </dgm:styleLbl>
+  <dgm:styleLbl name="parChTrans2D4">
+    <dgm:fillClrLst meth="repeat">
+      <a:schemeClr val="accent1"/>
+    </dgm:fillClrLst>
+    <dgm:linClrLst meth="repeat">
+      <a:schemeClr val="accent1"/>
+    </dgm:linClrLst>
+    <dgm:effectClrLst/>
+    <dgm:txLinClrLst/>
+    <dgm:txFillClrLst meth="repeat">
+      <a:schemeClr val="lt1"/>
+    </dgm:txFillClrLst>
+    <dgm:txEffectClrLst/>
+  </dgm:styleLbl>
+  <dgm:styleLbl name="parChTrans1D1">
+    <dgm:fillClrLst meth="repeat">
+      <a:schemeClr val="accent1"/>
+    </dgm:fillClrLst>
+    <dgm:linClrLst meth="repeat">
+      <a:schemeClr val="accent1">
+        <a:shade val="60000"/>
+      </a:schemeClr>
+    </dgm:linClrLst>
+    <dgm:effectClrLst/>
+    <dgm:txLinClrLst/>
+    <dgm:txFillClrLst meth="repeat">
+      <a:schemeClr val="tx1"/>
+    </dgm:txFillClrLst>
+    <dgm:txEffectClrLst/>
+  </dgm:styleLbl>
+  <dgm:styleLbl name="parChTrans1D2">
+    <dgm:fillClrLst meth="repeat">
+      <a:schemeClr val="accent1"/>
+    </dgm:fillClrLst>
+    <dgm:linClrLst meth="repeat">
+      <a:schemeClr val="accent1">
+        <a:shade val="60000"/>
+      </a:schemeClr>
+    </dgm:linClrLst>
+    <dgm:effectClrLst/>
+    <dgm:txLinClrLst/>
+    <dgm:txFillClrLst meth="repeat">
+      <a:schemeClr val="tx1"/>
+    </dgm:txFillClrLst>
+    <dgm:txEffectClrLst/>
+  </dgm:styleLbl>
+  <dgm:styleLbl name="parChTrans1D3">
+    <dgm:fillClrLst meth="repeat">
+      <a:schemeClr val="accent1"/>
+    </dgm:fillClrLst>
+    <dgm:linClrLst meth="repeat">
+      <a:schemeClr val="accent1">
+        <a:shade val="80000"/>
+      </a:schemeClr>
+    </dgm:linClrLst>
+    <dgm:effectClrLst/>
+    <dgm:txLinClrLst/>
+    <dgm:txFillClrLst meth="repeat">
+      <a:schemeClr val="tx1"/>
+    </dgm:txFillClrLst>
+    <dgm:txEffectClrLst/>
+  </dgm:styleLbl>
+  <dgm:styleLbl name="parChTrans1D4">
+    <dgm:fillClrLst meth="repeat">
+      <a:schemeClr val="accent1"/>
+    </dgm:fillClrLst>
+    <dgm:linClrLst meth="repeat">
+      <a:schemeClr val="accent1">
+        <a:shade val="80000"/>
+      </a:schemeClr>
+    </dgm:linClrLst>
+    <dgm:effectClrLst/>
+    <dgm:txLinClrLst/>
+    <dgm:txFillClrLst meth="repeat">
+      <a:schemeClr val="tx1"/>
+    </dgm:txFillClrLst>
+    <dgm:txEffectClrLst/>
+  </dgm:styleLbl>
+  <dgm:styleLbl name="fgAcc1">
+    <dgm:fillClrLst meth="repeat">
+      <a:schemeClr val="lt1">
+        <a:alpha val="90000"/>
+      </a:schemeClr>
+    </dgm:fillClrLst>
+    <dgm:linClrLst meth="repeat">
+      <a:schemeClr val="accent1"/>
+    </dgm:linClrLst>
+    <dgm:effectClrLst/>
+    <dgm:txLinClrLst/>
+    <dgm:txFillClrLst meth="repeat">
+      <a:schemeClr val="dk1"/>
+    </dgm:txFillClrLst>
+    <dgm:txEffectClrLst/>
+  </dgm:styleLbl>
+  <dgm:styleLbl name="conFgAcc1">
+    <dgm:fillClrLst meth="repeat">
+      <a:schemeClr val="lt1">
+        <a:alpha val="90000"/>
+      </a:schemeClr>
+    </dgm:fillClrLst>
+    <dgm:linClrLst meth="repeat">
+      <a:schemeClr val="accent1"/>
+    </dgm:linClrLst>
+    <dgm:effectClrLst/>
+    <dgm:txLinClrLst/>
+    <dgm:txFillClrLst meth="repeat">
+      <a:schemeClr val="dk1"/>
+    </dgm:txFillClrLst>
+    <dgm:txEffectClrLst/>
+  </dgm:styleLbl>
+  <dgm:styleLbl name="alignAcc1">
+    <dgm:fillClrLst meth="repeat">
+      <a:schemeClr val="lt1">
+        <a:alpha val="90000"/>
+      </a:schemeClr>
+    </dgm:fillClrLst>
+    <dgm:linClrLst meth="repeat">
+      <a:schemeClr val="accent1"/>
+    </dgm:linClrLst>
+    <dgm:effectClrLst/>
+    <dgm:txLinClrLst/>
+    <dgm:txFillClrLst meth="repeat">
+      <a:schemeClr val="dk1"/>
+    </dgm:txFillClrLst>
+    <dgm:txEffectClrLst/>
+  </dgm:styleLbl>
+  <dgm:styleLbl name="trAlignAcc1">
+    <dgm:fillClrLst meth="repeat">
+      <a:schemeClr val="lt1">
+        <a:alpha val="40000"/>
+      </a:schemeClr>
+    </dgm:fillClrLst>
+    <dgm:linClrLst meth="repeat">
+      <a:schemeClr val="accent1"/>
+    </dgm:linClrLst>
+    <dgm:effectClrLst/>
+    <dgm:txLinClrLst/>
+    <dgm:txFillClrLst meth="repeat">
+      <a:schemeClr val="dk1"/>
+    </dgm:txFillClrLst>
+    <dgm:txEffectClrLst/>
+  </dgm:styleLbl>
+  <dgm:styleLbl name="bgAcc1">
+    <dgm:fillClrLst meth="repeat">
+      <a:schemeClr val="lt1">
+        <a:alpha val="90000"/>
+      </a:schemeClr>
+    </dgm:fillClrLst>
+    <dgm:linClrLst meth="repeat">
+      <a:schemeClr val="accent1"/>
+    </dgm:linClrLst>
+    <dgm:effectClrLst/>
+    <dgm:txLinClrLst/>
+    <dgm:txFillClrLst meth="repeat">
+      <a:schemeClr val="dk1"/>
+    </dgm:txFillClrLst>
+    <dgm:txEffectClrLst/>
+  </dgm:styleLbl>
+  <dgm:styleLbl name="solidFgAcc1">
+    <dgm:fillClrLst meth="repeat">
+      <a:schemeClr val="lt1"/>
+    </dgm:fillClrLst>
+    <dgm:linClrLst meth="repeat">
+      <a:schemeClr val="accent1"/>
+    </dgm:linClrLst>
+    <dgm:effectClrLst/>
+    <dgm:txLinClrLst/>
+    <dgm:txFillClrLst meth="repeat">
+      <a:schemeClr val="dk1"/>
+    </dgm:txFillClrLst>
+    <dgm:txEffectClrLst/>
+  </dgm:styleLbl>
+  <dgm:styleLbl name="solidAlignAcc1">
+    <dgm:fillClrLst meth="repeat">
+      <a:schemeClr val="lt1"/>
+    </dgm:fillClrLst>
+    <dgm:linClrLst meth="repeat">
+      <a:schemeClr val="accent1"/>
+    </dgm:linClrLst>
+    <dgm:effectClrLst/>
+    <dgm:txLinClrLst/>
+    <dgm:txFillClrLst meth="repeat">
+      <a:schemeClr val="dk1"/>
+    </dgm:txFillClrLst>
+    <dgm:txEffectClrLst/>
+  </dgm:styleLbl>
+  <dgm:styleLbl name="solidBgAcc1">
+    <dgm:fillClrLst meth="repeat">
+      <a:schemeClr val="lt1"/>
+    </dgm:fillClrLst>
+    <dgm:linClrLst meth="repeat">
+      <a:schemeClr val="accent1"/>
+    </dgm:linClrLst>
+    <dgm:effectClrLst/>
+    <dgm:txLinClrLst/>
+    <dgm:txFillClrLst meth="repeat">
+      <a:schemeClr val="dk1"/>
+    </dgm:txFillClrLst>
+    <dgm:txEffectClrLst/>
+  </dgm:styleLbl>
+  <dgm:styleLbl name="fgAccFollowNode1">
+    <dgm:fillClrLst meth="repeat">
+      <a:schemeClr val="accent1">
+        <a:alpha val="90000"/>
+        <a:tint val="40000"/>
+      </a:schemeClr>
+    </dgm:fillClrLst>
+    <dgm:linClrLst meth="repeat">
+      <a:schemeClr val="accent1">
+        <a:alpha val="90000"/>
+        <a:tint val="40000"/>
+      </a:schemeClr>
+    </dgm:linClrLst>
+    <dgm:effectClrLst/>
+    <dgm:txLinClrLst/>
+    <dgm:txFillClrLst meth="repeat">
+      <a:schemeClr val="dk1"/>
+    </dgm:txFillClrLst>
+    <dgm:txEffectClrLst/>
+  </dgm:styleLbl>
+  <dgm:styleLbl name="alignAccFollowNode1">
+    <dgm:fillClrLst meth="repeat">
+      <a:schemeClr val="accent1">
+        <a:alpha val="90000"/>
+        <a:tint val="40000"/>
+      </a:schemeClr>
+    </dgm:fillClrLst>
+    <dgm:linClrLst meth="repeat">
+      <a:schemeClr val="accent1">
+        <a:alpha val="90000"/>
+        <a:tint val="40000"/>
+      </a:schemeClr>
+    </dgm:linClrLst>
+    <dgm:effectClrLst/>
+    <dgm:txLinClrLst/>
+    <dgm:txFillClrLst meth="repeat">
+      <a:schemeClr val="dk1"/>
+    </dgm:txFillClrLst>
+    <dgm:txEffectClrLst/>
+  </dgm:styleLbl>
+  <dgm:styleLbl name="bgAccFollowNode1">
+    <dgm:fillClrLst meth="repeat">
+      <a:schemeClr val="accent1">
+        <a:alpha val="90000"/>
+        <a:tint val="40000"/>
+      </a:schemeClr>
+    </dgm:fillClrLst>
+    <dgm:linClrLst meth="repeat">
+      <a:schemeClr val="accent1">
+        <a:alpha val="90000"/>
+        <a:tint val="40000"/>
+      </a:schemeClr>
+    </dgm:linClrLst>
+    <dgm:effectClrLst/>
+    <dgm:txLinClrLst/>
+    <dgm:txFillClrLst meth="repeat">
+      <a:schemeClr val="dk1"/>
+    </dgm:txFillClrLst>
+    <dgm:txEffectClrLst/>
+  </dgm:styleLbl>
+  <dgm:styleLbl name="fgAcc0">
+    <dgm:fillClrLst meth="repeat">
+      <a:schemeClr val="lt1">
+        <a:alpha val="90000"/>
+      </a:schemeClr>
+    </dgm:fillClrLst>
+    <dgm:linClrLst meth="repeat">
+      <a:schemeClr val="accent1"/>
+    </dgm:linClrLst>
+    <dgm:effectClrLst/>
+    <dgm:txLinClrLst/>
+    <dgm:txFillClrLst meth="repeat">
+      <a:schemeClr val="dk1"/>
+    </dgm:txFillClrLst>
+    <dgm:txEffectClrLst/>
+  </dgm:styleLbl>
+  <dgm:styleLbl name="fgAcc2">
+    <dgm:fillClrLst meth="repeat">
+      <a:schemeClr val="lt1">
+        <a:alpha val="90000"/>
+      </a:schemeClr>
+    </dgm:fillClrLst>
+    <dgm:linClrLst meth="repeat">
+      <a:schemeClr val="accent1"/>
+    </dgm:linClrLst>
+    <dgm:effectClrLst/>
+    <dgm:txLinClrLst/>
+    <dgm:txFillClrLst meth="repeat">
+      <a:schemeClr val="dk1"/>
+    </dgm:txFillClrLst>
+    <dgm:txEffectClrLst/>
+  </dgm:styleLbl>
+  <dgm:styleLbl name="fgAcc3">
+    <dgm:fillClrLst meth="repeat">
+      <a:schemeClr val="lt1">
+        <a:alpha val="90000"/>
+      </a:schemeClr>
+    </dgm:fillClrLst>
+    <dgm:linClrLst meth="repeat">
+      <a:schemeClr val="accent1"/>
+    </dgm:linClrLst>
+    <dgm:effectClrLst/>
+    <dgm:txLinClrLst/>
+    <dgm:txFillClrLst meth="repeat">
+      <a:schemeClr val="dk1"/>
+    </dgm:txFillClrLst>
+    <dgm:txEffectClrLst/>
+  </dgm:styleLbl>
+  <dgm:styleLbl name="fgAcc4">
+    <dgm:fillClrLst meth="repeat">
+      <a:schemeClr val="lt1">
+        <a:alpha val="90000"/>
+      </a:schemeClr>
+    </dgm:fillClrLst>
+    <dgm:linClrLst meth="repeat">
+      <a:schemeClr val="accent1"/>
+    </dgm:linClrLst>
+    <dgm:effectClrLst/>
+    <dgm:txLinClrLst/>
+    <dgm:txFillClrLst meth="repeat">
+      <a:schemeClr val="dk1"/>
+    </dgm:txFillClrLst>
+    <dgm:txEffectClrLst/>
+  </dgm:styleLbl>
+  <dgm:styleLbl name="bgShp">
+    <dgm:fillClrLst meth="repeat">
+      <a:schemeClr val="accent1">
+        <a:tint val="40000"/>
+      </a:schemeClr>
+    </dgm:fillClrLst>
+    <dgm:linClrLst meth="repeat">
+      <a:schemeClr val="accent1"/>
+    </dgm:linClrLst>
+    <dgm:effectClrLst/>
+    <dgm:txLinClrLst/>
+    <dgm:txFillClrLst meth="repeat">
+      <a:schemeClr val="dk1"/>
+    </dgm:txFillClrLst>
+    <dgm:txEffectClrLst/>
+  </dgm:styleLbl>
+  <dgm:styleLbl name="dkBgShp">
+    <dgm:fillClrLst meth="repeat">
+      <a:schemeClr val="accent1">
+        <a:shade val="80000"/>
+      </a:schemeClr>
+    </dgm:fillClrLst>
+    <dgm:linClrLst meth="repeat">
+      <a:schemeClr val="accent1"/>
+    </dgm:linClrLst>
+    <dgm:effectClrLst/>
+    <dgm:txLinClrLst/>
+    <dgm:txFillClrLst meth="repeat">
+      <a:schemeClr val="lt1"/>
+    </dgm:txFillClrLst>
+    <dgm:txEffectClrLst/>
+  </dgm:styleLbl>
+  <dgm:styleLbl name="trBgShp">
+    <dgm:fillClrLst meth="repeat">
+      <a:schemeClr val="accent1">
+        <a:tint val="50000"/>
+        <a:alpha val="40000"/>
+      </a:schemeClr>
+    </dgm:fillClrLst>
+    <dgm:linClrLst meth="repeat">
+      <a:schemeClr val="accent1"/>
+    </dgm:linClrLst>
+    <dgm:effectClrLst/>
+    <dgm:txLinClrLst/>
+    <dgm:txFillClrLst meth="repeat">
+      <a:schemeClr val="lt1"/>
+    </dgm:txFillClrLst>
+    <dgm:txEffectClrLst/>
+  </dgm:styleLbl>
+  <dgm:styleLbl name="fgShp">
+    <dgm:fillClrLst meth="repeat">
+      <a:schemeClr val="accent1">
+        <a:tint val="60000"/>
+      </a:schemeClr>
+    </dgm:fillClrLst>
+    <dgm:linClrLst meth="repeat">
+      <a:schemeClr val="lt1"/>
+    </dgm:linClrLst>
+    <dgm:effectClrLst/>
+    <dgm:txLinClrLst/>
+    <dgm:txFillClrLst meth="repeat">
+      <a:schemeClr val="dk1"/>
+    </dgm:txFillClrLst>
+    <dgm:txEffectClrLst/>
+  </dgm:styleLbl>
+  <dgm:styleLbl name="revTx">
+    <dgm:fillClrLst meth="repeat">
+      <a:schemeClr val="lt1">
+        <a:alpha val="0"/>
+      </a:schemeClr>
+    </dgm:fillClrLst>
+    <dgm:linClrLst meth="repeat">
+      <a:schemeClr val="dk1">
+        <a:alpha val="0"/>
+      </a:schemeClr>
+    </dgm:linClrLst>
+    <dgm:effectClrLst/>
+    <dgm:txLinClrLst/>
+    <dgm:txFillClrLst meth="repeat">
+      <a:schemeClr val="tx1"/>
+    </dgm:txFillClrLst>
+    <dgm:txEffectClrLst/>
+  </dgm:styleLbl>
+</dgm:colorsDef>
+</file>
+
+<file path=ppt/diagrams/colors2.xml><?xml version="1.0" encoding="utf-8"?>
 <dgm:colorsDef xmlns:dgm="http://schemas.openxmlformats.org/drawingml/2006/diagram" xmlns:a="http://schemas.openxmlformats.org/drawingml/2006/main" uniqueId="urn:microsoft.com/office/officeart/2005/8/colors/colorful2">
   <dgm:title val=""/>
   <dgm:desc val=""/>
@@ -906,6 +1654,273 @@
 </file>
 
 <file path=ppt/diagrams/data1.xml><?xml version="1.0" encoding="utf-8"?>
+<dgm:dataModel xmlns:dgm="http://schemas.openxmlformats.org/drawingml/2006/diagram" xmlns:a="http://schemas.openxmlformats.org/drawingml/2006/main">
+  <dgm:ptLst>
+    <dgm:pt modelId="{F8D52343-BBFE-4A18-BD93-AE92BCC8A9C3}" type="doc">
+      <dgm:prSet loTypeId="urn:microsoft.com/office/officeart/2008/layout/LinedList" loCatId="list" qsTypeId="urn:microsoft.com/office/officeart/2005/8/quickstyle/simple1" qsCatId="simple" csTypeId="urn:microsoft.com/office/officeart/2005/8/colors/accent1_2" csCatId="accent1" phldr="1"/>
+      <dgm:spPr/>
+      <dgm:t>
+        <a:bodyPr/>
+        <a:lstStyle/>
+        <a:p>
+          <a:pPr latinLnBrk="1"/>
+          <a:endParaRPr lang="ko-KR" altLang="en-US"/>
+        </a:p>
+      </dgm:t>
+    </dgm:pt>
+    <dgm:pt modelId="{6E5A7318-7FF6-4149-BEFB-948AB6E64D2C}">
+      <dgm:prSet custT="1"/>
+      <dgm:spPr/>
+      <dgm:t>
+        <a:bodyPr/>
+        <a:lstStyle/>
+        <a:p>
+          <a:pPr latinLnBrk="1"/>
+          <a:r>
+            <a:rPr lang="ko-KR" altLang="en-US" sz="2000"/>
+            <a:t>수많은 연기자를 구성할수 있으며</a:t>
+          </a:r>
+          <a:r>
+            <a:rPr lang="en-US" altLang="ko-KR" sz="2000"/>
+            <a:t>,</a:t>
+          </a:r>
+          <a:r>
+            <a:rPr lang="ko-KR" altLang="en-US" sz="2000"/>
+            <a:t>저비용으로 수많은 액스트라를 투입할수도 있다</a:t>
+          </a:r>
+          <a:r>
+            <a:rPr lang="en-US" altLang="ko-KR" sz="2000"/>
+            <a:t>.</a:t>
+          </a:r>
+          <a:endParaRPr lang="en-US" altLang="ko-KR" sz="2000" dirty="0"/>
+        </a:p>
+      </dgm:t>
+    </dgm:pt>
+    <dgm:pt modelId="{08C65735-34D5-4B2A-86A0-0CCCD4C4E610}" type="parTrans" cxnId="{A76A48DD-0C90-413B-A2F4-876C1A51A570}">
+      <dgm:prSet/>
+      <dgm:spPr/>
+      <dgm:t>
+        <a:bodyPr/>
+        <a:lstStyle/>
+        <a:p>
+          <a:pPr latinLnBrk="1"/>
+          <a:endParaRPr lang="ko-KR" altLang="en-US"/>
+        </a:p>
+      </dgm:t>
+    </dgm:pt>
+    <dgm:pt modelId="{72ABADEF-F95F-4CEC-B9F7-582CD3350518}" type="sibTrans" cxnId="{A76A48DD-0C90-413B-A2F4-876C1A51A570}">
+      <dgm:prSet/>
+      <dgm:spPr/>
+      <dgm:t>
+        <a:bodyPr/>
+        <a:lstStyle/>
+        <a:p>
+          <a:pPr latinLnBrk="1"/>
+          <a:endParaRPr lang="ko-KR" altLang="en-US"/>
+        </a:p>
+      </dgm:t>
+    </dgm:pt>
+    <dgm:pt modelId="{760B00A7-53CD-4D9B-AE53-7956D01A3C72}">
+      <dgm:prSet custT="1"/>
+      <dgm:spPr/>
+      <dgm:t>
+        <a:bodyPr/>
+        <a:lstStyle/>
+        <a:p>
+          <a:pPr latinLnBrk="1"/>
+          <a:r>
+            <a:rPr lang="ko-KR" altLang="en-US" sz="2000"/>
+            <a:t>배우에게 큐 신호를 보내면</a:t>
+          </a:r>
+          <a:r>
+            <a:rPr lang="en-US" altLang="ko-KR" sz="2000"/>
+            <a:t>,</a:t>
+          </a:r>
+          <a:r>
+            <a:rPr lang="ko-KR" altLang="en-US" sz="2000"/>
+            <a:t>연기를 시작한다</a:t>
+          </a:r>
+          <a:r>
+            <a:rPr lang="en-US" altLang="ko-KR" sz="2000"/>
+            <a:t>.</a:t>
+          </a:r>
+          <a:endParaRPr lang="ko-KR" sz="2000" dirty="0"/>
+        </a:p>
+      </dgm:t>
+    </dgm:pt>
+    <dgm:pt modelId="{7B7801E4-D53B-4B31-B8B7-2201362535D2}" type="parTrans" cxnId="{770EE0A7-49CA-4EEF-A7FF-647AB540A5D1}">
+      <dgm:prSet/>
+      <dgm:spPr/>
+      <dgm:t>
+        <a:bodyPr/>
+        <a:lstStyle/>
+        <a:p>
+          <a:pPr latinLnBrk="1"/>
+          <a:endParaRPr lang="ko-KR" altLang="en-US"/>
+        </a:p>
+      </dgm:t>
+    </dgm:pt>
+    <dgm:pt modelId="{CAE1101A-F74C-45EF-B8F3-896C8BFC7631}" type="sibTrans" cxnId="{770EE0A7-49CA-4EEF-A7FF-647AB540A5D1}">
+      <dgm:prSet/>
+      <dgm:spPr/>
+      <dgm:t>
+        <a:bodyPr/>
+        <a:lstStyle/>
+        <a:p>
+          <a:pPr latinLnBrk="1"/>
+          <a:endParaRPr lang="ko-KR" altLang="en-US"/>
+        </a:p>
+      </dgm:t>
+    </dgm:pt>
+    <dgm:pt modelId="{DE9323B9-9DD3-4C84-B5D3-0D7D79E4A728}">
+      <dgm:prSet custT="1"/>
+      <dgm:spPr/>
+      <dgm:t>
+        <a:bodyPr/>
+        <a:lstStyle/>
+        <a:p>
+          <a:pPr latinLnBrk="1"/>
+          <a:r>
+            <a:rPr lang="ko-KR" altLang="en-US" sz="2000"/>
+            <a:t>무대는 여러 개 구성 가능하며</a:t>
+          </a:r>
+          <a:br>
+            <a:rPr lang="en-US" altLang="ko-KR" sz="2000"/>
+          </a:br>
+          <a:r>
+            <a:rPr lang="ko-KR" altLang="en-US" sz="2000"/>
+            <a:t>다른 무대에 속한 배우와</a:t>
+          </a:r>
+          <a:br>
+            <a:rPr lang="en-US" altLang="ko-KR" sz="2000"/>
+          </a:br>
+          <a:r>
+            <a:rPr lang="ko-KR" altLang="en-US" sz="2000"/>
+            <a:t>직접 대화가 가능하다</a:t>
+          </a:r>
+          <a:r>
+            <a:rPr lang="en-US" altLang="ko-KR" sz="2000"/>
+            <a:t>.</a:t>
+          </a:r>
+          <a:endParaRPr lang="ko-KR" sz="2000" dirty="0"/>
+        </a:p>
+      </dgm:t>
+    </dgm:pt>
+    <dgm:pt modelId="{A0838196-995A-4539-9D37-00CB19335F2A}" type="parTrans" cxnId="{B580EB9B-A95F-4CA6-BC48-ACAC4E873B03}">
+      <dgm:prSet/>
+      <dgm:spPr/>
+      <dgm:t>
+        <a:bodyPr/>
+        <a:lstStyle/>
+        <a:p>
+          <a:pPr latinLnBrk="1"/>
+          <a:endParaRPr lang="ko-KR" altLang="en-US"/>
+        </a:p>
+      </dgm:t>
+    </dgm:pt>
+    <dgm:pt modelId="{1BBE153A-CBBD-4C55-932D-B082B08C3069}" type="sibTrans" cxnId="{B580EB9B-A95F-4CA6-BC48-ACAC4E873B03}">
+      <dgm:prSet/>
+      <dgm:spPr/>
+      <dgm:t>
+        <a:bodyPr/>
+        <a:lstStyle/>
+        <a:p>
+          <a:pPr latinLnBrk="1"/>
+          <a:endParaRPr lang="ko-KR" altLang="en-US"/>
+        </a:p>
+      </dgm:t>
+    </dgm:pt>
+    <dgm:pt modelId="{6B29909C-2B28-4C65-ADFA-2A8090AAFF09}" type="pres">
+      <dgm:prSet presAssocID="{F8D52343-BBFE-4A18-BD93-AE92BCC8A9C3}" presName="vert0" presStyleCnt="0">
+        <dgm:presLayoutVars>
+          <dgm:dir/>
+          <dgm:animOne val="branch"/>
+          <dgm:animLvl val="lvl"/>
+        </dgm:presLayoutVars>
+      </dgm:prSet>
+      <dgm:spPr/>
+    </dgm:pt>
+    <dgm:pt modelId="{21C2088A-853B-4EE6-A72F-8BE9EE4B7F82}" type="pres">
+      <dgm:prSet presAssocID="{6E5A7318-7FF6-4149-BEFB-948AB6E64D2C}" presName="thickLine" presStyleLbl="alignNode1" presStyleIdx="0" presStyleCnt="3"/>
+      <dgm:spPr/>
+    </dgm:pt>
+    <dgm:pt modelId="{EC1FB5B4-0A6A-4E3D-BC9F-0EAD0B1EDA8D}" type="pres">
+      <dgm:prSet presAssocID="{6E5A7318-7FF6-4149-BEFB-948AB6E64D2C}" presName="horz1" presStyleCnt="0"/>
+      <dgm:spPr/>
+    </dgm:pt>
+    <dgm:pt modelId="{AC0F7D0C-0177-4018-AB17-B46FBBD48B2E}" type="pres">
+      <dgm:prSet presAssocID="{6E5A7318-7FF6-4149-BEFB-948AB6E64D2C}" presName="tx1" presStyleLbl="revTx" presStyleIdx="0" presStyleCnt="3"/>
+      <dgm:spPr/>
+    </dgm:pt>
+    <dgm:pt modelId="{B9503647-CB33-44F8-B726-C1445E39A711}" type="pres">
+      <dgm:prSet presAssocID="{6E5A7318-7FF6-4149-BEFB-948AB6E64D2C}" presName="vert1" presStyleCnt="0"/>
+      <dgm:spPr/>
+    </dgm:pt>
+    <dgm:pt modelId="{42FB13B7-60FF-4DE9-AE01-5BBB2528CF15}" type="pres">
+      <dgm:prSet presAssocID="{760B00A7-53CD-4D9B-AE53-7956D01A3C72}" presName="thickLine" presStyleLbl="alignNode1" presStyleIdx="1" presStyleCnt="3"/>
+      <dgm:spPr/>
+    </dgm:pt>
+    <dgm:pt modelId="{108B2747-0997-4F32-AE27-1A92837B754F}" type="pres">
+      <dgm:prSet presAssocID="{760B00A7-53CD-4D9B-AE53-7956D01A3C72}" presName="horz1" presStyleCnt="0"/>
+      <dgm:spPr/>
+    </dgm:pt>
+    <dgm:pt modelId="{67059011-3A2F-429B-A752-A187B0BC66F3}" type="pres">
+      <dgm:prSet presAssocID="{760B00A7-53CD-4D9B-AE53-7956D01A3C72}" presName="tx1" presStyleLbl="revTx" presStyleIdx="1" presStyleCnt="3"/>
+      <dgm:spPr/>
+    </dgm:pt>
+    <dgm:pt modelId="{2471991C-20A6-4826-8DEC-E162AA18E3D5}" type="pres">
+      <dgm:prSet presAssocID="{760B00A7-53CD-4D9B-AE53-7956D01A3C72}" presName="vert1" presStyleCnt="0"/>
+      <dgm:spPr/>
+    </dgm:pt>
+    <dgm:pt modelId="{325959E3-B980-49D2-BDB0-614A11A622DE}" type="pres">
+      <dgm:prSet presAssocID="{DE9323B9-9DD3-4C84-B5D3-0D7D79E4A728}" presName="thickLine" presStyleLbl="alignNode1" presStyleIdx="2" presStyleCnt="3"/>
+      <dgm:spPr/>
+    </dgm:pt>
+    <dgm:pt modelId="{A6284FA1-AEB7-43E0-9CC5-5B17E9F9FFA0}" type="pres">
+      <dgm:prSet presAssocID="{DE9323B9-9DD3-4C84-B5D3-0D7D79E4A728}" presName="horz1" presStyleCnt="0"/>
+      <dgm:spPr/>
+    </dgm:pt>
+    <dgm:pt modelId="{C64EDE42-C6AE-4468-A2DC-73CEA845DA55}" type="pres">
+      <dgm:prSet presAssocID="{DE9323B9-9DD3-4C84-B5D3-0D7D79E4A728}" presName="tx1" presStyleLbl="revTx" presStyleIdx="2" presStyleCnt="3"/>
+      <dgm:spPr/>
+    </dgm:pt>
+    <dgm:pt modelId="{77621BD2-CF0D-4C2F-AA7C-1FEDE7B2A2E8}" type="pres">
+      <dgm:prSet presAssocID="{DE9323B9-9DD3-4C84-B5D3-0D7D79E4A728}" presName="vert1" presStyleCnt="0"/>
+      <dgm:spPr/>
+    </dgm:pt>
+  </dgm:ptLst>
+  <dgm:cxnLst>
+    <dgm:cxn modelId="{27269F48-0DF4-4BA9-896E-852E3B2BBD01}" type="presOf" srcId="{760B00A7-53CD-4D9B-AE53-7956D01A3C72}" destId="{67059011-3A2F-429B-A752-A187B0BC66F3}" srcOrd="0" destOrd="0" presId="urn:microsoft.com/office/officeart/2008/layout/LinedList"/>
+    <dgm:cxn modelId="{0260D751-4508-447F-9D03-CC45FF696CA2}" type="presOf" srcId="{F8D52343-BBFE-4A18-BD93-AE92BCC8A9C3}" destId="{6B29909C-2B28-4C65-ADFA-2A8090AAFF09}" srcOrd="0" destOrd="0" presId="urn:microsoft.com/office/officeart/2008/layout/LinedList"/>
+    <dgm:cxn modelId="{B580EB9B-A95F-4CA6-BC48-ACAC4E873B03}" srcId="{F8D52343-BBFE-4A18-BD93-AE92BCC8A9C3}" destId="{DE9323B9-9DD3-4C84-B5D3-0D7D79E4A728}" srcOrd="2" destOrd="0" parTransId="{A0838196-995A-4539-9D37-00CB19335F2A}" sibTransId="{1BBE153A-CBBD-4C55-932D-B082B08C3069}"/>
+    <dgm:cxn modelId="{770EE0A7-49CA-4EEF-A7FF-647AB540A5D1}" srcId="{F8D52343-BBFE-4A18-BD93-AE92BCC8A9C3}" destId="{760B00A7-53CD-4D9B-AE53-7956D01A3C72}" srcOrd="1" destOrd="0" parTransId="{7B7801E4-D53B-4B31-B8B7-2201362535D2}" sibTransId="{CAE1101A-F74C-45EF-B8F3-896C8BFC7631}"/>
+    <dgm:cxn modelId="{7D2CC3B6-3A08-4070-B417-B215148B018B}" type="presOf" srcId="{DE9323B9-9DD3-4C84-B5D3-0D7D79E4A728}" destId="{C64EDE42-C6AE-4468-A2DC-73CEA845DA55}" srcOrd="0" destOrd="0" presId="urn:microsoft.com/office/officeart/2008/layout/LinedList"/>
+    <dgm:cxn modelId="{356D76C6-1822-4B1C-94A8-5C686796B978}" type="presOf" srcId="{6E5A7318-7FF6-4149-BEFB-948AB6E64D2C}" destId="{AC0F7D0C-0177-4018-AB17-B46FBBD48B2E}" srcOrd="0" destOrd="0" presId="urn:microsoft.com/office/officeart/2008/layout/LinedList"/>
+    <dgm:cxn modelId="{A76A48DD-0C90-413B-A2F4-876C1A51A570}" srcId="{F8D52343-BBFE-4A18-BD93-AE92BCC8A9C3}" destId="{6E5A7318-7FF6-4149-BEFB-948AB6E64D2C}" srcOrd="0" destOrd="0" parTransId="{08C65735-34D5-4B2A-86A0-0CCCD4C4E610}" sibTransId="{72ABADEF-F95F-4CEC-B9F7-582CD3350518}"/>
+    <dgm:cxn modelId="{84CC3C76-6A11-4408-AB72-6A822C7F1D32}" type="presParOf" srcId="{6B29909C-2B28-4C65-ADFA-2A8090AAFF09}" destId="{21C2088A-853B-4EE6-A72F-8BE9EE4B7F82}" srcOrd="0" destOrd="0" presId="urn:microsoft.com/office/officeart/2008/layout/LinedList"/>
+    <dgm:cxn modelId="{5414DA88-1E7C-4169-B511-6E24941DFC33}" type="presParOf" srcId="{6B29909C-2B28-4C65-ADFA-2A8090AAFF09}" destId="{EC1FB5B4-0A6A-4E3D-BC9F-0EAD0B1EDA8D}" srcOrd="1" destOrd="0" presId="urn:microsoft.com/office/officeart/2008/layout/LinedList"/>
+    <dgm:cxn modelId="{FEE9BCBA-DB31-4054-8855-DBAD27E121C7}" type="presParOf" srcId="{EC1FB5B4-0A6A-4E3D-BC9F-0EAD0B1EDA8D}" destId="{AC0F7D0C-0177-4018-AB17-B46FBBD48B2E}" srcOrd="0" destOrd="0" presId="urn:microsoft.com/office/officeart/2008/layout/LinedList"/>
+    <dgm:cxn modelId="{C19B9A6A-B2B6-49C1-A0BD-6767C1AE966C}" type="presParOf" srcId="{EC1FB5B4-0A6A-4E3D-BC9F-0EAD0B1EDA8D}" destId="{B9503647-CB33-44F8-B726-C1445E39A711}" srcOrd="1" destOrd="0" presId="urn:microsoft.com/office/officeart/2008/layout/LinedList"/>
+    <dgm:cxn modelId="{D51F5705-D9AA-4D68-B5F6-356CC6FD9968}" type="presParOf" srcId="{6B29909C-2B28-4C65-ADFA-2A8090AAFF09}" destId="{42FB13B7-60FF-4DE9-AE01-5BBB2528CF15}" srcOrd="2" destOrd="0" presId="urn:microsoft.com/office/officeart/2008/layout/LinedList"/>
+    <dgm:cxn modelId="{25F4AF4F-17D6-4A5C-B130-C99EAD7F6106}" type="presParOf" srcId="{6B29909C-2B28-4C65-ADFA-2A8090AAFF09}" destId="{108B2747-0997-4F32-AE27-1A92837B754F}" srcOrd="3" destOrd="0" presId="urn:microsoft.com/office/officeart/2008/layout/LinedList"/>
+    <dgm:cxn modelId="{E97FDE3A-DA60-41A1-8F9E-D850BF8F4FDB}" type="presParOf" srcId="{108B2747-0997-4F32-AE27-1A92837B754F}" destId="{67059011-3A2F-429B-A752-A187B0BC66F3}" srcOrd="0" destOrd="0" presId="urn:microsoft.com/office/officeart/2008/layout/LinedList"/>
+    <dgm:cxn modelId="{BCCEB37E-4073-4864-BB3D-24CC39B06C1D}" type="presParOf" srcId="{108B2747-0997-4F32-AE27-1A92837B754F}" destId="{2471991C-20A6-4826-8DEC-E162AA18E3D5}" srcOrd="1" destOrd="0" presId="urn:microsoft.com/office/officeart/2008/layout/LinedList"/>
+    <dgm:cxn modelId="{19C921E9-373D-47A9-A27D-4F0FB2AF5291}" type="presParOf" srcId="{6B29909C-2B28-4C65-ADFA-2A8090AAFF09}" destId="{325959E3-B980-49D2-BDB0-614A11A622DE}" srcOrd="4" destOrd="0" presId="urn:microsoft.com/office/officeart/2008/layout/LinedList"/>
+    <dgm:cxn modelId="{0508ED90-A1EA-47AE-8123-1122E035F1D4}" type="presParOf" srcId="{6B29909C-2B28-4C65-ADFA-2A8090AAFF09}" destId="{A6284FA1-AEB7-43E0-9CC5-5B17E9F9FFA0}" srcOrd="5" destOrd="0" presId="urn:microsoft.com/office/officeart/2008/layout/LinedList"/>
+    <dgm:cxn modelId="{7FF79990-D219-41F6-B41C-EE893A2D2B99}" type="presParOf" srcId="{A6284FA1-AEB7-43E0-9CC5-5B17E9F9FFA0}" destId="{C64EDE42-C6AE-4468-A2DC-73CEA845DA55}" srcOrd="0" destOrd="0" presId="urn:microsoft.com/office/officeart/2008/layout/LinedList"/>
+    <dgm:cxn modelId="{B08B0AB6-AA83-4D18-9B3B-E5CB1AFF8F81}" type="presParOf" srcId="{A6284FA1-AEB7-43E0-9CC5-5B17E9F9FFA0}" destId="{77621BD2-CF0D-4C2F-AA7C-1FEDE7B2A2E8}" srcOrd="1" destOrd="0" presId="urn:microsoft.com/office/officeart/2008/layout/LinedList"/>
+  </dgm:cxnLst>
+  <dgm:bg/>
+  <dgm:whole/>
+  <dgm:extLst>
+    <a:ext uri="http://schemas.microsoft.com/office/drawing/2008/diagram">
+      <dsp:dataModelExt xmlns:dsp="http://schemas.microsoft.com/office/drawing/2008/diagram" relId="rId7" minVer="http://schemas.openxmlformats.org/drawingml/2006/diagram"/>
+    </a:ext>
+  </dgm:extLst>
+</dgm:dataModel>
+</file>
+
+<file path=ppt/diagrams/data2.xml><?xml version="1.0" encoding="utf-8"?>
 <dgm:dataModel xmlns:dgm="http://schemas.openxmlformats.org/drawingml/2006/diagram" xmlns:a="http://schemas.openxmlformats.org/drawingml/2006/main">
   <dgm:ptLst>
     <dgm:pt modelId="{96A4E519-90FD-4DDC-95E0-2A1D88F851DB}" type="doc">
@@ -1350,6 +2365,393 @@
 </file>
 
 <file path=ppt/diagrams/drawing1.xml><?xml version="1.0" encoding="utf-8"?>
+<dsp:drawing xmlns:dgm="http://schemas.openxmlformats.org/drawingml/2006/diagram" xmlns:dsp="http://schemas.microsoft.com/office/drawing/2008/diagram" xmlns:a="http://schemas.openxmlformats.org/drawingml/2006/main">
+  <dsp:spTree>
+    <dsp:nvGrpSpPr>
+      <dsp:cNvPr id="0" name=""/>
+      <dsp:cNvGrpSpPr/>
+    </dsp:nvGrpSpPr>
+    <dsp:grpSpPr/>
+    <dsp:sp modelId="{21C2088A-853B-4EE6-A72F-8BE9EE4B7F82}">
+      <dsp:nvSpPr>
+        <dsp:cNvPr id="0" name=""/>
+        <dsp:cNvSpPr/>
+      </dsp:nvSpPr>
+      <dsp:spPr>
+        <a:xfrm>
+          <a:off x="0" y="2460"/>
+          <a:ext cx="4137801" cy="0"/>
+        </a:xfrm>
+        <a:prstGeom prst="line">
+          <a:avLst/>
+        </a:prstGeom>
+        <a:solidFill>
+          <a:schemeClr val="accent1">
+            <a:hueOff val="0"/>
+            <a:satOff val="0"/>
+            <a:lumOff val="0"/>
+            <a:alphaOff val="0"/>
+          </a:schemeClr>
+        </a:solidFill>
+        <a:ln w="12700" cap="flat" cmpd="sng" algn="ctr">
+          <a:solidFill>
+            <a:schemeClr val="accent1">
+              <a:hueOff val="0"/>
+              <a:satOff val="0"/>
+              <a:lumOff val="0"/>
+              <a:alphaOff val="0"/>
+            </a:schemeClr>
+          </a:solidFill>
+          <a:prstDash val="solid"/>
+          <a:miter lim="800000"/>
+        </a:ln>
+        <a:effectLst/>
+      </dsp:spPr>
+      <dsp:style>
+        <a:lnRef idx="2">
+          <a:scrgbClr r="0" g="0" b="0"/>
+        </a:lnRef>
+        <a:fillRef idx="1">
+          <a:scrgbClr r="0" g="0" b="0"/>
+        </a:fillRef>
+        <a:effectRef idx="0">
+          <a:scrgbClr r="0" g="0" b="0"/>
+        </a:effectRef>
+        <a:fontRef idx="minor">
+          <a:schemeClr val="lt1"/>
+        </a:fontRef>
+      </dsp:style>
+    </dsp:sp>
+    <dsp:sp modelId="{AC0F7D0C-0177-4018-AB17-B46FBBD48B2E}">
+      <dsp:nvSpPr>
+        <dsp:cNvPr id="0" name=""/>
+        <dsp:cNvSpPr/>
+      </dsp:nvSpPr>
+      <dsp:spPr>
+        <a:xfrm>
+          <a:off x="0" y="2460"/>
+          <a:ext cx="4137801" cy="1677723"/>
+        </a:xfrm>
+        <a:prstGeom prst="rect">
+          <a:avLst/>
+        </a:prstGeom>
+        <a:noFill/>
+        <a:ln>
+          <a:noFill/>
+        </a:ln>
+        <a:effectLst/>
+      </dsp:spPr>
+      <dsp:style>
+        <a:lnRef idx="0">
+          <a:scrgbClr r="0" g="0" b="0"/>
+        </a:lnRef>
+        <a:fillRef idx="0">
+          <a:scrgbClr r="0" g="0" b="0"/>
+        </a:fillRef>
+        <a:effectRef idx="0">
+          <a:scrgbClr r="0" g="0" b="0"/>
+        </a:effectRef>
+        <a:fontRef idx="minor"/>
+      </dsp:style>
+      <dsp:txBody>
+        <a:bodyPr spcFirstLastPara="0" vert="horz" wrap="square" lIns="76200" tIns="76200" rIns="76200" bIns="76200" numCol="1" spcCol="1270" anchor="t" anchorCtr="0">
+          <a:noAutofit/>
+        </a:bodyPr>
+        <a:lstStyle/>
+        <a:p>
+          <a:pPr marL="0" lvl="0" indent="0" algn="l" defTabSz="889000" latinLnBrk="1">
+            <a:lnSpc>
+              <a:spcPct val="90000"/>
+            </a:lnSpc>
+            <a:spcBef>
+              <a:spcPct val="0"/>
+            </a:spcBef>
+            <a:spcAft>
+              <a:spcPct val="35000"/>
+            </a:spcAft>
+            <a:buNone/>
+          </a:pPr>
+          <a:r>
+            <a:rPr lang="ko-KR" altLang="en-US" sz="2000" kern="1200"/>
+            <a:t>수많은 연기자를 구성할수 있으며</a:t>
+          </a:r>
+          <a:r>
+            <a:rPr lang="en-US" altLang="ko-KR" sz="2000" kern="1200"/>
+            <a:t>,</a:t>
+          </a:r>
+          <a:r>
+            <a:rPr lang="ko-KR" altLang="en-US" sz="2000" kern="1200"/>
+            <a:t>저비용으로 수많은 액스트라를 투입할수도 있다</a:t>
+          </a:r>
+          <a:r>
+            <a:rPr lang="en-US" altLang="ko-KR" sz="2000" kern="1200"/>
+            <a:t>.</a:t>
+          </a:r>
+          <a:endParaRPr lang="en-US" altLang="ko-KR" sz="2000" kern="1200" dirty="0"/>
+        </a:p>
+      </dsp:txBody>
+      <dsp:txXfrm>
+        <a:off x="0" y="2460"/>
+        <a:ext cx="4137801" cy="1677723"/>
+      </dsp:txXfrm>
+    </dsp:sp>
+    <dsp:sp modelId="{42FB13B7-60FF-4DE9-AE01-5BBB2528CF15}">
+      <dsp:nvSpPr>
+        <dsp:cNvPr id="0" name=""/>
+        <dsp:cNvSpPr/>
+      </dsp:nvSpPr>
+      <dsp:spPr>
+        <a:xfrm>
+          <a:off x="0" y="1680184"/>
+          <a:ext cx="4137801" cy="0"/>
+        </a:xfrm>
+        <a:prstGeom prst="line">
+          <a:avLst/>
+        </a:prstGeom>
+        <a:solidFill>
+          <a:schemeClr val="accent1">
+            <a:hueOff val="0"/>
+            <a:satOff val="0"/>
+            <a:lumOff val="0"/>
+            <a:alphaOff val="0"/>
+          </a:schemeClr>
+        </a:solidFill>
+        <a:ln w="12700" cap="flat" cmpd="sng" algn="ctr">
+          <a:solidFill>
+            <a:schemeClr val="accent1">
+              <a:hueOff val="0"/>
+              <a:satOff val="0"/>
+              <a:lumOff val="0"/>
+              <a:alphaOff val="0"/>
+            </a:schemeClr>
+          </a:solidFill>
+          <a:prstDash val="solid"/>
+          <a:miter lim="800000"/>
+        </a:ln>
+        <a:effectLst/>
+      </dsp:spPr>
+      <dsp:style>
+        <a:lnRef idx="2">
+          <a:scrgbClr r="0" g="0" b="0"/>
+        </a:lnRef>
+        <a:fillRef idx="1">
+          <a:scrgbClr r="0" g="0" b="0"/>
+        </a:fillRef>
+        <a:effectRef idx="0">
+          <a:scrgbClr r="0" g="0" b="0"/>
+        </a:effectRef>
+        <a:fontRef idx="minor">
+          <a:schemeClr val="lt1"/>
+        </a:fontRef>
+      </dsp:style>
+    </dsp:sp>
+    <dsp:sp modelId="{67059011-3A2F-429B-A752-A187B0BC66F3}">
+      <dsp:nvSpPr>
+        <dsp:cNvPr id="0" name=""/>
+        <dsp:cNvSpPr/>
+      </dsp:nvSpPr>
+      <dsp:spPr>
+        <a:xfrm>
+          <a:off x="0" y="1680184"/>
+          <a:ext cx="4137801" cy="1677723"/>
+        </a:xfrm>
+        <a:prstGeom prst="rect">
+          <a:avLst/>
+        </a:prstGeom>
+        <a:noFill/>
+        <a:ln>
+          <a:noFill/>
+        </a:ln>
+        <a:effectLst/>
+      </dsp:spPr>
+      <dsp:style>
+        <a:lnRef idx="0">
+          <a:scrgbClr r="0" g="0" b="0"/>
+        </a:lnRef>
+        <a:fillRef idx="0">
+          <a:scrgbClr r="0" g="0" b="0"/>
+        </a:fillRef>
+        <a:effectRef idx="0">
+          <a:scrgbClr r="0" g="0" b="0"/>
+        </a:effectRef>
+        <a:fontRef idx="minor"/>
+      </dsp:style>
+      <dsp:txBody>
+        <a:bodyPr spcFirstLastPara="0" vert="horz" wrap="square" lIns="76200" tIns="76200" rIns="76200" bIns="76200" numCol="1" spcCol="1270" anchor="t" anchorCtr="0">
+          <a:noAutofit/>
+        </a:bodyPr>
+        <a:lstStyle/>
+        <a:p>
+          <a:pPr marL="0" lvl="0" indent="0" algn="l" defTabSz="889000" latinLnBrk="1">
+            <a:lnSpc>
+              <a:spcPct val="90000"/>
+            </a:lnSpc>
+            <a:spcBef>
+              <a:spcPct val="0"/>
+            </a:spcBef>
+            <a:spcAft>
+              <a:spcPct val="35000"/>
+            </a:spcAft>
+            <a:buNone/>
+          </a:pPr>
+          <a:r>
+            <a:rPr lang="ko-KR" altLang="en-US" sz="2000" kern="1200"/>
+            <a:t>배우에게 큐 신호를 보내면</a:t>
+          </a:r>
+          <a:r>
+            <a:rPr lang="en-US" altLang="ko-KR" sz="2000" kern="1200"/>
+            <a:t>,</a:t>
+          </a:r>
+          <a:r>
+            <a:rPr lang="ko-KR" altLang="en-US" sz="2000" kern="1200"/>
+            <a:t>연기를 시작한다</a:t>
+          </a:r>
+          <a:r>
+            <a:rPr lang="en-US" altLang="ko-KR" sz="2000" kern="1200"/>
+            <a:t>.</a:t>
+          </a:r>
+          <a:endParaRPr lang="ko-KR" sz="2000" kern="1200" dirty="0"/>
+        </a:p>
+      </dsp:txBody>
+      <dsp:txXfrm>
+        <a:off x="0" y="1680184"/>
+        <a:ext cx="4137801" cy="1677723"/>
+      </dsp:txXfrm>
+    </dsp:sp>
+    <dsp:sp modelId="{325959E3-B980-49D2-BDB0-614A11A622DE}">
+      <dsp:nvSpPr>
+        <dsp:cNvPr id="0" name=""/>
+        <dsp:cNvSpPr/>
+      </dsp:nvSpPr>
+      <dsp:spPr>
+        <a:xfrm>
+          <a:off x="0" y="3357907"/>
+          <a:ext cx="4137801" cy="0"/>
+        </a:xfrm>
+        <a:prstGeom prst="line">
+          <a:avLst/>
+        </a:prstGeom>
+        <a:solidFill>
+          <a:schemeClr val="accent1">
+            <a:hueOff val="0"/>
+            <a:satOff val="0"/>
+            <a:lumOff val="0"/>
+            <a:alphaOff val="0"/>
+          </a:schemeClr>
+        </a:solidFill>
+        <a:ln w="12700" cap="flat" cmpd="sng" algn="ctr">
+          <a:solidFill>
+            <a:schemeClr val="accent1">
+              <a:hueOff val="0"/>
+              <a:satOff val="0"/>
+              <a:lumOff val="0"/>
+              <a:alphaOff val="0"/>
+            </a:schemeClr>
+          </a:solidFill>
+          <a:prstDash val="solid"/>
+          <a:miter lim="800000"/>
+        </a:ln>
+        <a:effectLst/>
+      </dsp:spPr>
+      <dsp:style>
+        <a:lnRef idx="2">
+          <a:scrgbClr r="0" g="0" b="0"/>
+        </a:lnRef>
+        <a:fillRef idx="1">
+          <a:scrgbClr r="0" g="0" b="0"/>
+        </a:fillRef>
+        <a:effectRef idx="0">
+          <a:scrgbClr r="0" g="0" b="0"/>
+        </a:effectRef>
+        <a:fontRef idx="minor">
+          <a:schemeClr val="lt1"/>
+        </a:fontRef>
+      </dsp:style>
+    </dsp:sp>
+    <dsp:sp modelId="{C64EDE42-C6AE-4468-A2DC-73CEA845DA55}">
+      <dsp:nvSpPr>
+        <dsp:cNvPr id="0" name=""/>
+        <dsp:cNvSpPr/>
+      </dsp:nvSpPr>
+      <dsp:spPr>
+        <a:xfrm>
+          <a:off x="0" y="3357907"/>
+          <a:ext cx="4137801" cy="1677723"/>
+        </a:xfrm>
+        <a:prstGeom prst="rect">
+          <a:avLst/>
+        </a:prstGeom>
+        <a:noFill/>
+        <a:ln>
+          <a:noFill/>
+        </a:ln>
+        <a:effectLst/>
+      </dsp:spPr>
+      <dsp:style>
+        <a:lnRef idx="0">
+          <a:scrgbClr r="0" g="0" b="0"/>
+        </a:lnRef>
+        <a:fillRef idx="0">
+          <a:scrgbClr r="0" g="0" b="0"/>
+        </a:fillRef>
+        <a:effectRef idx="0">
+          <a:scrgbClr r="0" g="0" b="0"/>
+        </a:effectRef>
+        <a:fontRef idx="minor"/>
+      </dsp:style>
+      <dsp:txBody>
+        <a:bodyPr spcFirstLastPara="0" vert="horz" wrap="square" lIns="76200" tIns="76200" rIns="76200" bIns="76200" numCol="1" spcCol="1270" anchor="t" anchorCtr="0">
+          <a:noAutofit/>
+        </a:bodyPr>
+        <a:lstStyle/>
+        <a:p>
+          <a:pPr marL="0" lvl="0" indent="0" algn="l" defTabSz="889000" latinLnBrk="1">
+            <a:lnSpc>
+              <a:spcPct val="90000"/>
+            </a:lnSpc>
+            <a:spcBef>
+              <a:spcPct val="0"/>
+            </a:spcBef>
+            <a:spcAft>
+              <a:spcPct val="35000"/>
+            </a:spcAft>
+            <a:buNone/>
+          </a:pPr>
+          <a:r>
+            <a:rPr lang="ko-KR" altLang="en-US" sz="2000" kern="1200"/>
+            <a:t>무대는 여러 개 구성 가능하며</a:t>
+          </a:r>
+          <a:br>
+            <a:rPr lang="en-US" altLang="ko-KR" sz="2000" kern="1200"/>
+          </a:br>
+          <a:r>
+            <a:rPr lang="ko-KR" altLang="en-US" sz="2000" kern="1200"/>
+            <a:t>다른 무대에 속한 배우와</a:t>
+          </a:r>
+          <a:br>
+            <a:rPr lang="en-US" altLang="ko-KR" sz="2000" kern="1200"/>
+          </a:br>
+          <a:r>
+            <a:rPr lang="ko-KR" altLang="en-US" sz="2000" kern="1200"/>
+            <a:t>직접 대화가 가능하다</a:t>
+          </a:r>
+          <a:r>
+            <a:rPr lang="en-US" altLang="ko-KR" sz="2000" kern="1200"/>
+            <a:t>.</a:t>
+          </a:r>
+          <a:endParaRPr lang="ko-KR" sz="2000" kern="1200" dirty="0"/>
+        </a:p>
+      </dsp:txBody>
+      <dsp:txXfrm>
+        <a:off x="0" y="3357907"/>
+        <a:ext cx="4137801" cy="1677723"/>
+      </dsp:txXfrm>
+    </dsp:sp>
+  </dsp:spTree>
+</dsp:drawing>
+</file>
+
+<file path=ppt/diagrams/drawing2.xml><?xml version="1.0" encoding="utf-8"?>
 <dsp:drawing xmlns:dgm="http://schemas.openxmlformats.org/drawingml/2006/diagram" xmlns:dsp="http://schemas.microsoft.com/office/drawing/2008/diagram" xmlns:a="http://schemas.openxmlformats.org/drawingml/2006/main">
   <dsp:spTree>
     <dsp:nvGrpSpPr>
@@ -2597,7 +3999,1507 @@
 </dgm:layoutDef>
 </file>
 
+<file path=ppt/diagrams/layout2.xml><?xml version="1.0" encoding="utf-8"?>
+<dgm:layoutDef xmlns:dgm="http://schemas.openxmlformats.org/drawingml/2006/diagram" xmlns:a="http://schemas.openxmlformats.org/drawingml/2006/main" uniqueId="urn:microsoft.com/office/officeart/2008/layout/LinedList">
+  <dgm:title val=""/>
+  <dgm:desc val=""/>
+  <dgm:catLst>
+    <dgm:cat type="hierarchy" pri="8000"/>
+    <dgm:cat type="list" pri="2500"/>
+  </dgm:catLst>
+  <dgm:sampData>
+    <dgm:dataModel>
+      <dgm:ptLst>
+        <dgm:pt modelId="0" type="doc"/>
+        <dgm:pt modelId="1">
+          <dgm:prSet phldr="1"/>
+        </dgm:pt>
+        <dgm:pt modelId="11">
+          <dgm:prSet phldr="1"/>
+        </dgm:pt>
+        <dgm:pt modelId="12">
+          <dgm:prSet phldr="1"/>
+        </dgm:pt>
+        <dgm:pt modelId="13">
+          <dgm:prSet phldr="1"/>
+        </dgm:pt>
+      </dgm:ptLst>
+      <dgm:cxnLst>
+        <dgm:cxn modelId="2" srcId="0" destId="1" srcOrd="0" destOrd="0"/>
+        <dgm:cxn modelId="3" srcId="1" destId="11" srcOrd="0" destOrd="0"/>
+        <dgm:cxn modelId="4" srcId="1" destId="12" srcOrd="1" destOrd="0"/>
+        <dgm:cxn modelId="5" srcId="1" destId="13" srcOrd="2" destOrd="0"/>
+      </dgm:cxnLst>
+      <dgm:bg/>
+      <dgm:whole/>
+    </dgm:dataModel>
+  </dgm:sampData>
+  <dgm:styleData>
+    <dgm:dataModel>
+      <dgm:ptLst>
+        <dgm:pt modelId="0" type="doc"/>
+        <dgm:pt modelId="1">
+          <dgm:prSet phldr="1"/>
+        </dgm:pt>
+        <dgm:pt modelId="11">
+          <dgm:prSet phldr="1"/>
+        </dgm:pt>
+        <dgm:pt modelId="12">
+          <dgm:prSet phldr="1"/>
+        </dgm:pt>
+      </dgm:ptLst>
+      <dgm:cxnLst>
+        <dgm:cxn modelId="2" srcId="0" destId="1" srcOrd="0" destOrd="0"/>
+        <dgm:cxn modelId="3" srcId="1" destId="11" srcOrd="0" destOrd="0"/>
+        <dgm:cxn modelId="4" srcId="1" destId="12" srcOrd="1" destOrd="0"/>
+      </dgm:cxnLst>
+      <dgm:bg/>
+      <dgm:whole/>
+    </dgm:dataModel>
+  </dgm:styleData>
+  <dgm:clrData>
+    <dgm:dataModel>
+      <dgm:ptLst>
+        <dgm:pt modelId="0" type="doc"/>
+        <dgm:pt modelId="1">
+          <dgm:prSet phldr="1"/>
+        </dgm:pt>
+        <dgm:pt modelId="11">
+          <dgm:prSet phldr="1"/>
+        </dgm:pt>
+        <dgm:pt modelId="12">
+          <dgm:prSet phldr="1"/>
+        </dgm:pt>
+      </dgm:ptLst>
+      <dgm:cxnLst>
+        <dgm:cxn modelId="2" srcId="0" destId="1" srcOrd="0" destOrd="0"/>
+        <dgm:cxn modelId="3" srcId="1" destId="11" srcOrd="0" destOrd="0"/>
+        <dgm:cxn modelId="4" srcId="1" destId="12" srcOrd="1" destOrd="0"/>
+      </dgm:cxnLst>
+      <dgm:bg/>
+      <dgm:whole/>
+    </dgm:dataModel>
+  </dgm:clrData>
+  <dgm:layoutNode name="vert0">
+    <dgm:varLst>
+      <dgm:dir/>
+      <dgm:animOne val="branch"/>
+      <dgm:animLvl val="lvl"/>
+    </dgm:varLst>
+    <dgm:choose name="Name0">
+      <dgm:if name="Name1" func="var" arg="dir" op="equ" val="norm">
+        <dgm:alg type="lin">
+          <dgm:param type="linDir" val="fromT"/>
+          <dgm:param type="nodeHorzAlign" val="l"/>
+        </dgm:alg>
+      </dgm:if>
+      <dgm:else name="Name2">
+        <dgm:alg type="lin">
+          <dgm:param type="linDir" val="fromT"/>
+          <dgm:param type="nodeHorzAlign" val="r"/>
+        </dgm:alg>
+      </dgm:else>
+    </dgm:choose>
+    <dgm:shape xmlns:r="http://schemas.openxmlformats.org/officeDocument/2006/relationships" r:blip="">
+      <dgm:adjLst/>
+    </dgm:shape>
+    <dgm:presOf/>
+    <dgm:constrLst>
+      <dgm:constr type="w" for="ch" forName="horz1" refType="w"/>
+      <dgm:constr type="h" for="ch" forName="horz1" refType="h"/>
+      <dgm:constr type="h" for="des" forName="vert1" refType="h"/>
+      <dgm:constr type="h" for="des" forName="tx1" refType="h"/>
+      <dgm:constr type="h" for="des" forName="horz2" refType="h"/>
+      <dgm:constr type="h" for="des" forName="vert2" refType="h"/>
+      <dgm:constr type="h" for="des" forName="horz3" refType="h"/>
+      <dgm:constr type="h" for="des" forName="vert3" refType="h"/>
+      <dgm:constr type="h" for="des" forName="horz4" refType="h"/>
+      <dgm:constr type="h" for="des" ptType="node" refType="h"/>
+      <dgm:constr type="primFontSz" for="des" forName="tx1" op="equ" val="65"/>
+      <dgm:constr type="primFontSz" for="des" forName="tx2" op="equ" val="65"/>
+      <dgm:constr type="primFontSz" for="des" forName="tx3" op="equ" val="65"/>
+      <dgm:constr type="primFontSz" for="des" forName="tx4" op="equ" val="65"/>
+      <dgm:constr type="w" for="des" forName="thickLine" refType="w"/>
+      <dgm:constr type="h" for="des" forName="thickLine"/>
+      <dgm:constr type="h" for="des" forName="thinLine1"/>
+      <dgm:constr type="h" for="des" forName="thinLine2b"/>
+      <dgm:constr type="h" for="des" forName="thinLine3"/>
+      <dgm:constr type="h" for="des" forName="vertSpace2a" refType="h" fact="0.05"/>
+      <dgm:constr type="h" for="des" forName="vertSpace2b" refType="h" refFor="des" refForName="vertSpace2a"/>
+    </dgm:constrLst>
+    <dgm:forEach name="Name3" axis="ch" ptType="node">
+      <dgm:layoutNode name="thickLine" styleLbl="alignNode1">
+        <dgm:alg type="sp"/>
+        <dgm:shape xmlns:r="http://schemas.openxmlformats.org/officeDocument/2006/relationships" type="line" r:blip="">
+          <dgm:adjLst/>
+        </dgm:shape>
+        <dgm:presOf/>
+      </dgm:layoutNode>
+      <dgm:layoutNode name="horz1">
+        <dgm:choose name="Name4">
+          <dgm:if name="Name5" func="var" arg="dir" op="equ" val="norm">
+            <dgm:alg type="lin">
+              <dgm:param type="linDir" val="fromL"/>
+              <dgm:param type="nodeVertAlign" val="t"/>
+            </dgm:alg>
+          </dgm:if>
+          <dgm:else name="Name6">
+            <dgm:alg type="lin">
+              <dgm:param type="linDir" val="fromR"/>
+              <dgm:param type="nodeVertAlign" val="t"/>
+            </dgm:alg>
+          </dgm:else>
+        </dgm:choose>
+        <dgm:shape xmlns:r="http://schemas.openxmlformats.org/officeDocument/2006/relationships" r:blip="">
+          <dgm:adjLst/>
+        </dgm:shape>
+        <dgm:presOf/>
+        <dgm:choose name="Name7">
+          <dgm:if name="Name8" axis="root des" func="maxDepth" op="equ" val="1">
+            <dgm:constrLst>
+              <dgm:constr type="w" for="ch" forName="tx1" refType="w"/>
+            </dgm:constrLst>
+          </dgm:if>
+          <dgm:if name="Name9" axis="root des" func="maxDepth" op="equ" val="2">
+            <dgm:constrLst>
+              <dgm:constr type="w" for="ch" forName="tx1" refType="w" fact="0.2"/>
+              <dgm:constr type="w" for="des" forName="tx2" refType="w" fact="0.785"/>
+              <dgm:constr type="w" for="des" forName="horzSpace2" refType="w" fact="0.015"/>
+              <dgm:constr type="w" for="des" forName="thinLine2b" refType="w" fact="0.8"/>
+            </dgm:constrLst>
+          </dgm:if>
+          <dgm:if name="Name10" axis="root des" func="maxDepth" op="equ" val="3">
+            <dgm:constrLst>
+              <dgm:constr type="w" for="ch" forName="tx1" refType="w" fact="0.2"/>
+              <dgm:constr type="w" for="des" forName="tx2" refType="w" fact="0.385"/>
+              <dgm:constr type="w" for="des" forName="tx3" refType="w" fact="0.385"/>
+              <dgm:constr type="w" for="des" forName="horzSpace2" refType="w" fact="0.015"/>
+              <dgm:constr type="w" for="des" forName="horzSpace3" refType="w" fact="0.015"/>
+              <dgm:constr type="w" for="des" forName="thinLine2b" refType="w" fact="0.8"/>
+              <dgm:constr type="w" for="des" forName="thinLine3" refType="w" fact="0.385"/>
+            </dgm:constrLst>
+          </dgm:if>
+          <dgm:if name="Name11" axis="root des" func="maxDepth" op="gte" val="4">
+            <dgm:constrLst>
+              <dgm:constr type="w" for="ch" forName="tx1" refType="w" fact="0.2"/>
+              <dgm:constr type="w" for="des" forName="tx2" refType="w" fact="0.2516"/>
+              <dgm:constr type="w" for="des" forName="tx3" refType="w" fact="0.2516"/>
+              <dgm:constr type="w" for="des" forName="tx4" refType="w" fact="0.2516"/>
+              <dgm:constr type="w" for="des" forName="horzSpace2" refType="w" fact="0.015"/>
+              <dgm:constr type="w" for="des" forName="horzSpace3" refType="w" fact="0.015"/>
+              <dgm:constr type="w" for="des" forName="horzSpace4" refType="w" fact="0.015"/>
+              <dgm:constr type="w" for="des" forName="thinLine2b" refType="w" fact="0.8"/>
+              <dgm:constr type="w" for="des" forName="thinLine3" refType="w" fact="0.5332"/>
+            </dgm:constrLst>
+          </dgm:if>
+          <dgm:else name="Name12"/>
+        </dgm:choose>
+        <dgm:layoutNode name="tx1" styleLbl="revTx">
+          <dgm:alg type="tx">
+            <dgm:param type="parTxLTRAlign" val="l"/>
+            <dgm:param type="parTxRTLAlign" val="r"/>
+            <dgm:param type="txAnchorVert" val="t"/>
+          </dgm:alg>
+          <dgm:shape xmlns:r="http://schemas.openxmlformats.org/officeDocument/2006/relationships" type="rect" r:blip="">
+            <dgm:adjLst/>
+          </dgm:shape>
+          <dgm:presOf axis="self"/>
+          <dgm:constrLst>
+            <dgm:constr type="tMarg" refType="primFontSz" fact="0.3"/>
+            <dgm:constr type="bMarg" refType="primFontSz" fact="0.3"/>
+            <dgm:constr type="lMarg" refType="primFontSz" fact="0.3"/>
+            <dgm:constr type="rMarg" refType="primFontSz" fact="0.3"/>
+          </dgm:constrLst>
+          <dgm:ruleLst>
+            <dgm:rule type="primFontSz" val="5" fact="NaN" max="NaN"/>
+          </dgm:ruleLst>
+        </dgm:layoutNode>
+        <dgm:layoutNode name="vert1">
+          <dgm:choose name="Name13">
+            <dgm:if name="Name14" func="var" arg="dir" op="equ" val="norm">
+              <dgm:alg type="lin">
+                <dgm:param type="linDir" val="fromT"/>
+                <dgm:param type="nodeHorzAlign" val="l"/>
+              </dgm:alg>
+            </dgm:if>
+            <dgm:else name="Name15">
+              <dgm:alg type="lin">
+                <dgm:param type="linDir" val="fromT"/>
+                <dgm:param type="nodeHorzAlign" val="r"/>
+              </dgm:alg>
+            </dgm:else>
+          </dgm:choose>
+          <dgm:shape xmlns:r="http://schemas.openxmlformats.org/officeDocument/2006/relationships" r:blip="">
+            <dgm:adjLst/>
+          </dgm:shape>
+          <dgm:presOf/>
+          <dgm:forEach name="Name16" axis="ch" ptType="node">
+            <dgm:choose name="Name17">
+              <dgm:if name="Name18" axis="self" ptType="node" func="pos" op="equ" val="1">
+                <dgm:layoutNode name="vertSpace2a">
+                  <dgm:alg type="sp"/>
+                  <dgm:shape xmlns:r="http://schemas.openxmlformats.org/officeDocument/2006/relationships" r:blip="">
+                    <dgm:adjLst/>
+                  </dgm:shape>
+                  <dgm:presOf/>
+                </dgm:layoutNode>
+              </dgm:if>
+              <dgm:else name="Name19"/>
+            </dgm:choose>
+            <dgm:layoutNode name="horz2">
+              <dgm:choose name="Name20">
+                <dgm:if name="Name21" func="var" arg="dir" op="equ" val="norm">
+                  <dgm:alg type="lin">
+                    <dgm:param type="linDir" val="fromL"/>
+                    <dgm:param type="nodeVertAlign" val="t"/>
+                  </dgm:alg>
+                </dgm:if>
+                <dgm:else name="Name22">
+                  <dgm:alg type="lin">
+                    <dgm:param type="linDir" val="fromR"/>
+                    <dgm:param type="nodeVertAlign" val="t"/>
+                  </dgm:alg>
+                </dgm:else>
+              </dgm:choose>
+              <dgm:shape xmlns:r="http://schemas.openxmlformats.org/officeDocument/2006/relationships" r:blip="">
+                <dgm:adjLst/>
+              </dgm:shape>
+              <dgm:presOf/>
+              <dgm:layoutNode name="horzSpace2">
+                <dgm:alg type="sp"/>
+                <dgm:shape xmlns:r="http://schemas.openxmlformats.org/officeDocument/2006/relationships" r:blip="">
+                  <dgm:adjLst/>
+                </dgm:shape>
+                <dgm:presOf/>
+              </dgm:layoutNode>
+              <dgm:layoutNode name="tx2" styleLbl="revTx">
+                <dgm:alg type="tx">
+                  <dgm:param type="parTxLTRAlign" val="l"/>
+                  <dgm:param type="parTxRTLAlign" val="r"/>
+                  <dgm:param type="txAnchorVert" val="t"/>
+                </dgm:alg>
+                <dgm:shape xmlns:r="http://schemas.openxmlformats.org/officeDocument/2006/relationships" type="rect" r:blip="">
+                  <dgm:adjLst/>
+                </dgm:shape>
+                <dgm:presOf axis="self"/>
+                <dgm:constrLst>
+                  <dgm:constr type="tMarg" refType="primFontSz" fact="0.3"/>
+                  <dgm:constr type="bMarg" refType="primFontSz" fact="0.3"/>
+                  <dgm:constr type="lMarg" refType="primFontSz" fact="0.3"/>
+                  <dgm:constr type="rMarg" refType="primFontSz" fact="0.3"/>
+                </dgm:constrLst>
+                <dgm:ruleLst>
+                  <dgm:rule type="primFontSz" val="5" fact="NaN" max="NaN"/>
+                </dgm:ruleLst>
+              </dgm:layoutNode>
+              <dgm:layoutNode name="vert2">
+                <dgm:choose name="Name23">
+                  <dgm:if name="Name24" func="var" arg="dir" op="equ" val="norm">
+                    <dgm:alg type="lin">
+                      <dgm:param type="linDir" val="fromT"/>
+                      <dgm:param type="nodeHorzAlign" val="l"/>
+                    </dgm:alg>
+                  </dgm:if>
+                  <dgm:else name="Name25">
+                    <dgm:alg type="lin">
+                      <dgm:param type="linDir" val="fromT"/>
+                      <dgm:param type="nodeHorzAlign" val="r"/>
+                    </dgm:alg>
+                  </dgm:else>
+                </dgm:choose>
+                <dgm:shape xmlns:r="http://schemas.openxmlformats.org/officeDocument/2006/relationships" r:blip="">
+                  <dgm:adjLst/>
+                </dgm:shape>
+                <dgm:presOf/>
+                <dgm:forEach name="Name26" axis="ch" ptType="node">
+                  <dgm:layoutNode name="horz3">
+                    <dgm:choose name="Name27">
+                      <dgm:if name="Name28" func="var" arg="dir" op="equ" val="norm">
+                        <dgm:alg type="lin">
+                          <dgm:param type="linDir" val="fromL"/>
+                          <dgm:param type="nodeVertAlign" val="t"/>
+                        </dgm:alg>
+                      </dgm:if>
+                      <dgm:else name="Name29">
+                        <dgm:alg type="lin">
+                          <dgm:param type="linDir" val="fromR"/>
+                          <dgm:param type="nodeVertAlign" val="t"/>
+                        </dgm:alg>
+                      </dgm:else>
+                    </dgm:choose>
+                    <dgm:shape xmlns:r="http://schemas.openxmlformats.org/officeDocument/2006/relationships" r:blip="">
+                      <dgm:adjLst/>
+                    </dgm:shape>
+                    <dgm:presOf/>
+                    <dgm:layoutNode name="horzSpace3">
+                      <dgm:alg type="sp"/>
+                      <dgm:shape xmlns:r="http://schemas.openxmlformats.org/officeDocument/2006/relationships" r:blip="">
+                        <dgm:adjLst/>
+                      </dgm:shape>
+                      <dgm:presOf/>
+                    </dgm:layoutNode>
+                    <dgm:layoutNode name="tx3" styleLbl="revTx">
+                      <dgm:alg type="tx">
+                        <dgm:param type="parTxLTRAlign" val="l"/>
+                        <dgm:param type="parTxRTLAlign" val="r"/>
+                        <dgm:param type="txAnchorVert" val="t"/>
+                      </dgm:alg>
+                      <dgm:shape xmlns:r="http://schemas.openxmlformats.org/officeDocument/2006/relationships" type="rect" r:blip="">
+                        <dgm:adjLst/>
+                      </dgm:shape>
+                      <dgm:presOf axis="self"/>
+                      <dgm:constrLst>
+                        <dgm:constr type="tMarg" refType="primFontSz" fact="0.3"/>
+                        <dgm:constr type="bMarg" refType="primFontSz" fact="0.3"/>
+                        <dgm:constr type="lMarg" refType="primFontSz" fact="0.3"/>
+                        <dgm:constr type="rMarg" refType="primFontSz" fact="0.3"/>
+                      </dgm:constrLst>
+                      <dgm:ruleLst>
+                        <dgm:rule type="primFontSz" val="5" fact="NaN" max="NaN"/>
+                      </dgm:ruleLst>
+                    </dgm:layoutNode>
+                    <dgm:layoutNode name="vert3">
+                      <dgm:choose name="Name30">
+                        <dgm:if name="Name31" func="var" arg="dir" op="equ" val="norm">
+                          <dgm:alg type="lin">
+                            <dgm:param type="linDir" val="fromT"/>
+                            <dgm:param type="nodeHorzAlign" val="l"/>
+                          </dgm:alg>
+                        </dgm:if>
+                        <dgm:else name="Name32">
+                          <dgm:alg type="lin">
+                            <dgm:param type="linDir" val="fromT"/>
+                            <dgm:param type="nodeHorzAlign" val="r"/>
+                          </dgm:alg>
+                        </dgm:else>
+                      </dgm:choose>
+                      <dgm:shape xmlns:r="http://schemas.openxmlformats.org/officeDocument/2006/relationships" r:blip="">
+                        <dgm:adjLst/>
+                      </dgm:shape>
+                      <dgm:presOf/>
+                      <dgm:forEach name="Name33" axis="ch" ptType="node">
+                        <dgm:layoutNode name="horz4">
+                          <dgm:choose name="Name34">
+                            <dgm:if name="Name35" func="var" arg="dir" op="equ" val="norm">
+                              <dgm:alg type="lin">
+                                <dgm:param type="linDir" val="fromL"/>
+                                <dgm:param type="nodeVertAlign" val="t"/>
+                              </dgm:alg>
+                            </dgm:if>
+                            <dgm:else name="Name36">
+                              <dgm:alg type="lin">
+                                <dgm:param type="linDir" val="fromR"/>
+                                <dgm:param type="nodeVertAlign" val="t"/>
+                              </dgm:alg>
+                            </dgm:else>
+                          </dgm:choose>
+                          <dgm:shape xmlns:r="http://schemas.openxmlformats.org/officeDocument/2006/relationships" r:blip="">
+                            <dgm:adjLst/>
+                          </dgm:shape>
+                          <dgm:presOf/>
+                          <dgm:layoutNode name="horzSpace4">
+                            <dgm:alg type="sp"/>
+                            <dgm:shape xmlns:r="http://schemas.openxmlformats.org/officeDocument/2006/relationships" r:blip="">
+                              <dgm:adjLst/>
+                            </dgm:shape>
+                            <dgm:presOf/>
+                          </dgm:layoutNode>
+                          <dgm:layoutNode name="tx4" styleLbl="revTx">
+                            <dgm:varLst>
+                              <dgm:bulletEnabled val="1"/>
+                            </dgm:varLst>
+                            <dgm:alg type="tx">
+                              <dgm:param type="parTxLTRAlign" val="l"/>
+                              <dgm:param type="parTxRTLAlign" val="r"/>
+                              <dgm:param type="txAnchorVert" val="t"/>
+                            </dgm:alg>
+                            <dgm:shape xmlns:r="http://schemas.openxmlformats.org/officeDocument/2006/relationships" type="rect" r:blip="">
+                              <dgm:adjLst/>
+                            </dgm:shape>
+                            <dgm:presOf axis="desOrSelf" ptType="node"/>
+                            <dgm:constrLst>
+                              <dgm:constr type="tMarg" refType="primFontSz" fact="0.3"/>
+                              <dgm:constr type="bMarg" refType="primFontSz" fact="0.3"/>
+                              <dgm:constr type="lMarg" refType="primFontSz" fact="0.3"/>
+                              <dgm:constr type="rMarg" refType="primFontSz" fact="0.3"/>
+                            </dgm:constrLst>
+                            <dgm:ruleLst>
+                              <dgm:rule type="primFontSz" val="5" fact="NaN" max="NaN"/>
+                            </dgm:ruleLst>
+                          </dgm:layoutNode>
+                        </dgm:layoutNode>
+                      </dgm:forEach>
+                    </dgm:layoutNode>
+                  </dgm:layoutNode>
+                  <dgm:forEach name="Name37" axis="followSib" ptType="sibTrans" cnt="1">
+                    <dgm:layoutNode name="thinLine3" styleLbl="callout">
+                      <dgm:alg type="sp"/>
+                      <dgm:shape xmlns:r="http://schemas.openxmlformats.org/officeDocument/2006/relationships" type="line" r:blip="">
+                        <dgm:adjLst/>
+                      </dgm:shape>
+                      <dgm:presOf/>
+                    </dgm:layoutNode>
+                  </dgm:forEach>
+                </dgm:forEach>
+              </dgm:layoutNode>
+            </dgm:layoutNode>
+            <dgm:layoutNode name="thinLine2b" styleLbl="callout">
+              <dgm:alg type="sp"/>
+              <dgm:shape xmlns:r="http://schemas.openxmlformats.org/officeDocument/2006/relationships" type="line" r:blip="">
+                <dgm:adjLst/>
+              </dgm:shape>
+              <dgm:presOf/>
+            </dgm:layoutNode>
+            <dgm:layoutNode name="vertSpace2b">
+              <dgm:alg type="sp"/>
+              <dgm:shape xmlns:r="http://schemas.openxmlformats.org/officeDocument/2006/relationships" r:blip="">
+                <dgm:adjLst/>
+              </dgm:shape>
+              <dgm:presOf/>
+            </dgm:layoutNode>
+          </dgm:forEach>
+        </dgm:layoutNode>
+      </dgm:layoutNode>
+    </dgm:forEach>
+  </dgm:layoutNode>
+</dgm:layoutDef>
+</file>
+
 <file path=ppt/diagrams/quickStyle1.xml><?xml version="1.0" encoding="utf-8"?>
+<dgm:styleDef xmlns:dgm="http://schemas.openxmlformats.org/drawingml/2006/diagram" xmlns:a="http://schemas.openxmlformats.org/drawingml/2006/main" uniqueId="urn:microsoft.com/office/officeart/2005/8/quickstyle/simple1">
+  <dgm:title val=""/>
+  <dgm:desc val=""/>
+  <dgm:catLst>
+    <dgm:cat type="simple" pri="10100"/>
+  </dgm:catLst>
+  <dgm:scene3d>
+    <a:camera prst="orthographicFront"/>
+    <a:lightRig rig="threePt" dir="t"/>
+  </dgm:scene3d>
+  <dgm:styleLbl name="node0">
+    <dgm:scene3d>
+      <a:camera prst="orthographicFront"/>
+      <a:lightRig rig="threePt" dir="t"/>
+    </dgm:scene3d>
+    <dgm:sp3d/>
+    <dgm:txPr/>
+    <dgm:style>
+      <a:lnRef idx="2">
+        <a:scrgbClr r="0" g="0" b="0"/>
+      </a:lnRef>
+      <a:fillRef idx="1">
+        <a:scrgbClr r="0" g="0" b="0"/>
+      </a:fillRef>
+      <a:effectRef idx="0">
+        <a:scrgbClr r="0" g="0" b="0"/>
+      </a:effectRef>
+      <a:fontRef idx="minor">
+        <a:schemeClr val="lt1"/>
+      </a:fontRef>
+    </dgm:style>
+  </dgm:styleLbl>
+  <dgm:styleLbl name="lnNode1">
+    <dgm:scene3d>
+      <a:camera prst="orthographicFront"/>
+      <a:lightRig rig="threePt" dir="t"/>
+    </dgm:scene3d>
+    <dgm:sp3d/>
+    <dgm:txPr/>
+    <dgm:style>
+      <a:lnRef idx="2">
+        <a:scrgbClr r="0" g="0" b="0"/>
+      </a:lnRef>
+      <a:fillRef idx="1">
+        <a:scrgbClr r="0" g="0" b="0"/>
+      </a:fillRef>
+      <a:effectRef idx="0">
+        <a:scrgbClr r="0" g="0" b="0"/>
+      </a:effectRef>
+      <a:fontRef idx="minor">
+        <a:schemeClr val="lt1"/>
+      </a:fontRef>
+    </dgm:style>
+  </dgm:styleLbl>
+  <dgm:styleLbl name="vennNode1">
+    <dgm:scene3d>
+      <a:camera prst="orthographicFront"/>
+      <a:lightRig rig="threePt" dir="t"/>
+    </dgm:scene3d>
+    <dgm:sp3d/>
+    <dgm:txPr/>
+    <dgm:style>
+      <a:lnRef idx="2">
+        <a:scrgbClr r="0" g="0" b="0"/>
+      </a:lnRef>
+      <a:fillRef idx="1">
+        <a:scrgbClr r="0" g="0" b="0"/>
+      </a:fillRef>
+      <a:effectRef idx="0">
+        <a:scrgbClr r="0" g="0" b="0"/>
+      </a:effectRef>
+      <a:fontRef idx="minor">
+        <a:schemeClr val="tx1"/>
+      </a:fontRef>
+    </dgm:style>
+  </dgm:styleLbl>
+  <dgm:styleLbl name="alignNode1">
+    <dgm:scene3d>
+      <a:camera prst="orthographicFront"/>
+      <a:lightRig rig="threePt" dir="t"/>
+    </dgm:scene3d>
+    <dgm:sp3d/>
+    <dgm:txPr/>
+    <dgm:style>
+      <a:lnRef idx="2">
+        <a:scrgbClr r="0" g="0" b="0"/>
+      </a:lnRef>
+      <a:fillRef idx="1">
+        <a:scrgbClr r="0" g="0" b="0"/>
+      </a:fillRef>
+      <a:effectRef idx="0">
+        <a:scrgbClr r="0" g="0" b="0"/>
+      </a:effectRef>
+      <a:fontRef idx="minor">
+        <a:schemeClr val="lt1"/>
+      </a:fontRef>
+    </dgm:style>
+  </dgm:styleLbl>
+  <dgm:styleLbl name="node1">
+    <dgm:scene3d>
+      <a:camera prst="orthographicFront"/>
+      <a:lightRig rig="threePt" dir="t"/>
+    </dgm:scene3d>
+    <dgm:sp3d/>
+    <dgm:txPr/>
+    <dgm:style>
+      <a:lnRef idx="2">
+        <a:scrgbClr r="0" g="0" b="0"/>
+      </a:lnRef>
+      <a:fillRef idx="1">
+        <a:scrgbClr r="0" g="0" b="0"/>
+      </a:fillRef>
+      <a:effectRef idx="0">
+        <a:scrgbClr r="0" g="0" b="0"/>
+      </a:effectRef>
+      <a:fontRef idx="minor">
+        <a:schemeClr val="lt1"/>
+      </a:fontRef>
+    </dgm:style>
+  </dgm:styleLbl>
+  <dgm:styleLbl name="node2">
+    <dgm:scene3d>
+      <a:camera prst="orthographicFront"/>
+      <a:lightRig rig="threePt" dir="t"/>
+    </dgm:scene3d>
+    <dgm:sp3d/>
+    <dgm:txPr/>
+    <dgm:style>
+      <a:lnRef idx="2">
+        <a:scrgbClr r="0" g="0" b="0"/>
+      </a:lnRef>
+      <a:fillRef idx="1">
+        <a:scrgbClr r="0" g="0" b="0"/>
+      </a:fillRef>
+      <a:effectRef idx="0">
+        <a:scrgbClr r="0" g="0" b="0"/>
+      </a:effectRef>
+      <a:fontRef idx="minor">
+        <a:schemeClr val="lt1"/>
+      </a:fontRef>
+    </dgm:style>
+  </dgm:styleLbl>
+  <dgm:styleLbl name="node3">
+    <dgm:scene3d>
+      <a:camera prst="orthographicFront"/>
+      <a:lightRig rig="threePt" dir="t"/>
+    </dgm:scene3d>
+    <dgm:sp3d/>
+    <dgm:txPr/>
+    <dgm:style>
+      <a:lnRef idx="2">
+        <a:scrgbClr r="0" g="0" b="0"/>
+      </a:lnRef>
+      <a:fillRef idx="1">
+        <a:scrgbClr r="0" g="0" b="0"/>
+      </a:fillRef>
+      <a:effectRef idx="0">
+        <a:scrgbClr r="0" g="0" b="0"/>
+      </a:effectRef>
+      <a:fontRef idx="minor">
+        <a:schemeClr val="lt1"/>
+      </a:fontRef>
+    </dgm:style>
+  </dgm:styleLbl>
+  <dgm:styleLbl name="node4">
+    <dgm:scene3d>
+      <a:camera prst="orthographicFront"/>
+      <a:lightRig rig="threePt" dir="t"/>
+    </dgm:scene3d>
+    <dgm:sp3d/>
+    <dgm:txPr/>
+    <dgm:style>
+      <a:lnRef idx="2">
+        <a:scrgbClr r="0" g="0" b="0"/>
+      </a:lnRef>
+      <a:fillRef idx="1">
+        <a:scrgbClr r="0" g="0" b="0"/>
+      </a:fillRef>
+      <a:effectRef idx="0">
+        <a:scrgbClr r="0" g="0" b="0"/>
+      </a:effectRef>
+      <a:fontRef idx="minor">
+        <a:schemeClr val="lt1"/>
+      </a:fontRef>
+    </dgm:style>
+  </dgm:styleLbl>
+  <dgm:styleLbl name="fgImgPlace1">
+    <dgm:scene3d>
+      <a:camera prst="orthographicFront"/>
+      <a:lightRig rig="threePt" dir="t"/>
+    </dgm:scene3d>
+    <dgm:sp3d/>
+    <dgm:txPr/>
+    <dgm:style>
+      <a:lnRef idx="2">
+        <a:scrgbClr r="0" g="0" b="0"/>
+      </a:lnRef>
+      <a:fillRef idx="1">
+        <a:scrgbClr r="0" g="0" b="0"/>
+      </a:fillRef>
+      <a:effectRef idx="0">
+        <a:scrgbClr r="0" g="0" b="0"/>
+      </a:effectRef>
+      <a:fontRef idx="minor"/>
+    </dgm:style>
+  </dgm:styleLbl>
+  <dgm:styleLbl name="alignImgPlace1">
+    <dgm:scene3d>
+      <a:camera prst="orthographicFront"/>
+      <a:lightRig rig="threePt" dir="t"/>
+    </dgm:scene3d>
+    <dgm:sp3d/>
+    <dgm:txPr/>
+    <dgm:style>
+      <a:lnRef idx="2">
+        <a:scrgbClr r="0" g="0" b="0"/>
+      </a:lnRef>
+      <a:fillRef idx="1">
+        <a:scrgbClr r="0" g="0" b="0"/>
+      </a:fillRef>
+      <a:effectRef idx="0">
+        <a:scrgbClr r="0" g="0" b="0"/>
+      </a:effectRef>
+      <a:fontRef idx="minor"/>
+    </dgm:style>
+  </dgm:styleLbl>
+  <dgm:styleLbl name="bgImgPlace1">
+    <dgm:scene3d>
+      <a:camera prst="orthographicFront"/>
+      <a:lightRig rig="threePt" dir="t"/>
+    </dgm:scene3d>
+    <dgm:sp3d/>
+    <dgm:txPr/>
+    <dgm:style>
+      <a:lnRef idx="2">
+        <a:scrgbClr r="0" g="0" b="0"/>
+      </a:lnRef>
+      <a:fillRef idx="1">
+        <a:scrgbClr r="0" g="0" b="0"/>
+      </a:fillRef>
+      <a:effectRef idx="0">
+        <a:scrgbClr r="0" g="0" b="0"/>
+      </a:effectRef>
+      <a:fontRef idx="minor"/>
+    </dgm:style>
+  </dgm:styleLbl>
+  <dgm:styleLbl name="sibTrans2D1">
+    <dgm:scene3d>
+      <a:camera prst="orthographicFront"/>
+      <a:lightRig rig="threePt" dir="t"/>
+    </dgm:scene3d>
+    <dgm:sp3d/>
+    <dgm:txPr/>
+    <dgm:style>
+      <a:lnRef idx="0">
+        <a:scrgbClr r="0" g="0" b="0"/>
+      </a:lnRef>
+      <a:fillRef idx="1">
+        <a:scrgbClr r="0" g="0" b="0"/>
+      </a:fillRef>
+      <a:effectRef idx="0">
+        <a:scrgbClr r="0" g="0" b="0"/>
+      </a:effectRef>
+      <a:fontRef idx="minor">
+        <a:schemeClr val="lt1"/>
+      </a:fontRef>
+    </dgm:style>
+  </dgm:styleLbl>
+  <dgm:styleLbl name="fgSibTrans2D1">
+    <dgm:scene3d>
+      <a:camera prst="orthographicFront"/>
+      <a:lightRig rig="threePt" dir="t"/>
+    </dgm:scene3d>
+    <dgm:sp3d/>
+    <dgm:txPr/>
+    <dgm:style>
+      <a:lnRef idx="0">
+        <a:scrgbClr r="0" g="0" b="0"/>
+      </a:lnRef>
+      <a:fillRef idx="1">
+        <a:scrgbClr r="0" g="0" b="0"/>
+      </a:fillRef>
+      <a:effectRef idx="0">
+        <a:scrgbClr r="0" g="0" b="0"/>
+      </a:effectRef>
+      <a:fontRef idx="minor">
+        <a:schemeClr val="lt1"/>
+      </a:fontRef>
+    </dgm:style>
+  </dgm:styleLbl>
+  <dgm:styleLbl name="bgSibTrans2D1">
+    <dgm:scene3d>
+      <a:camera prst="orthographicFront"/>
+      <a:lightRig rig="threePt" dir="t"/>
+    </dgm:scene3d>
+    <dgm:sp3d/>
+    <dgm:txPr/>
+    <dgm:style>
+      <a:lnRef idx="0">
+        <a:scrgbClr r="0" g="0" b="0"/>
+      </a:lnRef>
+      <a:fillRef idx="1">
+        <a:scrgbClr r="0" g="0" b="0"/>
+      </a:fillRef>
+      <a:effectRef idx="0">
+        <a:scrgbClr r="0" g="0" b="0"/>
+      </a:effectRef>
+      <a:fontRef idx="minor">
+        <a:schemeClr val="lt1"/>
+      </a:fontRef>
+    </dgm:style>
+  </dgm:styleLbl>
+  <dgm:styleLbl name="sibTrans1D1">
+    <dgm:scene3d>
+      <a:camera prst="orthographicFront"/>
+      <a:lightRig rig="threePt" dir="t"/>
+    </dgm:scene3d>
+    <dgm:sp3d/>
+    <dgm:txPr/>
+    <dgm:style>
+      <a:lnRef idx="1">
+        <a:scrgbClr r="0" g="0" b="0"/>
+      </a:lnRef>
+      <a:fillRef idx="0">
+        <a:scrgbClr r="0" g="0" b="0"/>
+      </a:fillRef>
+      <a:effectRef idx="0">
+        <a:scrgbClr r="0" g="0" b="0"/>
+      </a:effectRef>
+      <a:fontRef idx="minor"/>
+    </dgm:style>
+  </dgm:styleLbl>
+  <dgm:styleLbl name="callout">
+    <dgm:scene3d>
+      <a:camera prst="orthographicFront"/>
+      <a:lightRig rig="threePt" dir="t"/>
+    </dgm:scene3d>
+    <dgm:sp3d/>
+    <dgm:txPr/>
+    <dgm:style>
+      <a:lnRef idx="2">
+        <a:scrgbClr r="0" g="0" b="0"/>
+      </a:lnRef>
+      <a:fillRef idx="1">
+        <a:scrgbClr r="0" g="0" b="0"/>
+      </a:fillRef>
+      <a:effectRef idx="0">
+        <a:scrgbClr r="0" g="0" b="0"/>
+      </a:effectRef>
+      <a:fontRef idx="minor"/>
+    </dgm:style>
+  </dgm:styleLbl>
+  <dgm:styleLbl name="asst0">
+    <dgm:scene3d>
+      <a:camera prst="orthographicFront"/>
+      <a:lightRig rig="threePt" dir="t"/>
+    </dgm:scene3d>
+    <dgm:sp3d/>
+    <dgm:txPr/>
+    <dgm:style>
+      <a:lnRef idx="2">
+        <a:scrgbClr r="0" g="0" b="0"/>
+      </a:lnRef>
+      <a:fillRef idx="1">
+        <a:scrgbClr r="0" g="0" b="0"/>
+      </a:fillRef>
+      <a:effectRef idx="0">
+        <a:scrgbClr r="0" g="0" b="0"/>
+      </a:effectRef>
+      <a:fontRef idx="minor">
+        <a:schemeClr val="lt1"/>
+      </a:fontRef>
+    </dgm:style>
+  </dgm:styleLbl>
+  <dgm:styleLbl name="asst1">
+    <dgm:scene3d>
+      <a:camera prst="orthographicFront"/>
+      <a:lightRig rig="threePt" dir="t"/>
+    </dgm:scene3d>
+    <dgm:sp3d/>
+    <dgm:txPr/>
+    <dgm:style>
+      <a:lnRef idx="2">
+        <a:scrgbClr r="0" g="0" b="0"/>
+      </a:lnRef>
+      <a:fillRef idx="1">
+        <a:scrgbClr r="0" g="0" b="0"/>
+      </a:fillRef>
+      <a:effectRef idx="0">
+        <a:scrgbClr r="0" g="0" b="0"/>
+      </a:effectRef>
+      <a:fontRef idx="minor">
+        <a:schemeClr val="lt1"/>
+      </a:fontRef>
+    </dgm:style>
+  </dgm:styleLbl>
+  <dgm:styleLbl name="asst2">
+    <dgm:scene3d>
+      <a:camera prst="orthographicFront"/>
+      <a:lightRig rig="threePt" dir="t"/>
+    </dgm:scene3d>
+    <dgm:sp3d/>
+    <dgm:txPr/>
+    <dgm:style>
+      <a:lnRef idx="2">
+        <a:scrgbClr r="0" g="0" b="0"/>
+      </a:lnRef>
+      <a:fillRef idx="1">
+        <a:scrgbClr r="0" g="0" b="0"/>
+      </a:fillRef>
+      <a:effectRef idx="0">
+        <a:scrgbClr r="0" g="0" b="0"/>
+      </a:effectRef>
+      <a:fontRef idx="minor">
+        <a:schemeClr val="lt1"/>
+      </a:fontRef>
+    </dgm:style>
+  </dgm:styleLbl>
+  <dgm:styleLbl name="asst3">
+    <dgm:scene3d>
+      <a:camera prst="orthographicFront"/>
+      <a:lightRig rig="threePt" dir="t"/>
+    </dgm:scene3d>
+    <dgm:sp3d/>
+    <dgm:txPr/>
+    <dgm:style>
+      <a:lnRef idx="2">
+        <a:scrgbClr r="0" g="0" b="0"/>
+      </a:lnRef>
+      <a:fillRef idx="1">
+        <a:scrgbClr r="0" g="0" b="0"/>
+      </a:fillRef>
+      <a:effectRef idx="0">
+        <a:scrgbClr r="0" g="0" b="0"/>
+      </a:effectRef>
+      <a:fontRef idx="minor">
+        <a:schemeClr val="lt1"/>
+      </a:fontRef>
+    </dgm:style>
+  </dgm:styleLbl>
+  <dgm:styleLbl name="asst4">
+    <dgm:scene3d>
+      <a:camera prst="orthographicFront"/>
+      <a:lightRig rig="threePt" dir="t"/>
+    </dgm:scene3d>
+    <dgm:sp3d/>
+    <dgm:txPr/>
+    <dgm:style>
+      <a:lnRef idx="2">
+        <a:scrgbClr r="0" g="0" b="0"/>
+      </a:lnRef>
+      <a:fillRef idx="1">
+        <a:scrgbClr r="0" g="0" b="0"/>
+      </a:fillRef>
+      <a:effectRef idx="0">
+        <a:scrgbClr r="0" g="0" b="0"/>
+      </a:effectRef>
+      <a:fontRef idx="minor">
+        <a:schemeClr val="lt1"/>
+      </a:fontRef>
+    </dgm:style>
+  </dgm:styleLbl>
+  <dgm:styleLbl name="parChTrans2D1">
+    <dgm:scene3d>
+      <a:camera prst="orthographicFront"/>
+      <a:lightRig rig="threePt" dir="t"/>
+    </dgm:scene3d>
+    <dgm:sp3d/>
+    <dgm:txPr/>
+    <dgm:style>
+      <a:lnRef idx="2">
+        <a:scrgbClr r="0" g="0" b="0"/>
+      </a:lnRef>
+      <a:fillRef idx="1">
+        <a:scrgbClr r="0" g="0" b="0"/>
+      </a:fillRef>
+      <a:effectRef idx="0">
+        <a:scrgbClr r="0" g="0" b="0"/>
+      </a:effectRef>
+      <a:fontRef idx="minor">
+        <a:schemeClr val="lt1"/>
+      </a:fontRef>
+    </dgm:style>
+  </dgm:styleLbl>
+  <dgm:styleLbl name="parChTrans2D2">
+    <dgm:scene3d>
+      <a:camera prst="orthographicFront"/>
+      <a:lightRig rig="threePt" dir="t"/>
+    </dgm:scene3d>
+    <dgm:sp3d/>
+    <dgm:txPr/>
+    <dgm:style>
+      <a:lnRef idx="2">
+        <a:scrgbClr r="0" g="0" b="0"/>
+      </a:lnRef>
+      <a:fillRef idx="1">
+        <a:scrgbClr r="0" g="0" b="0"/>
+      </a:fillRef>
+      <a:effectRef idx="0">
+        <a:scrgbClr r="0" g="0" b="0"/>
+      </a:effectRef>
+      <a:fontRef idx="minor">
+        <a:schemeClr val="lt1"/>
+      </a:fontRef>
+    </dgm:style>
+  </dgm:styleLbl>
+  <dgm:styleLbl name="parChTrans2D3">
+    <dgm:scene3d>
+      <a:camera prst="orthographicFront"/>
+      <a:lightRig rig="threePt" dir="t"/>
+    </dgm:scene3d>
+    <dgm:sp3d/>
+    <dgm:txPr/>
+    <dgm:style>
+      <a:lnRef idx="2">
+        <a:scrgbClr r="0" g="0" b="0"/>
+      </a:lnRef>
+      <a:fillRef idx="1">
+        <a:scrgbClr r="0" g="0" b="0"/>
+      </a:fillRef>
+      <a:effectRef idx="0">
+        <a:scrgbClr r="0" g="0" b="0"/>
+      </a:effectRef>
+      <a:fontRef idx="minor">
+        <a:schemeClr val="lt1"/>
+      </a:fontRef>
+    </dgm:style>
+  </dgm:styleLbl>
+  <dgm:styleLbl name="parChTrans2D4">
+    <dgm:scene3d>
+      <a:camera prst="orthographicFront"/>
+      <a:lightRig rig="threePt" dir="t"/>
+    </dgm:scene3d>
+    <dgm:sp3d/>
+    <dgm:txPr/>
+    <dgm:style>
+      <a:lnRef idx="2">
+        <a:scrgbClr r="0" g="0" b="0"/>
+      </a:lnRef>
+      <a:fillRef idx="1">
+        <a:scrgbClr r="0" g="0" b="0"/>
+      </a:fillRef>
+      <a:effectRef idx="0">
+        <a:scrgbClr r="0" g="0" b="0"/>
+      </a:effectRef>
+      <a:fontRef idx="minor">
+        <a:schemeClr val="lt1"/>
+      </a:fontRef>
+    </dgm:style>
+  </dgm:styleLbl>
+  <dgm:styleLbl name="parChTrans1D1">
+    <dgm:scene3d>
+      <a:camera prst="orthographicFront"/>
+      <a:lightRig rig="threePt" dir="t"/>
+    </dgm:scene3d>
+    <dgm:sp3d/>
+    <dgm:txPr/>
+    <dgm:style>
+      <a:lnRef idx="2">
+        <a:scrgbClr r="0" g="0" b="0"/>
+      </a:lnRef>
+      <a:fillRef idx="0">
+        <a:scrgbClr r="0" g="0" b="0"/>
+      </a:fillRef>
+      <a:effectRef idx="0">
+        <a:scrgbClr r="0" g="0" b="0"/>
+      </a:effectRef>
+      <a:fontRef idx="minor"/>
+    </dgm:style>
+  </dgm:styleLbl>
+  <dgm:styleLbl name="parChTrans1D2">
+    <dgm:scene3d>
+      <a:camera prst="orthographicFront"/>
+      <a:lightRig rig="threePt" dir="t"/>
+    </dgm:scene3d>
+    <dgm:sp3d/>
+    <dgm:txPr/>
+    <dgm:style>
+      <a:lnRef idx="2">
+        <a:scrgbClr r="0" g="0" b="0"/>
+      </a:lnRef>
+      <a:fillRef idx="0">
+        <a:scrgbClr r="0" g="0" b="0"/>
+      </a:fillRef>
+      <a:effectRef idx="0">
+        <a:scrgbClr r="0" g="0" b="0"/>
+      </a:effectRef>
+      <a:fontRef idx="minor"/>
+    </dgm:style>
+  </dgm:styleLbl>
+  <dgm:styleLbl name="parChTrans1D3">
+    <dgm:scene3d>
+      <a:camera prst="orthographicFront"/>
+      <a:lightRig rig="threePt" dir="t"/>
+    </dgm:scene3d>
+    <dgm:sp3d/>
+    <dgm:txPr/>
+    <dgm:style>
+      <a:lnRef idx="2">
+        <a:scrgbClr r="0" g="0" b="0"/>
+      </a:lnRef>
+      <a:fillRef idx="0">
+        <a:scrgbClr r="0" g="0" b="0"/>
+      </a:fillRef>
+      <a:effectRef idx="0">
+        <a:scrgbClr r="0" g="0" b="0"/>
+      </a:effectRef>
+      <a:fontRef idx="minor"/>
+    </dgm:style>
+  </dgm:styleLbl>
+  <dgm:styleLbl name="parChTrans1D4">
+    <dgm:scene3d>
+      <a:camera prst="orthographicFront"/>
+      <a:lightRig rig="threePt" dir="t"/>
+    </dgm:scene3d>
+    <dgm:sp3d/>
+    <dgm:txPr/>
+    <dgm:style>
+      <a:lnRef idx="2">
+        <a:scrgbClr r="0" g="0" b="0"/>
+      </a:lnRef>
+      <a:fillRef idx="0">
+        <a:scrgbClr r="0" g="0" b="0"/>
+      </a:fillRef>
+      <a:effectRef idx="0">
+        <a:scrgbClr r="0" g="0" b="0"/>
+      </a:effectRef>
+      <a:fontRef idx="minor"/>
+    </dgm:style>
+  </dgm:styleLbl>
+  <dgm:styleLbl name="fgAcc1">
+    <dgm:scene3d>
+      <a:camera prst="orthographicFront"/>
+      <a:lightRig rig="threePt" dir="t"/>
+    </dgm:scene3d>
+    <dgm:sp3d/>
+    <dgm:txPr/>
+    <dgm:style>
+      <a:lnRef idx="2">
+        <a:scrgbClr r="0" g="0" b="0"/>
+      </a:lnRef>
+      <a:fillRef idx="1">
+        <a:scrgbClr r="0" g="0" b="0"/>
+      </a:fillRef>
+      <a:effectRef idx="0">
+        <a:scrgbClr r="0" g="0" b="0"/>
+      </a:effectRef>
+      <a:fontRef idx="minor"/>
+    </dgm:style>
+  </dgm:styleLbl>
+  <dgm:styleLbl name="conFgAcc1">
+    <dgm:scene3d>
+      <a:camera prst="orthographicFront"/>
+      <a:lightRig rig="threePt" dir="t"/>
+    </dgm:scene3d>
+    <dgm:sp3d/>
+    <dgm:txPr/>
+    <dgm:style>
+      <a:lnRef idx="2">
+        <a:scrgbClr r="0" g="0" b="0"/>
+      </a:lnRef>
+      <a:fillRef idx="1">
+        <a:scrgbClr r="0" g="0" b="0"/>
+      </a:fillRef>
+      <a:effectRef idx="0">
+        <a:scrgbClr r="0" g="0" b="0"/>
+      </a:effectRef>
+      <a:fontRef idx="minor"/>
+    </dgm:style>
+  </dgm:styleLbl>
+  <dgm:styleLbl name="alignAcc1">
+    <dgm:scene3d>
+      <a:camera prst="orthographicFront"/>
+      <a:lightRig rig="threePt" dir="t"/>
+    </dgm:scene3d>
+    <dgm:sp3d/>
+    <dgm:txPr/>
+    <dgm:style>
+      <a:lnRef idx="2">
+        <a:scrgbClr r="0" g="0" b="0"/>
+      </a:lnRef>
+      <a:fillRef idx="1">
+        <a:scrgbClr r="0" g="0" b="0"/>
+      </a:fillRef>
+      <a:effectRef idx="0">
+        <a:scrgbClr r="0" g="0" b="0"/>
+      </a:effectRef>
+      <a:fontRef idx="minor"/>
+    </dgm:style>
+  </dgm:styleLbl>
+  <dgm:styleLbl name="trAlignAcc1">
+    <dgm:scene3d>
+      <a:camera prst="orthographicFront"/>
+      <a:lightRig rig="threePt" dir="t"/>
+    </dgm:scene3d>
+    <dgm:sp3d/>
+    <dgm:txPr/>
+    <dgm:style>
+      <a:lnRef idx="1">
+        <a:scrgbClr r="0" g="0" b="0"/>
+      </a:lnRef>
+      <a:fillRef idx="1">
+        <a:scrgbClr r="0" g="0" b="0"/>
+      </a:fillRef>
+      <a:effectRef idx="0">
+        <a:scrgbClr r="0" g="0" b="0"/>
+      </a:effectRef>
+      <a:fontRef idx="minor"/>
+    </dgm:style>
+  </dgm:styleLbl>
+  <dgm:styleLbl name="bgAcc1">
+    <dgm:scene3d>
+      <a:camera prst="orthographicFront"/>
+      <a:lightRig rig="threePt" dir="t"/>
+    </dgm:scene3d>
+    <dgm:sp3d/>
+    <dgm:txPr/>
+    <dgm:style>
+      <a:lnRef idx="2">
+        <a:scrgbClr r="0" g="0" b="0"/>
+      </a:lnRef>
+      <a:fillRef idx="1">
+        <a:scrgbClr r="0" g="0" b="0"/>
+      </a:fillRef>
+      <a:effectRef idx="0">
+        <a:scrgbClr r="0" g="0" b="0"/>
+      </a:effectRef>
+      <a:fontRef idx="minor"/>
+    </dgm:style>
+  </dgm:styleLbl>
+  <dgm:styleLbl name="solidFgAcc1">
+    <dgm:scene3d>
+      <a:camera prst="orthographicFront"/>
+      <a:lightRig rig="threePt" dir="t"/>
+    </dgm:scene3d>
+    <dgm:sp3d/>
+    <dgm:txPr/>
+    <dgm:style>
+      <a:lnRef idx="2">
+        <a:scrgbClr r="0" g="0" b="0"/>
+      </a:lnRef>
+      <a:fillRef idx="1">
+        <a:scrgbClr r="0" g="0" b="0"/>
+      </a:fillRef>
+      <a:effectRef idx="0">
+        <a:scrgbClr r="0" g="0" b="0"/>
+      </a:effectRef>
+      <a:fontRef idx="minor"/>
+    </dgm:style>
+  </dgm:styleLbl>
+  <dgm:styleLbl name="solidAlignAcc1">
+    <dgm:scene3d>
+      <a:camera prst="orthographicFront"/>
+      <a:lightRig rig="threePt" dir="t"/>
+    </dgm:scene3d>
+    <dgm:sp3d/>
+    <dgm:txPr/>
+    <dgm:style>
+      <a:lnRef idx="2">
+        <a:scrgbClr r="0" g="0" b="0"/>
+      </a:lnRef>
+      <a:fillRef idx="1">
+        <a:scrgbClr r="0" g="0" b="0"/>
+      </a:fillRef>
+      <a:effectRef idx="0">
+        <a:scrgbClr r="0" g="0" b="0"/>
+      </a:effectRef>
+      <a:fontRef idx="minor"/>
+    </dgm:style>
+  </dgm:styleLbl>
+  <dgm:styleLbl name="solidBgAcc1">
+    <dgm:scene3d>
+      <a:camera prst="orthographicFront"/>
+      <a:lightRig rig="threePt" dir="t"/>
+    </dgm:scene3d>
+    <dgm:sp3d/>
+    <dgm:txPr/>
+    <dgm:style>
+      <a:lnRef idx="2">
+        <a:scrgbClr r="0" g="0" b="0"/>
+      </a:lnRef>
+      <a:fillRef idx="1">
+        <a:scrgbClr r="0" g="0" b="0"/>
+      </a:fillRef>
+      <a:effectRef idx="0">
+        <a:scrgbClr r="0" g="0" b="0"/>
+      </a:effectRef>
+      <a:fontRef idx="minor"/>
+    </dgm:style>
+  </dgm:styleLbl>
+  <dgm:styleLbl name="fgAccFollowNode1">
+    <dgm:scene3d>
+      <a:camera prst="orthographicFront"/>
+      <a:lightRig rig="threePt" dir="t"/>
+    </dgm:scene3d>
+    <dgm:sp3d/>
+    <dgm:txPr/>
+    <dgm:style>
+      <a:lnRef idx="2">
+        <a:scrgbClr r="0" g="0" b="0"/>
+      </a:lnRef>
+      <a:fillRef idx="1">
+        <a:scrgbClr r="0" g="0" b="0"/>
+      </a:fillRef>
+      <a:effectRef idx="0">
+        <a:scrgbClr r="0" g="0" b="0"/>
+      </a:effectRef>
+      <a:fontRef idx="minor"/>
+    </dgm:style>
+  </dgm:styleLbl>
+  <dgm:styleLbl name="alignAccFollowNode1">
+    <dgm:scene3d>
+      <a:camera prst="orthographicFront"/>
+      <a:lightRig rig="threePt" dir="t"/>
+    </dgm:scene3d>
+    <dgm:sp3d/>
+    <dgm:txPr/>
+    <dgm:style>
+      <a:lnRef idx="2">
+        <a:scrgbClr r="0" g="0" b="0"/>
+      </a:lnRef>
+      <a:fillRef idx="1">
+        <a:scrgbClr r="0" g="0" b="0"/>
+      </a:fillRef>
+      <a:effectRef idx="0">
+        <a:scrgbClr r="0" g="0" b="0"/>
+      </a:effectRef>
+      <a:fontRef idx="minor"/>
+    </dgm:style>
+  </dgm:styleLbl>
+  <dgm:styleLbl name="bgAccFollowNode1">
+    <dgm:scene3d>
+      <a:camera prst="orthographicFront"/>
+      <a:lightRig rig="threePt" dir="t"/>
+    </dgm:scene3d>
+    <dgm:sp3d/>
+    <dgm:txPr/>
+    <dgm:style>
+      <a:lnRef idx="2">
+        <a:scrgbClr r="0" g="0" b="0"/>
+      </a:lnRef>
+      <a:fillRef idx="1">
+        <a:scrgbClr r="0" g="0" b="0"/>
+      </a:fillRef>
+      <a:effectRef idx="0">
+        <a:scrgbClr r="0" g="0" b="0"/>
+      </a:effectRef>
+      <a:fontRef idx="minor"/>
+    </dgm:style>
+  </dgm:styleLbl>
+  <dgm:styleLbl name="fgAcc0">
+    <dgm:scene3d>
+      <a:camera prst="orthographicFront"/>
+      <a:lightRig rig="threePt" dir="t"/>
+    </dgm:scene3d>
+    <dgm:sp3d/>
+    <dgm:txPr/>
+    <dgm:style>
+      <a:lnRef idx="2">
+        <a:scrgbClr r="0" g="0" b="0"/>
+      </a:lnRef>
+      <a:fillRef idx="1">
+        <a:scrgbClr r="0" g="0" b="0"/>
+      </a:fillRef>
+      <a:effectRef idx="0">
+        <a:scrgbClr r="0" g="0" b="0"/>
+      </a:effectRef>
+      <a:fontRef idx="minor"/>
+    </dgm:style>
+  </dgm:styleLbl>
+  <dgm:styleLbl name="fgAcc2">
+    <dgm:scene3d>
+      <a:camera prst="orthographicFront"/>
+      <a:lightRig rig="threePt" dir="t"/>
+    </dgm:scene3d>
+    <dgm:sp3d/>
+    <dgm:txPr/>
+    <dgm:style>
+      <a:lnRef idx="2">
+        <a:scrgbClr r="0" g="0" b="0"/>
+      </a:lnRef>
+      <a:fillRef idx="1">
+        <a:scrgbClr r="0" g="0" b="0"/>
+      </a:fillRef>
+      <a:effectRef idx="0">
+        <a:scrgbClr r="0" g="0" b="0"/>
+      </a:effectRef>
+      <a:fontRef idx="minor"/>
+    </dgm:style>
+  </dgm:styleLbl>
+  <dgm:styleLbl name="fgAcc3">
+    <dgm:scene3d>
+      <a:camera prst="orthographicFront"/>
+      <a:lightRig rig="threePt" dir="t"/>
+    </dgm:scene3d>
+    <dgm:sp3d/>
+    <dgm:txPr/>
+    <dgm:style>
+      <a:lnRef idx="2">
+        <a:scrgbClr r="0" g="0" b="0"/>
+      </a:lnRef>
+      <a:fillRef idx="1">
+        <a:scrgbClr r="0" g="0" b="0"/>
+      </a:fillRef>
+      <a:effectRef idx="0">
+        <a:scrgbClr r="0" g="0" b="0"/>
+      </a:effectRef>
+      <a:fontRef idx="minor"/>
+    </dgm:style>
+  </dgm:styleLbl>
+  <dgm:styleLbl name="fgAcc4">
+    <dgm:scene3d>
+      <a:camera prst="orthographicFront"/>
+      <a:lightRig rig="threePt" dir="t"/>
+    </dgm:scene3d>
+    <dgm:sp3d/>
+    <dgm:txPr/>
+    <dgm:style>
+      <a:lnRef idx="2">
+        <a:scrgbClr r="0" g="0" b="0"/>
+      </a:lnRef>
+      <a:fillRef idx="1">
+        <a:scrgbClr r="0" g="0" b="0"/>
+      </a:fillRef>
+      <a:effectRef idx="0">
+        <a:scrgbClr r="0" g="0" b="0"/>
+      </a:effectRef>
+      <a:fontRef idx="minor"/>
+    </dgm:style>
+  </dgm:styleLbl>
+  <dgm:styleLbl name="bgShp">
+    <dgm:scene3d>
+      <a:camera prst="orthographicFront"/>
+      <a:lightRig rig="threePt" dir="t"/>
+    </dgm:scene3d>
+    <dgm:sp3d/>
+    <dgm:txPr/>
+    <dgm:style>
+      <a:lnRef idx="0">
+        <a:scrgbClr r="0" g="0" b="0"/>
+      </a:lnRef>
+      <a:fillRef idx="1">
+        <a:scrgbClr r="0" g="0" b="0"/>
+      </a:fillRef>
+      <a:effectRef idx="0">
+        <a:scrgbClr r="0" g="0" b="0"/>
+      </a:effectRef>
+      <a:fontRef idx="minor"/>
+    </dgm:style>
+  </dgm:styleLbl>
+  <dgm:styleLbl name="dkBgShp">
+    <dgm:scene3d>
+      <a:camera prst="orthographicFront"/>
+      <a:lightRig rig="threePt" dir="t"/>
+    </dgm:scene3d>
+    <dgm:sp3d/>
+    <dgm:txPr/>
+    <dgm:style>
+      <a:lnRef idx="0">
+        <a:scrgbClr r="0" g="0" b="0"/>
+      </a:lnRef>
+      <a:fillRef idx="1">
+        <a:scrgbClr r="0" g="0" b="0"/>
+      </a:fillRef>
+      <a:effectRef idx="0">
+        <a:scrgbClr r="0" g="0" b="0"/>
+      </a:effectRef>
+      <a:fontRef idx="minor"/>
+    </dgm:style>
+  </dgm:styleLbl>
+  <dgm:styleLbl name="trBgShp">
+    <dgm:scene3d>
+      <a:camera prst="orthographicFront"/>
+      <a:lightRig rig="threePt" dir="t"/>
+    </dgm:scene3d>
+    <dgm:sp3d/>
+    <dgm:txPr/>
+    <dgm:style>
+      <a:lnRef idx="0">
+        <a:scrgbClr r="0" g="0" b="0"/>
+      </a:lnRef>
+      <a:fillRef idx="1">
+        <a:scrgbClr r="0" g="0" b="0"/>
+      </a:fillRef>
+      <a:effectRef idx="0">
+        <a:scrgbClr r="0" g="0" b="0"/>
+      </a:effectRef>
+      <a:fontRef idx="minor"/>
+    </dgm:style>
+  </dgm:styleLbl>
+  <dgm:styleLbl name="fgShp">
+    <dgm:scene3d>
+      <a:camera prst="orthographicFront"/>
+      <a:lightRig rig="threePt" dir="t"/>
+    </dgm:scene3d>
+    <dgm:sp3d/>
+    <dgm:txPr/>
+    <dgm:style>
+      <a:lnRef idx="2">
+        <a:scrgbClr r="0" g="0" b="0"/>
+      </a:lnRef>
+      <a:fillRef idx="1">
+        <a:scrgbClr r="0" g="0" b="0"/>
+      </a:fillRef>
+      <a:effectRef idx="0">
+        <a:scrgbClr r="0" g="0" b="0"/>
+      </a:effectRef>
+      <a:fontRef idx="minor"/>
+    </dgm:style>
+  </dgm:styleLbl>
+  <dgm:styleLbl name="revTx">
+    <dgm:scene3d>
+      <a:camera prst="orthographicFront"/>
+      <a:lightRig rig="threePt" dir="t"/>
+    </dgm:scene3d>
+    <dgm:sp3d/>
+    <dgm:txPr/>
+    <dgm:style>
+      <a:lnRef idx="0">
+        <a:scrgbClr r="0" g="0" b="0"/>
+      </a:lnRef>
+      <a:fillRef idx="0">
+        <a:scrgbClr r="0" g="0" b="0"/>
+      </a:fillRef>
+      <a:effectRef idx="0">
+        <a:scrgbClr r="0" g="0" b="0"/>
+      </a:effectRef>
+      <a:fontRef idx="minor"/>
+    </dgm:style>
+  </dgm:styleLbl>
+</dgm:styleDef>
+</file>
+
+<file path=ppt/diagrams/quickStyle2.xml><?xml version="1.0" encoding="utf-8"?>
 <dgm:styleDef xmlns:dgm="http://schemas.openxmlformats.org/drawingml/2006/diagram" xmlns:a="http://schemas.openxmlformats.org/drawingml/2006/main" uniqueId="urn:microsoft.com/office/officeart/2005/8/quickstyle/simple1">
   <dgm:title val=""/>
   <dgm:desc val=""/>
@@ -3778,7 +6680,7 @@
           <a:p>
             <a:fld id="{E4AC4D70-3546-472A-9851-04223EA4CCD5}" type="datetimeFigureOut">
               <a:rPr lang="ko-KR" altLang="en-US" smtClean="0"/>
-              <a:t>2020-12-16</a:t>
+              <a:t>2020-12-20</a:t>
             </a:fld>
             <a:endParaRPr lang="ko-KR" altLang="en-US"/>
           </a:p>
@@ -3976,7 +6878,7 @@
           <a:p>
             <a:fld id="{E4AC4D70-3546-472A-9851-04223EA4CCD5}" type="datetimeFigureOut">
               <a:rPr lang="ko-KR" altLang="en-US" smtClean="0"/>
-              <a:t>2020-12-16</a:t>
+              <a:t>2020-12-20</a:t>
             </a:fld>
             <a:endParaRPr lang="ko-KR" altLang="en-US"/>
           </a:p>
@@ -4184,7 +7086,7 @@
           <a:p>
             <a:fld id="{E4AC4D70-3546-472A-9851-04223EA4CCD5}" type="datetimeFigureOut">
               <a:rPr lang="ko-KR" altLang="en-US" smtClean="0"/>
-              <a:t>2020-12-16</a:t>
+              <a:t>2020-12-20</a:t>
             </a:fld>
             <a:endParaRPr lang="ko-KR" altLang="en-US"/>
           </a:p>
@@ -4382,7 +7284,7 @@
           <a:p>
             <a:fld id="{E4AC4D70-3546-472A-9851-04223EA4CCD5}" type="datetimeFigureOut">
               <a:rPr lang="ko-KR" altLang="en-US" smtClean="0"/>
-              <a:t>2020-12-16</a:t>
+              <a:t>2020-12-20</a:t>
             </a:fld>
             <a:endParaRPr lang="ko-KR" altLang="en-US"/>
           </a:p>
@@ -4657,7 +7559,7 @@
           <a:p>
             <a:fld id="{E4AC4D70-3546-472A-9851-04223EA4CCD5}" type="datetimeFigureOut">
               <a:rPr lang="ko-KR" altLang="en-US" smtClean="0"/>
-              <a:t>2020-12-16</a:t>
+              <a:t>2020-12-20</a:t>
             </a:fld>
             <a:endParaRPr lang="ko-KR" altLang="en-US"/>
           </a:p>
@@ -4922,7 +7824,7 @@
           <a:p>
             <a:fld id="{E4AC4D70-3546-472A-9851-04223EA4CCD5}" type="datetimeFigureOut">
               <a:rPr lang="ko-KR" altLang="en-US" smtClean="0"/>
-              <a:t>2020-12-16</a:t>
+              <a:t>2020-12-20</a:t>
             </a:fld>
             <a:endParaRPr lang="ko-KR" altLang="en-US"/>
           </a:p>
@@ -5334,7 +8236,7 @@
           <a:p>
             <a:fld id="{E4AC4D70-3546-472A-9851-04223EA4CCD5}" type="datetimeFigureOut">
               <a:rPr lang="ko-KR" altLang="en-US" smtClean="0"/>
-              <a:t>2020-12-16</a:t>
+              <a:t>2020-12-20</a:t>
             </a:fld>
             <a:endParaRPr lang="ko-KR" altLang="en-US"/>
           </a:p>
@@ -5475,7 +8377,7 @@
           <a:p>
             <a:fld id="{E4AC4D70-3546-472A-9851-04223EA4CCD5}" type="datetimeFigureOut">
               <a:rPr lang="ko-KR" altLang="en-US" smtClean="0"/>
-              <a:t>2020-12-16</a:t>
+              <a:t>2020-12-20</a:t>
             </a:fld>
             <a:endParaRPr lang="ko-KR" altLang="en-US"/>
           </a:p>
@@ -5588,7 +8490,7 @@
           <a:p>
             <a:fld id="{E4AC4D70-3546-472A-9851-04223EA4CCD5}" type="datetimeFigureOut">
               <a:rPr lang="ko-KR" altLang="en-US" smtClean="0"/>
-              <a:t>2020-12-16</a:t>
+              <a:t>2020-12-20</a:t>
             </a:fld>
             <a:endParaRPr lang="ko-KR" altLang="en-US"/>
           </a:p>
@@ -5899,7 +8801,7 @@
           <a:p>
             <a:fld id="{E4AC4D70-3546-472A-9851-04223EA4CCD5}" type="datetimeFigureOut">
               <a:rPr lang="ko-KR" altLang="en-US" smtClean="0"/>
-              <a:t>2020-12-16</a:t>
+              <a:t>2020-12-20</a:t>
             </a:fld>
             <a:endParaRPr lang="ko-KR" altLang="en-US"/>
           </a:p>
@@ -6187,7 +9089,7 @@
           <a:p>
             <a:fld id="{E4AC4D70-3546-472A-9851-04223EA4CCD5}" type="datetimeFigureOut">
               <a:rPr lang="ko-KR" altLang="en-US" smtClean="0"/>
-              <a:t>2020-12-16</a:t>
+              <a:t>2020-12-20</a:t>
             </a:fld>
             <a:endParaRPr lang="ko-KR" altLang="en-US"/>
           </a:p>
@@ -6428,7 +9330,7 @@
           <a:p>
             <a:fld id="{E4AC4D70-3546-472A-9851-04223EA4CCD5}" type="datetimeFigureOut">
               <a:rPr lang="ko-KR" altLang="en-US" smtClean="0"/>
-              <a:t>2020-12-16</a:t>
+              <a:t>2020-12-20</a:t>
             </a:fld>
             <a:endParaRPr lang="ko-KR" altLang="en-US"/>
           </a:p>
@@ -6926,7 +9828,7 @@
             <a:pPr algn="l"/>
             <a:r>
               <a:rPr lang="en-US" altLang="ko-KR"/>
-              <a:t>NET Conf Kore 2021</a:t>
+              <a:t>NET Conf Korea 2021</a:t>
             </a:r>
             <a:endParaRPr lang="ko-KR" altLang="en-US"/>
           </a:p>
@@ -6976,6 +9878,738 @@
 </file>
 
 <file path=ppt/slides/slide10.xml><?xml version="1.0" encoding="utf-8"?>
+<p:sld xmlns:a="http://schemas.openxmlformats.org/drawingml/2006/main" xmlns:r="http://schemas.openxmlformats.org/officeDocument/2006/relationships" xmlns:p="http://schemas.openxmlformats.org/presentationml/2006/main">
+  <p:cSld>
+    <p:bg>
+      <p:bgPr>
+        <a:solidFill>
+          <a:schemeClr val="bg1"/>
+        </a:solidFill>
+        <a:effectLst/>
+      </p:bgPr>
+    </p:bg>
+    <p:spTree>
+      <p:nvGrpSpPr>
+        <p:cNvPr id="1" name=""/>
+        <p:cNvGrpSpPr/>
+        <p:nvPr/>
+      </p:nvGrpSpPr>
+      <p:grpSpPr>
+        <a:xfrm>
+          <a:off x="0" y="0"/>
+          <a:ext cx="0" cy="0"/>
+          <a:chOff x="0" y="0"/>
+          <a:chExt cx="0" cy="0"/>
+        </a:xfrm>
+      </p:grpSpPr>
+      <p:sp>
+        <p:nvSpPr>
+          <p:cNvPr id="9" name="Freeform: Shape 8">
+            <a:extLst>
+              <a:ext uri="{FF2B5EF4-FFF2-40B4-BE49-F238E27FC236}">
+                <a16:creationId xmlns:a16="http://schemas.microsoft.com/office/drawing/2014/main" id="{42285737-90EE-47DC-AC80-8AE156B11969}"/>
+              </a:ext>
+              <a:ext uri="{C183D7F6-B498-43B3-948B-1728B52AA6E4}">
+                <adec:decorative xmlns:adec="http://schemas.microsoft.com/office/drawing/2017/decorative" val="1"/>
+              </a:ext>
+            </a:extLst>
+          </p:cNvPr>
+          <p:cNvSpPr>
+            <a:spLocks noGrp="1" noRot="1" noChangeAspect="1" noMove="1" noResize="1" noEditPoints="1" noAdjustHandles="1" noChangeArrowheads="1" noChangeShapeType="1" noTextEdit="1"/>
+          </p:cNvSpPr>
+          <p:nvPr>
+            <p:extLst>
+              <p:ext uri="{386F3935-93C4-4BCD-93E2-E3B085C9AB24}">
+                <p16:designElem xmlns:p16="http://schemas.microsoft.com/office/powerpoint/2015/main" val="1"/>
+              </p:ext>
+            </p:extLst>
+          </p:nvPr>
+        </p:nvSpPr>
+        <p:spPr>
+          <a:xfrm flipV="1">
+            <a:off x="-1" y="-1"/>
+            <a:ext cx="4403709" cy="6858001"/>
+          </a:xfrm>
+          <a:custGeom>
+            <a:avLst/>
+            <a:gdLst>
+              <a:gd name="connsiteX0" fmla="*/ 3223890 w 4403709"/>
+              <a:gd name="connsiteY0" fmla="*/ 6858001 h 6858001"/>
+              <a:gd name="connsiteX1" fmla="*/ 4101908 w 4403709"/>
+              <a:gd name="connsiteY1" fmla="*/ 6858001 h 6858001"/>
+              <a:gd name="connsiteX2" fmla="*/ 3254950 w 4403709"/>
+              <a:gd name="connsiteY2" fmla="*/ 1599356 h 6858001"/>
+              <a:gd name="connsiteX3" fmla="*/ 3254950 w 4403709"/>
+              <a:gd name="connsiteY3" fmla="*/ 1594062 h 6858001"/>
+              <a:gd name="connsiteX4" fmla="*/ 4403709 w 4403709"/>
+              <a:gd name="connsiteY4" fmla="*/ 0 h 6858001"/>
+              <a:gd name="connsiteX5" fmla="*/ 3254950 w 4403709"/>
+              <a:gd name="connsiteY5" fmla="*/ 0 h 6858001"/>
+              <a:gd name="connsiteX6" fmla="*/ 2903520 w 4403709"/>
+              <a:gd name="connsiteY6" fmla="*/ 0 h 6858001"/>
+              <a:gd name="connsiteX7" fmla="*/ 0 w 4403709"/>
+              <a:gd name="connsiteY7" fmla="*/ 0 h 6858001"/>
+              <a:gd name="connsiteX8" fmla="*/ 0 w 4403709"/>
+              <a:gd name="connsiteY8" fmla="*/ 6858000 h 6858001"/>
+              <a:gd name="connsiteX9" fmla="*/ 3223890 w 4403709"/>
+              <a:gd name="connsiteY9" fmla="*/ 6858000 h 6858001"/>
+            </a:gdLst>
+            <a:ahLst/>
+            <a:cxnLst>
+              <a:cxn ang="0">
+                <a:pos x="connsiteX0" y="connsiteY0"/>
+              </a:cxn>
+              <a:cxn ang="0">
+                <a:pos x="connsiteX1" y="connsiteY1"/>
+              </a:cxn>
+              <a:cxn ang="0">
+                <a:pos x="connsiteX2" y="connsiteY2"/>
+              </a:cxn>
+              <a:cxn ang="0">
+                <a:pos x="connsiteX3" y="connsiteY3"/>
+              </a:cxn>
+              <a:cxn ang="0">
+                <a:pos x="connsiteX4" y="connsiteY4"/>
+              </a:cxn>
+              <a:cxn ang="0">
+                <a:pos x="connsiteX5" y="connsiteY5"/>
+              </a:cxn>
+              <a:cxn ang="0">
+                <a:pos x="connsiteX6" y="connsiteY6"/>
+              </a:cxn>
+              <a:cxn ang="0">
+                <a:pos x="connsiteX7" y="connsiteY7"/>
+              </a:cxn>
+              <a:cxn ang="0">
+                <a:pos x="connsiteX8" y="connsiteY8"/>
+              </a:cxn>
+              <a:cxn ang="0">
+                <a:pos x="connsiteX9" y="connsiteY9"/>
+              </a:cxn>
+            </a:cxnLst>
+            <a:rect l="l" t="t" r="r" b="b"/>
+            <a:pathLst>
+              <a:path w="4403709" h="6858001">
+                <a:moveTo>
+                  <a:pt x="3223890" y="6858001"/>
+                </a:moveTo>
+                <a:lnTo>
+                  <a:pt x="4101908" y="6858001"/>
+                </a:lnTo>
+                <a:lnTo>
+                  <a:pt x="3254950" y="1599356"/>
+                </a:lnTo>
+                <a:lnTo>
+                  <a:pt x="3254950" y="1594062"/>
+                </a:lnTo>
+                <a:lnTo>
+                  <a:pt x="4403709" y="0"/>
+                </a:lnTo>
+                <a:lnTo>
+                  <a:pt x="3254950" y="0"/>
+                </a:lnTo>
+                <a:lnTo>
+                  <a:pt x="2903520" y="0"/>
+                </a:lnTo>
+                <a:lnTo>
+                  <a:pt x="0" y="0"/>
+                </a:lnTo>
+                <a:lnTo>
+                  <a:pt x="0" y="6858000"/>
+                </a:lnTo>
+                <a:lnTo>
+                  <a:pt x="3223890" y="6858000"/>
+                </a:lnTo>
+                <a:close/>
+              </a:path>
+            </a:pathLst>
+          </a:custGeom>
+          <a:ln>
+            <a:noFill/>
+          </a:ln>
+        </p:spPr>
+        <p:style>
+          <a:lnRef idx="2">
+            <a:schemeClr val="accent1">
+              <a:shade val="50000"/>
+            </a:schemeClr>
+          </a:lnRef>
+          <a:fillRef idx="1002">
+            <a:schemeClr val="dk1"/>
+          </a:fillRef>
+          <a:effectRef idx="0">
+            <a:schemeClr val="accent1"/>
+          </a:effectRef>
+          <a:fontRef idx="minor">
+            <a:schemeClr val="lt1"/>
+          </a:fontRef>
+        </p:style>
+        <p:txBody>
+          <a:bodyPr rtlCol="0" anchor="ctr"/>
+          <a:lstStyle/>
+          <a:p>
+            <a:pPr marL="0" marR="0" lvl="0" indent="0" algn="ctr" defTabSz="457200" rtl="0" eaLnBrk="1" fontAlgn="auto" latinLnBrk="0" hangingPunct="1">
+              <a:lnSpc>
+                <a:spcPct val="100000"/>
+              </a:lnSpc>
+              <a:spcBef>
+                <a:spcPts val="0"/>
+              </a:spcBef>
+              <a:spcAft>
+                <a:spcPts val="0"/>
+              </a:spcAft>
+              <a:buClrTx/>
+              <a:buSzTx/>
+              <a:buFontTx/>
+              <a:buNone/>
+              <a:tabLst/>
+              <a:defRPr/>
+            </a:pPr>
+            <a:endParaRPr kumimoji="0" lang="en-US" sz="1800" b="0" i="0" u="none" strike="noStrike" kern="1200" cap="none" spc="0" normalizeH="0" baseline="0" noProof="0">
+              <a:ln>
+                <a:noFill/>
+              </a:ln>
+              <a:solidFill>
+                <a:prstClr val="black"/>
+              </a:solidFill>
+              <a:effectLst/>
+              <a:uLnTx/>
+              <a:uFillTx/>
+              <a:latin typeface="Calibri" panose="020F0502020204030204"/>
+              <a:ea typeface="+mn-ea"/>
+              <a:cs typeface="+mn-cs"/>
+            </a:endParaRPr>
+          </a:p>
+        </p:txBody>
+      </p:sp>
+      <p:grpSp>
+        <p:nvGrpSpPr>
+          <p:cNvPr id="11" name="Group 10">
+            <a:extLst>
+              <a:ext uri="{FF2B5EF4-FFF2-40B4-BE49-F238E27FC236}">
+                <a16:creationId xmlns:a16="http://schemas.microsoft.com/office/drawing/2014/main" id="{B57BDC17-F1B3-455F-BBF1-680AA1F25C06}"/>
+              </a:ext>
+              <a:ext uri="{C183D7F6-B498-43B3-948B-1728B52AA6E4}">
+                <adec:decorative xmlns:adec="http://schemas.microsoft.com/office/drawing/2017/decorative" val="1"/>
+              </a:ext>
+            </a:extLst>
+          </p:cNvPr>
+          <p:cNvGrpSpPr>
+            <a:grpSpLocks noGrp="1" noUngrp="1" noRot="1" noChangeAspect="1" noMove="1" noResize="1"/>
+          </p:cNvGrpSpPr>
+          <p:nvPr>
+            <p:extLst>
+              <p:ext uri="{386F3935-93C4-4BCD-93E2-E3B085C9AB24}">
+                <p16:designElem xmlns:p16="http://schemas.microsoft.com/office/powerpoint/2015/main" val="1"/>
+              </p:ext>
+            </p:extLst>
+          </p:nvPr>
+        </p:nvGrpSpPr>
+        <p:grpSpPr>
+          <a:xfrm>
+            <a:off x="3315292" y="0"/>
+            <a:ext cx="2436813" cy="6858001"/>
+            <a:chOff x="1320800" y="0"/>
+            <a:chExt cx="2436813" cy="6858001"/>
+          </a:xfrm>
+        </p:grpSpPr>
+        <p:sp>
+          <p:nvSpPr>
+            <p:cNvPr id="22" name="Freeform 6">
+              <a:extLst>
+                <a:ext uri="{FF2B5EF4-FFF2-40B4-BE49-F238E27FC236}">
+                  <a16:creationId xmlns:a16="http://schemas.microsoft.com/office/drawing/2014/main" id="{64E2FA9A-FEF7-4501-B0EB-5E45EDD2177A}"/>
+                </a:ext>
+                <a:ext uri="{C183D7F6-B498-43B3-948B-1728B52AA6E4}">
+                  <adec:decorative xmlns:adec="http://schemas.microsoft.com/office/drawing/2017/decorative" val="1"/>
+                </a:ext>
+              </a:extLst>
+            </p:cNvPr>
+            <p:cNvSpPr/>
+            <p:nvPr>
+              <p:extLst>
+                <p:ext uri="{386F3935-93C4-4BCD-93E2-E3B085C9AB24}">
+                  <p16:designElem xmlns:p16="http://schemas.microsoft.com/office/powerpoint/2015/main" val="1"/>
+                </p:ext>
+              </p:extLst>
+            </p:nvPr>
+          </p:nvSpPr>
+          <p:spPr bwMode="auto">
+            <a:xfrm>
+              <a:off x="1627188" y="0"/>
+              <a:ext cx="1122363" cy="5329238"/>
+            </a:xfrm>
+            <a:custGeom>
+              <a:avLst/>
+              <a:gdLst/>
+              <a:ahLst/>
+              <a:cxnLst/>
+              <a:rect l="0" t="0" r="r" b="b"/>
+              <a:pathLst>
+                <a:path w="707" h="3357">
+                  <a:moveTo>
+                    <a:pt x="0" y="3330"/>
+                  </a:moveTo>
+                  <a:lnTo>
+                    <a:pt x="156" y="3357"/>
+                  </a:lnTo>
+                  <a:lnTo>
+                    <a:pt x="707" y="0"/>
+                  </a:lnTo>
+                  <a:lnTo>
+                    <a:pt x="547" y="0"/>
+                  </a:lnTo>
+                  <a:lnTo>
+                    <a:pt x="0" y="3330"/>
+                  </a:lnTo>
+                  <a:close/>
+                </a:path>
+              </a:pathLst>
+            </a:custGeom>
+            <a:solidFill>
+              <a:schemeClr val="accent1"/>
+            </a:solidFill>
+            <a:ln>
+              <a:noFill/>
+            </a:ln>
+          </p:spPr>
+        </p:sp>
+        <p:sp>
+          <p:nvSpPr>
+            <p:cNvPr id="13" name="Freeform 7">
+              <a:extLst>
+                <a:ext uri="{FF2B5EF4-FFF2-40B4-BE49-F238E27FC236}">
+                  <a16:creationId xmlns:a16="http://schemas.microsoft.com/office/drawing/2014/main" id="{BC38192B-B4CB-47D4-A3B1-10010247F158}"/>
+                </a:ext>
+                <a:ext uri="{C183D7F6-B498-43B3-948B-1728B52AA6E4}">
+                  <adec:decorative xmlns:adec="http://schemas.microsoft.com/office/drawing/2017/decorative" val="1"/>
+                </a:ext>
+              </a:extLst>
+            </p:cNvPr>
+            <p:cNvSpPr/>
+            <p:nvPr>
+              <p:extLst>
+                <p:ext uri="{386F3935-93C4-4BCD-93E2-E3B085C9AB24}">
+                  <p16:designElem xmlns:p16="http://schemas.microsoft.com/office/powerpoint/2015/main" val="1"/>
+                </p:ext>
+              </p:extLst>
+            </p:nvPr>
+          </p:nvSpPr>
+          <p:spPr bwMode="auto">
+            <a:xfrm>
+              <a:off x="1320800" y="0"/>
+              <a:ext cx="1117600" cy="5276850"/>
+            </a:xfrm>
+            <a:custGeom>
+              <a:avLst/>
+              <a:gdLst/>
+              <a:ahLst/>
+              <a:cxnLst/>
+              <a:rect l="0" t="0" r="r" b="b"/>
+              <a:pathLst>
+                <a:path w="704" h="3324">
+                  <a:moveTo>
+                    <a:pt x="704" y="0"/>
+                  </a:moveTo>
+                  <a:lnTo>
+                    <a:pt x="545" y="0"/>
+                  </a:lnTo>
+                  <a:lnTo>
+                    <a:pt x="0" y="3300"/>
+                  </a:lnTo>
+                  <a:lnTo>
+                    <a:pt x="157" y="3324"/>
+                  </a:lnTo>
+                  <a:lnTo>
+                    <a:pt x="704" y="0"/>
+                  </a:lnTo>
+                  <a:close/>
+                </a:path>
+              </a:pathLst>
+            </a:custGeom>
+            <a:solidFill>
+              <a:srgbClr val="595959"/>
+            </a:solidFill>
+            <a:ln>
+              <a:noFill/>
+            </a:ln>
+          </p:spPr>
+        </p:sp>
+        <p:sp>
+          <p:nvSpPr>
+            <p:cNvPr id="23" name="Freeform 8">
+              <a:extLst>
+                <a:ext uri="{FF2B5EF4-FFF2-40B4-BE49-F238E27FC236}">
+                  <a16:creationId xmlns:a16="http://schemas.microsoft.com/office/drawing/2014/main" id="{96330E33-E171-4B0F-82B5-AF7230399B5C}"/>
+                </a:ext>
+                <a:ext uri="{C183D7F6-B498-43B3-948B-1728B52AA6E4}">
+                  <adec:decorative xmlns:adec="http://schemas.microsoft.com/office/drawing/2017/decorative" val="1"/>
+                </a:ext>
+              </a:extLst>
+            </p:cNvPr>
+            <p:cNvSpPr/>
+            <p:nvPr>
+              <p:extLst>
+                <p:ext uri="{386F3935-93C4-4BCD-93E2-E3B085C9AB24}">
+                  <p16:designElem xmlns:p16="http://schemas.microsoft.com/office/powerpoint/2015/main" val="1"/>
+                </p:ext>
+              </p:extLst>
+            </p:nvPr>
+          </p:nvSpPr>
+          <p:spPr bwMode="auto">
+            <a:xfrm>
+              <a:off x="1320800" y="5238750"/>
+              <a:ext cx="1228725" cy="1619250"/>
+            </a:xfrm>
+            <a:custGeom>
+              <a:avLst/>
+              <a:gdLst/>
+              <a:ahLst/>
+              <a:cxnLst/>
+              <a:rect l="0" t="0" r="r" b="b"/>
+              <a:pathLst>
+                <a:path w="774" h="1020">
+                  <a:moveTo>
+                    <a:pt x="0" y="0"/>
+                  </a:moveTo>
+                  <a:lnTo>
+                    <a:pt x="740" y="1020"/>
+                  </a:lnTo>
+                  <a:lnTo>
+                    <a:pt x="774" y="1020"/>
+                  </a:lnTo>
+                  <a:lnTo>
+                    <a:pt x="0" y="0"/>
+                  </a:lnTo>
+                  <a:close/>
+                </a:path>
+              </a:pathLst>
+            </a:custGeom>
+            <a:solidFill>
+              <a:srgbClr val="262626"/>
+            </a:solidFill>
+            <a:ln>
+              <a:noFill/>
+            </a:ln>
+          </p:spPr>
+        </p:sp>
+        <p:sp>
+          <p:nvSpPr>
+            <p:cNvPr id="15" name="Freeform 9">
+              <a:extLst>
+                <a:ext uri="{FF2B5EF4-FFF2-40B4-BE49-F238E27FC236}">
+                  <a16:creationId xmlns:a16="http://schemas.microsoft.com/office/drawing/2014/main" id="{332B1723-69BF-42D7-B757-0FA059E15256}"/>
+                </a:ext>
+                <a:ext uri="{C183D7F6-B498-43B3-948B-1728B52AA6E4}">
+                  <adec:decorative xmlns:adec="http://schemas.microsoft.com/office/drawing/2017/decorative" val="1"/>
+                </a:ext>
+              </a:extLst>
+            </p:cNvPr>
+            <p:cNvSpPr/>
+            <p:nvPr>
+              <p:extLst>
+                <p:ext uri="{386F3935-93C4-4BCD-93E2-E3B085C9AB24}">
+                  <p16:designElem xmlns:p16="http://schemas.microsoft.com/office/powerpoint/2015/main" val="1"/>
+                </p:ext>
+              </p:extLst>
+            </p:nvPr>
+          </p:nvSpPr>
+          <p:spPr bwMode="auto">
+            <a:xfrm>
+              <a:off x="1627188" y="5291138"/>
+              <a:ext cx="1495425" cy="1566863"/>
+            </a:xfrm>
+            <a:custGeom>
+              <a:avLst/>
+              <a:gdLst/>
+              <a:ahLst/>
+              <a:cxnLst/>
+              <a:rect l="0" t="0" r="r" b="b"/>
+              <a:pathLst>
+                <a:path w="942" h="987">
+                  <a:moveTo>
+                    <a:pt x="0" y="0"/>
+                  </a:moveTo>
+                  <a:lnTo>
+                    <a:pt x="909" y="987"/>
+                  </a:lnTo>
+                  <a:lnTo>
+                    <a:pt x="942" y="987"/>
+                  </a:lnTo>
+                  <a:lnTo>
+                    <a:pt x="0" y="0"/>
+                  </a:lnTo>
+                  <a:close/>
+                </a:path>
+              </a:pathLst>
+            </a:custGeom>
+            <a:solidFill>
+              <a:schemeClr val="accent1">
+                <a:lumMod val="50000"/>
+              </a:schemeClr>
+            </a:solidFill>
+            <a:ln>
+              <a:noFill/>
+            </a:ln>
+          </p:spPr>
+        </p:sp>
+        <p:sp>
+          <p:nvSpPr>
+            <p:cNvPr id="24" name="Freeform 10">
+              <a:extLst>
+                <a:ext uri="{FF2B5EF4-FFF2-40B4-BE49-F238E27FC236}">
+                  <a16:creationId xmlns:a16="http://schemas.microsoft.com/office/drawing/2014/main" id="{F115D62D-1E96-48D1-A78D-D370A0BFB9B5}"/>
+                </a:ext>
+                <a:ext uri="{C183D7F6-B498-43B3-948B-1728B52AA6E4}">
+                  <adec:decorative xmlns:adec="http://schemas.microsoft.com/office/drawing/2017/decorative" val="1"/>
+                </a:ext>
+              </a:extLst>
+            </p:cNvPr>
+            <p:cNvSpPr/>
+            <p:nvPr>
+              <p:extLst>
+                <p:ext uri="{386F3935-93C4-4BCD-93E2-E3B085C9AB24}">
+                  <p16:designElem xmlns:p16="http://schemas.microsoft.com/office/powerpoint/2015/main" val="1"/>
+                </p:ext>
+              </p:extLst>
+            </p:nvPr>
+          </p:nvSpPr>
+          <p:spPr bwMode="auto">
+            <a:xfrm>
+              <a:off x="1627188" y="5286375"/>
+              <a:ext cx="2130425" cy="1571625"/>
+            </a:xfrm>
+            <a:custGeom>
+              <a:avLst/>
+              <a:gdLst/>
+              <a:ahLst/>
+              <a:cxnLst/>
+              <a:rect l="0" t="0" r="r" b="b"/>
+              <a:pathLst>
+                <a:path w="1342" h="990">
+                  <a:moveTo>
+                    <a:pt x="0" y="3"/>
+                  </a:moveTo>
+                  <a:lnTo>
+                    <a:pt x="942" y="990"/>
+                  </a:lnTo>
+                  <a:lnTo>
+                    <a:pt x="1342" y="990"/>
+                  </a:lnTo>
+                  <a:lnTo>
+                    <a:pt x="156" y="27"/>
+                  </a:lnTo>
+                  <a:lnTo>
+                    <a:pt x="0" y="0"/>
+                  </a:lnTo>
+                  <a:lnTo>
+                    <a:pt x="0" y="3"/>
+                  </a:lnTo>
+                  <a:close/>
+                </a:path>
+              </a:pathLst>
+            </a:custGeom>
+            <a:solidFill>
+              <a:schemeClr val="accent1">
+                <a:lumMod val="75000"/>
+              </a:schemeClr>
+            </a:solidFill>
+            <a:ln>
+              <a:noFill/>
+            </a:ln>
+          </p:spPr>
+        </p:sp>
+        <p:sp>
+          <p:nvSpPr>
+            <p:cNvPr id="17" name="Freeform 11">
+              <a:extLst>
+                <a:ext uri="{FF2B5EF4-FFF2-40B4-BE49-F238E27FC236}">
+                  <a16:creationId xmlns:a16="http://schemas.microsoft.com/office/drawing/2014/main" id="{91C2876A-169D-4822-A766-C00578C88B4B}"/>
+                </a:ext>
+                <a:ext uri="{C183D7F6-B498-43B3-948B-1728B52AA6E4}">
+                  <adec:decorative xmlns:adec="http://schemas.microsoft.com/office/drawing/2017/decorative" val="1"/>
+                </a:ext>
+              </a:extLst>
+            </p:cNvPr>
+            <p:cNvSpPr/>
+            <p:nvPr>
+              <p:extLst>
+                <p:ext uri="{386F3935-93C4-4BCD-93E2-E3B085C9AB24}">
+                  <p16:designElem xmlns:p16="http://schemas.microsoft.com/office/powerpoint/2015/main" val="1"/>
+                </p:ext>
+              </p:extLst>
+            </p:nvPr>
+          </p:nvSpPr>
+          <p:spPr bwMode="auto">
+            <a:xfrm>
+              <a:off x="1320800" y="5238750"/>
+              <a:ext cx="1695450" cy="1619250"/>
+            </a:xfrm>
+            <a:custGeom>
+              <a:avLst/>
+              <a:gdLst/>
+              <a:ahLst/>
+              <a:cxnLst/>
+              <a:rect l="0" t="0" r="r" b="b"/>
+              <a:pathLst>
+                <a:path w="1068" h="1020">
+                  <a:moveTo>
+                    <a:pt x="1068" y="1020"/>
+                  </a:moveTo>
+                  <a:lnTo>
+                    <a:pt x="184" y="60"/>
+                  </a:lnTo>
+                  <a:lnTo>
+                    <a:pt x="154" y="27"/>
+                  </a:lnTo>
+                  <a:lnTo>
+                    <a:pt x="157" y="27"/>
+                  </a:lnTo>
+                  <a:lnTo>
+                    <a:pt x="157" y="24"/>
+                  </a:lnTo>
+                  <a:lnTo>
+                    <a:pt x="154" y="24"/>
+                  </a:lnTo>
+                  <a:lnTo>
+                    <a:pt x="0" y="0"/>
+                  </a:lnTo>
+                  <a:lnTo>
+                    <a:pt x="0" y="0"/>
+                  </a:lnTo>
+                  <a:lnTo>
+                    <a:pt x="774" y="1020"/>
+                  </a:lnTo>
+                  <a:lnTo>
+                    <a:pt x="1068" y="1020"/>
+                  </a:lnTo>
+                  <a:close/>
+                </a:path>
+              </a:pathLst>
+            </a:custGeom>
+            <a:solidFill>
+              <a:srgbClr val="404040"/>
+            </a:solidFill>
+            <a:ln>
+              <a:noFill/>
+            </a:ln>
+          </p:spPr>
+        </p:sp>
+      </p:grpSp>
+      <p:sp>
+        <p:nvSpPr>
+          <p:cNvPr id="2" name="제목 1">
+            <a:extLst>
+              <a:ext uri="{FF2B5EF4-FFF2-40B4-BE49-F238E27FC236}">
+                <a16:creationId xmlns:a16="http://schemas.microsoft.com/office/drawing/2014/main" id="{27165071-36C3-48DB-8442-66DB993AA301}"/>
+              </a:ext>
+            </a:extLst>
+          </p:cNvPr>
+          <p:cNvSpPr>
+            <a:spLocks noGrp="1"/>
+          </p:cNvSpPr>
+          <p:nvPr>
+            <p:ph type="title"/>
+          </p:nvPr>
+        </p:nvSpPr>
+        <p:spPr>
+          <a:xfrm>
+            <a:off x="535020" y="685800"/>
+            <a:ext cx="2780271" cy="5105400"/>
+          </a:xfrm>
+        </p:spPr>
+        <p:txBody>
+          <a:bodyPr>
+            <a:normAutofit/>
+          </a:bodyPr>
+          <a:lstStyle/>
+          <a:p>
+            <a:r>
+              <a:rPr lang="ko-KR" altLang="en-US" sz="4000">
+                <a:solidFill>
+                  <a:srgbClr val="FFFFFF"/>
+                </a:solidFill>
+              </a:rPr>
+              <a:t>닷넷코어</a:t>
+            </a:r>
+            <a:br>
+              <a:rPr lang="en-US" altLang="ko-KR" sz="4000">
+                <a:solidFill>
+                  <a:srgbClr val="FFFFFF"/>
+                </a:solidFill>
+              </a:rPr>
+            </a:br>
+            <a:r>
+              <a:rPr lang="en-US" altLang="ko-KR" sz="4000">
+                <a:solidFill>
+                  <a:srgbClr val="FFFFFF"/>
+                </a:solidFill>
+              </a:rPr>
+              <a:t>AKKA.NET</a:t>
+            </a:r>
+            <a:br>
+              <a:rPr lang="en-US" altLang="ko-KR" sz="4000">
+                <a:solidFill>
+                  <a:srgbClr val="FFFFFF"/>
+                </a:solidFill>
+              </a:rPr>
+            </a:br>
+            <a:r>
+              <a:rPr lang="ko-KR" altLang="en-US" sz="4000">
+                <a:solidFill>
+                  <a:srgbClr val="FFFFFF"/>
+                </a:solidFill>
+              </a:rPr>
+              <a:t>탑재및실습</a:t>
+            </a:r>
+          </a:p>
+        </p:txBody>
+      </p:sp>
+      <p:graphicFrame>
+        <p:nvGraphicFramePr>
+          <p:cNvPr id="5" name="내용 개체 틀 2">
+            <a:extLst>
+              <a:ext uri="{FF2B5EF4-FFF2-40B4-BE49-F238E27FC236}">
+                <a16:creationId xmlns:a16="http://schemas.microsoft.com/office/drawing/2014/main" id="{19FB79D9-3891-47E7-82C3-E279FF68E6BE}"/>
+              </a:ext>
+            </a:extLst>
+          </p:cNvPr>
+          <p:cNvGraphicFramePr>
+            <a:graphicFrameLocks noGrp="1"/>
+          </p:cNvGraphicFramePr>
+          <p:nvPr>
+            <p:ph idx="1"/>
+            <p:extLst>
+              <p:ext uri="{D42A27DB-BD31-4B8C-83A1-F6EECF244321}">
+                <p14:modId xmlns:p14="http://schemas.microsoft.com/office/powerpoint/2010/main" val="910497934"/>
+              </p:ext>
+            </p:extLst>
+          </p:nvPr>
+        </p:nvGraphicFramePr>
+        <p:xfrm>
+          <a:off x="5010150" y="685800"/>
+          <a:ext cx="6492875" cy="5105400"/>
+        </p:xfrm>
+        <a:graphic>
+          <a:graphicData uri="http://schemas.openxmlformats.org/drawingml/2006/diagram">
+            <dgm:relIds xmlns:dgm="http://schemas.openxmlformats.org/drawingml/2006/diagram" xmlns:r="http://schemas.openxmlformats.org/officeDocument/2006/relationships" r:dm="rId2" r:lo="rId3" r:qs="rId4" r:cs="rId5"/>
+          </a:graphicData>
+        </a:graphic>
+      </p:graphicFrame>
+    </p:spTree>
+    <p:extLst>
+      <p:ext uri="{BB962C8B-B14F-4D97-AF65-F5344CB8AC3E}">
+        <p14:creationId xmlns:p14="http://schemas.microsoft.com/office/powerpoint/2010/main" val="2644794125"/>
+      </p:ext>
+    </p:extLst>
+  </p:cSld>
+  <p:clrMapOvr>
+    <a:masterClrMapping/>
+  </p:clrMapOvr>
+</p:sld>
+</file>
+
+<file path=ppt/slides/slide11.xml><?xml version="1.0" encoding="utf-8"?>
 <p:sld xmlns:a="http://schemas.openxmlformats.org/drawingml/2006/main" xmlns:r="http://schemas.openxmlformats.org/officeDocument/2006/relationships" xmlns:p="http://schemas.openxmlformats.org/presentationml/2006/main">
   <p:cSld>
     <p:bg>
@@ -7408,7 +11042,7 @@
 </p:sld>
 </file>
 
-<file path=ppt/slides/slide11.xml><?xml version="1.0" encoding="utf-8"?>
+<file path=ppt/slides/slide12.xml><?xml version="1.0" encoding="utf-8"?>
 <p:sld xmlns:a="http://schemas.openxmlformats.org/drawingml/2006/main" xmlns:r="http://schemas.openxmlformats.org/officeDocument/2006/relationships" xmlns:p="http://schemas.openxmlformats.org/presentationml/2006/main">
   <p:cSld>
     <p:spTree>
@@ -7822,7 +11456,7 @@
 </p:sld>
 </file>
 
-<file path=ppt/slides/slide12.xml><?xml version="1.0" encoding="utf-8"?>
+<file path=ppt/slides/slide13.xml><?xml version="1.0" encoding="utf-8"?>
 <p:sld xmlns:a="http://schemas.openxmlformats.org/drawingml/2006/main" xmlns:r="http://schemas.openxmlformats.org/officeDocument/2006/relationships" xmlns:p="http://schemas.openxmlformats.org/presentationml/2006/main">
   <p:cSld>
     <p:bg>
@@ -8662,7 +12296,7 @@
           <a:p>
             <a:r>
               <a:rPr lang="en-US" altLang="ko-KR"/>
-              <a:t>AKKA Labs : </a:t>
+              <a:t>FaceBook : </a:t>
             </a:r>
             <a:r>
               <a:rPr lang="en-US" altLang="ko-KR">
@@ -8674,8 +12308,12 @@
           </a:p>
           <a:p>
             <a:r>
+              <a:rPr lang="en-US" altLang="ko-KR"/>
+              <a:t>WIKI</a:t>
+            </a:r>
+            <a:r>
               <a:rPr lang="ko-KR" altLang="en-US"/>
-              <a:t>개발 컨텐츠 </a:t>
+              <a:t> </a:t>
             </a:r>
             <a:r>
               <a:rPr lang="en-US" altLang="ko-KR"/>
@@ -8809,6 +12447,18 @@
           </a:p>
           <a:p>
             <a:r>
+              <a:rPr lang="en-US" altLang="ko-KR"/>
+              <a:t>AKKA</a:t>
+            </a:r>
+            <a:r>
+              <a:rPr lang="ko-KR" altLang="en-US"/>
+              <a:t>의 메시징기능을 활용</a:t>
+            </a:r>
+            <a:r>
+              <a:rPr lang="en-US" altLang="ko-KR"/>
+              <a:t>,</a:t>
+            </a:r>
+            <a:r>
               <a:rPr lang="ko-KR" altLang="en-US"/>
               <a:t>닷넷 코어 </a:t>
             </a:r>
@@ -8818,7 +12468,7 @@
             </a:r>
             <a:r>
               <a:rPr lang="ko-KR" altLang="en-US"/>
-              <a:t>에서 액터모델을 활용하기</a:t>
+              <a:t>기능을 풍성하게하기</a:t>
             </a:r>
             <a:endParaRPr lang="en-US" altLang="ko-KR"/>
           </a:p>
@@ -8869,6 +12519,184 @@
 </file>
 
 <file path=ppt/slides/slide4.xml><?xml version="1.0" encoding="utf-8"?>
+<p:sld xmlns:a="http://schemas.openxmlformats.org/drawingml/2006/main" xmlns:r="http://schemas.openxmlformats.org/officeDocument/2006/relationships" xmlns:p="http://schemas.openxmlformats.org/presentationml/2006/main">
+  <p:cSld>
+    <p:spTree>
+      <p:nvGrpSpPr>
+        <p:cNvPr id="1" name=""/>
+        <p:cNvGrpSpPr/>
+        <p:nvPr/>
+      </p:nvGrpSpPr>
+      <p:grpSpPr>
+        <a:xfrm>
+          <a:off x="0" y="0"/>
+          <a:ext cx="0" cy="0"/>
+          <a:chOff x="0" y="0"/>
+          <a:chExt cx="0" cy="0"/>
+        </a:xfrm>
+      </p:grpSpPr>
+      <p:pic>
+        <p:nvPicPr>
+          <p:cNvPr id="4" name="그림 3">
+            <a:extLst>
+              <a:ext uri="{FF2B5EF4-FFF2-40B4-BE49-F238E27FC236}">
+                <a16:creationId xmlns:a16="http://schemas.microsoft.com/office/drawing/2014/main" id="{83C72607-846F-43B3-936C-52DC0C82AEB3}"/>
+              </a:ext>
+            </a:extLst>
+          </p:cNvPr>
+          <p:cNvPicPr>
+            <a:picLocks noChangeAspect="1"/>
+          </p:cNvPicPr>
+          <p:nvPr/>
+        </p:nvPicPr>
+        <p:blipFill>
+          <a:blip r:embed="rId2"/>
+          <a:stretch>
+            <a:fillRect/>
+          </a:stretch>
+        </p:blipFill>
+        <p:spPr>
+          <a:xfrm>
+            <a:off x="4755406" y="1340768"/>
+            <a:ext cx="7092217" cy="4896544"/>
+          </a:xfrm>
+          <a:prstGeom prst="rect">
+            <a:avLst/>
+          </a:prstGeom>
+          <a:ln>
+            <a:noFill/>
+          </a:ln>
+          <a:effectLst>
+            <a:outerShdw blurRad="107950" dist="12700" dir="5400000" algn="ctr">
+              <a:srgbClr val="000000"/>
+            </a:outerShdw>
+          </a:effectLst>
+          <a:scene3d>
+            <a:camera prst="orthographicFront">
+              <a:rot lat="0" lon="0" rev="0"/>
+            </a:camera>
+            <a:lightRig rig="soft" dir="t">
+              <a:rot lat="0" lon="0" rev="0"/>
+            </a:lightRig>
+          </a:scene3d>
+          <a:sp3d contourW="44450" prstMaterial="matte">
+            <a:bevelT w="63500" h="63500" prst="artDeco"/>
+            <a:contourClr>
+              <a:srgbClr val="FFFFFF"/>
+            </a:contourClr>
+          </a:sp3d>
+        </p:spPr>
+        <p:style>
+          <a:lnRef idx="1">
+            <a:schemeClr val="dk1"/>
+          </a:lnRef>
+          <a:fillRef idx="2">
+            <a:schemeClr val="dk1"/>
+          </a:fillRef>
+          <a:effectRef idx="1">
+            <a:schemeClr val="dk1"/>
+          </a:effectRef>
+          <a:fontRef idx="minor">
+            <a:schemeClr val="dk1"/>
+          </a:fontRef>
+        </p:style>
+      </p:pic>
+      <p:sp>
+        <p:nvSpPr>
+          <p:cNvPr id="6" name="제목 1">
+            <a:extLst>
+              <a:ext uri="{FF2B5EF4-FFF2-40B4-BE49-F238E27FC236}">
+                <a16:creationId xmlns:a16="http://schemas.microsoft.com/office/drawing/2014/main" id="{FD29FBC5-2D6F-4BAA-BC11-84885EC5D1BD}"/>
+              </a:ext>
+            </a:extLst>
+          </p:cNvPr>
+          <p:cNvSpPr>
+            <a:spLocks noGrp="1"/>
+          </p:cNvSpPr>
+          <p:nvPr>
+            <p:ph type="title"/>
+          </p:nvPr>
+        </p:nvSpPr>
+        <p:spPr>
+          <a:xfrm>
+            <a:off x="405780" y="0"/>
+            <a:ext cx="6018232" cy="1143000"/>
+          </a:xfrm>
+        </p:spPr>
+        <p:txBody>
+          <a:bodyPr rtlCol="0"/>
+          <a:lstStyle/>
+          <a:p>
+            <a:pPr rtl="0"/>
+            <a:r>
+              <a:rPr lang="en-US" altLang="ko-KR"/>
+              <a:t>AKKA</a:t>
+            </a:r>
+            <a:r>
+              <a:rPr lang="ko-KR" altLang="en-US"/>
+              <a:t> </a:t>
+            </a:r>
+            <a:r>
+              <a:rPr lang="en-US" altLang="ko-KR"/>
+              <a:t>Actor</a:t>
+            </a:r>
+            <a:r>
+              <a:rPr lang="ko-KR" altLang="en-US"/>
+              <a:t> </a:t>
+            </a:r>
+            <a:r>
+              <a:rPr lang="en-US" altLang="ko-KR"/>
+              <a:t>System</a:t>
+            </a:r>
+            <a:endParaRPr lang="ko-KR" altLang="en-US" dirty="0">
+              <a:latin typeface="맑은 고딕" panose="020B0503020000020004" pitchFamily="50" charset="-127"/>
+              <a:ea typeface="맑은 고딕" panose="020B0503020000020004" pitchFamily="50" charset="-127"/>
+            </a:endParaRPr>
+          </a:p>
+        </p:txBody>
+      </p:sp>
+      <p:graphicFrame>
+        <p:nvGraphicFramePr>
+          <p:cNvPr id="8" name="다이어그램 7">
+            <a:extLst>
+              <a:ext uri="{FF2B5EF4-FFF2-40B4-BE49-F238E27FC236}">
+                <a16:creationId xmlns:a16="http://schemas.microsoft.com/office/drawing/2014/main" id="{2751974F-65CA-4715-A648-065372057AEC}"/>
+              </a:ext>
+            </a:extLst>
+          </p:cNvPr>
+          <p:cNvGraphicFramePr/>
+          <p:nvPr>
+            <p:extLst>
+              <p:ext uri="{D42A27DB-BD31-4B8C-83A1-F6EECF244321}">
+                <p14:modId xmlns:p14="http://schemas.microsoft.com/office/powerpoint/2010/main" val="148842483"/>
+              </p:ext>
+            </p:extLst>
+          </p:nvPr>
+        </p:nvGraphicFramePr>
+        <p:xfrm>
+          <a:off x="372435" y="1199220"/>
+          <a:ext cx="4137801" cy="5038092"/>
+        </p:xfrm>
+        <a:graphic>
+          <a:graphicData uri="http://schemas.openxmlformats.org/drawingml/2006/diagram">
+            <dgm:relIds xmlns:dgm="http://schemas.openxmlformats.org/drawingml/2006/diagram" xmlns:r="http://schemas.openxmlformats.org/officeDocument/2006/relationships" r:dm="rId3" r:lo="rId4" r:qs="rId5" r:cs="rId6"/>
+          </a:graphicData>
+        </a:graphic>
+      </p:graphicFrame>
+    </p:spTree>
+    <p:extLst>
+      <p:ext uri="{BB962C8B-B14F-4D97-AF65-F5344CB8AC3E}">
+        <p14:creationId xmlns:p14="http://schemas.microsoft.com/office/powerpoint/2010/main" val="4082880612"/>
+      </p:ext>
+    </p:extLst>
+  </p:cSld>
+  <p:clrMapOvr>
+    <a:masterClrMapping/>
+  </p:clrMapOvr>
+</p:sld>
+</file>
+
+<file path=ppt/slides/slide5.xml><?xml version="1.0" encoding="utf-8"?>
 <p:sld xmlns:a="http://schemas.openxmlformats.org/drawingml/2006/main" xmlns:r="http://schemas.openxmlformats.org/officeDocument/2006/relationships" xmlns:p="http://schemas.openxmlformats.org/presentationml/2006/main">
   <p:cSld>
     <p:bg>
@@ -9357,7 +13185,7 @@
 </p:sld>
 </file>
 
-<file path=ppt/slides/slide5.xml><?xml version="1.0" encoding="utf-8"?>
+<file path=ppt/slides/slide6.xml><?xml version="1.0" encoding="utf-8"?>
 <p:sld xmlns:a="http://schemas.openxmlformats.org/drawingml/2006/main" xmlns:r="http://schemas.openxmlformats.org/officeDocument/2006/relationships" xmlns:p="http://schemas.openxmlformats.org/presentationml/2006/main">
   <p:cSld>
     <p:bg>
@@ -9746,6 +13574,13 @@
           <a:p>
             <a:pPr latinLnBrk="0"/>
             <a:r>
+              <a:rPr lang="en-US" altLang="ko-KR" sz="2000"/>
+              <a:t>AP/UB/BO Online Poker</a:t>
+            </a:r>
+          </a:p>
+          <a:p>
+            <a:pPr latinLnBrk="0"/>
+            <a:r>
               <a:rPr lang="ko-KR" altLang="en-US" sz="2000"/>
               <a:t>특정게임카테고리</a:t>
             </a:r>
@@ -9963,7 +13798,7 @@
 </p:sld>
 </file>
 
-<file path=ppt/slides/slide6.xml><?xml version="1.0" encoding="utf-8"?>
+<file path=ppt/slides/slide7.xml><?xml version="1.0" encoding="utf-8"?>
 <p:sld xmlns:a="http://schemas.openxmlformats.org/drawingml/2006/main" xmlns:r="http://schemas.openxmlformats.org/officeDocument/2006/relationships" xmlns:p="http://schemas.openxmlformats.org/presentationml/2006/main">
   <p:cSld>
     <p:bg>
@@ -10741,30 +14576,30 @@
             </a:br>
             <a:r>
               <a:rPr lang="ko-KR" altLang="en-US"/>
+              <a:t>나이키 더드로우 이벤트 대량발송 </a:t>
+            </a:r>
+            <a:r>
+              <a:rPr lang="en-US" altLang="ko-KR"/>
+              <a:t>– Akka.net / </a:t>
+            </a:r>
+            <a:r>
+              <a:rPr lang="ko-KR" altLang="en-US"/>
+              <a:t>쥬피터</a:t>
+            </a:r>
+            <a:endParaRPr lang="en-US" altLang="ko-KR"/>
+          </a:p>
+          <a:p>
+            <a:endParaRPr lang="en-US" altLang="ko-KR"/>
+          </a:p>
+          <a:p>
+            <a:r>
+              <a:rPr lang="ko-KR" altLang="en-US"/>
               <a:t>카카오모빌리티 챗봇 </a:t>
             </a:r>
             <a:r>
               <a:rPr lang="en-US" altLang="ko-KR"/>
               <a:t>- Akka.net</a:t>
             </a:r>
-          </a:p>
-          <a:p>
-            <a:endParaRPr lang="en-US" altLang="ko-KR"/>
-          </a:p>
-          <a:p>
-            <a:r>
-              <a:rPr lang="ko-KR" altLang="en-US"/>
-              <a:t>나이키 더드로우 이벤트 대량발송 </a:t>
-            </a:r>
-            <a:r>
-              <a:rPr lang="en-US" altLang="ko-KR"/>
-              <a:t>– Akka.net / </a:t>
-            </a:r>
-            <a:r>
-              <a:rPr lang="ko-KR" altLang="en-US"/>
-              <a:t>주피터</a:t>
-            </a:r>
-            <a:endParaRPr lang="en-US" altLang="ko-KR"/>
           </a:p>
           <a:p>
             <a:endParaRPr lang="en-US" altLang="ko-KR"/>
@@ -10832,7 +14667,7 @@
 </p:sld>
 </file>
 
-<file path=ppt/slides/slide7.xml><?xml version="1.0" encoding="utf-8"?>
+<file path=ppt/slides/slide8.xml><?xml version="1.0" encoding="utf-8"?>
 <p:sld xmlns:a="http://schemas.openxmlformats.org/drawingml/2006/main" xmlns:r="http://schemas.openxmlformats.org/officeDocument/2006/relationships" xmlns:p="http://schemas.openxmlformats.org/presentationml/2006/main">
   <p:cSld>
     <p:bg>
@@ -11573,7 +15408,7 @@
 </p:sld>
 </file>
 
-<file path=ppt/slides/slide8.xml><?xml version="1.0" encoding="utf-8"?>
+<file path=ppt/slides/slide9.xml><?xml version="1.0" encoding="utf-8"?>
 <p:sld xmlns:a="http://schemas.openxmlformats.org/drawingml/2006/main" xmlns:r="http://schemas.openxmlformats.org/officeDocument/2006/relationships" xmlns:p="http://schemas.openxmlformats.org/presentationml/2006/main">
   <p:cSld>
     <p:bg>
@@ -11990,724 +15825,6 @@
     <p:extLst>
       <p:ext uri="{BB962C8B-B14F-4D97-AF65-F5344CB8AC3E}">
         <p14:creationId xmlns:p14="http://schemas.microsoft.com/office/powerpoint/2010/main" val="2332935380"/>
-      </p:ext>
-    </p:extLst>
-  </p:cSld>
-  <p:clrMapOvr>
-    <a:masterClrMapping/>
-  </p:clrMapOvr>
-</p:sld>
-</file>
-
-<file path=ppt/slides/slide9.xml><?xml version="1.0" encoding="utf-8"?>
-<p:sld xmlns:a="http://schemas.openxmlformats.org/drawingml/2006/main" xmlns:r="http://schemas.openxmlformats.org/officeDocument/2006/relationships" xmlns:p="http://schemas.openxmlformats.org/presentationml/2006/main">
-  <p:cSld>
-    <p:bg>
-      <p:bgPr>
-        <a:solidFill>
-          <a:schemeClr val="bg1"/>
-        </a:solidFill>
-        <a:effectLst/>
-      </p:bgPr>
-    </p:bg>
-    <p:spTree>
-      <p:nvGrpSpPr>
-        <p:cNvPr id="1" name=""/>
-        <p:cNvGrpSpPr/>
-        <p:nvPr/>
-      </p:nvGrpSpPr>
-      <p:grpSpPr>
-        <a:xfrm>
-          <a:off x="0" y="0"/>
-          <a:ext cx="0" cy="0"/>
-          <a:chOff x="0" y="0"/>
-          <a:chExt cx="0" cy="0"/>
-        </a:xfrm>
-      </p:grpSpPr>
-      <p:sp>
-        <p:nvSpPr>
-          <p:cNvPr id="9" name="Freeform: Shape 8">
-            <a:extLst>
-              <a:ext uri="{FF2B5EF4-FFF2-40B4-BE49-F238E27FC236}">
-                <a16:creationId xmlns:a16="http://schemas.microsoft.com/office/drawing/2014/main" id="{42285737-90EE-47DC-AC80-8AE156B11969}"/>
-              </a:ext>
-              <a:ext uri="{C183D7F6-B498-43B3-948B-1728B52AA6E4}">
-                <adec:decorative xmlns:adec="http://schemas.microsoft.com/office/drawing/2017/decorative" val="1"/>
-              </a:ext>
-            </a:extLst>
-          </p:cNvPr>
-          <p:cNvSpPr>
-            <a:spLocks noGrp="1" noRot="1" noChangeAspect="1" noMove="1" noResize="1" noEditPoints="1" noAdjustHandles="1" noChangeArrowheads="1" noChangeShapeType="1" noTextEdit="1"/>
-          </p:cNvSpPr>
-          <p:nvPr>
-            <p:extLst>
-              <p:ext uri="{386F3935-93C4-4BCD-93E2-E3B085C9AB24}">
-                <p16:designElem xmlns:p16="http://schemas.microsoft.com/office/powerpoint/2015/main" val="1"/>
-              </p:ext>
-            </p:extLst>
-          </p:nvPr>
-        </p:nvSpPr>
-        <p:spPr>
-          <a:xfrm flipV="1">
-            <a:off x="-1" y="-1"/>
-            <a:ext cx="4403709" cy="6858001"/>
-          </a:xfrm>
-          <a:custGeom>
-            <a:avLst/>
-            <a:gdLst>
-              <a:gd name="connsiteX0" fmla="*/ 3223890 w 4403709"/>
-              <a:gd name="connsiteY0" fmla="*/ 6858001 h 6858001"/>
-              <a:gd name="connsiteX1" fmla="*/ 4101908 w 4403709"/>
-              <a:gd name="connsiteY1" fmla="*/ 6858001 h 6858001"/>
-              <a:gd name="connsiteX2" fmla="*/ 3254950 w 4403709"/>
-              <a:gd name="connsiteY2" fmla="*/ 1599356 h 6858001"/>
-              <a:gd name="connsiteX3" fmla="*/ 3254950 w 4403709"/>
-              <a:gd name="connsiteY3" fmla="*/ 1594062 h 6858001"/>
-              <a:gd name="connsiteX4" fmla="*/ 4403709 w 4403709"/>
-              <a:gd name="connsiteY4" fmla="*/ 0 h 6858001"/>
-              <a:gd name="connsiteX5" fmla="*/ 3254950 w 4403709"/>
-              <a:gd name="connsiteY5" fmla="*/ 0 h 6858001"/>
-              <a:gd name="connsiteX6" fmla="*/ 2903520 w 4403709"/>
-              <a:gd name="connsiteY6" fmla="*/ 0 h 6858001"/>
-              <a:gd name="connsiteX7" fmla="*/ 0 w 4403709"/>
-              <a:gd name="connsiteY7" fmla="*/ 0 h 6858001"/>
-              <a:gd name="connsiteX8" fmla="*/ 0 w 4403709"/>
-              <a:gd name="connsiteY8" fmla="*/ 6858000 h 6858001"/>
-              <a:gd name="connsiteX9" fmla="*/ 3223890 w 4403709"/>
-              <a:gd name="connsiteY9" fmla="*/ 6858000 h 6858001"/>
-            </a:gdLst>
-            <a:ahLst/>
-            <a:cxnLst>
-              <a:cxn ang="0">
-                <a:pos x="connsiteX0" y="connsiteY0"/>
-              </a:cxn>
-              <a:cxn ang="0">
-                <a:pos x="connsiteX1" y="connsiteY1"/>
-              </a:cxn>
-              <a:cxn ang="0">
-                <a:pos x="connsiteX2" y="connsiteY2"/>
-              </a:cxn>
-              <a:cxn ang="0">
-                <a:pos x="connsiteX3" y="connsiteY3"/>
-              </a:cxn>
-              <a:cxn ang="0">
-                <a:pos x="connsiteX4" y="connsiteY4"/>
-              </a:cxn>
-              <a:cxn ang="0">
-                <a:pos x="connsiteX5" y="connsiteY5"/>
-              </a:cxn>
-              <a:cxn ang="0">
-                <a:pos x="connsiteX6" y="connsiteY6"/>
-              </a:cxn>
-              <a:cxn ang="0">
-                <a:pos x="connsiteX7" y="connsiteY7"/>
-              </a:cxn>
-              <a:cxn ang="0">
-                <a:pos x="connsiteX8" y="connsiteY8"/>
-              </a:cxn>
-              <a:cxn ang="0">
-                <a:pos x="connsiteX9" y="connsiteY9"/>
-              </a:cxn>
-            </a:cxnLst>
-            <a:rect l="l" t="t" r="r" b="b"/>
-            <a:pathLst>
-              <a:path w="4403709" h="6858001">
-                <a:moveTo>
-                  <a:pt x="3223890" y="6858001"/>
-                </a:moveTo>
-                <a:lnTo>
-                  <a:pt x="4101908" y="6858001"/>
-                </a:lnTo>
-                <a:lnTo>
-                  <a:pt x="3254950" y="1599356"/>
-                </a:lnTo>
-                <a:lnTo>
-                  <a:pt x="3254950" y="1594062"/>
-                </a:lnTo>
-                <a:lnTo>
-                  <a:pt x="4403709" y="0"/>
-                </a:lnTo>
-                <a:lnTo>
-                  <a:pt x="3254950" y="0"/>
-                </a:lnTo>
-                <a:lnTo>
-                  <a:pt x="2903520" y="0"/>
-                </a:lnTo>
-                <a:lnTo>
-                  <a:pt x="0" y="0"/>
-                </a:lnTo>
-                <a:lnTo>
-                  <a:pt x="0" y="6858000"/>
-                </a:lnTo>
-                <a:lnTo>
-                  <a:pt x="3223890" y="6858000"/>
-                </a:lnTo>
-                <a:close/>
-              </a:path>
-            </a:pathLst>
-          </a:custGeom>
-          <a:ln>
-            <a:noFill/>
-          </a:ln>
-        </p:spPr>
-        <p:style>
-          <a:lnRef idx="2">
-            <a:schemeClr val="accent1">
-              <a:shade val="50000"/>
-            </a:schemeClr>
-          </a:lnRef>
-          <a:fillRef idx="1002">
-            <a:schemeClr val="dk1"/>
-          </a:fillRef>
-          <a:effectRef idx="0">
-            <a:schemeClr val="accent1"/>
-          </a:effectRef>
-          <a:fontRef idx="minor">
-            <a:schemeClr val="lt1"/>
-          </a:fontRef>
-        </p:style>
-        <p:txBody>
-          <a:bodyPr rtlCol="0" anchor="ctr"/>
-          <a:lstStyle/>
-          <a:p>
-            <a:pPr marL="0" marR="0" lvl="0" indent="0" algn="ctr" defTabSz="457200" rtl="0" eaLnBrk="1" fontAlgn="auto" latinLnBrk="0" hangingPunct="1">
-              <a:lnSpc>
-                <a:spcPct val="100000"/>
-              </a:lnSpc>
-              <a:spcBef>
-                <a:spcPts val="0"/>
-              </a:spcBef>
-              <a:spcAft>
-                <a:spcPts val="0"/>
-              </a:spcAft>
-              <a:buClrTx/>
-              <a:buSzTx/>
-              <a:buFontTx/>
-              <a:buNone/>
-              <a:tabLst/>
-              <a:defRPr/>
-            </a:pPr>
-            <a:endParaRPr kumimoji="0" lang="en-US" sz="1800" b="0" i="0" u="none" strike="noStrike" kern="1200" cap="none" spc="0" normalizeH="0" baseline="0" noProof="0">
-              <a:ln>
-                <a:noFill/>
-              </a:ln>
-              <a:solidFill>
-                <a:prstClr val="black"/>
-              </a:solidFill>
-              <a:effectLst/>
-              <a:uLnTx/>
-              <a:uFillTx/>
-              <a:latin typeface="Calibri" panose="020F0502020204030204"/>
-              <a:ea typeface="+mn-ea"/>
-              <a:cs typeface="+mn-cs"/>
-            </a:endParaRPr>
-          </a:p>
-        </p:txBody>
-      </p:sp>
-      <p:grpSp>
-        <p:nvGrpSpPr>
-          <p:cNvPr id="11" name="Group 10">
-            <a:extLst>
-              <a:ext uri="{FF2B5EF4-FFF2-40B4-BE49-F238E27FC236}">
-                <a16:creationId xmlns:a16="http://schemas.microsoft.com/office/drawing/2014/main" id="{B57BDC17-F1B3-455F-BBF1-680AA1F25C06}"/>
-              </a:ext>
-              <a:ext uri="{C183D7F6-B498-43B3-948B-1728B52AA6E4}">
-                <adec:decorative xmlns:adec="http://schemas.microsoft.com/office/drawing/2017/decorative" val="1"/>
-              </a:ext>
-            </a:extLst>
-          </p:cNvPr>
-          <p:cNvGrpSpPr>
-            <a:grpSpLocks noGrp="1" noUngrp="1" noRot="1" noChangeAspect="1" noMove="1" noResize="1"/>
-          </p:cNvGrpSpPr>
-          <p:nvPr>
-            <p:extLst>
-              <p:ext uri="{386F3935-93C4-4BCD-93E2-E3B085C9AB24}">
-                <p16:designElem xmlns:p16="http://schemas.microsoft.com/office/powerpoint/2015/main" val="1"/>
-              </p:ext>
-            </p:extLst>
-          </p:nvPr>
-        </p:nvGrpSpPr>
-        <p:grpSpPr>
-          <a:xfrm>
-            <a:off x="3315292" y="0"/>
-            <a:ext cx="2436813" cy="6858001"/>
-            <a:chOff x="1320800" y="0"/>
-            <a:chExt cx="2436813" cy="6858001"/>
-          </a:xfrm>
-        </p:grpSpPr>
-        <p:sp>
-          <p:nvSpPr>
-            <p:cNvPr id="22" name="Freeform 6">
-              <a:extLst>
-                <a:ext uri="{FF2B5EF4-FFF2-40B4-BE49-F238E27FC236}">
-                  <a16:creationId xmlns:a16="http://schemas.microsoft.com/office/drawing/2014/main" id="{64E2FA9A-FEF7-4501-B0EB-5E45EDD2177A}"/>
-                </a:ext>
-                <a:ext uri="{C183D7F6-B498-43B3-948B-1728B52AA6E4}">
-                  <adec:decorative xmlns:adec="http://schemas.microsoft.com/office/drawing/2017/decorative" val="1"/>
-                </a:ext>
-              </a:extLst>
-            </p:cNvPr>
-            <p:cNvSpPr/>
-            <p:nvPr>
-              <p:extLst>
-                <p:ext uri="{386F3935-93C4-4BCD-93E2-E3B085C9AB24}">
-                  <p16:designElem xmlns:p16="http://schemas.microsoft.com/office/powerpoint/2015/main" val="1"/>
-                </p:ext>
-              </p:extLst>
-            </p:nvPr>
-          </p:nvSpPr>
-          <p:spPr bwMode="auto">
-            <a:xfrm>
-              <a:off x="1627188" y="0"/>
-              <a:ext cx="1122363" cy="5329238"/>
-            </a:xfrm>
-            <a:custGeom>
-              <a:avLst/>
-              <a:gdLst/>
-              <a:ahLst/>
-              <a:cxnLst/>
-              <a:rect l="0" t="0" r="r" b="b"/>
-              <a:pathLst>
-                <a:path w="707" h="3357">
-                  <a:moveTo>
-                    <a:pt x="0" y="3330"/>
-                  </a:moveTo>
-                  <a:lnTo>
-                    <a:pt x="156" y="3357"/>
-                  </a:lnTo>
-                  <a:lnTo>
-                    <a:pt x="707" y="0"/>
-                  </a:lnTo>
-                  <a:lnTo>
-                    <a:pt x="547" y="0"/>
-                  </a:lnTo>
-                  <a:lnTo>
-                    <a:pt x="0" y="3330"/>
-                  </a:lnTo>
-                  <a:close/>
-                </a:path>
-              </a:pathLst>
-            </a:custGeom>
-            <a:solidFill>
-              <a:schemeClr val="accent1"/>
-            </a:solidFill>
-            <a:ln>
-              <a:noFill/>
-            </a:ln>
-          </p:spPr>
-        </p:sp>
-        <p:sp>
-          <p:nvSpPr>
-            <p:cNvPr id="13" name="Freeform 7">
-              <a:extLst>
-                <a:ext uri="{FF2B5EF4-FFF2-40B4-BE49-F238E27FC236}">
-                  <a16:creationId xmlns:a16="http://schemas.microsoft.com/office/drawing/2014/main" id="{BC38192B-B4CB-47D4-A3B1-10010247F158}"/>
-                </a:ext>
-                <a:ext uri="{C183D7F6-B498-43B3-948B-1728B52AA6E4}">
-                  <adec:decorative xmlns:adec="http://schemas.microsoft.com/office/drawing/2017/decorative" val="1"/>
-                </a:ext>
-              </a:extLst>
-            </p:cNvPr>
-            <p:cNvSpPr/>
-            <p:nvPr>
-              <p:extLst>
-                <p:ext uri="{386F3935-93C4-4BCD-93E2-E3B085C9AB24}">
-                  <p16:designElem xmlns:p16="http://schemas.microsoft.com/office/powerpoint/2015/main" val="1"/>
-                </p:ext>
-              </p:extLst>
-            </p:nvPr>
-          </p:nvSpPr>
-          <p:spPr bwMode="auto">
-            <a:xfrm>
-              <a:off x="1320800" y="0"/>
-              <a:ext cx="1117600" cy="5276850"/>
-            </a:xfrm>
-            <a:custGeom>
-              <a:avLst/>
-              <a:gdLst/>
-              <a:ahLst/>
-              <a:cxnLst/>
-              <a:rect l="0" t="0" r="r" b="b"/>
-              <a:pathLst>
-                <a:path w="704" h="3324">
-                  <a:moveTo>
-                    <a:pt x="704" y="0"/>
-                  </a:moveTo>
-                  <a:lnTo>
-                    <a:pt x="545" y="0"/>
-                  </a:lnTo>
-                  <a:lnTo>
-                    <a:pt x="0" y="3300"/>
-                  </a:lnTo>
-                  <a:lnTo>
-                    <a:pt x="157" y="3324"/>
-                  </a:lnTo>
-                  <a:lnTo>
-                    <a:pt x="704" y="0"/>
-                  </a:lnTo>
-                  <a:close/>
-                </a:path>
-              </a:pathLst>
-            </a:custGeom>
-            <a:solidFill>
-              <a:srgbClr val="595959"/>
-            </a:solidFill>
-            <a:ln>
-              <a:noFill/>
-            </a:ln>
-          </p:spPr>
-        </p:sp>
-        <p:sp>
-          <p:nvSpPr>
-            <p:cNvPr id="23" name="Freeform 8">
-              <a:extLst>
-                <a:ext uri="{FF2B5EF4-FFF2-40B4-BE49-F238E27FC236}">
-                  <a16:creationId xmlns:a16="http://schemas.microsoft.com/office/drawing/2014/main" id="{96330E33-E171-4B0F-82B5-AF7230399B5C}"/>
-                </a:ext>
-                <a:ext uri="{C183D7F6-B498-43B3-948B-1728B52AA6E4}">
-                  <adec:decorative xmlns:adec="http://schemas.microsoft.com/office/drawing/2017/decorative" val="1"/>
-                </a:ext>
-              </a:extLst>
-            </p:cNvPr>
-            <p:cNvSpPr/>
-            <p:nvPr>
-              <p:extLst>
-                <p:ext uri="{386F3935-93C4-4BCD-93E2-E3B085C9AB24}">
-                  <p16:designElem xmlns:p16="http://schemas.microsoft.com/office/powerpoint/2015/main" val="1"/>
-                </p:ext>
-              </p:extLst>
-            </p:nvPr>
-          </p:nvSpPr>
-          <p:spPr bwMode="auto">
-            <a:xfrm>
-              <a:off x="1320800" y="5238750"/>
-              <a:ext cx="1228725" cy="1619250"/>
-            </a:xfrm>
-            <a:custGeom>
-              <a:avLst/>
-              <a:gdLst/>
-              <a:ahLst/>
-              <a:cxnLst/>
-              <a:rect l="0" t="0" r="r" b="b"/>
-              <a:pathLst>
-                <a:path w="774" h="1020">
-                  <a:moveTo>
-                    <a:pt x="0" y="0"/>
-                  </a:moveTo>
-                  <a:lnTo>
-                    <a:pt x="740" y="1020"/>
-                  </a:lnTo>
-                  <a:lnTo>
-                    <a:pt x="774" y="1020"/>
-                  </a:lnTo>
-                  <a:lnTo>
-                    <a:pt x="0" y="0"/>
-                  </a:lnTo>
-                  <a:close/>
-                </a:path>
-              </a:pathLst>
-            </a:custGeom>
-            <a:solidFill>
-              <a:srgbClr val="262626"/>
-            </a:solidFill>
-            <a:ln>
-              <a:noFill/>
-            </a:ln>
-          </p:spPr>
-        </p:sp>
-        <p:sp>
-          <p:nvSpPr>
-            <p:cNvPr id="15" name="Freeform 9">
-              <a:extLst>
-                <a:ext uri="{FF2B5EF4-FFF2-40B4-BE49-F238E27FC236}">
-                  <a16:creationId xmlns:a16="http://schemas.microsoft.com/office/drawing/2014/main" id="{332B1723-69BF-42D7-B757-0FA059E15256}"/>
-                </a:ext>
-                <a:ext uri="{C183D7F6-B498-43B3-948B-1728B52AA6E4}">
-                  <adec:decorative xmlns:adec="http://schemas.microsoft.com/office/drawing/2017/decorative" val="1"/>
-                </a:ext>
-              </a:extLst>
-            </p:cNvPr>
-            <p:cNvSpPr/>
-            <p:nvPr>
-              <p:extLst>
-                <p:ext uri="{386F3935-93C4-4BCD-93E2-E3B085C9AB24}">
-                  <p16:designElem xmlns:p16="http://schemas.microsoft.com/office/powerpoint/2015/main" val="1"/>
-                </p:ext>
-              </p:extLst>
-            </p:nvPr>
-          </p:nvSpPr>
-          <p:spPr bwMode="auto">
-            <a:xfrm>
-              <a:off x="1627188" y="5291138"/>
-              <a:ext cx="1495425" cy="1566863"/>
-            </a:xfrm>
-            <a:custGeom>
-              <a:avLst/>
-              <a:gdLst/>
-              <a:ahLst/>
-              <a:cxnLst/>
-              <a:rect l="0" t="0" r="r" b="b"/>
-              <a:pathLst>
-                <a:path w="942" h="987">
-                  <a:moveTo>
-                    <a:pt x="0" y="0"/>
-                  </a:moveTo>
-                  <a:lnTo>
-                    <a:pt x="909" y="987"/>
-                  </a:lnTo>
-                  <a:lnTo>
-                    <a:pt x="942" y="987"/>
-                  </a:lnTo>
-                  <a:lnTo>
-                    <a:pt x="0" y="0"/>
-                  </a:lnTo>
-                  <a:close/>
-                </a:path>
-              </a:pathLst>
-            </a:custGeom>
-            <a:solidFill>
-              <a:schemeClr val="accent1">
-                <a:lumMod val="50000"/>
-              </a:schemeClr>
-            </a:solidFill>
-            <a:ln>
-              <a:noFill/>
-            </a:ln>
-          </p:spPr>
-        </p:sp>
-        <p:sp>
-          <p:nvSpPr>
-            <p:cNvPr id="24" name="Freeform 10">
-              <a:extLst>
-                <a:ext uri="{FF2B5EF4-FFF2-40B4-BE49-F238E27FC236}">
-                  <a16:creationId xmlns:a16="http://schemas.microsoft.com/office/drawing/2014/main" id="{F115D62D-1E96-48D1-A78D-D370A0BFB9B5}"/>
-                </a:ext>
-                <a:ext uri="{C183D7F6-B498-43B3-948B-1728B52AA6E4}">
-                  <adec:decorative xmlns:adec="http://schemas.microsoft.com/office/drawing/2017/decorative" val="1"/>
-                </a:ext>
-              </a:extLst>
-            </p:cNvPr>
-            <p:cNvSpPr/>
-            <p:nvPr>
-              <p:extLst>
-                <p:ext uri="{386F3935-93C4-4BCD-93E2-E3B085C9AB24}">
-                  <p16:designElem xmlns:p16="http://schemas.microsoft.com/office/powerpoint/2015/main" val="1"/>
-                </p:ext>
-              </p:extLst>
-            </p:nvPr>
-          </p:nvSpPr>
-          <p:spPr bwMode="auto">
-            <a:xfrm>
-              <a:off x="1627188" y="5286375"/>
-              <a:ext cx="2130425" cy="1571625"/>
-            </a:xfrm>
-            <a:custGeom>
-              <a:avLst/>
-              <a:gdLst/>
-              <a:ahLst/>
-              <a:cxnLst/>
-              <a:rect l="0" t="0" r="r" b="b"/>
-              <a:pathLst>
-                <a:path w="1342" h="990">
-                  <a:moveTo>
-                    <a:pt x="0" y="3"/>
-                  </a:moveTo>
-                  <a:lnTo>
-                    <a:pt x="942" y="990"/>
-                  </a:lnTo>
-                  <a:lnTo>
-                    <a:pt x="1342" y="990"/>
-                  </a:lnTo>
-                  <a:lnTo>
-                    <a:pt x="156" y="27"/>
-                  </a:lnTo>
-                  <a:lnTo>
-                    <a:pt x="0" y="0"/>
-                  </a:lnTo>
-                  <a:lnTo>
-                    <a:pt x="0" y="3"/>
-                  </a:lnTo>
-                  <a:close/>
-                </a:path>
-              </a:pathLst>
-            </a:custGeom>
-            <a:solidFill>
-              <a:schemeClr val="accent1">
-                <a:lumMod val="75000"/>
-              </a:schemeClr>
-            </a:solidFill>
-            <a:ln>
-              <a:noFill/>
-            </a:ln>
-          </p:spPr>
-        </p:sp>
-        <p:sp>
-          <p:nvSpPr>
-            <p:cNvPr id="17" name="Freeform 11">
-              <a:extLst>
-                <a:ext uri="{FF2B5EF4-FFF2-40B4-BE49-F238E27FC236}">
-                  <a16:creationId xmlns:a16="http://schemas.microsoft.com/office/drawing/2014/main" id="{91C2876A-169D-4822-A766-C00578C88B4B}"/>
-                </a:ext>
-                <a:ext uri="{C183D7F6-B498-43B3-948B-1728B52AA6E4}">
-                  <adec:decorative xmlns:adec="http://schemas.microsoft.com/office/drawing/2017/decorative" val="1"/>
-                </a:ext>
-              </a:extLst>
-            </p:cNvPr>
-            <p:cNvSpPr/>
-            <p:nvPr>
-              <p:extLst>
-                <p:ext uri="{386F3935-93C4-4BCD-93E2-E3B085C9AB24}">
-                  <p16:designElem xmlns:p16="http://schemas.microsoft.com/office/powerpoint/2015/main" val="1"/>
-                </p:ext>
-              </p:extLst>
-            </p:nvPr>
-          </p:nvSpPr>
-          <p:spPr bwMode="auto">
-            <a:xfrm>
-              <a:off x="1320800" y="5238750"/>
-              <a:ext cx="1695450" cy="1619250"/>
-            </a:xfrm>
-            <a:custGeom>
-              <a:avLst/>
-              <a:gdLst/>
-              <a:ahLst/>
-              <a:cxnLst/>
-              <a:rect l="0" t="0" r="r" b="b"/>
-              <a:pathLst>
-                <a:path w="1068" h="1020">
-                  <a:moveTo>
-                    <a:pt x="1068" y="1020"/>
-                  </a:moveTo>
-                  <a:lnTo>
-                    <a:pt x="184" y="60"/>
-                  </a:lnTo>
-                  <a:lnTo>
-                    <a:pt x="154" y="27"/>
-                  </a:lnTo>
-                  <a:lnTo>
-                    <a:pt x="157" y="27"/>
-                  </a:lnTo>
-                  <a:lnTo>
-                    <a:pt x="157" y="24"/>
-                  </a:lnTo>
-                  <a:lnTo>
-                    <a:pt x="154" y="24"/>
-                  </a:lnTo>
-                  <a:lnTo>
-                    <a:pt x="0" y="0"/>
-                  </a:lnTo>
-                  <a:lnTo>
-                    <a:pt x="0" y="0"/>
-                  </a:lnTo>
-                  <a:lnTo>
-                    <a:pt x="774" y="1020"/>
-                  </a:lnTo>
-                  <a:lnTo>
-                    <a:pt x="1068" y="1020"/>
-                  </a:lnTo>
-                  <a:close/>
-                </a:path>
-              </a:pathLst>
-            </a:custGeom>
-            <a:solidFill>
-              <a:srgbClr val="404040"/>
-            </a:solidFill>
-            <a:ln>
-              <a:noFill/>
-            </a:ln>
-          </p:spPr>
-        </p:sp>
-      </p:grpSp>
-      <p:sp>
-        <p:nvSpPr>
-          <p:cNvPr id="2" name="제목 1">
-            <a:extLst>
-              <a:ext uri="{FF2B5EF4-FFF2-40B4-BE49-F238E27FC236}">
-                <a16:creationId xmlns:a16="http://schemas.microsoft.com/office/drawing/2014/main" id="{27165071-36C3-48DB-8442-66DB993AA301}"/>
-              </a:ext>
-            </a:extLst>
-          </p:cNvPr>
-          <p:cNvSpPr>
-            <a:spLocks noGrp="1"/>
-          </p:cNvSpPr>
-          <p:nvPr>
-            <p:ph type="title"/>
-          </p:nvPr>
-        </p:nvSpPr>
-        <p:spPr>
-          <a:xfrm>
-            <a:off x="535020" y="685800"/>
-            <a:ext cx="2780271" cy="5105400"/>
-          </a:xfrm>
-        </p:spPr>
-        <p:txBody>
-          <a:bodyPr>
-            <a:normAutofit/>
-          </a:bodyPr>
-          <a:lstStyle/>
-          <a:p>
-            <a:r>
-              <a:rPr lang="ko-KR" altLang="en-US" sz="4000">
-                <a:solidFill>
-                  <a:srgbClr val="FFFFFF"/>
-                </a:solidFill>
-              </a:rPr>
-              <a:t>닷넷코어에 </a:t>
-            </a:r>
-            <a:r>
-              <a:rPr lang="en-US" altLang="ko-KR" sz="4000">
-                <a:solidFill>
-                  <a:srgbClr val="FFFFFF"/>
-                </a:solidFill>
-              </a:rPr>
-              <a:t>AKKA.NET </a:t>
-            </a:r>
-            <a:r>
-              <a:rPr lang="ko-KR" altLang="en-US" sz="4000">
-                <a:solidFill>
-                  <a:srgbClr val="FFFFFF"/>
-                </a:solidFill>
-              </a:rPr>
-              <a:t>탑재하기</a:t>
-            </a:r>
-          </a:p>
-        </p:txBody>
-      </p:sp>
-      <p:graphicFrame>
-        <p:nvGraphicFramePr>
-          <p:cNvPr id="5" name="내용 개체 틀 2">
-            <a:extLst>
-              <a:ext uri="{FF2B5EF4-FFF2-40B4-BE49-F238E27FC236}">
-                <a16:creationId xmlns:a16="http://schemas.microsoft.com/office/drawing/2014/main" id="{19FB79D9-3891-47E7-82C3-E279FF68E6BE}"/>
-              </a:ext>
-            </a:extLst>
-          </p:cNvPr>
-          <p:cNvGraphicFramePr>
-            <a:graphicFrameLocks noGrp="1"/>
-          </p:cNvGraphicFramePr>
-          <p:nvPr>
-            <p:ph idx="1"/>
-            <p:extLst>
-              <p:ext uri="{D42A27DB-BD31-4B8C-83A1-F6EECF244321}">
-                <p14:modId xmlns:p14="http://schemas.microsoft.com/office/powerpoint/2010/main" val="910497934"/>
-              </p:ext>
-            </p:extLst>
-          </p:nvPr>
-        </p:nvGraphicFramePr>
-        <p:xfrm>
-          <a:off x="5010150" y="685800"/>
-          <a:ext cx="6492875" cy="5105400"/>
-        </p:xfrm>
-        <a:graphic>
-          <a:graphicData uri="http://schemas.openxmlformats.org/drawingml/2006/diagram">
-            <dgm:relIds xmlns:dgm="http://schemas.openxmlformats.org/drawingml/2006/diagram" xmlns:r="http://schemas.openxmlformats.org/officeDocument/2006/relationships" r:dm="rId2" r:lo="rId3" r:qs="rId4" r:cs="rId5"/>
-          </a:graphicData>
-        </a:graphic>
-      </p:graphicFrame>
-    </p:spTree>
-    <p:extLst>
-      <p:ext uri="{BB962C8B-B14F-4D97-AF65-F5344CB8AC3E}">
-        <p14:creationId xmlns:p14="http://schemas.microsoft.com/office/powerpoint/2010/main" val="2644794125"/>
       </p:ext>
     </p:extLst>
   </p:cSld>

--- a/Doc/DotCoreApiWithAkka.pptx
+++ b/Doc/DotCoreApiWithAkka.pptx
@@ -4,20 +4,24 @@
   <p:sldMasterIdLst>
     <p:sldMasterId id="2147483648" r:id="rId1"/>
   </p:sldMasterIdLst>
+  <p:notesMasterIdLst>
+    <p:notesMasterId r:id="rId16"/>
+  </p:notesMasterIdLst>
   <p:sldIdLst>
     <p:sldId id="256" r:id="rId2"/>
     <p:sldId id="285" r:id="rId3"/>
-    <p:sldId id="286" r:id="rId4"/>
-    <p:sldId id="287" r:id="rId5"/>
-    <p:sldId id="279" r:id="rId6"/>
-    <p:sldId id="282" r:id="rId7"/>
-    <p:sldId id="283" r:id="rId8"/>
+    <p:sldId id="288" r:id="rId4"/>
+    <p:sldId id="279" r:id="rId5"/>
+    <p:sldId id="282" r:id="rId6"/>
+    <p:sldId id="283" r:id="rId7"/>
+    <p:sldId id="287" r:id="rId8"/>
     <p:sldId id="260" r:id="rId9"/>
     <p:sldId id="277" r:id="rId10"/>
     <p:sldId id="278" r:id="rId11"/>
-    <p:sldId id="274" r:id="rId12"/>
-    <p:sldId id="281" r:id="rId13"/>
-    <p:sldId id="280" r:id="rId14"/>
+    <p:sldId id="289" r:id="rId12"/>
+    <p:sldId id="274" r:id="rId13"/>
+    <p:sldId id="281" r:id="rId14"/>
+    <p:sldId id="280" r:id="rId15"/>
   </p:sldIdLst>
   <p:sldSz cx="12192000" cy="6858000"/>
   <p:notesSz cx="6858000" cy="9144000"/>
@@ -6533,6 +6537,439 @@
 </dgm:styleDef>
 </file>
 
+<file path=ppt/notesMasters/notesMaster1.xml><?xml version="1.0" encoding="utf-8"?>
+<p:notesMaster xmlns:a="http://schemas.openxmlformats.org/drawingml/2006/main" xmlns:r="http://schemas.openxmlformats.org/officeDocument/2006/relationships" xmlns:p="http://schemas.openxmlformats.org/presentationml/2006/main">
+  <p:cSld>
+    <p:bg>
+      <p:bgRef idx="1001">
+        <a:schemeClr val="bg1"/>
+      </p:bgRef>
+    </p:bg>
+    <p:spTree>
+      <p:nvGrpSpPr>
+        <p:cNvPr id="1" name=""/>
+        <p:cNvGrpSpPr/>
+        <p:nvPr/>
+      </p:nvGrpSpPr>
+      <p:grpSpPr>
+        <a:xfrm>
+          <a:off x="0" y="0"/>
+          <a:ext cx="0" cy="0"/>
+          <a:chOff x="0" y="0"/>
+          <a:chExt cx="0" cy="0"/>
+        </a:xfrm>
+      </p:grpSpPr>
+      <p:sp>
+        <p:nvSpPr>
+          <p:cNvPr id="2" name="머리글 개체 틀 1"/>
+          <p:cNvSpPr>
+            <a:spLocks noGrp="1"/>
+          </p:cNvSpPr>
+          <p:nvPr>
+            <p:ph type="hdr" sz="quarter"/>
+          </p:nvPr>
+        </p:nvSpPr>
+        <p:spPr>
+          <a:xfrm>
+            <a:off x="0" y="0"/>
+            <a:ext cx="2971800" cy="458788"/>
+          </a:xfrm>
+          <a:prstGeom prst="rect">
+            <a:avLst/>
+          </a:prstGeom>
+        </p:spPr>
+        <p:txBody>
+          <a:bodyPr vert="horz" lIns="91440" tIns="45720" rIns="91440" bIns="45720" rtlCol="0"/>
+          <a:lstStyle>
+            <a:lvl1pPr algn="l">
+              <a:defRPr sz="1200"/>
+            </a:lvl1pPr>
+          </a:lstStyle>
+          <a:p>
+            <a:endParaRPr lang="ko-KR" altLang="en-US"/>
+          </a:p>
+        </p:txBody>
+      </p:sp>
+      <p:sp>
+        <p:nvSpPr>
+          <p:cNvPr id="3" name="날짜 개체 틀 2"/>
+          <p:cNvSpPr>
+            <a:spLocks noGrp="1"/>
+          </p:cNvSpPr>
+          <p:nvPr>
+            <p:ph type="dt" idx="1"/>
+          </p:nvPr>
+        </p:nvSpPr>
+        <p:spPr>
+          <a:xfrm>
+            <a:off x="3884613" y="0"/>
+            <a:ext cx="2971800" cy="458788"/>
+          </a:xfrm>
+          <a:prstGeom prst="rect">
+            <a:avLst/>
+          </a:prstGeom>
+        </p:spPr>
+        <p:txBody>
+          <a:bodyPr vert="horz" lIns="91440" tIns="45720" rIns="91440" bIns="45720" rtlCol="0"/>
+          <a:lstStyle>
+            <a:lvl1pPr algn="r">
+              <a:defRPr sz="1200"/>
+            </a:lvl1pPr>
+          </a:lstStyle>
+          <a:p>
+            <a:fld id="{A478D2B2-F87E-4FD1-B11B-0D1F06EB0E3B}" type="datetimeFigureOut">
+              <a:rPr lang="ko-KR" altLang="en-US" smtClean="0"/>
+              <a:t>2020-12-24</a:t>
+            </a:fld>
+            <a:endParaRPr lang="ko-KR" altLang="en-US"/>
+          </a:p>
+        </p:txBody>
+      </p:sp>
+      <p:sp>
+        <p:nvSpPr>
+          <p:cNvPr id="4" name="슬라이드 이미지 개체 틀 3"/>
+          <p:cNvSpPr>
+            <a:spLocks noGrp="1" noRot="1" noChangeAspect="1"/>
+          </p:cNvSpPr>
+          <p:nvPr>
+            <p:ph type="sldImg" idx="2"/>
+          </p:nvPr>
+        </p:nvSpPr>
+        <p:spPr>
+          <a:xfrm>
+            <a:off x="685800" y="1143000"/>
+            <a:ext cx="5486400" cy="3086100"/>
+          </a:xfrm>
+          <a:prstGeom prst="rect">
+            <a:avLst/>
+          </a:prstGeom>
+          <a:noFill/>
+          <a:ln w="12700">
+            <a:solidFill>
+              <a:prstClr val="black"/>
+            </a:solidFill>
+          </a:ln>
+        </p:spPr>
+        <p:txBody>
+          <a:bodyPr vert="horz" lIns="91440" tIns="45720" rIns="91440" bIns="45720" rtlCol="0" anchor="ctr"/>
+          <a:lstStyle/>
+          <a:p>
+            <a:endParaRPr lang="ko-KR" altLang="en-US"/>
+          </a:p>
+        </p:txBody>
+      </p:sp>
+      <p:sp>
+        <p:nvSpPr>
+          <p:cNvPr id="5" name="슬라이드 노트 개체 틀 4"/>
+          <p:cNvSpPr>
+            <a:spLocks noGrp="1"/>
+          </p:cNvSpPr>
+          <p:nvPr>
+            <p:ph type="body" sz="quarter" idx="3"/>
+          </p:nvPr>
+        </p:nvSpPr>
+        <p:spPr>
+          <a:xfrm>
+            <a:off x="685800" y="4400550"/>
+            <a:ext cx="5486400" cy="3600450"/>
+          </a:xfrm>
+          <a:prstGeom prst="rect">
+            <a:avLst/>
+          </a:prstGeom>
+        </p:spPr>
+        <p:txBody>
+          <a:bodyPr vert="horz" lIns="91440" tIns="45720" rIns="91440" bIns="45720" rtlCol="0"/>
+          <a:lstStyle/>
+          <a:p>
+            <a:pPr lvl="0"/>
+            <a:r>
+              <a:rPr lang="ko-KR" altLang="en-US"/>
+              <a:t>마스터 텍스트 스타일을 편집하려면 클릭</a:t>
+            </a:r>
+          </a:p>
+          <a:p>
+            <a:pPr lvl="1"/>
+            <a:r>
+              <a:rPr lang="ko-KR" altLang="en-US"/>
+              <a:t>두 번째 수준</a:t>
+            </a:r>
+          </a:p>
+          <a:p>
+            <a:pPr lvl="2"/>
+            <a:r>
+              <a:rPr lang="ko-KR" altLang="en-US"/>
+              <a:t>세 번째 수준</a:t>
+            </a:r>
+          </a:p>
+          <a:p>
+            <a:pPr lvl="3"/>
+            <a:r>
+              <a:rPr lang="ko-KR" altLang="en-US"/>
+              <a:t>네 번째 수준</a:t>
+            </a:r>
+          </a:p>
+          <a:p>
+            <a:pPr lvl="4"/>
+            <a:r>
+              <a:rPr lang="ko-KR" altLang="en-US"/>
+              <a:t>다섯 번째 수준</a:t>
+            </a:r>
+          </a:p>
+        </p:txBody>
+      </p:sp>
+      <p:sp>
+        <p:nvSpPr>
+          <p:cNvPr id="6" name="바닥글 개체 틀 5"/>
+          <p:cNvSpPr>
+            <a:spLocks noGrp="1"/>
+          </p:cNvSpPr>
+          <p:nvPr>
+            <p:ph type="ftr" sz="quarter" idx="4"/>
+          </p:nvPr>
+        </p:nvSpPr>
+        <p:spPr>
+          <a:xfrm>
+            <a:off x="0" y="8685213"/>
+            <a:ext cx="2971800" cy="458787"/>
+          </a:xfrm>
+          <a:prstGeom prst="rect">
+            <a:avLst/>
+          </a:prstGeom>
+        </p:spPr>
+        <p:txBody>
+          <a:bodyPr vert="horz" lIns="91440" tIns="45720" rIns="91440" bIns="45720" rtlCol="0" anchor="b"/>
+          <a:lstStyle>
+            <a:lvl1pPr algn="l">
+              <a:defRPr sz="1200"/>
+            </a:lvl1pPr>
+          </a:lstStyle>
+          <a:p>
+            <a:endParaRPr lang="ko-KR" altLang="en-US"/>
+          </a:p>
+        </p:txBody>
+      </p:sp>
+      <p:sp>
+        <p:nvSpPr>
+          <p:cNvPr id="7" name="슬라이드 번호 개체 틀 6"/>
+          <p:cNvSpPr>
+            <a:spLocks noGrp="1"/>
+          </p:cNvSpPr>
+          <p:nvPr>
+            <p:ph type="sldNum" sz="quarter" idx="5"/>
+          </p:nvPr>
+        </p:nvSpPr>
+        <p:spPr>
+          <a:xfrm>
+            <a:off x="3884613" y="8685213"/>
+            <a:ext cx="2971800" cy="458787"/>
+          </a:xfrm>
+          <a:prstGeom prst="rect">
+            <a:avLst/>
+          </a:prstGeom>
+        </p:spPr>
+        <p:txBody>
+          <a:bodyPr vert="horz" lIns="91440" tIns="45720" rIns="91440" bIns="45720" rtlCol="0" anchor="b"/>
+          <a:lstStyle>
+            <a:lvl1pPr algn="r">
+              <a:defRPr sz="1200"/>
+            </a:lvl1pPr>
+          </a:lstStyle>
+          <a:p>
+            <a:fld id="{8CF990B6-A0B0-4810-9A90-DB3981E6D574}" type="slidenum">
+              <a:rPr lang="ko-KR" altLang="en-US" smtClean="0"/>
+              <a:t>‹#›</a:t>
+            </a:fld>
+            <a:endParaRPr lang="ko-KR" altLang="en-US"/>
+          </a:p>
+        </p:txBody>
+      </p:sp>
+    </p:spTree>
+    <p:extLst>
+      <p:ext uri="{BB962C8B-B14F-4D97-AF65-F5344CB8AC3E}">
+        <p14:creationId xmlns:p14="http://schemas.microsoft.com/office/powerpoint/2010/main" val="983712285"/>
+      </p:ext>
+    </p:extLst>
+  </p:cSld>
+  <p:clrMap bg1="lt1" tx1="dk1" bg2="lt2" tx2="dk2" accent1="accent1" accent2="accent2" accent3="accent3" accent4="accent4" accent5="accent5" accent6="accent6" hlink="hlink" folHlink="folHlink"/>
+  <p:notesStyle>
+    <a:lvl1pPr marL="0" algn="l" defTabSz="914400" rtl="0" eaLnBrk="1" latinLnBrk="1" hangingPunct="1">
+      <a:defRPr sz="1200" kern="1200">
+        <a:solidFill>
+          <a:schemeClr val="tx1"/>
+        </a:solidFill>
+        <a:latin typeface="+mn-lt"/>
+        <a:ea typeface="+mn-ea"/>
+        <a:cs typeface="+mn-cs"/>
+      </a:defRPr>
+    </a:lvl1pPr>
+    <a:lvl2pPr marL="457200" algn="l" defTabSz="914400" rtl="0" eaLnBrk="1" latinLnBrk="1" hangingPunct="1">
+      <a:defRPr sz="1200" kern="1200">
+        <a:solidFill>
+          <a:schemeClr val="tx1"/>
+        </a:solidFill>
+        <a:latin typeface="+mn-lt"/>
+        <a:ea typeface="+mn-ea"/>
+        <a:cs typeface="+mn-cs"/>
+      </a:defRPr>
+    </a:lvl2pPr>
+    <a:lvl3pPr marL="914400" algn="l" defTabSz="914400" rtl="0" eaLnBrk="1" latinLnBrk="1" hangingPunct="1">
+      <a:defRPr sz="1200" kern="1200">
+        <a:solidFill>
+          <a:schemeClr val="tx1"/>
+        </a:solidFill>
+        <a:latin typeface="+mn-lt"/>
+        <a:ea typeface="+mn-ea"/>
+        <a:cs typeface="+mn-cs"/>
+      </a:defRPr>
+    </a:lvl3pPr>
+    <a:lvl4pPr marL="1371600" algn="l" defTabSz="914400" rtl="0" eaLnBrk="1" latinLnBrk="1" hangingPunct="1">
+      <a:defRPr sz="1200" kern="1200">
+        <a:solidFill>
+          <a:schemeClr val="tx1"/>
+        </a:solidFill>
+        <a:latin typeface="+mn-lt"/>
+        <a:ea typeface="+mn-ea"/>
+        <a:cs typeface="+mn-cs"/>
+      </a:defRPr>
+    </a:lvl4pPr>
+    <a:lvl5pPr marL="1828800" algn="l" defTabSz="914400" rtl="0" eaLnBrk="1" latinLnBrk="1" hangingPunct="1">
+      <a:defRPr sz="1200" kern="1200">
+        <a:solidFill>
+          <a:schemeClr val="tx1"/>
+        </a:solidFill>
+        <a:latin typeface="+mn-lt"/>
+        <a:ea typeface="+mn-ea"/>
+        <a:cs typeface="+mn-cs"/>
+      </a:defRPr>
+    </a:lvl5pPr>
+    <a:lvl6pPr marL="2286000" algn="l" defTabSz="914400" rtl="0" eaLnBrk="1" latinLnBrk="1" hangingPunct="1">
+      <a:defRPr sz="1200" kern="1200">
+        <a:solidFill>
+          <a:schemeClr val="tx1"/>
+        </a:solidFill>
+        <a:latin typeface="+mn-lt"/>
+        <a:ea typeface="+mn-ea"/>
+        <a:cs typeface="+mn-cs"/>
+      </a:defRPr>
+    </a:lvl6pPr>
+    <a:lvl7pPr marL="2743200" algn="l" defTabSz="914400" rtl="0" eaLnBrk="1" latinLnBrk="1" hangingPunct="1">
+      <a:defRPr sz="1200" kern="1200">
+        <a:solidFill>
+          <a:schemeClr val="tx1"/>
+        </a:solidFill>
+        <a:latin typeface="+mn-lt"/>
+        <a:ea typeface="+mn-ea"/>
+        <a:cs typeface="+mn-cs"/>
+      </a:defRPr>
+    </a:lvl7pPr>
+    <a:lvl8pPr marL="3200400" algn="l" defTabSz="914400" rtl="0" eaLnBrk="1" latinLnBrk="1" hangingPunct="1">
+      <a:defRPr sz="1200" kern="1200">
+        <a:solidFill>
+          <a:schemeClr val="tx1"/>
+        </a:solidFill>
+        <a:latin typeface="+mn-lt"/>
+        <a:ea typeface="+mn-ea"/>
+        <a:cs typeface="+mn-cs"/>
+      </a:defRPr>
+    </a:lvl8pPr>
+    <a:lvl9pPr marL="3657600" algn="l" defTabSz="914400" rtl="0" eaLnBrk="1" latinLnBrk="1" hangingPunct="1">
+      <a:defRPr sz="1200" kern="1200">
+        <a:solidFill>
+          <a:schemeClr val="tx1"/>
+        </a:solidFill>
+        <a:latin typeface="+mn-lt"/>
+        <a:ea typeface="+mn-ea"/>
+        <a:cs typeface="+mn-cs"/>
+      </a:defRPr>
+    </a:lvl9pPr>
+  </p:notesStyle>
+</p:notesMaster>
+</file>
+
+<file path=ppt/notesSlides/notesSlide1.xml><?xml version="1.0" encoding="utf-8"?>
+<p:notes xmlns:a="http://schemas.openxmlformats.org/drawingml/2006/main" xmlns:r="http://schemas.openxmlformats.org/officeDocument/2006/relationships" xmlns:p="http://schemas.openxmlformats.org/presentationml/2006/main">
+  <p:cSld>
+    <p:spTree>
+      <p:nvGrpSpPr>
+        <p:cNvPr id="1" name=""/>
+        <p:cNvGrpSpPr/>
+        <p:nvPr/>
+      </p:nvGrpSpPr>
+      <p:grpSpPr>
+        <a:xfrm>
+          <a:off x="0" y="0"/>
+          <a:ext cx="0" cy="0"/>
+          <a:chOff x="0" y="0"/>
+          <a:chExt cx="0" cy="0"/>
+        </a:xfrm>
+      </p:grpSpPr>
+      <p:sp>
+        <p:nvSpPr>
+          <p:cNvPr id="2" name="슬라이드 이미지 개체 틀 1"/>
+          <p:cNvSpPr>
+            <a:spLocks noGrp="1" noRot="1" noChangeAspect="1"/>
+          </p:cNvSpPr>
+          <p:nvPr>
+            <p:ph type="sldImg"/>
+          </p:nvPr>
+        </p:nvSpPr>
+        <p:spPr/>
+      </p:sp>
+      <p:sp>
+        <p:nvSpPr>
+          <p:cNvPr id="3" name="슬라이드 노트 개체 틀 2"/>
+          <p:cNvSpPr>
+            <a:spLocks noGrp="1"/>
+          </p:cNvSpPr>
+          <p:nvPr>
+            <p:ph type="body" idx="1"/>
+          </p:nvPr>
+        </p:nvSpPr>
+        <p:spPr/>
+        <p:txBody>
+          <a:bodyPr/>
+          <a:lstStyle/>
+          <a:p>
+            <a:endParaRPr lang="ko-KR" altLang="en-US"/>
+          </a:p>
+        </p:txBody>
+      </p:sp>
+      <p:sp>
+        <p:nvSpPr>
+          <p:cNvPr id="4" name="슬라이드 번호 개체 틀 3"/>
+          <p:cNvSpPr>
+            <a:spLocks noGrp="1"/>
+          </p:cNvSpPr>
+          <p:nvPr>
+            <p:ph type="sldNum" sz="quarter" idx="5"/>
+          </p:nvPr>
+        </p:nvSpPr>
+        <p:spPr/>
+        <p:txBody>
+          <a:bodyPr/>
+          <a:lstStyle/>
+          <a:p>
+            <a:fld id="{8CF990B6-A0B0-4810-9A90-DB3981E6D574}" type="slidenum">
+              <a:rPr lang="ko-KR" altLang="en-US" smtClean="0"/>
+              <a:t>8</a:t>
+            </a:fld>
+            <a:endParaRPr lang="ko-KR" altLang="en-US"/>
+          </a:p>
+        </p:txBody>
+      </p:sp>
+    </p:spTree>
+    <p:extLst>
+      <p:ext uri="{BB962C8B-B14F-4D97-AF65-F5344CB8AC3E}">
+        <p14:creationId xmlns:p14="http://schemas.microsoft.com/office/powerpoint/2010/main" val="2565481023"/>
+      </p:ext>
+    </p:extLst>
+  </p:cSld>
+  <p:clrMapOvr>
+    <a:masterClrMapping/>
+  </p:clrMapOvr>
+</p:notes>
+</file>
+
 <file path=ppt/slideLayouts/slideLayout1.xml><?xml version="1.0" encoding="utf-8"?>
 <p:sldLayout xmlns:a="http://schemas.openxmlformats.org/drawingml/2006/main" xmlns:r="http://schemas.openxmlformats.org/officeDocument/2006/relationships" xmlns:p="http://schemas.openxmlformats.org/presentationml/2006/main" type="title" preserve="1">
   <p:cSld name="제목 슬라이드">
@@ -10596,6 +11033,56 @@
           </a:graphicData>
         </a:graphic>
       </p:graphicFrame>
+      <p:sp>
+        <p:nvSpPr>
+          <p:cNvPr id="14" name="TextBox 13">
+            <a:extLst>
+              <a:ext uri="{FF2B5EF4-FFF2-40B4-BE49-F238E27FC236}">
+                <a16:creationId xmlns:a16="http://schemas.microsoft.com/office/drawing/2014/main" id="{1C5877D3-C080-4A41-9200-04336C28C0AD}"/>
+              </a:ext>
+            </a:extLst>
+          </p:cNvPr>
+          <p:cNvSpPr txBox="1"/>
+          <p:nvPr/>
+        </p:nvSpPr>
+        <p:spPr>
+          <a:xfrm>
+            <a:off x="5956663" y="6048375"/>
+            <a:ext cx="6096000" cy="369332"/>
+          </a:xfrm>
+          <a:prstGeom prst="rect">
+            <a:avLst/>
+          </a:prstGeom>
+          <a:noFill/>
+        </p:spPr>
+        <p:txBody>
+          <a:bodyPr wrap="square">
+            <a:spAutoFit/>
+          </a:bodyPr>
+          <a:lstStyle/>
+          <a:p>
+            <a:r>
+              <a:rPr lang="ko-KR" altLang="en-US">
+                <a:hlinkClick r:id="rId7"/>
+              </a:rPr>
+              <a:t>실습 </a:t>
+            </a:r>
+            <a:r>
+              <a:rPr lang="en-US" altLang="ko-KR">
+                <a:hlinkClick r:id="rId7"/>
+              </a:rPr>
+              <a:t>: </a:t>
+            </a:r>
+            <a:r>
+              <a:rPr lang="ko-KR" altLang="en-US">
+                <a:hlinkClick r:id="rId7"/>
+              </a:rPr>
+              <a:t>https://github.com/psmon/AkkaDotModule</a:t>
+            </a:r>
+            <a:endParaRPr lang="ko-KR" altLang="en-US"/>
+          </a:p>
+        </p:txBody>
+      </p:sp>
     </p:spTree>
     <p:extLst>
       <p:ext uri="{BB962C8B-B14F-4D97-AF65-F5344CB8AC3E}">
@@ -10610,6 +11097,186 @@
 </file>
 
 <file path=ppt/slides/slide11.xml><?xml version="1.0" encoding="utf-8"?>
+<p:sld xmlns:a="http://schemas.openxmlformats.org/drawingml/2006/main" xmlns:r="http://schemas.openxmlformats.org/officeDocument/2006/relationships" xmlns:p="http://schemas.openxmlformats.org/presentationml/2006/main">
+  <p:cSld>
+    <p:spTree>
+      <p:nvGrpSpPr>
+        <p:cNvPr id="1" name=""/>
+        <p:cNvGrpSpPr/>
+        <p:nvPr/>
+      </p:nvGrpSpPr>
+      <p:grpSpPr>
+        <a:xfrm>
+          <a:off x="0" y="0"/>
+          <a:ext cx="0" cy="0"/>
+          <a:chOff x="0" y="0"/>
+          <a:chExt cx="0" cy="0"/>
+        </a:xfrm>
+      </p:grpSpPr>
+      <p:sp>
+        <p:nvSpPr>
+          <p:cNvPr id="2" name="제목 1">
+            <a:extLst>
+              <a:ext uri="{FF2B5EF4-FFF2-40B4-BE49-F238E27FC236}">
+                <a16:creationId xmlns:a16="http://schemas.microsoft.com/office/drawing/2014/main" id="{802AF405-1D1F-4648-AE65-4A749081A468}"/>
+              </a:ext>
+            </a:extLst>
+          </p:cNvPr>
+          <p:cNvSpPr>
+            <a:spLocks noGrp="1"/>
+          </p:cNvSpPr>
+          <p:nvPr>
+            <p:ph type="title"/>
+          </p:nvPr>
+        </p:nvSpPr>
+        <p:spPr/>
+        <p:txBody>
+          <a:bodyPr/>
+          <a:lstStyle/>
+          <a:p>
+            <a:r>
+              <a:rPr lang="en-US" altLang="ko-KR"/>
+              <a:t>AKKA </a:t>
+            </a:r>
+            <a:r>
+              <a:rPr lang="ko-KR" altLang="en-US"/>
+              <a:t>탑재및 </a:t>
+            </a:r>
+            <a:r>
+              <a:rPr lang="en-US" altLang="ko-KR"/>
+              <a:t>Actor</a:t>
+            </a:r>
+            <a:r>
+              <a:rPr lang="ko-KR" altLang="en-US"/>
+              <a:t>활용 순서</a:t>
+            </a:r>
+          </a:p>
+        </p:txBody>
+      </p:sp>
+      <p:sp>
+        <p:nvSpPr>
+          <p:cNvPr id="3" name="내용 개체 틀 2">
+            <a:extLst>
+              <a:ext uri="{FF2B5EF4-FFF2-40B4-BE49-F238E27FC236}">
+                <a16:creationId xmlns:a16="http://schemas.microsoft.com/office/drawing/2014/main" id="{9ABD8C63-74D0-487A-824E-3F92247AD645}"/>
+              </a:ext>
+            </a:extLst>
+          </p:cNvPr>
+          <p:cNvSpPr>
+            <a:spLocks noGrp="1"/>
+          </p:cNvSpPr>
+          <p:nvPr>
+            <p:ph idx="1"/>
+          </p:nvPr>
+        </p:nvSpPr>
+        <p:spPr/>
+        <p:txBody>
+          <a:bodyPr/>
+          <a:lstStyle/>
+          <a:p>
+            <a:r>
+              <a:rPr lang="en-US" altLang="ko-KR"/>
+              <a:t>Nuget Add – Akka</a:t>
+            </a:r>
+          </a:p>
+          <a:p>
+            <a:r>
+              <a:rPr lang="en-US" altLang="ko-KR"/>
+              <a:t>ActorSystem </a:t>
+            </a:r>
+            <a:r>
+              <a:rPr lang="ko-KR" altLang="en-US"/>
+              <a:t>생성하고</a:t>
+            </a:r>
+            <a:r>
+              <a:rPr lang="en-US" altLang="ko-KR"/>
+              <a:t>, </a:t>
+            </a:r>
+            <a:r>
+              <a:rPr lang="ko-KR" altLang="en-US"/>
+              <a:t>싱글톤으로 등록</a:t>
+            </a:r>
+            <a:r>
+              <a:rPr lang="en-US" altLang="ko-KR"/>
+              <a:t> – DI</a:t>
+            </a:r>
+            <a:r>
+              <a:rPr lang="ko-KR" altLang="en-US"/>
+              <a:t>를 셋팅하는곳</a:t>
+            </a:r>
+            <a:endParaRPr lang="en-US" altLang="ko-KR"/>
+          </a:p>
+          <a:p>
+            <a:r>
+              <a:rPr lang="en-US" altLang="ko-KR"/>
+              <a:t>Actor </a:t>
+            </a:r>
+            <a:r>
+              <a:rPr lang="ko-KR" altLang="en-US"/>
+              <a:t>메시징 구현 </a:t>
+            </a:r>
+            <a:r>
+              <a:rPr lang="en-US" altLang="ko-KR"/>
+              <a:t>- </a:t>
+            </a:r>
+            <a:r>
+              <a:rPr lang="ko-KR" altLang="en-US"/>
+              <a:t>구현</a:t>
+            </a:r>
+            <a:endParaRPr lang="en-US" altLang="ko-KR"/>
+          </a:p>
+          <a:p>
+            <a:r>
+              <a:rPr lang="en-US" altLang="ko-KR"/>
+              <a:t>Actor </a:t>
+            </a:r>
+            <a:r>
+              <a:rPr lang="ko-KR" altLang="en-US"/>
+              <a:t>생성 </a:t>
+            </a:r>
+            <a:r>
+              <a:rPr lang="en-US" altLang="ko-KR"/>
+              <a:t>– </a:t>
+            </a:r>
+            <a:r>
+              <a:rPr lang="ko-KR" altLang="en-US"/>
+              <a:t>어플리케이션이 구동될때</a:t>
+            </a:r>
+            <a:endParaRPr lang="en-US" altLang="ko-KR"/>
+          </a:p>
+          <a:p>
+            <a:r>
+              <a:rPr lang="en-US" altLang="ko-KR"/>
+              <a:t>Actor</a:t>
+            </a:r>
+            <a:r>
+              <a:rPr lang="ko-KR" altLang="en-US"/>
+              <a:t>를 선택하고 메시지 전송 </a:t>
+            </a:r>
+            <a:r>
+              <a:rPr lang="en-US" altLang="ko-KR"/>
+              <a:t>- Conrollers</a:t>
+            </a:r>
+          </a:p>
+          <a:p>
+            <a:endParaRPr lang="ko-KR" altLang="en-US"/>
+          </a:p>
+        </p:txBody>
+      </p:sp>
+    </p:spTree>
+    <p:extLst>
+      <p:ext uri="{BB962C8B-B14F-4D97-AF65-F5344CB8AC3E}">
+        <p14:creationId xmlns:p14="http://schemas.microsoft.com/office/powerpoint/2010/main" val="2510813103"/>
+      </p:ext>
+    </p:extLst>
+  </p:cSld>
+  <p:clrMapOvr>
+    <a:masterClrMapping/>
+  </p:clrMapOvr>
+</p:sld>
+</file>
+
+<file path=ppt/slides/slide12.xml><?xml version="1.0" encoding="utf-8"?>
 <p:sld xmlns:a="http://schemas.openxmlformats.org/drawingml/2006/main" xmlns:r="http://schemas.openxmlformats.org/officeDocument/2006/relationships" xmlns:p="http://schemas.openxmlformats.org/presentationml/2006/main">
   <p:cSld>
     <p:bg>
@@ -11042,7 +11709,7 @@
 </p:sld>
 </file>
 
-<file path=ppt/slides/slide12.xml><?xml version="1.0" encoding="utf-8"?>
+<file path=ppt/slides/slide13.xml><?xml version="1.0" encoding="utf-8"?>
 <p:sld xmlns:a="http://schemas.openxmlformats.org/drawingml/2006/main" xmlns:r="http://schemas.openxmlformats.org/officeDocument/2006/relationships" xmlns:p="http://schemas.openxmlformats.org/presentationml/2006/main">
   <p:cSld>
     <p:spTree>
@@ -11456,7 +12123,7 @@
 </p:sld>
 </file>
 
-<file path=ppt/slides/slide13.xml><?xml version="1.0" encoding="utf-8"?>
+<file path=ppt/slides/slide14.xml><?xml version="1.0" encoding="utf-8"?>
 <p:sld xmlns:a="http://schemas.openxmlformats.org/drawingml/2006/main" xmlns:r="http://schemas.openxmlformats.org/officeDocument/2006/relationships" xmlns:p="http://schemas.openxmlformats.org/presentationml/2006/main">
   <p:cSld>
     <p:bg>
@@ -12088,17 +12755,16 @@
           </a:bodyPr>
           <a:lstStyle/>
           <a:p>
+            <a:endParaRPr lang="en-US" altLang="ko-KR" sz="1900"/>
+          </a:p>
+          <a:p>
+            <a:r>
+              <a:rPr lang="en-US" altLang="ko-KR" sz="1900"/>
+              <a:t>AKKA </a:t>
+            </a:r>
             <a:r>
               <a:rPr lang="ko-KR" altLang="en-US" sz="1900"/>
-              <a:t>작동가능한 다양한 메시지패턴을 배울수 있다</a:t>
-            </a:r>
-            <a:r>
-              <a:rPr lang="en-US" altLang="ko-KR" sz="1900"/>
-              <a:t>. AKKA</a:t>
-            </a:r>
-            <a:r>
-              <a:rPr lang="ko-KR" altLang="en-US" sz="1900"/>
-              <a:t>가 아니여도 다양한 유용한툴들을 알고 있는것은 환영할만한 일이다</a:t>
+              <a:t>메시징 디자인패턴 모음집이다</a:t>
             </a:r>
             <a:r>
               <a:rPr lang="en-US" altLang="ko-KR" sz="1900"/>
@@ -12108,43 +12774,19 @@
           <a:p>
             <a:r>
               <a:rPr lang="ko-KR" altLang="en-US" sz="1900"/>
-              <a:t>웹서비스개발에서</a:t>
+              <a:t>웹서비스 도전과제 </a:t>
             </a:r>
             <a:r>
               <a:rPr lang="en-US" altLang="ko-KR" sz="1900"/>
-              <a:t>, CRUD</a:t>
+              <a:t>: CQRS(Event</a:t>
             </a:r>
             <a:r>
               <a:rPr lang="ko-KR" altLang="en-US" sz="1900"/>
-              <a:t>방식을 유지하면서</a:t>
+              <a:t>소싱</a:t>
             </a:r>
             <a:r>
               <a:rPr lang="en-US" altLang="ko-KR" sz="1900"/>
-              <a:t>,CQRS</a:t>
-            </a:r>
-            <a:r>
-              <a:rPr lang="ko-KR" altLang="en-US" sz="1900"/>
-              <a:t>로 도약을 할 수 있는 도움을 줄것으로 기대하며 </a:t>
-            </a:r>
-            <a:r>
-              <a:rPr lang="en-US" altLang="ko-KR" sz="1900"/>
-              <a:t>CQRS</a:t>
-            </a:r>
-            <a:r>
-              <a:rPr lang="ko-KR" altLang="en-US" sz="1900"/>
-              <a:t>를 활용하는 </a:t>
-            </a:r>
-            <a:r>
-              <a:rPr lang="en-US" altLang="ko-KR" sz="1900"/>
-              <a:t>DDD</a:t>
-            </a:r>
-            <a:r>
-              <a:rPr lang="ko-KR" altLang="en-US" sz="1900"/>
-              <a:t>는 웹진영에서 발전중에 있는 개발방법론이다</a:t>
-            </a:r>
-            <a:r>
-              <a:rPr lang="en-US" altLang="ko-KR" sz="1900"/>
-              <a:t>.</a:t>
+              <a:t>) WITH DDD</a:t>
             </a:r>
           </a:p>
           <a:p>
@@ -12166,6 +12808,41 @@
               <a:t>.</a:t>
             </a:r>
             <a:endParaRPr lang="ko-KR" altLang="en-US" sz="1900"/>
+          </a:p>
+        </p:txBody>
+      </p:sp>
+      <p:sp>
+        <p:nvSpPr>
+          <p:cNvPr id="8" name="TextBox 7">
+            <a:extLst>
+              <a:ext uri="{FF2B5EF4-FFF2-40B4-BE49-F238E27FC236}">
+                <a16:creationId xmlns:a16="http://schemas.microsoft.com/office/drawing/2014/main" id="{1B5CAA29-A2EB-4A86-9F8B-4F5FAA7DF9DB}"/>
+              </a:ext>
+            </a:extLst>
+          </p:cNvPr>
+          <p:cNvSpPr txBox="1"/>
+          <p:nvPr/>
+        </p:nvSpPr>
+        <p:spPr>
+          <a:xfrm>
+            <a:off x="5297761" y="6005822"/>
+            <a:ext cx="6096000" cy="369332"/>
+          </a:xfrm>
+          <a:prstGeom prst="rect">
+            <a:avLst/>
+          </a:prstGeom>
+          <a:noFill/>
+        </p:spPr>
+        <p:txBody>
+          <a:bodyPr wrap="square">
+            <a:spAutoFit/>
+          </a:bodyPr>
+          <a:lstStyle/>
+          <a:p>
+            <a:r>
+              <a:rPr lang="ko-KR" altLang="en-US"/>
+              <a:t>https://github.com/psmon/AkkaDotModule</a:t>
+            </a:r>
           </a:p>
         </p:txBody>
       </p:sp>
@@ -12185,6 +12862,14 @@
 <file path=ppt/slides/slide2.xml><?xml version="1.0" encoding="utf-8"?>
 <p:sld xmlns:a="http://schemas.openxmlformats.org/drawingml/2006/main" xmlns:r="http://schemas.openxmlformats.org/officeDocument/2006/relationships" xmlns:p="http://schemas.openxmlformats.org/presentationml/2006/main">
   <p:cSld>
+    <p:bg>
+      <p:bgPr>
+        <a:solidFill>
+          <a:schemeClr val="bg1"/>
+        </a:solidFill>
+        <a:effectLst/>
+      </p:bgPr>
+    </p:bg>
     <p:spTree>
       <p:nvGrpSpPr>
         <p:cNvPr id="1" name=""/>
@@ -12199,6 +12884,66 @@
           <a:chExt cx="0" cy="0"/>
         </a:xfrm>
       </p:grpSpPr>
+      <p:sp useBgFill="1">
+        <p:nvSpPr>
+          <p:cNvPr id="10" name="Rectangle 9">
+            <a:extLst>
+              <a:ext uri="{FF2B5EF4-FFF2-40B4-BE49-F238E27FC236}">
+                <a16:creationId xmlns:a16="http://schemas.microsoft.com/office/drawing/2014/main" id="{2C61293E-6EBE-43EF-A52C-9BEBFD7679D4}"/>
+              </a:ext>
+              <a:ext uri="{C183D7F6-B498-43B3-948B-1728B52AA6E4}">
+                <adec:decorative xmlns:adec="http://schemas.microsoft.com/office/drawing/2017/decorative" val="1"/>
+              </a:ext>
+            </a:extLst>
+          </p:cNvPr>
+          <p:cNvSpPr>
+            <a:spLocks noGrp="1" noRot="1" noChangeAspect="1" noMove="1" noResize="1" noEditPoints="1" noAdjustHandles="1" noChangeArrowheads="1" noChangeShapeType="1" noTextEdit="1"/>
+          </p:cNvSpPr>
+          <p:nvPr>
+            <p:extLst>
+              <p:ext uri="{386F3935-93C4-4BCD-93E2-E3B085C9AB24}">
+                <p16:designElem xmlns:p16="http://schemas.microsoft.com/office/powerpoint/2015/main" val="1"/>
+              </p:ext>
+            </p:extLst>
+          </p:nvPr>
+        </p:nvSpPr>
+        <p:spPr>
+          <a:xfrm>
+            <a:off x="0" y="0"/>
+            <a:ext cx="12188952" cy="6858000"/>
+          </a:xfrm>
+          <a:prstGeom prst="rect">
+            <a:avLst/>
+          </a:prstGeom>
+          <a:ln>
+            <a:noFill/>
+          </a:ln>
+        </p:spPr>
+        <p:style>
+          <a:lnRef idx="2">
+            <a:schemeClr val="accent1">
+              <a:shade val="50000"/>
+            </a:schemeClr>
+          </a:lnRef>
+          <a:fillRef idx="1">
+            <a:schemeClr val="accent1"/>
+          </a:fillRef>
+          <a:effectRef idx="0">
+            <a:schemeClr val="accent1"/>
+          </a:effectRef>
+          <a:fontRef idx="minor">
+            <a:schemeClr val="lt1"/>
+          </a:fontRef>
+        </p:style>
+        <p:txBody>
+          <a:bodyPr rtlCol="0" anchor="ctr"/>
+          <a:lstStyle/>
+          <a:p>
+            <a:pPr algn="ctr"/>
+            <a:endParaRPr lang="en-US"/>
+          </a:p>
+        </p:txBody>
+      </p:sp>
       <p:sp>
         <p:nvSpPr>
           <p:cNvPr id="2" name="제목 1">
@@ -12215,23 +12960,514 @@
             <p:ph type="title"/>
           </p:nvPr>
         </p:nvSpPr>
-        <p:spPr/>
+        <p:spPr>
+          <a:xfrm>
+            <a:off x="5297762" y="329184"/>
+            <a:ext cx="6251110" cy="1783080"/>
+          </a:xfrm>
+        </p:spPr>
         <p:txBody>
-          <a:bodyPr/>
+          <a:bodyPr anchor="b">
+            <a:normAutofit/>
+          </a:bodyPr>
           <a:lstStyle/>
           <a:p>
             <a:r>
-              <a:rPr lang="ko-KR" altLang="en-US"/>
+              <a:rPr lang="ko-KR" altLang="en-US" sz="5400"/>
               <a:t>소개 </a:t>
             </a:r>
             <a:r>
-              <a:rPr lang="en-US" altLang="ko-KR"/>
-              <a:t>– </a:t>
-            </a:r>
-            <a:r>
-              <a:rPr lang="ko-KR" altLang="en-US"/>
+              <a:rPr lang="en-US" altLang="ko-KR" sz="5400"/>
+              <a:t>- </a:t>
+            </a:r>
+            <a:r>
+              <a:rPr lang="ko-KR" altLang="en-US" sz="5400"/>
               <a:t>박상만</a:t>
             </a:r>
+          </a:p>
+        </p:txBody>
+      </p:sp>
+      <p:pic>
+        <p:nvPicPr>
+          <p:cNvPr id="5" name="그림 4">
+            <a:extLst>
+              <a:ext uri="{FF2B5EF4-FFF2-40B4-BE49-F238E27FC236}">
+                <a16:creationId xmlns:a16="http://schemas.microsoft.com/office/drawing/2014/main" id="{4E1209EF-7279-417D-87FD-6D5751E36261}"/>
+              </a:ext>
+            </a:extLst>
+          </p:cNvPr>
+          <p:cNvPicPr>
+            <a:picLocks noChangeAspect="1"/>
+          </p:cNvPicPr>
+          <p:nvPr/>
+        </p:nvPicPr>
+        <p:blipFill rotWithShape="1">
+          <a:blip r:embed="rId2"/>
+          <a:srcRect l="29870" r="3068"/>
+          <a:stretch/>
+        </p:blipFill>
+        <p:spPr>
+          <a:xfrm>
+            <a:off x="1" y="10"/>
+            <a:ext cx="4657344" cy="6857990"/>
+          </a:xfrm>
+          <a:custGeom>
+            <a:avLst/>
+            <a:gdLst/>
+            <a:ahLst/>
+            <a:cxnLst/>
+            <a:rect l="l" t="t" r="r" b="b"/>
+            <a:pathLst>
+              <a:path w="4657344" h="6858000">
+                <a:moveTo>
+                  <a:pt x="0" y="0"/>
+                </a:moveTo>
+                <a:lnTo>
+                  <a:pt x="3429755" y="0"/>
+                </a:lnTo>
+                <a:lnTo>
+                  <a:pt x="3526016" y="148742"/>
+                </a:lnTo>
+                <a:cubicBezTo>
+                  <a:pt x="3657740" y="365513"/>
+                  <a:pt x="3777402" y="589569"/>
+                  <a:pt x="3886489" y="819975"/>
+                </a:cubicBezTo>
+                <a:cubicBezTo>
+                  <a:pt x="3891856" y="833492"/>
+                  <a:pt x="3900663" y="845393"/>
+                  <a:pt x="3912049" y="854514"/>
+                </a:cubicBezTo>
+                <a:cubicBezTo>
+                  <a:pt x="3897352" y="819849"/>
+                  <a:pt x="3883037" y="784928"/>
+                  <a:pt x="3868083" y="750263"/>
+                </a:cubicBezTo>
+                <a:cubicBezTo>
+                  <a:pt x="3806989" y="608712"/>
+                  <a:pt x="3742478" y="469145"/>
+                  <a:pt x="3674155" y="331786"/>
+                </a:cubicBezTo>
+                <a:lnTo>
+                  <a:pt x="3496656" y="0"/>
+                </a:lnTo>
+                <a:lnTo>
+                  <a:pt x="3554371" y="0"/>
+                </a:lnTo>
+                <a:lnTo>
+                  <a:pt x="3661621" y="196614"/>
+                </a:lnTo>
+                <a:cubicBezTo>
+                  <a:pt x="3856899" y="573253"/>
+                  <a:pt x="4021071" y="966066"/>
+                  <a:pt x="4161279" y="1371196"/>
+                </a:cubicBezTo>
+                <a:cubicBezTo>
+                  <a:pt x="4379525" y="2007265"/>
+                  <a:pt x="4530141" y="2664286"/>
+                  <a:pt x="4610660" y="3331516"/>
+                </a:cubicBezTo>
+                <a:cubicBezTo>
+                  <a:pt x="4652837" y="3672965"/>
+                  <a:pt x="4671625" y="4013908"/>
+                  <a:pt x="4645040" y="4357388"/>
+                </a:cubicBezTo>
+                <a:cubicBezTo>
+                  <a:pt x="4613599" y="4758899"/>
+                  <a:pt x="4566181" y="5157998"/>
+                  <a:pt x="4485789" y="5552906"/>
+                </a:cubicBezTo>
+                <a:cubicBezTo>
+                  <a:pt x="4397121" y="5988893"/>
+                  <a:pt x="4276748" y="6414594"/>
+                  <a:pt x="4117769" y="6828295"/>
+                </a:cubicBezTo>
+                <a:lnTo>
+                  <a:pt x="4105288" y="6858000"/>
+                </a:lnTo>
+                <a:lnTo>
+                  <a:pt x="4052520" y="6858000"/>
+                </a:lnTo>
+                <a:lnTo>
+                  <a:pt x="4059369" y="6841549"/>
+                </a:lnTo>
+                <a:cubicBezTo>
+                  <a:pt x="4147276" y="6614016"/>
+                  <a:pt x="4224193" y="6380817"/>
+                  <a:pt x="4291518" y="6142729"/>
+                </a:cubicBezTo>
+                <a:cubicBezTo>
+                  <a:pt x="4350055" y="5935370"/>
+                  <a:pt x="4393256" y="5723695"/>
+                  <a:pt x="4443357" y="5513923"/>
+                </a:cubicBezTo>
+                <a:cubicBezTo>
+                  <a:pt x="4444541" y="5502788"/>
+                  <a:pt x="4445137" y="5491601"/>
+                  <a:pt x="4445146" y="5480401"/>
+                </a:cubicBezTo>
+                <a:cubicBezTo>
+                  <a:pt x="4408465" y="5607635"/>
+                  <a:pt x="4379196" y="5719759"/>
+                  <a:pt x="4344559" y="5830359"/>
+                </a:cubicBezTo>
+                <a:cubicBezTo>
+                  <a:pt x="4254261" y="6118381"/>
+                  <a:pt x="4150112" y="6398531"/>
+                  <a:pt x="4031702" y="6670527"/>
+                </a:cubicBezTo>
+                <a:lnTo>
+                  <a:pt x="3943824" y="6858000"/>
+                </a:lnTo>
+                <a:lnTo>
+                  <a:pt x="0" y="6858000"/>
+                </a:lnTo>
+                <a:close/>
+              </a:path>
+            </a:pathLst>
+          </a:custGeom>
+        </p:spPr>
+      </p:pic>
+      <p:sp>
+        <p:nvSpPr>
+          <p:cNvPr id="12" name="sketchy line">
+            <a:extLst>
+              <a:ext uri="{FF2B5EF4-FFF2-40B4-BE49-F238E27FC236}">
+                <a16:creationId xmlns:a16="http://schemas.microsoft.com/office/drawing/2014/main" id="{21540236-BFD5-4A9D-8840-4703E7F76825}"/>
+              </a:ext>
+              <a:ext uri="{C183D7F6-B498-43B3-948B-1728B52AA6E4}">
+                <adec:decorative xmlns:adec="http://schemas.microsoft.com/office/drawing/2017/decorative" val="1"/>
+              </a:ext>
+            </a:extLst>
+          </p:cNvPr>
+          <p:cNvSpPr>
+            <a:spLocks noGrp="1" noRot="1" noChangeAspect="1" noMove="1" noResize="1" noEditPoints="1" noAdjustHandles="1" noChangeArrowheads="1" noChangeShapeType="1" noTextEdit="1"/>
+          </p:cNvSpPr>
+          <p:nvPr>
+            <p:extLst>
+              <p:ext uri="{386F3935-93C4-4BCD-93E2-E3B085C9AB24}">
+                <p16:designElem xmlns:p16="http://schemas.microsoft.com/office/powerpoint/2015/main" val="1"/>
+              </p:ext>
+            </p:extLst>
+          </p:nvPr>
+        </p:nvSpPr>
+        <p:spPr>
+          <a:xfrm>
+            <a:off x="5297762" y="2374947"/>
+            <a:ext cx="4243589" cy="18288"/>
+          </a:xfrm>
+          <a:custGeom>
+            <a:avLst/>
+            <a:gdLst>
+              <a:gd name="connsiteX0" fmla="*/ 0 w 4243589"/>
+              <a:gd name="connsiteY0" fmla="*/ 0 h 18288"/>
+              <a:gd name="connsiteX1" fmla="*/ 478919 w 4243589"/>
+              <a:gd name="connsiteY1" fmla="*/ 0 h 18288"/>
+              <a:gd name="connsiteX2" fmla="*/ 957839 w 4243589"/>
+              <a:gd name="connsiteY2" fmla="*/ 0 h 18288"/>
+              <a:gd name="connsiteX3" fmla="*/ 1521630 w 4243589"/>
+              <a:gd name="connsiteY3" fmla="*/ 0 h 18288"/>
+              <a:gd name="connsiteX4" fmla="*/ 2212729 w 4243589"/>
+              <a:gd name="connsiteY4" fmla="*/ 0 h 18288"/>
+              <a:gd name="connsiteX5" fmla="*/ 2734084 w 4243589"/>
+              <a:gd name="connsiteY5" fmla="*/ 0 h 18288"/>
+              <a:gd name="connsiteX6" fmla="*/ 3255439 w 4243589"/>
+              <a:gd name="connsiteY6" fmla="*/ 0 h 18288"/>
+              <a:gd name="connsiteX7" fmla="*/ 4243589 w 4243589"/>
+              <a:gd name="connsiteY7" fmla="*/ 0 h 18288"/>
+              <a:gd name="connsiteX8" fmla="*/ 4243589 w 4243589"/>
+              <a:gd name="connsiteY8" fmla="*/ 18288 h 18288"/>
+              <a:gd name="connsiteX9" fmla="*/ 3594926 w 4243589"/>
+              <a:gd name="connsiteY9" fmla="*/ 18288 h 18288"/>
+              <a:gd name="connsiteX10" fmla="*/ 3073571 w 4243589"/>
+              <a:gd name="connsiteY10" fmla="*/ 18288 h 18288"/>
+              <a:gd name="connsiteX11" fmla="*/ 2552216 w 4243589"/>
+              <a:gd name="connsiteY11" fmla="*/ 18288 h 18288"/>
+              <a:gd name="connsiteX12" fmla="*/ 1903553 w 4243589"/>
+              <a:gd name="connsiteY12" fmla="*/ 18288 h 18288"/>
+              <a:gd name="connsiteX13" fmla="*/ 1212454 w 4243589"/>
+              <a:gd name="connsiteY13" fmla="*/ 18288 h 18288"/>
+              <a:gd name="connsiteX14" fmla="*/ 733535 w 4243589"/>
+              <a:gd name="connsiteY14" fmla="*/ 18288 h 18288"/>
+              <a:gd name="connsiteX15" fmla="*/ 0 w 4243589"/>
+              <a:gd name="connsiteY15" fmla="*/ 18288 h 18288"/>
+              <a:gd name="connsiteX16" fmla="*/ 0 w 4243589"/>
+              <a:gd name="connsiteY16" fmla="*/ 0 h 18288"/>
+            </a:gdLst>
+            <a:ahLst/>
+            <a:cxnLst>
+              <a:cxn ang="0">
+                <a:pos x="connsiteX0" y="connsiteY0"/>
+              </a:cxn>
+              <a:cxn ang="0">
+                <a:pos x="connsiteX1" y="connsiteY1"/>
+              </a:cxn>
+              <a:cxn ang="0">
+                <a:pos x="connsiteX2" y="connsiteY2"/>
+              </a:cxn>
+              <a:cxn ang="0">
+                <a:pos x="connsiteX3" y="connsiteY3"/>
+              </a:cxn>
+              <a:cxn ang="0">
+                <a:pos x="connsiteX4" y="connsiteY4"/>
+              </a:cxn>
+              <a:cxn ang="0">
+                <a:pos x="connsiteX5" y="connsiteY5"/>
+              </a:cxn>
+              <a:cxn ang="0">
+                <a:pos x="connsiteX6" y="connsiteY6"/>
+              </a:cxn>
+              <a:cxn ang="0">
+                <a:pos x="connsiteX7" y="connsiteY7"/>
+              </a:cxn>
+              <a:cxn ang="0">
+                <a:pos x="connsiteX8" y="connsiteY8"/>
+              </a:cxn>
+              <a:cxn ang="0">
+                <a:pos x="connsiteX9" y="connsiteY9"/>
+              </a:cxn>
+              <a:cxn ang="0">
+                <a:pos x="connsiteX10" y="connsiteY10"/>
+              </a:cxn>
+              <a:cxn ang="0">
+                <a:pos x="connsiteX11" y="connsiteY11"/>
+              </a:cxn>
+              <a:cxn ang="0">
+                <a:pos x="connsiteX12" y="connsiteY12"/>
+              </a:cxn>
+              <a:cxn ang="0">
+                <a:pos x="connsiteX13" y="connsiteY13"/>
+              </a:cxn>
+              <a:cxn ang="0">
+                <a:pos x="connsiteX14" y="connsiteY14"/>
+              </a:cxn>
+              <a:cxn ang="0">
+                <a:pos x="connsiteX15" y="connsiteY15"/>
+              </a:cxn>
+              <a:cxn ang="0">
+                <a:pos x="connsiteX16" y="connsiteY16"/>
+              </a:cxn>
+            </a:cxnLst>
+            <a:rect l="l" t="t" r="r" b="b"/>
+            <a:pathLst>
+              <a:path w="4243589" h="18288" fill="none" extrusionOk="0">
+                <a:moveTo>
+                  <a:pt x="0" y="0"/>
+                </a:moveTo>
+                <a:cubicBezTo>
+                  <a:pt x="213395" y="-21006"/>
+                  <a:pt x="307421" y="-18116"/>
+                  <a:pt x="478919" y="0"/>
+                </a:cubicBezTo>
+                <a:cubicBezTo>
+                  <a:pt x="650417" y="18116"/>
+                  <a:pt x="831092" y="-21237"/>
+                  <a:pt x="957839" y="0"/>
+                </a:cubicBezTo>
+                <a:cubicBezTo>
+                  <a:pt x="1084586" y="21237"/>
+                  <a:pt x="1301682" y="25124"/>
+                  <a:pt x="1521630" y="0"/>
+                </a:cubicBezTo>
+                <a:cubicBezTo>
+                  <a:pt x="1741578" y="-25124"/>
+                  <a:pt x="1970269" y="-29139"/>
+                  <a:pt x="2212729" y="0"/>
+                </a:cubicBezTo>
+                <a:cubicBezTo>
+                  <a:pt x="2455189" y="29139"/>
+                  <a:pt x="2558847" y="-4796"/>
+                  <a:pt x="2734084" y="0"/>
+                </a:cubicBezTo>
+                <a:cubicBezTo>
+                  <a:pt x="2909321" y="4796"/>
+                  <a:pt x="3097217" y="-13409"/>
+                  <a:pt x="3255439" y="0"/>
+                </a:cubicBezTo>
+                <a:cubicBezTo>
+                  <a:pt x="3413662" y="13409"/>
+                  <a:pt x="3979999" y="-10121"/>
+                  <a:pt x="4243589" y="0"/>
+                </a:cubicBezTo>
+                <a:cubicBezTo>
+                  <a:pt x="4244484" y="8974"/>
+                  <a:pt x="4243043" y="9359"/>
+                  <a:pt x="4243589" y="18288"/>
+                </a:cubicBezTo>
+                <a:cubicBezTo>
+                  <a:pt x="4058777" y="31246"/>
+                  <a:pt x="3910348" y="3158"/>
+                  <a:pt x="3594926" y="18288"/>
+                </a:cubicBezTo>
+                <a:cubicBezTo>
+                  <a:pt x="3279504" y="33418"/>
+                  <a:pt x="3319955" y="-3977"/>
+                  <a:pt x="3073571" y="18288"/>
+                </a:cubicBezTo>
+                <a:cubicBezTo>
+                  <a:pt x="2827187" y="40553"/>
+                  <a:pt x="2767387" y="1863"/>
+                  <a:pt x="2552216" y="18288"/>
+                </a:cubicBezTo>
+                <a:cubicBezTo>
+                  <a:pt x="2337046" y="34713"/>
+                  <a:pt x="2181871" y="19527"/>
+                  <a:pt x="1903553" y="18288"/>
+                </a:cubicBezTo>
+                <a:cubicBezTo>
+                  <a:pt x="1625235" y="17049"/>
+                  <a:pt x="1557672" y="24174"/>
+                  <a:pt x="1212454" y="18288"/>
+                </a:cubicBezTo>
+                <a:cubicBezTo>
+                  <a:pt x="867236" y="12402"/>
+                  <a:pt x="874382" y="15627"/>
+                  <a:pt x="733535" y="18288"/>
+                </a:cubicBezTo>
+                <a:cubicBezTo>
+                  <a:pt x="592688" y="20949"/>
+                  <a:pt x="183477" y="14753"/>
+                  <a:pt x="0" y="18288"/>
+                </a:cubicBezTo>
+                <a:cubicBezTo>
+                  <a:pt x="-229" y="14222"/>
+                  <a:pt x="509" y="5816"/>
+                  <a:pt x="0" y="0"/>
+                </a:cubicBezTo>
+                <a:close/>
+              </a:path>
+              <a:path w="4243589" h="18288" stroke="0" extrusionOk="0">
+                <a:moveTo>
+                  <a:pt x="0" y="0"/>
+                </a:moveTo>
+                <a:cubicBezTo>
+                  <a:pt x="143690" y="16630"/>
+                  <a:pt x="266667" y="14847"/>
+                  <a:pt x="521355" y="0"/>
+                </a:cubicBezTo>
+                <a:cubicBezTo>
+                  <a:pt x="776043" y="-14847"/>
+                  <a:pt x="814491" y="-17363"/>
+                  <a:pt x="1000275" y="0"/>
+                </a:cubicBezTo>
+                <a:cubicBezTo>
+                  <a:pt x="1186059" y="17363"/>
+                  <a:pt x="1352504" y="-23507"/>
+                  <a:pt x="1521630" y="0"/>
+                </a:cubicBezTo>
+                <a:cubicBezTo>
+                  <a:pt x="1690756" y="23507"/>
+                  <a:pt x="1889525" y="5871"/>
+                  <a:pt x="2127857" y="0"/>
+                </a:cubicBezTo>
+                <a:cubicBezTo>
+                  <a:pt x="2366189" y="-5871"/>
+                  <a:pt x="2620628" y="-27997"/>
+                  <a:pt x="2776520" y="0"/>
+                </a:cubicBezTo>
+                <a:cubicBezTo>
+                  <a:pt x="2932412" y="27997"/>
+                  <a:pt x="3131683" y="-25073"/>
+                  <a:pt x="3467618" y="0"/>
+                </a:cubicBezTo>
+                <a:cubicBezTo>
+                  <a:pt x="3803553" y="25073"/>
+                  <a:pt x="4017371" y="3071"/>
+                  <a:pt x="4243589" y="0"/>
+                </a:cubicBezTo>
+                <a:cubicBezTo>
+                  <a:pt x="4243134" y="6162"/>
+                  <a:pt x="4243492" y="11775"/>
+                  <a:pt x="4243589" y="18288"/>
+                </a:cubicBezTo>
+                <a:cubicBezTo>
+                  <a:pt x="4017834" y="-5779"/>
+                  <a:pt x="3834586" y="13376"/>
+                  <a:pt x="3594926" y="18288"/>
+                </a:cubicBezTo>
+                <a:cubicBezTo>
+                  <a:pt x="3355266" y="23200"/>
+                  <a:pt x="3204179" y="2869"/>
+                  <a:pt x="2903827" y="18288"/>
+                </a:cubicBezTo>
+                <a:cubicBezTo>
+                  <a:pt x="2603475" y="33707"/>
+                  <a:pt x="2526187" y="46187"/>
+                  <a:pt x="2212729" y="18288"/>
+                </a:cubicBezTo>
+                <a:cubicBezTo>
+                  <a:pt x="1899271" y="-9611"/>
+                  <a:pt x="1966289" y="29692"/>
+                  <a:pt x="1733809" y="18288"/>
+                </a:cubicBezTo>
+                <a:cubicBezTo>
+                  <a:pt x="1501329" y="6884"/>
+                  <a:pt x="1343612" y="12492"/>
+                  <a:pt x="1085146" y="18288"/>
+                </a:cubicBezTo>
+                <a:cubicBezTo>
+                  <a:pt x="826680" y="24084"/>
+                  <a:pt x="778184" y="35607"/>
+                  <a:pt x="521355" y="18288"/>
+                </a:cubicBezTo>
+                <a:cubicBezTo>
+                  <a:pt x="264526" y="969"/>
+                  <a:pt x="120277" y="4268"/>
+                  <a:pt x="0" y="18288"/>
+                </a:cubicBezTo>
+                <a:cubicBezTo>
+                  <a:pt x="766" y="10800"/>
+                  <a:pt x="-457" y="8180"/>
+                  <a:pt x="0" y="0"/>
+                </a:cubicBezTo>
+                <a:close/>
+              </a:path>
+            </a:pathLst>
+          </a:custGeom>
+          <a:solidFill>
+            <a:schemeClr val="accent2"/>
+          </a:solidFill>
+          <a:ln w="44450" cap="rnd">
+            <a:solidFill>
+              <a:schemeClr val="accent2"/>
+            </a:solidFill>
+            <a:round/>
+            <a:extLst>
+              <a:ext uri="{C807C97D-BFC1-408E-A445-0C87EB9F89A2}">
+                <ask:lineSketchStyleProps xmlns:ask="http://schemas.microsoft.com/office/drawing/2018/sketchyshapes" sd="2727557108">
+                  <a:prstGeom prst="rect">
+                    <a:avLst/>
+                  </a:prstGeom>
+                  <ask:type>
+                    <ask:lineSketchFreehand/>
+                  </ask:type>
+                </ask:lineSketchStyleProps>
+              </a:ext>
+            </a:extLst>
+          </a:ln>
+        </p:spPr>
+        <p:style>
+          <a:lnRef idx="2">
+            <a:schemeClr val="accent1">
+              <a:shade val="50000"/>
+            </a:schemeClr>
+          </a:lnRef>
+          <a:fillRef idx="1">
+            <a:schemeClr val="accent1"/>
+          </a:fillRef>
+          <a:effectRef idx="0">
+            <a:schemeClr val="accent1"/>
+          </a:effectRef>
+          <a:fontRef idx="minor">
+            <a:schemeClr val="lt1"/>
+          </a:fontRef>
+        </p:style>
+        <p:txBody>
+          <a:bodyPr rtlCol="0" anchor="ctr"/>
+          <a:lstStyle/>
+          <a:p>
+            <a:pPr algn="ctr"/>
+            <a:endParaRPr lang="en-US"/>
           </a:p>
         </p:txBody>
       </p:sp>
@@ -12253,107 +13489,109 @@
         </p:nvSpPr>
         <p:spPr>
           <a:xfrm>
-            <a:off x="838200" y="1825625"/>
-            <a:ext cx="10515600" cy="3009846"/>
+            <a:off x="5297762" y="2706624"/>
+            <a:ext cx="6251110" cy="3483864"/>
           </a:xfrm>
         </p:spPr>
         <p:txBody>
-          <a:bodyPr/>
+          <a:bodyPr>
+            <a:normAutofit/>
+          </a:bodyPr>
           <a:lstStyle/>
           <a:p>
             <a:r>
-              <a:rPr lang="ko-KR" altLang="en-US"/>
+              <a:rPr lang="ko-KR" altLang="en-US" sz="2200"/>
               <a:t>루나소프트 개발팀 본부장</a:t>
             </a:r>
-            <a:endParaRPr lang="en-US" altLang="ko-KR"/>
-          </a:p>
-          <a:p>
-            <a:r>
-              <a:rPr lang="ko-KR" altLang="en-US"/>
+            <a:endParaRPr lang="en-US" altLang="ko-KR" sz="2200"/>
+          </a:p>
+          <a:p>
+            <a:r>
+              <a:rPr lang="ko-KR" altLang="en-US" sz="2200"/>
               <a:t>관심사 </a:t>
             </a:r>
             <a:r>
-              <a:rPr lang="en-US" altLang="ko-KR"/>
+              <a:rPr lang="en-US" altLang="ko-KR" sz="2200"/>
               <a:t>: </a:t>
             </a:r>
             <a:r>
-              <a:rPr lang="ko-KR" altLang="en-US"/>
+              <a:rPr lang="ko-KR" altLang="en-US" sz="2200"/>
               <a:t>대용량 이벤트 처리</a:t>
             </a:r>
             <a:r>
-              <a:rPr lang="en-US" altLang="ko-KR"/>
+              <a:rPr lang="en-US" altLang="ko-KR" sz="2200"/>
               <a:t>/</a:t>
             </a:r>
             <a:r>
-              <a:rPr lang="ko-KR" altLang="en-US"/>
+              <a:rPr lang="ko-KR" altLang="en-US" sz="2200"/>
               <a:t>실천형 아키텍트 </a:t>
             </a:r>
             <a:r>
-              <a:rPr lang="en-US" altLang="ko-KR"/>
+              <a:rPr lang="en-US" altLang="ko-KR" sz="2200"/>
               <a:t>( AKKA / DDD )</a:t>
             </a:r>
           </a:p>
           <a:p>
             <a:r>
-              <a:rPr lang="en-US" altLang="ko-KR"/>
+              <a:rPr lang="en-US" altLang="ko-KR" sz="2200"/>
               <a:t>FaceBook : </a:t>
             </a:r>
             <a:r>
-              <a:rPr lang="en-US" altLang="ko-KR">
-                <a:hlinkClick r:id="rId2"/>
+              <a:rPr lang="en-US" altLang="ko-KR" sz="2200">
+                <a:hlinkClick r:id="rId3"/>
               </a:rPr>
               <a:t>https://www.facebook.com/groups/akkalabs</a:t>
             </a:r>
-            <a:endParaRPr lang="en-US" altLang="ko-KR"/>
-          </a:p>
-          <a:p>
-            <a:r>
-              <a:rPr lang="en-US" altLang="ko-KR"/>
+            <a:endParaRPr lang="en-US" altLang="ko-KR" sz="2200"/>
+          </a:p>
+          <a:p>
+            <a:r>
+              <a:rPr lang="en-US" altLang="ko-KR" sz="2200"/>
               <a:t>WIKI</a:t>
             </a:r>
             <a:r>
-              <a:rPr lang="ko-KR" altLang="en-US"/>
+              <a:rPr lang="ko-KR" altLang="en-US" sz="2200"/>
               <a:t> </a:t>
             </a:r>
             <a:r>
-              <a:rPr lang="en-US" altLang="ko-KR"/>
+              <a:rPr lang="en-US" altLang="ko-KR" sz="2200"/>
               <a:t>: </a:t>
             </a:r>
             <a:r>
-              <a:rPr lang="en-US" altLang="ko-KR">
-                <a:hlinkClick r:id="rId3"/>
+              <a:rPr lang="en-US" altLang="ko-KR" sz="2200">
+                <a:hlinkClick r:id="rId4"/>
               </a:rPr>
               <a:t>http://wiki.webnori.com/category/dev</a:t>
             </a:r>
-            <a:endParaRPr lang="en-US" altLang="ko-KR"/>
-          </a:p>
-          <a:p>
-            <a:r>
-              <a:rPr lang="en-US" altLang="ko-KR"/>
+            <a:endParaRPr lang="en-US" altLang="ko-KR" sz="2200"/>
+          </a:p>
+          <a:p>
+            <a:r>
+              <a:rPr lang="en-US" altLang="ko-KR" sz="2200"/>
               <a:t>GIT : </a:t>
             </a:r>
             <a:r>
-              <a:rPr lang="en-US" altLang="ko-KR">
-                <a:hlinkClick r:id="rId4"/>
+              <a:rPr lang="en-US" altLang="ko-KR" sz="2200">
+                <a:hlinkClick r:id="rId5"/>
               </a:rPr>
               <a:t>https://github.com/psmon/AkkaDotModule</a:t>
             </a:r>
-            <a:endParaRPr lang="en-US" altLang="ko-KR"/>
+            <a:endParaRPr lang="en-US" altLang="ko-KR" sz="2200"/>
           </a:p>
           <a:p>
             <a:pPr marL="0" indent="0">
               <a:buNone/>
             </a:pPr>
-            <a:endParaRPr lang="en-US" altLang="ko-KR"/>
-          </a:p>
-          <a:p>
-            <a:endParaRPr lang="en-US" altLang="ko-KR"/>
-          </a:p>
-          <a:p>
-            <a:endParaRPr lang="en-US" altLang="ko-KR"/>
-          </a:p>
-          <a:p>
-            <a:endParaRPr lang="ko-KR" altLang="en-US"/>
+            <a:endParaRPr lang="en-US" altLang="ko-KR" sz="2200"/>
+          </a:p>
+          <a:p>
+            <a:endParaRPr lang="en-US" altLang="ko-KR" sz="2200"/>
+          </a:p>
+          <a:p>
+            <a:endParaRPr lang="en-US" altLang="ko-KR" sz="2200"/>
+          </a:p>
+          <a:p>
+            <a:endParaRPr lang="ko-KR" altLang="en-US" sz="2200"/>
           </a:p>
         </p:txBody>
       </p:sp>
@@ -12392,7 +13630,7 @@
           <p:cNvPr id="2" name="제목 1">
             <a:extLst>
               <a:ext uri="{FF2B5EF4-FFF2-40B4-BE49-F238E27FC236}">
-                <a16:creationId xmlns:a16="http://schemas.microsoft.com/office/drawing/2014/main" id="{E9D7689A-FA19-42E4-A3D8-E636B39FBB09}"/>
+                <a16:creationId xmlns:a16="http://schemas.microsoft.com/office/drawing/2014/main" id="{052B5281-CF66-4F19-AABC-E76A86B43C7F}"/>
               </a:ext>
             </a:extLst>
           </p:cNvPr>
@@ -12410,7 +13648,7 @@
           <a:p>
             <a:r>
               <a:rPr lang="ko-KR" altLang="en-US"/>
-              <a:t>소개내용</a:t>
+              <a:t>세션의 목표</a:t>
             </a:r>
           </a:p>
         </p:txBody>
@@ -12420,7 +13658,7 @@
           <p:cNvPr id="3" name="내용 개체 틀 2">
             <a:extLst>
               <a:ext uri="{FF2B5EF4-FFF2-40B4-BE49-F238E27FC236}">
-                <a16:creationId xmlns:a16="http://schemas.microsoft.com/office/drawing/2014/main" id="{3807F598-F066-400A-BF45-6A0D734EFF65}"/>
+                <a16:creationId xmlns:a16="http://schemas.microsoft.com/office/drawing/2014/main" id="{38D1260A-5AD8-4D74-A0B8-4469D87D1699}"/>
               </a:ext>
             </a:extLst>
           </p:cNvPr>
@@ -12438,29 +13676,7 @@
           <a:p>
             <a:r>
               <a:rPr lang="ko-KR" altLang="en-US"/>
-              <a:t>다양한 메시지 패턴을 가진 툴킷 </a:t>
-            </a:r>
-            <a:r>
-              <a:rPr lang="en-US" altLang="ko-KR"/>
-              <a:t>– AKKA ( AKKA.net )</a:t>
-            </a:r>
-          </a:p>
-          <a:p>
-            <a:r>
-              <a:rPr lang="en-US" altLang="ko-KR"/>
-              <a:t>AKKA</a:t>
-            </a:r>
-            <a:r>
-              <a:rPr lang="ko-KR" altLang="en-US"/>
-              <a:t>의 메시징기능을 활용</a:t>
-            </a:r>
-            <a:r>
-              <a:rPr lang="en-US" altLang="ko-KR"/>
-              <a:t>,</a:t>
-            </a:r>
-            <a:r>
-              <a:rPr lang="ko-KR" altLang="en-US"/>
-              <a:t>닷넷 코어 </a:t>
+              <a:t>닷넷코어 </a:t>
             </a:r>
             <a:r>
               <a:rPr lang="en-US" altLang="ko-KR"/>
@@ -12468,37 +13684,46 @@
             </a:r>
             <a:r>
               <a:rPr lang="ko-KR" altLang="en-US"/>
-              <a:t>기능을 풍성하게하기</a:t>
+              <a:t>에</a:t>
+            </a:r>
+            <a:r>
+              <a:rPr lang="en-US" altLang="ko-KR"/>
+              <a:t>, AKK.NET </a:t>
+            </a:r>
+            <a:r>
+              <a:rPr lang="ko-KR" altLang="en-US"/>
+              <a:t>메시징큐 시스템을 탑재</a:t>
             </a:r>
             <a:endParaRPr lang="en-US" altLang="ko-KR"/>
           </a:p>
           <a:p>
             <a:r>
               <a:rPr lang="en-US" altLang="ko-KR"/>
-              <a:t>AKKA </a:t>
+              <a:t>Actor</a:t>
             </a:r>
             <a:r>
               <a:rPr lang="ko-KR" altLang="en-US"/>
-              <a:t>클라우드 연동 </a:t>
+              <a:t>모델을 활용한 메시징</a:t>
             </a:r>
             <a:r>
               <a:rPr lang="en-US" altLang="ko-KR"/>
-              <a:t>( </a:t>
+              <a:t>/</a:t>
             </a:r>
             <a:r>
               <a:rPr lang="ko-KR" altLang="en-US"/>
-              <a:t>모니터링 </a:t>
+              <a:t>이벤트 처리</a:t>
+            </a:r>
+            <a:endParaRPr lang="en-US" altLang="ko-KR"/>
+          </a:p>
+          <a:p>
+            <a:r>
+              <a:rPr lang="ko-KR" altLang="en-US"/>
+              <a:t>풍성한 닷넷코어 </a:t>
             </a:r>
             <a:r>
               <a:rPr lang="en-US" altLang="ko-KR"/>
-              <a:t>/ Azure Event Hub )</a:t>
-            </a:r>
-          </a:p>
-          <a:p>
-            <a:pPr marL="0" indent="0">
-              <a:buNone/>
-            </a:pPr>
-            <a:endParaRPr lang="en-US" altLang="ko-KR"/>
+              <a:t>API , NO CRUD ( Not Only CRUD,CQRS )</a:t>
+            </a:r>
           </a:p>
           <a:p>
             <a:endParaRPr lang="ko-KR" altLang="en-US"/>
@@ -12508,7 +13733,7 @@
     </p:spTree>
     <p:extLst>
       <p:ext uri="{BB962C8B-B14F-4D97-AF65-F5344CB8AC3E}">
-        <p14:creationId xmlns:p14="http://schemas.microsoft.com/office/powerpoint/2010/main" val="720538857"/>
+        <p14:creationId xmlns:p14="http://schemas.microsoft.com/office/powerpoint/2010/main" val="194113218"/>
       </p:ext>
     </p:extLst>
   </p:cSld>
@@ -12519,184 +13744,6 @@
 </file>
 
 <file path=ppt/slides/slide4.xml><?xml version="1.0" encoding="utf-8"?>
-<p:sld xmlns:a="http://schemas.openxmlformats.org/drawingml/2006/main" xmlns:r="http://schemas.openxmlformats.org/officeDocument/2006/relationships" xmlns:p="http://schemas.openxmlformats.org/presentationml/2006/main">
-  <p:cSld>
-    <p:spTree>
-      <p:nvGrpSpPr>
-        <p:cNvPr id="1" name=""/>
-        <p:cNvGrpSpPr/>
-        <p:nvPr/>
-      </p:nvGrpSpPr>
-      <p:grpSpPr>
-        <a:xfrm>
-          <a:off x="0" y="0"/>
-          <a:ext cx="0" cy="0"/>
-          <a:chOff x="0" y="0"/>
-          <a:chExt cx="0" cy="0"/>
-        </a:xfrm>
-      </p:grpSpPr>
-      <p:pic>
-        <p:nvPicPr>
-          <p:cNvPr id="4" name="그림 3">
-            <a:extLst>
-              <a:ext uri="{FF2B5EF4-FFF2-40B4-BE49-F238E27FC236}">
-                <a16:creationId xmlns:a16="http://schemas.microsoft.com/office/drawing/2014/main" id="{83C72607-846F-43B3-936C-52DC0C82AEB3}"/>
-              </a:ext>
-            </a:extLst>
-          </p:cNvPr>
-          <p:cNvPicPr>
-            <a:picLocks noChangeAspect="1"/>
-          </p:cNvPicPr>
-          <p:nvPr/>
-        </p:nvPicPr>
-        <p:blipFill>
-          <a:blip r:embed="rId2"/>
-          <a:stretch>
-            <a:fillRect/>
-          </a:stretch>
-        </p:blipFill>
-        <p:spPr>
-          <a:xfrm>
-            <a:off x="4755406" y="1340768"/>
-            <a:ext cx="7092217" cy="4896544"/>
-          </a:xfrm>
-          <a:prstGeom prst="rect">
-            <a:avLst/>
-          </a:prstGeom>
-          <a:ln>
-            <a:noFill/>
-          </a:ln>
-          <a:effectLst>
-            <a:outerShdw blurRad="107950" dist="12700" dir="5400000" algn="ctr">
-              <a:srgbClr val="000000"/>
-            </a:outerShdw>
-          </a:effectLst>
-          <a:scene3d>
-            <a:camera prst="orthographicFront">
-              <a:rot lat="0" lon="0" rev="0"/>
-            </a:camera>
-            <a:lightRig rig="soft" dir="t">
-              <a:rot lat="0" lon="0" rev="0"/>
-            </a:lightRig>
-          </a:scene3d>
-          <a:sp3d contourW="44450" prstMaterial="matte">
-            <a:bevelT w="63500" h="63500" prst="artDeco"/>
-            <a:contourClr>
-              <a:srgbClr val="FFFFFF"/>
-            </a:contourClr>
-          </a:sp3d>
-        </p:spPr>
-        <p:style>
-          <a:lnRef idx="1">
-            <a:schemeClr val="dk1"/>
-          </a:lnRef>
-          <a:fillRef idx="2">
-            <a:schemeClr val="dk1"/>
-          </a:fillRef>
-          <a:effectRef idx="1">
-            <a:schemeClr val="dk1"/>
-          </a:effectRef>
-          <a:fontRef idx="minor">
-            <a:schemeClr val="dk1"/>
-          </a:fontRef>
-        </p:style>
-      </p:pic>
-      <p:sp>
-        <p:nvSpPr>
-          <p:cNvPr id="6" name="제목 1">
-            <a:extLst>
-              <a:ext uri="{FF2B5EF4-FFF2-40B4-BE49-F238E27FC236}">
-                <a16:creationId xmlns:a16="http://schemas.microsoft.com/office/drawing/2014/main" id="{FD29FBC5-2D6F-4BAA-BC11-84885EC5D1BD}"/>
-              </a:ext>
-            </a:extLst>
-          </p:cNvPr>
-          <p:cNvSpPr>
-            <a:spLocks noGrp="1"/>
-          </p:cNvSpPr>
-          <p:nvPr>
-            <p:ph type="title"/>
-          </p:nvPr>
-        </p:nvSpPr>
-        <p:spPr>
-          <a:xfrm>
-            <a:off x="405780" y="0"/>
-            <a:ext cx="6018232" cy="1143000"/>
-          </a:xfrm>
-        </p:spPr>
-        <p:txBody>
-          <a:bodyPr rtlCol="0"/>
-          <a:lstStyle/>
-          <a:p>
-            <a:pPr rtl="0"/>
-            <a:r>
-              <a:rPr lang="en-US" altLang="ko-KR"/>
-              <a:t>AKKA</a:t>
-            </a:r>
-            <a:r>
-              <a:rPr lang="ko-KR" altLang="en-US"/>
-              <a:t> </a:t>
-            </a:r>
-            <a:r>
-              <a:rPr lang="en-US" altLang="ko-KR"/>
-              <a:t>Actor</a:t>
-            </a:r>
-            <a:r>
-              <a:rPr lang="ko-KR" altLang="en-US"/>
-              <a:t> </a:t>
-            </a:r>
-            <a:r>
-              <a:rPr lang="en-US" altLang="ko-KR"/>
-              <a:t>System</a:t>
-            </a:r>
-            <a:endParaRPr lang="ko-KR" altLang="en-US" dirty="0">
-              <a:latin typeface="맑은 고딕" panose="020B0503020000020004" pitchFamily="50" charset="-127"/>
-              <a:ea typeface="맑은 고딕" panose="020B0503020000020004" pitchFamily="50" charset="-127"/>
-            </a:endParaRPr>
-          </a:p>
-        </p:txBody>
-      </p:sp>
-      <p:graphicFrame>
-        <p:nvGraphicFramePr>
-          <p:cNvPr id="8" name="다이어그램 7">
-            <a:extLst>
-              <a:ext uri="{FF2B5EF4-FFF2-40B4-BE49-F238E27FC236}">
-                <a16:creationId xmlns:a16="http://schemas.microsoft.com/office/drawing/2014/main" id="{2751974F-65CA-4715-A648-065372057AEC}"/>
-              </a:ext>
-            </a:extLst>
-          </p:cNvPr>
-          <p:cNvGraphicFramePr/>
-          <p:nvPr>
-            <p:extLst>
-              <p:ext uri="{D42A27DB-BD31-4B8C-83A1-F6EECF244321}">
-                <p14:modId xmlns:p14="http://schemas.microsoft.com/office/powerpoint/2010/main" val="148842483"/>
-              </p:ext>
-            </p:extLst>
-          </p:nvPr>
-        </p:nvGraphicFramePr>
-        <p:xfrm>
-          <a:off x="372435" y="1199220"/>
-          <a:ext cx="4137801" cy="5038092"/>
-        </p:xfrm>
-        <a:graphic>
-          <a:graphicData uri="http://schemas.openxmlformats.org/drawingml/2006/diagram">
-            <dgm:relIds xmlns:dgm="http://schemas.openxmlformats.org/drawingml/2006/diagram" xmlns:r="http://schemas.openxmlformats.org/officeDocument/2006/relationships" r:dm="rId3" r:lo="rId4" r:qs="rId5" r:cs="rId6"/>
-          </a:graphicData>
-        </a:graphic>
-      </p:graphicFrame>
-    </p:spTree>
-    <p:extLst>
-      <p:ext uri="{BB962C8B-B14F-4D97-AF65-F5344CB8AC3E}">
-        <p14:creationId xmlns:p14="http://schemas.microsoft.com/office/powerpoint/2010/main" val="4082880612"/>
-      </p:ext>
-    </p:extLst>
-  </p:cSld>
-  <p:clrMapOvr>
-    <a:masterClrMapping/>
-  </p:clrMapOvr>
-</p:sld>
-</file>
-
-<file path=ppt/slides/slide5.xml><?xml version="1.0" encoding="utf-8"?>
 <p:sld xmlns:a="http://schemas.openxmlformats.org/drawingml/2006/main" xmlns:r="http://schemas.openxmlformats.org/officeDocument/2006/relationships" xmlns:p="http://schemas.openxmlformats.org/presentationml/2006/main">
   <p:cSld>
     <p:bg>
@@ -13185,7 +14232,7 @@
 </p:sld>
 </file>
 
-<file path=ppt/slides/slide6.xml><?xml version="1.0" encoding="utf-8"?>
+<file path=ppt/slides/slide5.xml><?xml version="1.0" encoding="utf-8"?>
 <p:sld xmlns:a="http://schemas.openxmlformats.org/drawingml/2006/main" xmlns:r="http://schemas.openxmlformats.org/officeDocument/2006/relationships" xmlns:p="http://schemas.openxmlformats.org/presentationml/2006/main">
   <p:cSld>
     <p:bg>
@@ -13798,7 +14845,7 @@
 </p:sld>
 </file>
 
-<file path=ppt/slides/slide7.xml><?xml version="1.0" encoding="utf-8"?>
+<file path=ppt/slides/slide6.xml><?xml version="1.0" encoding="utf-8"?>
 <p:sld xmlns:a="http://schemas.openxmlformats.org/drawingml/2006/main" xmlns:r="http://schemas.openxmlformats.org/officeDocument/2006/relationships" xmlns:p="http://schemas.openxmlformats.org/presentationml/2006/main">
   <p:cSld>
     <p:bg>
@@ -14667,6 +15714,222 @@
 </p:sld>
 </file>
 
+<file path=ppt/slides/slide7.xml><?xml version="1.0" encoding="utf-8"?>
+<p:sld xmlns:a="http://schemas.openxmlformats.org/drawingml/2006/main" xmlns:r="http://schemas.openxmlformats.org/officeDocument/2006/relationships" xmlns:p="http://schemas.openxmlformats.org/presentationml/2006/main">
+  <p:cSld>
+    <p:spTree>
+      <p:nvGrpSpPr>
+        <p:cNvPr id="1" name=""/>
+        <p:cNvGrpSpPr/>
+        <p:nvPr/>
+      </p:nvGrpSpPr>
+      <p:grpSpPr>
+        <a:xfrm>
+          <a:off x="0" y="0"/>
+          <a:ext cx="0" cy="0"/>
+          <a:chOff x="0" y="0"/>
+          <a:chExt cx="0" cy="0"/>
+        </a:xfrm>
+      </p:grpSpPr>
+      <p:pic>
+        <p:nvPicPr>
+          <p:cNvPr id="4" name="그림 3">
+            <a:extLst>
+              <a:ext uri="{FF2B5EF4-FFF2-40B4-BE49-F238E27FC236}">
+                <a16:creationId xmlns:a16="http://schemas.microsoft.com/office/drawing/2014/main" id="{83C72607-846F-43B3-936C-52DC0C82AEB3}"/>
+              </a:ext>
+            </a:extLst>
+          </p:cNvPr>
+          <p:cNvPicPr>
+            <a:picLocks noChangeAspect="1"/>
+          </p:cNvPicPr>
+          <p:nvPr/>
+        </p:nvPicPr>
+        <p:blipFill>
+          <a:blip r:embed="rId2"/>
+          <a:stretch>
+            <a:fillRect/>
+          </a:stretch>
+        </p:blipFill>
+        <p:spPr>
+          <a:xfrm>
+            <a:off x="4755406" y="1340768"/>
+            <a:ext cx="7092217" cy="4896544"/>
+          </a:xfrm>
+          <a:prstGeom prst="rect">
+            <a:avLst/>
+          </a:prstGeom>
+          <a:ln>
+            <a:noFill/>
+          </a:ln>
+          <a:effectLst>
+            <a:outerShdw blurRad="107950" dist="12700" dir="5400000" algn="ctr">
+              <a:srgbClr val="000000"/>
+            </a:outerShdw>
+          </a:effectLst>
+          <a:scene3d>
+            <a:camera prst="orthographicFront">
+              <a:rot lat="0" lon="0" rev="0"/>
+            </a:camera>
+            <a:lightRig rig="soft" dir="t">
+              <a:rot lat="0" lon="0" rev="0"/>
+            </a:lightRig>
+          </a:scene3d>
+          <a:sp3d contourW="44450" prstMaterial="matte">
+            <a:bevelT w="63500" h="63500" prst="artDeco"/>
+            <a:contourClr>
+              <a:srgbClr val="FFFFFF"/>
+            </a:contourClr>
+          </a:sp3d>
+        </p:spPr>
+        <p:style>
+          <a:lnRef idx="1">
+            <a:schemeClr val="dk1"/>
+          </a:lnRef>
+          <a:fillRef idx="2">
+            <a:schemeClr val="dk1"/>
+          </a:fillRef>
+          <a:effectRef idx="1">
+            <a:schemeClr val="dk1"/>
+          </a:effectRef>
+          <a:fontRef idx="minor">
+            <a:schemeClr val="dk1"/>
+          </a:fontRef>
+        </p:style>
+      </p:pic>
+      <p:sp>
+        <p:nvSpPr>
+          <p:cNvPr id="6" name="제목 1">
+            <a:extLst>
+              <a:ext uri="{FF2B5EF4-FFF2-40B4-BE49-F238E27FC236}">
+                <a16:creationId xmlns:a16="http://schemas.microsoft.com/office/drawing/2014/main" id="{FD29FBC5-2D6F-4BAA-BC11-84885EC5D1BD}"/>
+              </a:ext>
+            </a:extLst>
+          </p:cNvPr>
+          <p:cNvSpPr>
+            <a:spLocks noGrp="1"/>
+          </p:cNvSpPr>
+          <p:nvPr>
+            <p:ph type="title"/>
+          </p:nvPr>
+        </p:nvSpPr>
+        <p:spPr>
+          <a:xfrm>
+            <a:off x="405780" y="0"/>
+            <a:ext cx="6018232" cy="1143000"/>
+          </a:xfrm>
+        </p:spPr>
+        <p:txBody>
+          <a:bodyPr rtlCol="0"/>
+          <a:lstStyle/>
+          <a:p>
+            <a:pPr rtl="0"/>
+            <a:r>
+              <a:rPr lang="en-US" altLang="ko-KR"/>
+              <a:t>AKKA</a:t>
+            </a:r>
+            <a:r>
+              <a:rPr lang="ko-KR" altLang="en-US"/>
+              <a:t> </a:t>
+            </a:r>
+            <a:r>
+              <a:rPr lang="en-US" altLang="ko-KR"/>
+              <a:t>Actor</a:t>
+            </a:r>
+            <a:r>
+              <a:rPr lang="ko-KR" altLang="en-US"/>
+              <a:t> </a:t>
+            </a:r>
+            <a:r>
+              <a:rPr lang="en-US" altLang="ko-KR"/>
+              <a:t>System</a:t>
+            </a:r>
+            <a:endParaRPr lang="ko-KR" altLang="en-US" dirty="0">
+              <a:latin typeface="맑은 고딕" panose="020B0503020000020004" pitchFamily="50" charset="-127"/>
+              <a:ea typeface="맑은 고딕" panose="020B0503020000020004" pitchFamily="50" charset="-127"/>
+            </a:endParaRPr>
+          </a:p>
+        </p:txBody>
+      </p:sp>
+      <p:graphicFrame>
+        <p:nvGraphicFramePr>
+          <p:cNvPr id="8" name="다이어그램 7">
+            <a:extLst>
+              <a:ext uri="{FF2B5EF4-FFF2-40B4-BE49-F238E27FC236}">
+                <a16:creationId xmlns:a16="http://schemas.microsoft.com/office/drawing/2014/main" id="{2751974F-65CA-4715-A648-065372057AEC}"/>
+              </a:ext>
+            </a:extLst>
+          </p:cNvPr>
+          <p:cNvGraphicFramePr/>
+          <p:nvPr>
+            <p:extLst>
+              <p:ext uri="{D42A27DB-BD31-4B8C-83A1-F6EECF244321}">
+                <p14:modId xmlns:p14="http://schemas.microsoft.com/office/powerpoint/2010/main" val="148842483"/>
+              </p:ext>
+            </p:extLst>
+          </p:nvPr>
+        </p:nvGraphicFramePr>
+        <p:xfrm>
+          <a:off x="372435" y="1199220"/>
+          <a:ext cx="4137801" cy="5038092"/>
+        </p:xfrm>
+        <a:graphic>
+          <a:graphicData uri="http://schemas.openxmlformats.org/drawingml/2006/diagram">
+            <dgm:relIds xmlns:dgm="http://schemas.openxmlformats.org/drawingml/2006/diagram" xmlns:r="http://schemas.openxmlformats.org/officeDocument/2006/relationships" r:dm="rId3" r:lo="rId4" r:qs="rId5" r:cs="rId6"/>
+          </a:graphicData>
+        </a:graphic>
+      </p:graphicFrame>
+      <p:sp>
+        <p:nvSpPr>
+          <p:cNvPr id="7" name="TextBox 6">
+            <a:extLst>
+              <a:ext uri="{FF2B5EF4-FFF2-40B4-BE49-F238E27FC236}">
+                <a16:creationId xmlns:a16="http://schemas.microsoft.com/office/drawing/2014/main" id="{B6FCAA3E-BEB9-45E9-A3DE-0ED19B77EF7F}"/>
+              </a:ext>
+            </a:extLst>
+          </p:cNvPr>
+          <p:cNvSpPr txBox="1"/>
+          <p:nvPr/>
+        </p:nvSpPr>
+        <p:spPr>
+          <a:xfrm>
+            <a:off x="86157" y="6435080"/>
+            <a:ext cx="6094140" cy="369332"/>
+          </a:xfrm>
+          <a:prstGeom prst="rect">
+            <a:avLst/>
+          </a:prstGeom>
+          <a:noFill/>
+        </p:spPr>
+        <p:txBody>
+          <a:bodyPr wrap="square">
+            <a:spAutoFit/>
+          </a:bodyPr>
+          <a:lstStyle/>
+          <a:p>
+            <a:r>
+              <a:rPr lang="ko-KR" altLang="en-US">
+                <a:hlinkClick r:id="rId8"/>
+              </a:rPr>
+              <a:t>https://miro.com/app/board/o9J_la_xZok=/</a:t>
+            </a:r>
+            <a:endParaRPr lang="ko-KR" altLang="en-US"/>
+          </a:p>
+        </p:txBody>
+      </p:sp>
+    </p:spTree>
+    <p:extLst>
+      <p:ext uri="{BB962C8B-B14F-4D97-AF65-F5344CB8AC3E}">
+        <p14:creationId xmlns:p14="http://schemas.microsoft.com/office/powerpoint/2010/main" val="4082880612"/>
+      </p:ext>
+    </p:extLst>
+  </p:cSld>
+  <p:clrMapOvr>
+    <a:masterClrMapping/>
+  </p:clrMapOvr>
+</p:sld>
+</file>
+
 <file path=ppt/slides/slide8.xml><?xml version="1.0" encoding="utf-8"?>
 <p:sld xmlns:a="http://schemas.openxmlformats.org/drawingml/2006/main" xmlns:r="http://schemas.openxmlformats.org/officeDocument/2006/relationships" xmlns:p="http://schemas.openxmlformats.org/presentationml/2006/main">
   <p:cSld>
@@ -14806,7 +16069,7 @@
           <p:nvPr/>
         </p:nvPicPr>
         <p:blipFill rotWithShape="1">
-          <a:blip r:embed="rId2"/>
+          <a:blip r:embed="rId3"/>
           <a:srcRect r="6330"/>
           <a:stretch/>
         </p:blipFill>
@@ -15395,6 +16658,45 @@
           </a:p>
         </p:txBody>
       </p:sp>
+      <p:sp>
+        <p:nvSpPr>
+          <p:cNvPr id="8" name="TextBox 7">
+            <a:hlinkClick r:id="rId4"/>
+            <a:extLst>
+              <a:ext uri="{FF2B5EF4-FFF2-40B4-BE49-F238E27FC236}">
+                <a16:creationId xmlns:a16="http://schemas.microsoft.com/office/drawing/2014/main" id="{3564B04A-A229-4DC1-87EB-8B5E17C247B5}"/>
+              </a:ext>
+            </a:extLst>
+          </p:cNvPr>
+          <p:cNvSpPr txBox="1"/>
+          <p:nvPr/>
+        </p:nvSpPr>
+        <p:spPr>
+          <a:xfrm>
+            <a:off x="5547359" y="6190488"/>
+            <a:ext cx="6096000" cy="369332"/>
+          </a:xfrm>
+          <a:prstGeom prst="rect">
+            <a:avLst/>
+          </a:prstGeom>
+          <a:noFill/>
+        </p:spPr>
+        <p:txBody>
+          <a:bodyPr wrap="square">
+            <a:spAutoFit/>
+          </a:bodyPr>
+          <a:lstStyle/>
+          <a:p>
+            <a:r>
+              <a:rPr lang="ko-KR" altLang="en-US">
+                <a:hlinkClick r:id="rId4"/>
+              </a:rPr>
+              <a:t>https://getakka.net/</a:t>
+            </a:r>
+            <a:endParaRPr lang="ko-KR" altLang="en-US"/>
+          </a:p>
+        </p:txBody>
+      </p:sp>
     </p:spTree>
     <p:extLst>
       <p:ext uri="{BB962C8B-B14F-4D97-AF65-F5344CB8AC3E}">
@@ -16127,4 +17429,299 @@
     </a:ext>
   </a:extLst>
 </a:theme>
+</file>
+
+<file path=ppt/theme/theme2.xml><?xml version="1.0" encoding="utf-8"?>
+<a:theme xmlns:a="http://schemas.openxmlformats.org/drawingml/2006/main" name="Office 테마">
+  <a:themeElements>
+    <a:clrScheme name="Office">
+      <a:dk1>
+        <a:sysClr val="windowText" lastClr="000000"/>
+      </a:dk1>
+      <a:lt1>
+        <a:sysClr val="window" lastClr="FFFFFF"/>
+      </a:lt1>
+      <a:dk2>
+        <a:srgbClr val="44546A"/>
+      </a:dk2>
+      <a:lt2>
+        <a:srgbClr val="E7E6E6"/>
+      </a:lt2>
+      <a:accent1>
+        <a:srgbClr val="4472C4"/>
+      </a:accent1>
+      <a:accent2>
+        <a:srgbClr val="ED7D31"/>
+      </a:accent2>
+      <a:accent3>
+        <a:srgbClr val="A5A5A5"/>
+      </a:accent3>
+      <a:accent4>
+        <a:srgbClr val="FFC000"/>
+      </a:accent4>
+      <a:accent5>
+        <a:srgbClr val="5B9BD5"/>
+      </a:accent5>
+      <a:accent6>
+        <a:srgbClr val="70AD47"/>
+      </a:accent6>
+      <a:hlink>
+        <a:srgbClr val="0563C1"/>
+      </a:hlink>
+      <a:folHlink>
+        <a:srgbClr val="954F72"/>
+      </a:folHlink>
+    </a:clrScheme>
+    <a:fontScheme name="Office">
+      <a:majorFont>
+        <a:latin typeface="맑은 고딕" panose="020F0302020204030204"/>
+        <a:ea typeface=""/>
+        <a:cs typeface=""/>
+        <a:font script="Jpan" typeface="游ゴシック Light"/>
+        <a:font script="Hang" typeface="맑은 고딕"/>
+        <a:font script="Hans" typeface="等线 Light"/>
+        <a:font script="Hant" typeface="新細明體"/>
+        <a:font script="Arab" typeface="Times New Roman"/>
+        <a:font script="Hebr" typeface="Times New Roman"/>
+        <a:font script="Thai" typeface="Angsana New"/>
+        <a:font script="Ethi" typeface="Nyala"/>
+        <a:font script="Beng" typeface="Vrinda"/>
+        <a:font script="Gujr" typeface="Shruti"/>
+        <a:font script="Khmr" typeface="MoolBoran"/>
+        <a:font script="Knda" typeface="Tunga"/>
+        <a:font script="Guru" typeface="Raavi"/>
+        <a:font script="Cans" typeface="Euphemia"/>
+        <a:font script="Cher" typeface="Plantagenet Cherokee"/>
+        <a:font script="Yiii" typeface="Microsoft Yi Baiti"/>
+        <a:font script="Tibt" typeface="Microsoft Himalaya"/>
+        <a:font script="Thaa" typeface="MV Boli"/>
+        <a:font script="Deva" typeface="Mangal"/>
+        <a:font script="Telu" typeface="Gautami"/>
+        <a:font script="Taml" typeface="Latha"/>
+        <a:font script="Syrc" typeface="Estrangelo Edessa"/>
+        <a:font script="Orya" typeface="Kalinga"/>
+        <a:font script="Mlym" typeface="Kartika"/>
+        <a:font script="Laoo" typeface="DokChampa"/>
+        <a:font script="Sinh" typeface="Iskoola Pota"/>
+        <a:font script="Mong" typeface="Mongolian Baiti"/>
+        <a:font script="Viet" typeface="Times New Roman"/>
+        <a:font script="Uigh" typeface="Microsoft Uighur"/>
+        <a:font script="Geor" typeface="Sylfaen"/>
+        <a:font script="Armn" typeface="Arial"/>
+        <a:font script="Bugi" typeface="Leelawadee UI"/>
+        <a:font script="Bopo" typeface="Microsoft JhengHei"/>
+        <a:font script="Java" typeface="Javanese Text"/>
+        <a:font script="Lisu" typeface="Segoe UI"/>
+        <a:font script="Mymr" typeface="Myanmar Text"/>
+        <a:font script="Nkoo" typeface="Ebrima"/>
+        <a:font script="Olck" typeface="Nirmala UI"/>
+        <a:font script="Osma" typeface="Ebrima"/>
+        <a:font script="Phag" typeface="Phagspa"/>
+        <a:font script="Syrn" typeface="Estrangelo Edessa"/>
+        <a:font script="Syrj" typeface="Estrangelo Edessa"/>
+        <a:font script="Syre" typeface="Estrangelo Edessa"/>
+        <a:font script="Sora" typeface="Nirmala UI"/>
+        <a:font script="Tale" typeface="Microsoft Tai Le"/>
+        <a:font script="Talu" typeface="Microsoft New Tai Lue"/>
+        <a:font script="Tfng" typeface="Ebrima"/>
+      </a:majorFont>
+      <a:minorFont>
+        <a:latin typeface="맑은 고딕" panose="020F0502020204030204"/>
+        <a:ea typeface=""/>
+        <a:cs typeface=""/>
+        <a:font script="Jpan" typeface="游ゴシック"/>
+        <a:font script="Hang" typeface="맑은 고딕"/>
+        <a:font script="Hans" typeface="等线"/>
+        <a:font script="Hant" typeface="新細明體"/>
+        <a:font script="Arab" typeface="Arial"/>
+        <a:font script="Hebr" typeface="Arial"/>
+        <a:font script="Thai" typeface="Cordia New"/>
+        <a:font script="Ethi" typeface="Nyala"/>
+        <a:font script="Beng" typeface="Vrinda"/>
+        <a:font script="Gujr" typeface="Shruti"/>
+        <a:font script="Khmr" typeface="DaunPenh"/>
+        <a:font script="Knda" typeface="Tunga"/>
+        <a:font script="Guru" typeface="Raavi"/>
+        <a:font script="Cans" typeface="Euphemia"/>
+        <a:font script="Cher" typeface="Plantagenet Cherokee"/>
+        <a:font script="Yiii" typeface="Microsoft Yi Baiti"/>
+        <a:font script="Tibt" typeface="Microsoft Himalaya"/>
+        <a:font script="Thaa" typeface="MV Boli"/>
+        <a:font script="Deva" typeface="Mangal"/>
+        <a:font script="Telu" typeface="Gautami"/>
+        <a:font script="Taml" typeface="Latha"/>
+        <a:font script="Syrc" typeface="Estrangelo Edessa"/>
+        <a:font script="Orya" typeface="Kalinga"/>
+        <a:font script="Mlym" typeface="Kartika"/>
+        <a:font script="Laoo" typeface="DokChampa"/>
+        <a:font script="Sinh" typeface="Iskoola Pota"/>
+        <a:font script="Mong" typeface="Mongolian Baiti"/>
+        <a:font script="Viet" typeface="Arial"/>
+        <a:font script="Uigh" typeface="Microsoft Uighur"/>
+        <a:font script="Geor" typeface="Sylfaen"/>
+        <a:font script="Armn" typeface="Arial"/>
+        <a:font script="Bugi" typeface="Leelawadee UI"/>
+        <a:font script="Bopo" typeface="Microsoft JhengHei"/>
+        <a:font script="Java" typeface="Javanese Text"/>
+        <a:font script="Lisu" typeface="Segoe UI"/>
+        <a:font script="Mymr" typeface="Myanmar Text"/>
+        <a:font script="Nkoo" typeface="Ebrima"/>
+        <a:font script="Olck" typeface="Nirmala UI"/>
+        <a:font script="Osma" typeface="Ebrima"/>
+        <a:font script="Phag" typeface="Phagspa"/>
+        <a:font script="Syrn" typeface="Estrangelo Edessa"/>
+        <a:font script="Syrj" typeface="Estrangelo Edessa"/>
+        <a:font script="Syre" typeface="Estrangelo Edessa"/>
+        <a:font script="Sora" typeface="Nirmala UI"/>
+        <a:font script="Tale" typeface="Microsoft Tai Le"/>
+        <a:font script="Talu" typeface="Microsoft New Tai Lue"/>
+        <a:font script="Tfng" typeface="Ebrima"/>
+      </a:minorFont>
+    </a:fontScheme>
+    <a:fmtScheme name="Office">
+      <a:fillStyleLst>
+        <a:solidFill>
+          <a:schemeClr val="phClr"/>
+        </a:solidFill>
+        <a:gradFill rotWithShape="1">
+          <a:gsLst>
+            <a:gs pos="0">
+              <a:schemeClr val="phClr">
+                <a:lumMod val="110000"/>
+                <a:satMod val="105000"/>
+                <a:tint val="67000"/>
+              </a:schemeClr>
+            </a:gs>
+            <a:gs pos="50000">
+              <a:schemeClr val="phClr">
+                <a:lumMod val="105000"/>
+                <a:satMod val="103000"/>
+                <a:tint val="73000"/>
+              </a:schemeClr>
+            </a:gs>
+            <a:gs pos="100000">
+              <a:schemeClr val="phClr">
+                <a:lumMod val="105000"/>
+                <a:satMod val="109000"/>
+                <a:tint val="81000"/>
+              </a:schemeClr>
+            </a:gs>
+          </a:gsLst>
+          <a:lin ang="5400000" scaled="0"/>
+        </a:gradFill>
+        <a:gradFill rotWithShape="1">
+          <a:gsLst>
+            <a:gs pos="0">
+              <a:schemeClr val="phClr">
+                <a:satMod val="103000"/>
+                <a:lumMod val="102000"/>
+                <a:tint val="94000"/>
+              </a:schemeClr>
+            </a:gs>
+            <a:gs pos="50000">
+              <a:schemeClr val="phClr">
+                <a:satMod val="110000"/>
+                <a:lumMod val="100000"/>
+                <a:shade val="100000"/>
+              </a:schemeClr>
+            </a:gs>
+            <a:gs pos="100000">
+              <a:schemeClr val="phClr">
+                <a:lumMod val="99000"/>
+                <a:satMod val="120000"/>
+                <a:shade val="78000"/>
+              </a:schemeClr>
+            </a:gs>
+          </a:gsLst>
+          <a:lin ang="5400000" scaled="0"/>
+        </a:gradFill>
+      </a:fillStyleLst>
+      <a:lnStyleLst>
+        <a:ln w="6350" cap="flat" cmpd="sng" algn="ctr">
+          <a:solidFill>
+            <a:schemeClr val="phClr"/>
+          </a:solidFill>
+          <a:prstDash val="solid"/>
+          <a:miter lim="800000"/>
+        </a:ln>
+        <a:ln w="12700" cap="flat" cmpd="sng" algn="ctr">
+          <a:solidFill>
+            <a:schemeClr val="phClr"/>
+          </a:solidFill>
+          <a:prstDash val="solid"/>
+          <a:miter lim="800000"/>
+        </a:ln>
+        <a:ln w="19050" cap="flat" cmpd="sng" algn="ctr">
+          <a:solidFill>
+            <a:schemeClr val="phClr"/>
+          </a:solidFill>
+          <a:prstDash val="solid"/>
+          <a:miter lim="800000"/>
+        </a:ln>
+      </a:lnStyleLst>
+      <a:effectStyleLst>
+        <a:effectStyle>
+          <a:effectLst/>
+        </a:effectStyle>
+        <a:effectStyle>
+          <a:effectLst/>
+        </a:effectStyle>
+        <a:effectStyle>
+          <a:effectLst>
+            <a:outerShdw blurRad="57150" dist="19050" dir="5400000" algn="ctr" rotWithShape="0">
+              <a:srgbClr val="000000">
+                <a:alpha val="63000"/>
+              </a:srgbClr>
+            </a:outerShdw>
+          </a:effectLst>
+        </a:effectStyle>
+      </a:effectStyleLst>
+      <a:bgFillStyleLst>
+        <a:solidFill>
+          <a:schemeClr val="phClr"/>
+        </a:solidFill>
+        <a:solidFill>
+          <a:schemeClr val="phClr">
+            <a:tint val="95000"/>
+            <a:satMod val="170000"/>
+          </a:schemeClr>
+        </a:solidFill>
+        <a:gradFill rotWithShape="1">
+          <a:gsLst>
+            <a:gs pos="0">
+              <a:schemeClr val="phClr">
+                <a:tint val="93000"/>
+                <a:satMod val="150000"/>
+                <a:shade val="98000"/>
+                <a:lumMod val="102000"/>
+              </a:schemeClr>
+            </a:gs>
+            <a:gs pos="50000">
+              <a:schemeClr val="phClr">
+                <a:tint val="98000"/>
+                <a:satMod val="130000"/>
+                <a:shade val="90000"/>
+                <a:lumMod val="103000"/>
+              </a:schemeClr>
+            </a:gs>
+            <a:gs pos="100000">
+              <a:schemeClr val="phClr">
+                <a:shade val="63000"/>
+                <a:satMod val="120000"/>
+              </a:schemeClr>
+            </a:gs>
+          </a:gsLst>
+          <a:lin ang="5400000" scaled="0"/>
+        </a:gradFill>
+      </a:bgFillStyleLst>
+    </a:fmtScheme>
+  </a:themeElements>
+  <a:objectDefaults/>
+  <a:extraClrSchemeLst/>
+  <a:extLst>
+    <a:ext uri="{05A4C25C-085E-4340-85A3-A5531E510DB2}">
+      <thm15:themeFamily xmlns:thm15="http://schemas.microsoft.com/office/thememl/2012/main" name="Office Theme" id="{62F939B6-93AF-4DB8-9C6B-D6C7DFDC589F}" vid="{4A3C46E8-61CC-4603-A589-7422A47A8E4A}"/>
+    </a:ext>
+  </a:extLst>
+</a:theme>
 </file>
--- a/Doc/DotCoreApiWithAkka.pptx
+++ b/Doc/DotCoreApiWithAkka.pptx
@@ -6619,7 +6619,7 @@
           <a:p>
             <a:fld id="{A478D2B2-F87E-4FD1-B11B-0D1F06EB0E3B}" type="datetimeFigureOut">
               <a:rPr lang="ko-KR" altLang="en-US" smtClean="0"/>
-              <a:t>2020-12-24</a:t>
+              <a:t>2021-01-17</a:t>
             </a:fld>
             <a:endParaRPr lang="ko-KR" altLang="en-US"/>
           </a:p>
@@ -7117,7 +7117,7 @@
           <a:p>
             <a:fld id="{E4AC4D70-3546-472A-9851-04223EA4CCD5}" type="datetimeFigureOut">
               <a:rPr lang="ko-KR" altLang="en-US" smtClean="0"/>
-              <a:t>2020-12-20</a:t>
+              <a:t>2021-01-17</a:t>
             </a:fld>
             <a:endParaRPr lang="ko-KR" altLang="en-US"/>
           </a:p>
@@ -7315,7 +7315,7 @@
           <a:p>
             <a:fld id="{E4AC4D70-3546-472A-9851-04223EA4CCD5}" type="datetimeFigureOut">
               <a:rPr lang="ko-KR" altLang="en-US" smtClean="0"/>
-              <a:t>2020-12-20</a:t>
+              <a:t>2021-01-17</a:t>
             </a:fld>
             <a:endParaRPr lang="ko-KR" altLang="en-US"/>
           </a:p>
@@ -7523,7 +7523,7 @@
           <a:p>
             <a:fld id="{E4AC4D70-3546-472A-9851-04223EA4CCD5}" type="datetimeFigureOut">
               <a:rPr lang="ko-KR" altLang="en-US" smtClean="0"/>
-              <a:t>2020-12-20</a:t>
+              <a:t>2021-01-17</a:t>
             </a:fld>
             <a:endParaRPr lang="ko-KR" altLang="en-US"/>
           </a:p>
@@ -7721,7 +7721,7 @@
           <a:p>
             <a:fld id="{E4AC4D70-3546-472A-9851-04223EA4CCD5}" type="datetimeFigureOut">
               <a:rPr lang="ko-KR" altLang="en-US" smtClean="0"/>
-              <a:t>2020-12-20</a:t>
+              <a:t>2021-01-17</a:t>
             </a:fld>
             <a:endParaRPr lang="ko-KR" altLang="en-US"/>
           </a:p>
@@ -7996,7 +7996,7 @@
           <a:p>
             <a:fld id="{E4AC4D70-3546-472A-9851-04223EA4CCD5}" type="datetimeFigureOut">
               <a:rPr lang="ko-KR" altLang="en-US" smtClean="0"/>
-              <a:t>2020-12-20</a:t>
+              <a:t>2021-01-17</a:t>
             </a:fld>
             <a:endParaRPr lang="ko-KR" altLang="en-US"/>
           </a:p>
@@ -8261,7 +8261,7 @@
           <a:p>
             <a:fld id="{E4AC4D70-3546-472A-9851-04223EA4CCD5}" type="datetimeFigureOut">
               <a:rPr lang="ko-KR" altLang="en-US" smtClean="0"/>
-              <a:t>2020-12-20</a:t>
+              <a:t>2021-01-17</a:t>
             </a:fld>
             <a:endParaRPr lang="ko-KR" altLang="en-US"/>
           </a:p>
@@ -8673,7 +8673,7 @@
           <a:p>
             <a:fld id="{E4AC4D70-3546-472A-9851-04223EA4CCD5}" type="datetimeFigureOut">
               <a:rPr lang="ko-KR" altLang="en-US" smtClean="0"/>
-              <a:t>2020-12-20</a:t>
+              <a:t>2021-01-17</a:t>
             </a:fld>
             <a:endParaRPr lang="ko-KR" altLang="en-US"/>
           </a:p>
@@ -8814,7 +8814,7 @@
           <a:p>
             <a:fld id="{E4AC4D70-3546-472A-9851-04223EA4CCD5}" type="datetimeFigureOut">
               <a:rPr lang="ko-KR" altLang="en-US" smtClean="0"/>
-              <a:t>2020-12-20</a:t>
+              <a:t>2021-01-17</a:t>
             </a:fld>
             <a:endParaRPr lang="ko-KR" altLang="en-US"/>
           </a:p>
@@ -8927,7 +8927,7 @@
           <a:p>
             <a:fld id="{E4AC4D70-3546-472A-9851-04223EA4CCD5}" type="datetimeFigureOut">
               <a:rPr lang="ko-KR" altLang="en-US" smtClean="0"/>
-              <a:t>2020-12-20</a:t>
+              <a:t>2021-01-17</a:t>
             </a:fld>
             <a:endParaRPr lang="ko-KR" altLang="en-US"/>
           </a:p>
@@ -9238,7 +9238,7 @@
           <a:p>
             <a:fld id="{E4AC4D70-3546-472A-9851-04223EA4CCD5}" type="datetimeFigureOut">
               <a:rPr lang="ko-KR" altLang="en-US" smtClean="0"/>
-              <a:t>2020-12-20</a:t>
+              <a:t>2021-01-17</a:t>
             </a:fld>
             <a:endParaRPr lang="ko-KR" altLang="en-US"/>
           </a:p>
@@ -9526,7 +9526,7 @@
           <a:p>
             <a:fld id="{E4AC4D70-3546-472A-9851-04223EA4CCD5}" type="datetimeFigureOut">
               <a:rPr lang="ko-KR" altLang="en-US" smtClean="0"/>
-              <a:t>2020-12-20</a:t>
+              <a:t>2021-01-17</a:t>
             </a:fld>
             <a:endParaRPr lang="ko-KR" altLang="en-US"/>
           </a:p>
@@ -9767,7 +9767,7 @@
           <a:p>
             <a:fld id="{E4AC4D70-3546-472A-9851-04223EA4CCD5}" type="datetimeFigureOut">
               <a:rPr lang="ko-KR" altLang="en-US" smtClean="0"/>
-              <a:t>2020-12-20</a:t>
+              <a:t>2021-01-17</a:t>
             </a:fld>
             <a:endParaRPr lang="ko-KR" altLang="en-US"/>
           </a:p>
@@ -10265,7 +10265,7 @@
             <a:pPr algn="l"/>
             <a:r>
               <a:rPr lang="en-US" altLang="ko-KR"/>
-              <a:t>NET Conf Korea 2021</a:t>
+              <a:t>.NET Conf Korea 2021</a:t>
             </a:r>
             <a:endParaRPr lang="ko-KR" altLang="en-US"/>
           </a:p>
